--- a/наЗащиту.pptx
+++ b/наЗащиту.pptx
@@ -4,6 +4,9 @@
   <p:sldMasterIdLst>
     <p:sldMasterId id="2147483648" r:id="rId1"/>
   </p:sldMasterIdLst>
+  <p:notesMasterIdLst>
+    <p:notesMasterId r:id="rId17"/>
+  </p:notesMasterIdLst>
   <p:sldIdLst>
     <p:sldId id="256" r:id="rId2"/>
     <p:sldId id="257" r:id="rId3"/>
@@ -19,6 +22,7 @@
     <p:sldId id="267" r:id="rId13"/>
     <p:sldId id="268" r:id="rId14"/>
     <p:sldId id="269" r:id="rId15"/>
+    <p:sldId id="270" r:id="rId16"/>
   </p:sldIdLst>
   <p:sldSz cx="12192000" cy="6858000"/>
   <p:notesSz cx="6858000" cy="9144000"/>
@@ -120,6 +124,5169 @@
 </p:presentation>
 </file>
 
+<file path=ppt/ink/ink1.xml><?xml version="1.0" encoding="utf-8"?>
+<inkml:ink xmlns:inkml="http://www.w3.org/2003/InkML">
+  <inkml:definitions>
+    <inkml:context xml:id="ctx0">
+      <inkml:inkSource xml:id="inkSrc0">
+        <inkml:traceFormat>
+          <inkml:channel name="X" type="integer" min="-2.14748E9" max="2.14748E9" units="cm"/>
+          <inkml:channel name="Y" type="integer" min="-2.14748E9" max="2.14748E9" units="cm"/>
+          <inkml:channel name="F" type="integer" max="32767" units="dev"/>
+        </inkml:traceFormat>
+        <inkml:channelProperties>
+          <inkml:channelProperty channel="X" name="resolution" value="1000" units="1/cm"/>
+          <inkml:channelProperty channel="Y" name="resolution" value="1000" units="1/cm"/>
+          <inkml:channelProperty channel="F" name="resolution" value="0" units="1/dev"/>
+        </inkml:channelProperties>
+      </inkml:inkSource>
+      <inkml:timestamp xml:id="ts0" timeString="2024-06-18T19:48:59.364"/>
+    </inkml:context>
+    <inkml:brush xml:id="br0">
+      <inkml:brushProperty name="width" value="0.2" units="cm"/>
+      <inkml:brushProperty name="height" value="0.2" units="cm"/>
+      <inkml:brushProperty name="color" value="#FFFFFF"/>
+    </inkml:brush>
+  </inkml:definitions>
+  <inkml:trace contextRef="#ctx0" brushRef="#br0">20 1131 24575,'4'-2'0,"-1"-1"0,1 1 0,0-1 0,0 1 0,0 0 0,7-2 0,7-4 0,124-53 0,-7 4 0,-131 55 0,1-1 0,-1 1 0,0-1 0,0 1 0,0-1 0,0-1 0,0 1 0,-1 0 0,0-1 0,1 0 0,-1 0 0,-1 0 0,5-6 0,-6 7 0,0 0 0,0 0 0,-1 0 0,1 0 0,-1 0 0,1 0 0,-1 0 0,0-1 0,0 1 0,-1 0 0,1 0 0,0 0 0,-1 0 0,0 0 0,0 0 0,0 0 0,0 0 0,0 1 0,-1-1 0,1 0 0,-1 1 0,-3-6 0,-9-7 0,0 0 0,-1 0 0,-1 2 0,0 0 0,-1 0 0,-22-11 0,26 15 0,-22-11 0,0 1 0,-1 2 0,-41-13 0,31 13 0,46 16 0,-1 1 0,0 0 0,0 0 0,0 0 0,0 0 0,1-1 0,-1 1 0,0 0 0,0 0 0,1-1 0,-1 1 0,0-1 0,1 1 0,-1-1 0,0 1 0,1-1 0,-1 1 0,0-1 0,1 0 0,-1 1 0,1-1 0,0 0 0,-1 1 0,1-1 0,-1 0 0,1 0 0,0 1 0,0-1 0,-1 0 0,1 0 0,0 0 0,0-1 0,1 1 0,0-1 0,0 0 0,1 0 0,-1 1 0,1-1 0,-1 0 0,1 1 0,-1 0 0,1-1 0,2 0 0,5-5 0,-5 3 0,1 1 0,-1-1 0,0 0 0,0 0 0,0 0 0,0-1 0,-1 1 0,1-1 0,-1 0 0,-1 0 0,1 0 0,-1 0 0,0 0 0,0-1 0,0 1 0,-1-1 0,1 1 0,-2-1 0,1 0 0,0 0 0,-1 1 0,0-1 0,-1 0 0,1 1 0,-1-1 0,0 0 0,0 1 0,-1-1 0,0 1 0,-4-10 0,-6-8 0,6 11 0,0 0 0,0 0 0,-4-17 0,9 25 0,0 0 0,0-1 0,1 1 0,-1 0 0,1 0 0,0 0 0,1 0 0,-1 0 0,1 0 0,-1 0 0,1-1 0,0 1 0,1 1 0,-1-1 0,3-4 0,0-1 0,-2 6 0,0 1 0,-1 0 0,1-1 0,-1 1 0,0-1 0,0 0 0,0 1 0,0-1 0,0 0 0,0 0 0,-1 0 0,1 1 0,-1-1 0,0 0 0,0 0 0,0 0 0,0 0 0,0 0 0,-1 0 0,0 1 0,1-1 0,-1 0 0,0 0 0,0 1 0,-2-4 0,1 2 0,-3-3 0,1 0 0,0-1 0,0 1 0,1-1 0,-3-9 0,5 14 0,1 1 0,0 0 0,-1-1 0,1 1 0,0 0 0,0-1 0,0 1 0,0 0 0,1-1 0,-1 1 0,1 0 0,0-1 0,-1 1 0,1 0 0,0 0 0,0 0 0,0-1 0,0 1 0,1 0 0,-1 1 0,1-1 0,-1 0 0,4-3 0,9-5 0,1 0 0,0 1 0,0 1 0,1 1 0,0 0 0,32-10 0,-41 15 0,0 0 0,0 1 0,0-1 0,0 1 0,0 0 0,1 1 0,-1 0 0,0 0 0,0 1 0,0 0 0,13 2 0,-17-1 0,1-1 0,-1 1 0,1-1 0,-1 1 0,0 0 0,0 0 0,0 1 0,0-1 0,0 1 0,0-1 0,-1 1 0,1 0 0,-1 0 0,0 0 0,0 0 0,0 0 0,0 1 0,-1-1 0,1 1 0,-1-1 0,0 1 0,0-1 0,1 6 0,3 29 0,-1 0 0,-2 0 0,-2 0 0,-5 40 0,2 59 0,12-24 0,29 139 0,-28-191 0,11 73 0,-6 1 0,-3 152 0,-13-264 0,0 2 0,1-1 0,1 1 0,1 0 0,1-1 0,1 1 0,12 38 0,58 182-1365,-55-193-5461</inkml:trace>
+</inkml:ink>
+</file>
+
+<file path=ppt/ink/ink2.xml><?xml version="1.0" encoding="utf-8"?>
+<inkml:ink xmlns:inkml="http://www.w3.org/2003/InkML">
+  <inkml:definitions>
+    <inkml:context xml:id="ctx0">
+      <inkml:inkSource xml:id="inkSrc0">
+        <inkml:traceFormat>
+          <inkml:channel name="X" type="integer" min="-2.14748E9" max="2.14748E9" units="cm"/>
+          <inkml:channel name="Y" type="integer" min="-2.14748E9" max="2.14748E9" units="cm"/>
+          <inkml:channel name="F" type="integer" max="32767" units="dev"/>
+        </inkml:traceFormat>
+        <inkml:channelProperties>
+          <inkml:channelProperty channel="X" name="resolution" value="1000" units="1/cm"/>
+          <inkml:channelProperty channel="Y" name="resolution" value="1000" units="1/cm"/>
+          <inkml:channelProperty channel="F" name="resolution" value="0" units="1/dev"/>
+        </inkml:channelProperties>
+      </inkml:inkSource>
+      <inkml:timestamp xml:id="ts0" timeString="2024-06-18T19:49:08.774"/>
+    </inkml:context>
+    <inkml:brush xml:id="br0">
+      <inkml:brushProperty name="width" value="0.2" units="cm"/>
+      <inkml:brushProperty name="height" value="0.2" units="cm"/>
+      <inkml:brushProperty name="color" value="#FFFFFF"/>
+    </inkml:brush>
+  </inkml:definitions>
+  <inkml:trace contextRef="#ctx0" brushRef="#br0">126 663 24575,'-1'-42'0,"-9"-42"0,1 0 0,7 53 0,-2 1 0,-1-1 0,-1 1 0,-2 0 0,-1 1 0,-1 0 0,-25-50 0,34 78 0,0-1 0,0 0 0,0 0 0,0 1 0,-1-1 0,1 1 0,0-1 0,-1 1 0,1 0 0,-1 0 0,1-1 0,-3 0 0,-3 5 0,6 13 0,22 93 0,1 5 0,-21-99 0,1 0 0,-2 1 0,0-1 0,-1 0 0,-4 23 0,-8-4 0,5-25 0,8-9 0,-1 0 0,1-1 0,-1 1 0,1 0 0,0-1 0,-1 1 0,1-1 0,0 1 0,-1-1 0,1 1 0,0-1 0,-1 1 0,1-1 0,0 1 0,0-1 0,0 1 0,0-1 0,-1 1 0,1-1 0,0 1 0,0-1 0,0 0 0,0 1 0,0-1 0,1 0 0,-4-52 0,7-99 0,1 51 0,-4-123 0,1 257 0,2-2 0,1 1 0,1 0 0,17 48 0,-12-44 0,-2 1 0,-1 0 0,3 37 0,-9 23 0,-17 157 0,8-177 0,1 22 0,10 141 0,-3-223 0,-1 0 0,-1-1 0,0 1 0,-1-1 0,0 1 0,-7 19 0,8-33 0,0 0 0,0 0 0,1 0 0,-1 0 0,1 1 0,-1-1 0,1 0 0,0 0 0,0 0 0,0 1 0,1-1 0,-1 0 0,1 0 0,1 5 0,-1-6 0,0-1 0,0 1 0,1-1 0,-1 1 0,0-1 0,1 1 0,-1-1 0,1 0 0,-1 0 0,1 0 0,0 0 0,-1 0 0,1 0 0,0 0 0,0 0 0,0-1 0,0 1 0,-1-1 0,1 1 0,0-1 0,0 0 0,4 0 0,17 2 0,-23-2 0,-13-1 0,15 2 0,1 0 0,0 1 0,0-1 0,0 0 0,0 1 0,0-1 0,0 1 0,0 0 0,-1 0 0,1 0 0,-1 1 0,1-1 0,-1 0 0,0 1 0,0 0 0,0-1 0,0 1 0,-1 0 0,1 0 0,-1 0 0,2 3 0,-4 33 0,1-33 0,-1-1 0,1 1 0,0 0 0,0 0 0,1-1 0,1 8 0,-2-12 0,1 0 0,-1 0 0,1 0 0,-1 0 0,1 0 0,0 0 0,-1 0 0,1 0 0,0 0 0,0 0 0,0 0 0,0-1 0,0 1 0,0 0 0,0-1 0,0 1 0,0-1 0,0 1 0,0-1 0,2 1 0,28 4 0,-17-3 0,16 4 0,48 15 0,-71-18 0,1-1 0,-1 1 0,0 0 0,-1 0 0,1 1 0,-1 0 0,1 1 0,-1-1 0,-1 1 0,1 0 0,0 0 0,5 8 0,-10-11-124,0 0 0,0-1 0,0 1 0,0 0 0,-1 0 0,1 0-1,0 0 1,-1 0 0,0 0 0,1 4 0</inkml:trace>
+</inkml:ink>
+</file>
+
+<file path=ppt/ink/ink3.xml><?xml version="1.0" encoding="utf-8"?>
+<inkml:ink xmlns:inkml="http://www.w3.org/2003/InkML">
+  <inkml:definitions>
+    <inkml:context xml:id="ctx0">
+      <inkml:inkSource xml:id="inkSrc0">
+        <inkml:traceFormat>
+          <inkml:channel name="X" type="integer" min="-2.14748E9" max="2.14748E9" units="cm"/>
+          <inkml:channel name="Y" type="integer" min="-2.14748E9" max="2.14748E9" units="cm"/>
+          <inkml:channel name="F" type="integer" max="32767" units="dev"/>
+        </inkml:traceFormat>
+        <inkml:channelProperties>
+          <inkml:channelProperty channel="X" name="resolution" value="1000" units="1/cm"/>
+          <inkml:channelProperty channel="Y" name="resolution" value="1000" units="1/cm"/>
+          <inkml:channelProperty channel="F" name="resolution" value="0" units="1/dev"/>
+        </inkml:channelProperties>
+      </inkml:inkSource>
+      <inkml:timestamp xml:id="ts0" timeString="2024-06-18T19:49:11.584"/>
+    </inkml:context>
+    <inkml:brush xml:id="br0">
+      <inkml:brushProperty name="width" value="0.2" units="cm"/>
+      <inkml:brushProperty name="height" value="0.2" units="cm"/>
+      <inkml:brushProperty name="color" value="#FFFFFF"/>
+    </inkml:brush>
+  </inkml:definitions>
+  <inkml:trace contextRef="#ctx0" brushRef="#br0">57 1 24575,'-4'0'0,"-11"0"0,-7 0 0,9 0 0,11 0 0,10 0 0,14 0 0,6 9 0,-1 7 0,-5 10 0,-6 14 0,-7 5 0,-3-6-8191</inkml:trace>
+</inkml:ink>
+</file>
+
+<file path=ppt/ink/ink4.xml><?xml version="1.0" encoding="utf-8"?>
+<inkml:ink xmlns:inkml="http://www.w3.org/2003/InkML">
+  <inkml:definitions>
+    <inkml:context xml:id="ctx0">
+      <inkml:inkSource xml:id="inkSrc0">
+        <inkml:traceFormat>
+          <inkml:channel name="X" type="integer" min="-2.14748E9" max="2.14748E9" units="cm"/>
+          <inkml:channel name="Y" type="integer" min="-2.14748E9" max="2.14748E9" units="cm"/>
+          <inkml:channel name="F" type="integer" max="32767" units="dev"/>
+        </inkml:traceFormat>
+        <inkml:channelProperties>
+          <inkml:channelProperty channel="X" name="resolution" value="1000" units="1/cm"/>
+          <inkml:channelProperty channel="Y" name="resolution" value="1000" units="1/cm"/>
+          <inkml:channelProperty channel="F" name="resolution" value="0" units="1/dev"/>
+        </inkml:channelProperties>
+      </inkml:inkSource>
+      <inkml:timestamp xml:id="ts0" timeString="2024-06-18T19:51:17.455"/>
+    </inkml:context>
+    <inkml:brush xml:id="br0">
+      <inkml:brushProperty name="width" value="0.2" units="cm"/>
+      <inkml:brushProperty name="height" value="0.2" units="cm"/>
+      <inkml:brushProperty name="color" value="#FFFFFF"/>
+    </inkml:brush>
+  </inkml:definitions>
+  <inkml:trace contextRef="#ctx0" brushRef="#br0">687 133 24575,'-11'-9'0,"-1"1"0,0 1 0,0 0 0,-1 1 0,0 0 0,0 1 0,-22-6 0,18 5 0,-23-6 0,0 2 0,0 2 0,-77-5 0,38 10 0,-82 7 0,240-9 0,368-16 0,-387 21 0,-1 3 0,97 16 0,-84-6 0,-1-3 0,95 0 0,-150-10 0,-9 0 0,-1 0 0,0 0 0,0 0 0,0 0 0,0 1 0,0 0 0,0 1 0,0-1 0,9 4 0,-14 0 0,-10-2 0,-16 3 0,21-5 0,-173 30 0,-2-7 0,-257 1 0,85-27 0,1668 3 0,-1298-1 0,0 0 0,0 2 0,-1 1 0,1 0 0,0 1 0,-1 1 0,0 1 0,28 12 0,-40-15 0,0 0 0,0 1 0,0 0 0,-1 0 0,1 0 0,-1 0 0,0 1 0,0 0 0,0 0 0,-1 0 0,0 1 0,0-1 0,0 1 0,-1 0 0,0 0 0,0 1 0,0-1 0,-1 0 0,0 1 0,0 0 0,-1-1 0,1 1 0,-2 0 0,1 0 0,-1 0 0,0 12 0,-2-9 0,1 1 0,-1-1 0,0 0 0,-1 1 0,-1-1 0,1-1 0,-1 1 0,-1 0 0,0-1 0,-11 16 0,6-13 0,1-1 0,-2 0 0,0 0 0,0-1 0,-1 0 0,-24 15 0,11-12 0,-1 0 0,0-1 0,0-2 0,-1-1 0,-1-1 0,1-1 0,-47 5 0,48-10 0,-1-1 0,1-1 0,0-1 0,-1-2 0,-25-5 0,7-2 0,0-2 0,-42-19 0,71 25 0,0-1 0,0 0 0,1-1 0,0-1 0,0-1 0,1 0 0,0-1 0,1 0 0,0-1 0,1-1 0,1 0 0,-19-25 0,28 34 0,1 1 0,-1 0 0,1-1 0,-1 1 0,1-1 0,0 0 0,0 1 0,1-1 0,-1 0 0,1 0 0,-1 1 0,1-1 0,0 0 0,1 0 0,-1 0 0,1 1 0,0-1 0,0 0 0,0 1 0,0-1 0,0 1 0,1-1 0,0 1 0,0 0 0,0-1 0,0 1 0,0 0 0,0 0 0,1 0 0,5-4 0,6-5 0,1 0 0,0 1 0,1 1 0,0 0 0,17-7 0,55-26 0,134-48 0,-184 79 0,0 1 0,0 2 0,0 2 0,1 1 0,0 2 0,69 3 0,-95 1 0,0 1 0,0 1 0,0 0 0,0 1 0,0 0 0,-1 1 0,0 1 0,0 0 0,0 0 0,0 1 0,-1 1 0,0 0 0,0 0 0,-1 1 0,0 1 0,0 0 0,-1 0 0,0 0 0,-1 1 0,0 1 0,0-1 0,-1 2 0,9 17 0,-15-25 0,1 1 0,-1-1 0,0 1 0,0-1 0,0 1 0,0-1 0,-1 1 0,0 0 0,0 0 0,0-1 0,-1 1 0,0-1 0,1 1 0,-2 0 0,1-1 0,0 1 0,-1-1 0,0 0 0,0 0 0,0 1 0,-1-1 0,1-1 0,-1 1 0,0 0 0,0-1 0,0 1 0,-4 2 0,-6 6 0,0-2 0,-1 1 0,0-2 0,0 0 0,-1 0 0,-20 7 0,-8 1 0,-1-2 0,0-1 0,-1-3 0,-60 8 0,43-12 0,0-3 0,-110-6 0,161 2 0,1-1 0,-1-1 0,0 0 0,-20-6 0,31 8 0,0 0 0,0 0 0,-1 0 0,1 0 0,0 0 0,0 0 0,0 0 0,-1 0 0,1 0 0,0 0 0,0 0 0,0-1 0,-1 1 0,1 0 0,0 0 0,0 0 0,0 0 0,0 0 0,-1 0 0,1-1 0,0 1 0,0 0 0,0 0 0,0 0 0,0-1 0,-1 1 0,1 0 0,0 0 0,0 0 0,0-1 0,0 1 0,0 0 0,0 0 0,0 0 0,0-1 0,0 1 0,0 0 0,0 0 0,0 0 0,0-1 0,0 1 0,0 0 0,0 0 0,0-1 0,0 1 0,0 0 0,0 0 0,1 0 0,-1-1 0,0 1 0,0 0 0,15-8 0,23-3 0,130-18 0,0 7 0,206 0 0,-341 27 0,-33-5 0,1 0 0,-1 0 0,0 0 0,1 0 0,-1 0 0,0 0 0,0 0 0,1 0 0,-1 1 0,0-1 0,0 0 0,1 0 0,-1 0 0,0 1 0,0-1 0,0 0 0,1 0 0,-1 0 0,0 1 0,0-1 0,0 0 0,0 0 0,1 1 0,-1-1 0,0 0 0,0 1 0,0-1 0,0 0 0,0 0 0,0 1 0,0-1 0,0 1 0,-13 10 0,-2-4 0,-1 0 0,1-2 0,-1 0 0,0 0 0,-22 2 0,-87 7 0,111-13 0,-106 8 0,-166-10 0,262-1 0,0-1 0,0-1 0,-27-9 0,40 10 0,0-1 0,0 0 0,1-1 0,-1 0 0,1-1 0,0 0 0,0 0 0,-12-12 0,21 17 0,-1 0 0,1-1 0,0 1 0,-1-1 0,1 1 0,0-1 0,0 0 0,0 1 0,0-1 0,0 0 0,0 0 0,0 1 0,1-1 0,-1 0 0,1 0 0,-1 0 0,1 0 0,0 0 0,0 0 0,0 0 0,0 0 0,0-3 0,1 1 0,0 1 0,1 0 0,-1 0 0,1 0 0,-1 0 0,1 0 0,0 1 0,0-1 0,0 0 0,1 1 0,-1-1 0,4-2 0,5-3 0,0 0 0,0 1 0,0 1 0,1 0 0,23-9 0,26-4 0,1 2 0,1 3 0,89-8 0,-47 15 0,140 8 0,-217 0 0,0 2 0,-1 1 0,1 1 0,0 1 0,37 14 0,-51-14 0,0 0 0,0 1 0,-1 1 0,0 0 0,0 0 0,-1 1 0,0 1 0,0 0 0,-1 1 0,0 0 0,13 19 0,-2 4 0,0 1 0,-3 1 0,-1 0 0,-2 1 0,18 58 0,-19-39 0,-2 1 0,-3 1 0,4 70 0,-14-121 0,1 3 0,0 0 0,-1 0 0,0 0 0,-1 0 0,-3 18 0,4-27 0,0 0 0,-1-1 0,1 1 0,-1 0 0,1 0 0,-1 0 0,1 0 0,-1 0 0,0-1 0,1 1 0,-1 0 0,0 0 0,0-1 0,1 1 0,-1-1 0,0 1 0,0-1 0,0 1 0,0-1 0,0 1 0,0-1 0,0 0 0,1 1 0,-1-1 0,0 0 0,0 0 0,0 0 0,0 0 0,0 0 0,0 0 0,-2 0 0,-33-10 0,29 8 0,-15-7 0,0 0 0,1-1 0,0-2 0,1 0 0,0-1 0,1-1 0,0 0 0,1-2 0,1 0 0,1-1 0,0-1 0,1 0 0,1-1 0,-18-31 0,17 22 0,1-1 0,1 0 0,-13-46 0,-16-92 0,9 25 0,25 125 0,3 27 0,2 33 0,3-41 0,-1 46 0,8 83 0,-4-112 0,0 0 0,1 0 0,1 0 0,1 0 0,0-1 0,1 0 0,10 18 0,-16-35 0,0 0 0,-1 1 0,1-1 0,0 1 0,0-1 0,0 0 0,0 1 0,0-1 0,0 0 0,0 0 0,1 0 0,-1 0 0,0 0 0,0 0 0,1 0 0,-1 0 0,1-1 0,-1 1 0,3 0 0,-3-1 0,0 0 0,0 0 0,0-1 0,-1 1 0,1 0 0,0-1 0,0 1 0,0-1 0,0 1 0,0-1 0,-1 1 0,1-1 0,0 1 0,-1-1 0,1 0 0,0 1 0,-1-1 0,1 0 0,-1 0 0,1 0 0,-1 1 0,1-1 0,0-1 0,3-7 0,-1-1 0,0 1 0,0-1 0,2-14 0,1-23 0,0-64 0,2-18 0,-8 126 0,0 0 0,1-1 0,0 1 0,-1 0 0,1 0 0,0 0 0,1 0 0,-1 0 0,0 0 0,1 0 0,0 1 0,-1-1 0,1 0 0,0 1 0,0-1 0,1 1 0,-1 0 0,0 0 0,1 0 0,0 0 0,3-2 0,-3 3 0,0 0 0,-1 0 0,1 1 0,0-1 0,0 1 0,0 0 0,-1 0 0,1 0 0,0 0 0,0 0 0,0 1 0,0-1 0,-1 1 0,1 0 0,0 0 0,0 0 0,-1 0 0,1 0 0,-1 0 0,1 1 0,-1-1 0,0 1 0,1 0 0,2 3 0,4 4 0,0 0 0,-1 1 0,0 0 0,0 1 0,-1 0 0,-1 0 0,0 0 0,0 1 0,-1 0 0,-1 0 0,0 0 0,-1 0 0,4 22 0,-4-14 0,-1 1 0,0-1 0,-2 1 0,0 0 0,-1-1 0,-2 1 0,-8 38 0,7-49 0,0 1 0,-1-1 0,-1 0 0,1 0 0,-2 0 0,1-1 0,-1 0 0,-1 0 0,1-1 0,-1 0 0,-1 0 0,0-1 0,0 0 0,0 0 0,-13 6 0,-1-1 0,1 0 0,-2-2 0,1-1 0,-2 0 0,-43 8 0,8-9 0,0-2 0,0-4 0,-113-8 0,178 5 0,-1 1 0,1-2 0,-1 1 0,0 0 0,0-1 0,8-3 0,7-4 0,-5 4 0,4-1 0,-1 0 0,0-1 0,0-1 0,28-19 0,-41 24 0,1-1 0,-1 0 0,1 0 0,-1-1 0,-1 1 0,1-1 0,0 0 0,-1 0 0,0 0 0,0-1 0,-1 1 0,0 0 0,1-1 0,-2 0 0,1 0 0,-1 1 0,0-1 0,0 0 0,0-8 0,-1 0 0,-1 0 0,-1 0 0,0 0 0,0 0 0,-2 0 0,1 1 0,-2-1 0,-10-21 0,-4-4 0,-38-53 0,44 71 0,-15-22 0,-57-68 0,76 100 0,-1 1 0,0 0 0,-1 1 0,0 0 0,0 1 0,-1 0 0,0 1 0,0 0 0,-1 1 0,1 0 0,-20-5 0,26 9 0,-1 1 0,0 0 0,1 0 0,-1 1 0,0 0 0,0 0 0,1 1 0,-1-1 0,0 2 0,0-1 0,1 1 0,-1 0 0,1 0 0,0 0 0,0 1 0,-1 0 0,2 1 0,-1-1 0,0 1 0,1 0 0,-1 0 0,1 1 0,1 0 0,-1 0 0,-6 9 0,2-2 0,1 0 0,0 0 0,1 1 0,1 0 0,0 0 0,1 1 0,0 0 0,1 0 0,1 0 0,-4 28 0,4 2 0,2-1 0,7 71 0,-3-91 0,1-1 0,0 0 0,2 0 0,0-1 0,2 1 0,19 38 0,-22-52 0,0 0 0,0 0 0,1-1 0,0 0 0,0 0 0,1 0 0,0-1 0,0 0 0,0-1 0,1 1 0,0-1 0,0-1 0,0 1 0,18 5 0,0-2 0,1-2 0,0 0 0,47 2 0,-67-8 0,-1 1 0,0 0 0,1 0 0,-1 1 0,0 0 0,0 0 0,0 0 0,8 5 0,-13-6 0,1 0 0,-1 0 0,0 0 0,1 0 0,-1 0 0,0 1 0,0-1 0,0 0 0,0 1 0,0-1 0,0 1 0,0-1 0,0 1 0,-1-1 0,1 1 0,-1 0 0,1-1 0,-1 1 0,1 0 0,-1-1 0,0 1 0,0 0 0,0 0 0,0-1 0,0 1 0,0 0 0,-1-1 0,1 1 0,0 0 0,-1-1 0,1 1 0,-1 0 0,0-1 0,-1 4 0,-1 0 0,0 0 0,0 0 0,-1 0 0,0-1 0,0 1 0,0-1 0,0 0 0,0 0 0,-1 0 0,0-1 0,0 1 0,0-1 0,-7 3 0,-11 5 0,-47 13 0,50-17 0,0 0 0,-21 10 0,38-16 0,1 1 0,0-1 0,0 0 0,0 1 0,1-1 0,-1 1 0,0-1 0,0 1 0,-1 3 0,2-5 0,1 1 0,0-1 0,-1 1 0,1-1 0,0 1 0,0-1 0,0 1 0,-1 0 0,1-1 0,0 1 0,0-1 0,0 1 0,0-1 0,0 1 0,0 0 0,0-1 0,0 1 0,0-1 0,0 1 0,1 0 0,-1-1 0,0 1 0,0-1 0,1 2 0,0-1 0,1 1 0,0-1 0,0 0 0,-1 1 0,1-1 0,0 0 0,0 0 0,0 0 0,0-1 0,0 1 0,0 0 0,0-1 0,1 1 0,-1-1 0,0 0 0,0 0 0,0 1 0,5-2 0,2 1 0,-1-1 0,1 0 0,0-1 0,0 0 0,-1 0 0,1-1 0,12-5 0,-17 6 0,0 0 0,0 0 0,0 0 0,0 0 0,-1-1 0,1 1 0,-1-1 0,0 0 0,0 0 0,0 0 0,0-1 0,0 1 0,-1-1 0,0 1 0,1-1 0,-1 0 0,2-5 0,-4 7 0,0-1 0,0 1 0,0-1 0,0 1 0,0-1 0,0 1 0,-1-1 0,1 1 0,-1-1 0,0 1 0,1-1 0,-1 1 0,0 0 0,0-1 0,-1 1 0,1 0 0,0 0 0,-1 0 0,0 0 0,1 0 0,-1 0 0,0 1 0,0-1 0,0 0 0,0 1 0,0 0 0,0-1 0,-3 0 0,-4-4 0,-1 1 0,0 0 0,0 1 0,-1 0 0,-11-3 0,-15 0 0,0 2 0,0 2 0,0 1 0,-58 5 0,-62-4 0,148 1 0,-1-2 0,0 1 0,1-1 0,-15-5 0,22 6 0,1 0 0,-1 0 0,0 1 0,1-1 0,-1 0 0,1 0 0,-1 0 0,1-1 0,-1 1 0,1 0 0,0-1 0,0 1 0,-2-3 0,2 3 0,1 0 0,0 0 0,0 0 0,-1 0 0,1 0 0,0 0 0,0 0 0,0-1 0,0 1 0,0 0 0,0 0 0,0 0 0,0 0 0,1 0 0,-1 0 0,0-1 0,1 1 0,-1 0 0,1 0 0,-1 0 0,1 0 0,-1 0 0,1 0 0,1 0 0,5-9 0,2 1 0,-1 1 0,1-1 0,0 1 0,1 1 0,13-8 0,2-1 0,36-16 0,-100 50 0,-114 57 0,136-65 0,1 1 0,0 0 0,1 1 0,0 0 0,0 1 0,-19 25 0,32-35 0,0-1 0,0 0 0,1 0 0,-1 1 0,1-1 0,-1 0 0,1 1 0,0 0 0,0-1 0,0 1 0,0 0 0,1-1 0,-1 1 0,1 0 0,0 0 0,0 3 0,0-4 0,1 0 0,-1 0 0,1-1 0,0 1 0,0-1 0,0 1 0,0 0 0,0-1 0,0 1 0,1-1 0,-1 0 0,0 1 0,1-1 0,-1 0 0,1 0 0,-1 0 0,1 0 0,0 0 0,-1 0 0,1-1 0,0 1 0,-1 0 0,5 0 0,18 4 0,1-1 0,0-1 0,0-1 0,-1-1 0,1-1 0,32-5 0,4 2 0,22 2 0,-42 2 0,0-2 0,60-9 0,-101 10 0,1 0 0,0 0 0,0 0 0,0 0 0,0 0 0,0 0 0,0 0 0,0-1 0,0 1 0,0 0 0,-1-1 0,1 1 0,0-1 0,0 1 0,0-1 0,-1 1 0,1-1 0,0 1 0,1-2 0,-16-4 0,-35 1 0,-321 2 0,60 2 0,297 1 0,0-1 0,0 0 0,0-1 0,0-1 0,-14-4 0,27 7 0,-1 0 0,0 0 0,0-1 0,0 1 0,0 0 0,0-1 0,0 1 0,1-1 0,-1 1 0,0-1 0,0 1 0,1-1 0,-1 0 0,0 1 0,1-1 0,-1 0 0,0 1 0,1-1 0,-1 0 0,0-2 0,1 2 0,1 0 0,-1 0 0,0 0 0,1-1 0,-1 1 0,0 0 0,1 0 0,-1 0 0,1 0 0,0 0 0,-1 0 0,1 0 0,0 0 0,0 0 0,0 0 0,0 0 0,0 1 0,1-2 0,33-29 0,79-51 0,53-18 0,275-161 0,-412 240 0,-30 21 0,0 0 0,1 0 0,-1-1 0,0 1 0,0 0 0,0 0 0,1 0 0,-1 0 0,0-1 0,0 1 0,0 0 0,0 0 0,1-1 0,-1 1 0,0 0 0,0 0 0,0 0 0,0-1 0,0 1 0,0 0 0,0-1 0,0 1 0,0 0 0,0 0 0,0-1 0,0 1 0,0 0 0,0 0 0,0-1 0,0 1 0,0 0 0,0 0 0,0-1 0,0 1 0,0 0 0,0 0 0,-1-1 0,1 1 0,0 0 0,0 0 0,0 0 0,0-1 0,-1 1 0,1 0 0,0 0 0,0 0 0,0 0 0,-1-1 0,1 1 0,0 0 0,0 0 0,-1 0 0,1 0 0,0 0 0,0 0 0,-1 0 0,1 0 0,0 0 0,0 0 0,-1 0 0,1 0 0,0 0 0,0 0 0,-1 0 0,1 0 0,-17-2 0,0 1 0,0 0 0,0 2 0,-26 3 0,4-1 0,-342 39 0,295-27 0,1 4 0,-119 42 0,189-56 0,1 1 0,0 1 0,0 0 0,0 1 0,-22 17 0,32-22 0,0 1 0,0-1 0,0 1 0,1 0 0,0 0 0,-1 0 0,2 1 0,-1-1 0,0 1 0,1-1 0,0 1 0,0 0 0,0 0 0,0 0 0,1 0 0,0 0 0,0 0 0,1 1 0,-1-1 0,1 8 0,11 38-1365,7-4-5461</inkml:trace>
+</inkml:ink>
+</file>
+
+<file path=ppt/ink/ink5.xml><?xml version="1.0" encoding="utf-8"?>
+<inkml:ink xmlns:inkml="http://www.w3.org/2003/InkML">
+  <inkml:definitions>
+    <inkml:context xml:id="ctx0">
+      <inkml:inkSource xml:id="inkSrc0">
+        <inkml:traceFormat>
+          <inkml:channel name="X" type="integer" min="-2.14748E9" max="2.14748E9" units="cm"/>
+          <inkml:channel name="Y" type="integer" min="-2.14748E9" max="2.14748E9" units="cm"/>
+          <inkml:channel name="F" type="integer" max="32767" units="dev"/>
+        </inkml:traceFormat>
+        <inkml:channelProperties>
+          <inkml:channelProperty channel="X" name="resolution" value="1000" units="1/cm"/>
+          <inkml:channelProperty channel="Y" name="resolution" value="1000" units="1/cm"/>
+          <inkml:channelProperty channel="F" name="resolution" value="0" units="1/dev"/>
+        </inkml:channelProperties>
+      </inkml:inkSource>
+      <inkml:timestamp xml:id="ts0" timeString="2024-06-18T19:51:25.373"/>
+    </inkml:context>
+    <inkml:brush xml:id="br0">
+      <inkml:brushProperty name="width" value="0.2" units="cm"/>
+      <inkml:brushProperty name="height" value="0.2" units="cm"/>
+      <inkml:brushProperty name="color" value="#FFFFFF"/>
+    </inkml:brush>
+  </inkml:definitions>
+  <inkml:trace contextRef="#ctx0" brushRef="#br0">1 0 24575,'0'14'0,"0"17"0,0 13 0,0 3 0,0 7 0,0 3 0,0-3 0,0-3 0,0 4 0,0-3 0,0-6 0,0 7 0,0 8 0,0-6-8191</inkml:trace>
+</inkml:ink>
+</file>
+
+<file path=ppt/ink/ink6.xml><?xml version="1.0" encoding="utf-8"?>
+<inkml:ink xmlns:inkml="http://www.w3.org/2003/InkML">
+  <inkml:definitions>
+    <inkml:context xml:id="ctx0">
+      <inkml:inkSource xml:id="inkSrc0">
+        <inkml:traceFormat>
+          <inkml:channel name="X" type="integer" min="-2.14748E9" max="2.14748E9" units="cm"/>
+          <inkml:channel name="Y" type="integer" min="-2.14748E9" max="2.14748E9" units="cm"/>
+          <inkml:channel name="F" type="integer" max="32767" units="dev"/>
+        </inkml:traceFormat>
+        <inkml:channelProperties>
+          <inkml:channelProperty channel="X" name="resolution" value="1000" units="1/cm"/>
+          <inkml:channelProperty channel="Y" name="resolution" value="1000" units="1/cm"/>
+          <inkml:channelProperty channel="F" name="resolution" value="0" units="1/dev"/>
+        </inkml:channelProperties>
+      </inkml:inkSource>
+      <inkml:timestamp xml:id="ts0" timeString="2024-06-18T19:51:32.617"/>
+    </inkml:context>
+    <inkml:brush xml:id="br0">
+      <inkml:brushProperty name="width" value="0.2" units="cm"/>
+      <inkml:brushProperty name="height" value="0.2" units="cm"/>
+      <inkml:brushProperty name="color" value="#FFFFFF"/>
+    </inkml:brush>
+  </inkml:definitions>
+  <inkml:trace contextRef="#ctx0" brushRef="#br0">1 392 24575,'1'0'0,"-1"0"0,1-1 0,-1 1 0,1 0 0,0 0 0,-1-1 0,1 1 0,0 0 0,-1 0 0,1 0 0,0 0 0,-1 0 0,1 0 0,0 0 0,-1 0 0,1 0 0,0 0 0,0 0 0,-1 0 0,1 0 0,0 1 0,-1-1 0,1 0 0,-1 0 0,2 1 0,16 12 0,-12-8 0,-1 1 0,0 0 0,0 1 0,0-1 0,-1 1 0,0 0 0,0 0 0,0 1 0,-1-1 0,-1 1 0,3 9 0,3 15 0,5 49 0,-4-20 0,33 286 0,-42-334 0,9 72 0,-8-78 0,1 1 0,0-1 0,0 0 0,0 0 0,1 0 0,0-1 0,1 1 0,7 11 0,-10-16 0,0-1 0,0 0 0,0 0 0,0 0 0,0 0 0,0 0 0,0 0 0,0 0 0,0 0 0,1 0 0,-1 0 0,0-1 0,1 1 0,-1 0 0,0-1 0,1 1 0,2 0 0,-3-2 0,0 1 0,-1 0 0,1 0 0,0 0 0,0-1 0,0 1 0,0 0 0,0-1 0,-1 1 0,1-1 0,0 1 0,0-1 0,0 1 0,-1-1 0,1 1 0,0-1 0,-1 0 0,1 1 0,-1-1 0,1 0 0,0-1 0,2-5 0,1 0 0,-1 0 0,-1 0 0,0 0 0,3-14 0,26-144 0,10-205 0,-30-171 0,-10 1140 0,-3-274 0,2-311 0,0 1 0,1 0 0,1 0 0,0-1 0,1 1 0,5 14 0,-7-26 0,0 0 0,0 0 0,0-1 0,1 1 0,-1 0 0,1-1 0,0 1 0,-1-1 0,1 1 0,0-1 0,1 0 0,-1 0 0,0 0 0,1 0 0,-1 0 0,1-1 0,-1 1 0,1-1 0,0 1 0,0-1 0,0 0 0,0 0 0,0 0 0,-1-1 0,2 1 0,-1-1 0,0 0 0,0 1 0,0-1 0,0 0 0,0-1 0,0 1 0,0-1 0,0 1 0,5-3 0,-4 2 0,1-1 0,-1 1 0,0-1 0,0 0 0,0 0 0,0-1 0,0 1 0,-1-1 0,1 0 0,-1 0 0,1 0 0,2-4 0,32-48 0,-20 26 0,-9 15 0,168-267 0,-157 243 0,-10 18 0,0 1 0,2 0 0,0 1 0,0 0 0,2 1 0,19-20 0,-32 36 0,0 0 0,0 0 0,0 0 0,0 0 0,1 0 0,-1 0 0,0 0 0,0 0 0,1 1 0,-1-1 0,0 0 0,1 1 0,-1-1 0,1 1 0,-1 0 0,1-1 0,-1 1 0,1 0 0,-1 0 0,0 0 0,1 0 0,2 0 0,-3 1 0,0 0 0,0 0 0,0-1 0,0 1 0,0 0 0,0 0 0,0 0 0,0 0 0,-1 1 0,1-1 0,0 0 0,-1 0 0,1 0 0,-1 1 0,1-1 0,-1 0 0,0 0 0,1 1 0,-1 1 0,1 11 0,0 0 0,-1-1 0,-2 23 0,1-32 0,-4 56 0,-4 0 0,-2 0 0,-2-1 0,-31 81 0,43-135 0,-1-1 0,0 0 0,0 0 0,0 0 0,-1 0 0,1 0 0,-1 0 0,0 0 0,0-1 0,0 0 0,0 0 0,-1 1 0,1-2 0,-1 1 0,0 0 0,0-1 0,0 0 0,-6 3 0,2-3 0,0 0 0,0-1 0,0 0 0,0-1 0,-1 1 0,1-2 0,0 1 0,0-1 0,-13-3 0,-13-2 0,-46-8 0,72 14 0,0 0 0,1 0 0,-1 0 0,0 1 0,0 0 0,1 0 0,-1 1 0,-8 3 0,-4 7 0,20-11 0,-1-1 0,1 0 0,0 1 0,0-1 0,0 1 0,-1-1 0,1 0 0,0 1 0,0-1 0,0 1 0,0-1 0,0 0 0,0 1 0,0-1 0,0 1 0,0-1 0,0 1 0,0-1 0,0 0 0,0 1 0,0-1 0,0 1 0,0-1 0,0 1 0,0-1 0,1 0 0,-1 1 0,0 0 0,2 0 0,0 1 0,0-1 0,-1 1 0,1-1 0,0 1 0,1-1 0,-1 0 0,0 0 0,0 0 0,0 0 0,1-1 0,-1 1 0,0 0 0,5-1 0,49 7 0,1-3 0,90-6 0,-64 0 0,-53 0 0,56-10 0,-41 5 0,-81 12 0,-171 30 0,70-7 0,209-52 0,1 3 0,149-24 0,-216 44 0,62-4 0,-64 5 0,0 0 0,0 0 0,1 1 0,-1-1 0,0 1 0,0 0 0,1 1 0,-1-1 0,0 1 0,0 0 0,-1 0 0,8 4 0,-10-5 0,0 0 0,-1-1 0,1 1 0,0 0 0,0-1 0,-1 1 0,1 0 0,-1 0 0,1 0 0,-1 0 0,1-1 0,-1 1 0,1 0 0,-1 0 0,0 0 0,0 0 0,1 0 0,-1 0 0,0 0 0,0 0 0,0 0 0,0 0 0,0 0 0,0 1 0,-1 1 0,0-1 0,0 0 0,0 1 0,0-1 0,0 0 0,0 0 0,0 0 0,-1 0 0,-2 3 0,-4 4 0,-1-1 0,1-1 0,-13 9 0,20-16 0,-35 24 0,-1-1 0,-1-3 0,-70 28 0,88-37 0,43-17 0,-4-2 0,237-108 0,-224 98 0,-2 0 0,0-3 0,-1 0 0,-1-2 0,49-52 0,72-120 0,-141 183 0,-1 0 0,0 0 0,-1-1 0,0 1 0,-1-1 0,-1-1 0,3-13 0,-6 24 0,0 0 0,0 0 0,-1 0 0,1-1 0,-1 1 0,0 0 0,0 0 0,0 0 0,-1 0 0,1 0 0,-1-1 0,0 1 0,1 0 0,-1 0 0,-1 0 0,1 1 0,0-1 0,-1 0 0,1 0 0,-1 1 0,0-1 0,0 1 0,0-1 0,0 1 0,0 0 0,-1 0 0,1 0 0,-1 0 0,1 0 0,-1 0 0,0 1 0,0-1 0,1 1 0,-1 0 0,0 0 0,0 0 0,-4-1 0,-21-2 0,0 1 0,0 0 0,-1 3 0,-40 3 0,35-1 0,-1-2 0,-42-4 0,59-1 0,17 5 0,1 0 0,0 0 0,0 0 0,0 0 0,0 0 0,0 0 0,0 0 0,0 0 0,0 0 0,0 0 0,-1 0 0,1-1 0,0 1 0,0 0 0,0 0 0,0 0 0,0 0 0,0 0 0,0 0 0,0 0 0,0 0 0,0-1 0,0 1 0,0 0 0,0 0 0,0 0 0,0 0 0,0 0 0,0 0 0,0 0 0,0-1 0,0 1 0,0 0 0,0 0 0,0 0 0,0 0 0,0 0 0,0 0 0,0 0 0,0-1 0,0 1 0,0 0 0,0 0 0,0 0 0,1 0 0,-1 0 0,0 0 0,0 0 0,0 0 0,0 0 0,0 0 0,0 0 0,0-1 0,0 1 0,1 0 0,-1 0 0,0 0 0,29-10 0,-20 8 0,-3 0 0,31-6 0,-36 8 0,0 0 0,0 0 0,0 0 0,0 0 0,0 0 0,0 0 0,0 0 0,0 1 0,0-1 0,0 0 0,0 1 0,0-1 0,0 1 0,0-1 0,0 1 0,0-1 0,0 1 0,0-1 0,-1 1 0,1 0 0,0 0 0,0-1 0,-1 1 0,1 0 0,0 0 0,-1 0 0,1 0 0,-1 0 0,1 0 0,0 1 0,0 5 0,0 0 0,0-1 0,-1 1 0,0 0 0,0 0 0,-1-1 0,1 1 0,-2 0 0,1-1 0,0 1 0,-1-1 0,-1 0 0,-3 9 0,-4 7 0,-2 0 0,-17 25 0,21-34 0,3-7 0,0 0 0,0 1 0,1 0 0,0 0 0,1 0 0,0 0 0,0 0 0,0 1 0,1-1 0,0 1 0,-1 10 0,3-17 0,0-1 0,0 1 0,0-1 0,0 1 0,0 0 0,0-1 0,0 1 0,0-1 0,0 1 0,0-1 0,1 1 0,-1-1 0,0 1 0,0-1 0,1 1 0,-1-1 0,0 1 0,1-1 0,-1 1 0,1-1 0,-1 0 0,0 1 0,1-1 0,-1 1 0,1-1 0,-1 0 0,1 0 0,-1 1 0,1-1 0,-1 0 0,1 0 0,-1 0 0,1 1 0,-1-1 0,1 0 0,0 0 0,-1 0 0,1 0 0,-1 0 0,1 0 0,-1 0 0,1 0 0,0 0 0,-1-1 0,1 1 0,-1 0 0,1 0 0,0-1 0,29-13 0,-27 12 0,12-8 0,-1 0 0,0 0 0,-1-2 0,0 1 0,-1-2 0,20-25 0,53-95 0,-74 114 0,114-209 0,-104 185 0,-3-1 0,-1-1 0,15-66 0,-21 44 0,-10 62 0,-1 0 0,0 0 0,0 0 0,-1 0 0,1 1 0,-1-1 0,0 0 0,-1 0 0,1 0 0,-4-6 0,5 10 0,-1-1 0,1 1 0,-1 0 0,0 0 0,1 0 0,-1 0 0,0 0 0,0 0 0,0 0 0,0 1 0,0-1 0,0 0 0,0 0 0,0 1 0,0-1 0,-1 1 0,1-1 0,0 1 0,0-1 0,0 1 0,-1 0 0,1-1 0,0 1 0,-1 0 0,0 0 0,-2 0 0,0 1 0,0 0 0,0-1 0,1 1 0,-1 1 0,0-1 0,-5 3 0,-17 11 0,1 1 0,0 1 0,1 1 0,1 1 0,-23 24 0,14-14 0,-37 40 0,-96 122 0,138-159 0,23-26 0,0 0 0,-1 0 0,0-1 0,-1 0 0,1 0 0,-9 5 0,13-9 0,1-1 0,0 0 0,-1 0 0,1 1 0,-1-1 0,1 0 0,-1 0 0,1 0 0,-1 0 0,1 0 0,0 0 0,-1 0 0,1 0 0,-1 0 0,1 0 0,-1 0 0,1 0 0,-1 0 0,1 0 0,-1 0 0,1-1 0,0 1 0,-1 0 0,1 0 0,-1 0 0,1-1 0,0 1 0,-1 0 0,1-1 0,-1 1 0,1 0 0,0-1 0,-1 0 0,0-1 0,0-1 0,0 1 0,0-1 0,0 1 0,1-1 0,-1 0 0,1 1 0,0-1 0,0 0 0,0-2 0,0-1 0,0 1 0,0-1 0,0 1 0,-1-1 0,0 1 0,-2-10 0,2 14 0,1 0 0,0 0 0,-1 1 0,1-1 0,-1 0 0,1 0 0,-1 1 0,1-1 0,-1 0 0,1 1 0,-1-1 0,0 1 0,1-1 0,-1 0 0,0 1 0,0-1 0,1 1 0,-1 0 0,0-1 0,0 1 0,0 0 0,0-1 0,1 1 0,-1 0 0,0 0 0,0 0 0,0 0 0,0 0 0,0 0 0,0 0 0,0 0 0,1 0 0,-1 0 0,0 1 0,0-1 0,0 0 0,0 0 0,1 1 0,-1-1 0,0 1 0,0-1 0,0 1 0,1-1 0,-2 1 0,-4 3 0,0 0 0,0 1 0,1-1 0,-1 1 0,1 0 0,0 0 0,1 1 0,-1 0 0,1-1 0,0 1 0,0 1 0,-3 6 0,-5 14 0,-14 46 0,19-54 0,-13 49 0,13-40 0,-2-1 0,0 0 0,-2-1 0,-18 34 0,29-60 0,0 1 0,0-1 0,0 0 0,-1 1 0,1-1 0,0 0 0,0 0 0,0 1 0,0-1 0,0 0 0,-1 0 0,1 1 0,0-1 0,0 0 0,0 0 0,-1 0 0,1 1 0,0-1 0,0 0 0,-1 0 0,1 0 0,0 0 0,-1 0 0,1 1 0,0-1 0,0 0 0,-1 0 0,1 0 0,0 0 0,-1 0 0,1 0 0,0 0 0,0 0 0,-1 0 0,1 0 0,0 0 0,-1 0 0,1-1 0,-5-11 0,2-20 0,3 32 0,-8-100 0,-37-182 0,11 94 0,30 163 0,2 2 0,-2 1 0,-1 0 0,0 0 0,-12-29 0,16 49 0,0 1 0,1-1 0,-1 0 0,0 1 0,0-1 0,0 1 0,-1-1 0,1 1 0,0-1 0,0 1 0,-1 0 0,-2-2 0,4 2 0,-1 1 0,0 0 0,1 0 0,-1-1 0,0 1 0,0 0 0,1 0 0,-1 0 0,0 0 0,0 0 0,1 0 0,-1 0 0,0 0 0,0 0 0,1 0 0,-1 0 0,0 1 0,1-1 0,-1 0 0,0 0 0,1 1 0,-2 0 0,-1 1 0,1 0 0,-1 1 0,1-1 0,-1 1 0,1 0 0,0 0 0,0 0 0,0 0 0,0 0 0,1 0 0,-3 7 0,-6 20 0,1 1 0,1 1 0,2-1 0,2 1 0,-2 47 0,10 160 0,-3-233 0,-1 5 0,10 98 0,-8-106 0,-2-14 0,-2-18 0,1 27 0,1 1 0,0 0 0,0-1 0,-1 1 0,1 0 0,0 0 0,-1-1 0,0 1 0,1 0 0,-1 0 0,0 0 0,1 0 0,-1 0 0,0 0 0,0 0 0,0 0 0,0 0 0,0 0 0,0 0 0,0 0 0,-2-1 0,2 3 0,0-1 0,0 1 0,0 0 0,1-1 0,-1 1 0,0 0 0,0-1 0,1 1 0,-1 0 0,0 0 0,1-1 0,-1 1 0,1 0 0,-1 0 0,1 0 0,0 0 0,-1 0 0,1 0 0,0 0 0,-1 2 0,-2 12 0,0 0 0,-2 23 0,3 323 0,3-352 0,-1 0 0,1-1 0,1 1 0,0 0 0,5 14 0,-7-22 0,1 0 0,-1 0 0,1 0 0,-1 1 0,1-1 0,0 0 0,-1 0 0,1 0 0,0 0 0,0 0 0,0 0 0,0 0 0,0 0 0,0-1 0,0 1 0,0 0 0,0-1 0,0 1 0,0 0 0,1-1 0,-1 1 0,0-1 0,0 0 0,1 1 0,-1-1 0,0 0 0,0 0 0,1 0 0,-1 0 0,0 0 0,1 0 0,-1 0 0,0 0 0,0-1 0,1 1 0,-1 0 0,0-1 0,0 1 0,0-1 0,1 1 0,-1-1 0,0 0 0,0 1 0,0-1 0,0 0 0,1-1 0,75-53 0,-30 22 0,69-39 0,-98 63 0,0 1 0,1 0 0,0 1 0,1 1 0,-1 1 0,1 1 0,35-3 0,-20 4 0,0 1 0,-1 2 0,1 2 0,55 9 0,-89-11-44,0 0 0,1 1 0,-1-1 0,0 0 0,0 0 0,1 1 0,-1-1 0,0 1 0,0-1 0,0 1 0,1 0 0,-1-1 0,0 1 0,0 0 0,0 0 0,0 0 0,0 0 0,0 0-1,-1 0 1,1 0 0,0 0 0,0 0 0,-1 0 0,1 0 0,-1 1 0,1-1 0,-1 0 0,1 0 0,-1 1 0,1 1 0</inkml:trace>
+</inkml:ink>
+</file>
+
+<file path=ppt/notesMasters/notesMaster1.xml><?xml version="1.0" encoding="utf-8"?>
+<p:notesMaster xmlns:a="http://schemas.openxmlformats.org/drawingml/2006/main" xmlns:r="http://schemas.openxmlformats.org/officeDocument/2006/relationships" xmlns:p="http://schemas.openxmlformats.org/presentationml/2006/main">
+  <p:cSld>
+    <p:bg>
+      <p:bgRef idx="1001">
+        <a:schemeClr val="bg1"/>
+      </p:bgRef>
+    </p:bg>
+    <p:spTree>
+      <p:nvGrpSpPr>
+        <p:cNvPr id="1" name=""/>
+        <p:cNvGrpSpPr/>
+        <p:nvPr/>
+      </p:nvGrpSpPr>
+      <p:grpSpPr>
+        <a:xfrm>
+          <a:off x="0" y="0"/>
+          <a:ext cx="0" cy="0"/>
+          <a:chOff x="0" y="0"/>
+          <a:chExt cx="0" cy="0"/>
+        </a:xfrm>
+      </p:grpSpPr>
+      <p:sp>
+        <p:nvSpPr>
+          <p:cNvPr id="2" name="Верхний колонтитул 1"/>
+          <p:cNvSpPr>
+            <a:spLocks noGrp="1"/>
+          </p:cNvSpPr>
+          <p:nvPr>
+            <p:ph type="hdr" sz="quarter"/>
+          </p:nvPr>
+        </p:nvSpPr>
+        <p:spPr>
+          <a:xfrm>
+            <a:off x="0" y="0"/>
+            <a:ext cx="2971800" cy="458788"/>
+          </a:xfrm>
+          <a:prstGeom prst="rect">
+            <a:avLst/>
+          </a:prstGeom>
+        </p:spPr>
+        <p:txBody>
+          <a:bodyPr vert="horz" lIns="91440" tIns="45720" rIns="91440" bIns="45720" rtlCol="0"/>
+          <a:lstStyle>
+            <a:lvl1pPr algn="l">
+              <a:defRPr sz="1200"/>
+            </a:lvl1pPr>
+          </a:lstStyle>
+          <a:p>
+            <a:endParaRPr lang="ru-RU"/>
+          </a:p>
+        </p:txBody>
+      </p:sp>
+      <p:sp>
+        <p:nvSpPr>
+          <p:cNvPr id="3" name="Дата 2"/>
+          <p:cNvSpPr>
+            <a:spLocks noGrp="1"/>
+          </p:cNvSpPr>
+          <p:nvPr>
+            <p:ph type="dt" idx="1"/>
+          </p:nvPr>
+        </p:nvSpPr>
+        <p:spPr>
+          <a:xfrm>
+            <a:off x="3884613" y="0"/>
+            <a:ext cx="2971800" cy="458788"/>
+          </a:xfrm>
+          <a:prstGeom prst="rect">
+            <a:avLst/>
+          </a:prstGeom>
+        </p:spPr>
+        <p:txBody>
+          <a:bodyPr vert="horz" lIns="91440" tIns="45720" rIns="91440" bIns="45720" rtlCol="0"/>
+          <a:lstStyle>
+            <a:lvl1pPr algn="r">
+              <a:defRPr sz="1200"/>
+            </a:lvl1pPr>
+          </a:lstStyle>
+          <a:p>
+            <a:fld id="{AA839FEF-56DF-44EF-831A-667DC7B86272}" type="datetimeFigureOut">
+              <a:rPr lang="ru-RU" smtClean="0"/>
+              <a:t>19.06.2024</a:t>
+            </a:fld>
+            <a:endParaRPr lang="ru-RU"/>
+          </a:p>
+        </p:txBody>
+      </p:sp>
+      <p:sp>
+        <p:nvSpPr>
+          <p:cNvPr id="4" name="Образ слайда 3"/>
+          <p:cNvSpPr>
+            <a:spLocks noGrp="1" noRot="1" noChangeAspect="1"/>
+          </p:cNvSpPr>
+          <p:nvPr>
+            <p:ph type="sldImg" idx="2"/>
+          </p:nvPr>
+        </p:nvSpPr>
+        <p:spPr>
+          <a:xfrm>
+            <a:off x="685800" y="1143000"/>
+            <a:ext cx="5486400" cy="3086100"/>
+          </a:xfrm>
+          <a:prstGeom prst="rect">
+            <a:avLst/>
+          </a:prstGeom>
+          <a:noFill/>
+          <a:ln w="12700">
+            <a:solidFill>
+              <a:prstClr val="black"/>
+            </a:solidFill>
+          </a:ln>
+        </p:spPr>
+        <p:txBody>
+          <a:bodyPr vert="horz" lIns="91440" tIns="45720" rIns="91440" bIns="45720" rtlCol="0" anchor="ctr"/>
+          <a:lstStyle/>
+          <a:p>
+            <a:endParaRPr lang="ru-RU"/>
+          </a:p>
+        </p:txBody>
+      </p:sp>
+      <p:sp>
+        <p:nvSpPr>
+          <p:cNvPr id="5" name="Заметки 4"/>
+          <p:cNvSpPr>
+            <a:spLocks noGrp="1"/>
+          </p:cNvSpPr>
+          <p:nvPr>
+            <p:ph type="body" sz="quarter" idx="3"/>
+          </p:nvPr>
+        </p:nvSpPr>
+        <p:spPr>
+          <a:xfrm>
+            <a:off x="685800" y="4400550"/>
+            <a:ext cx="5486400" cy="3600450"/>
+          </a:xfrm>
+          <a:prstGeom prst="rect">
+            <a:avLst/>
+          </a:prstGeom>
+        </p:spPr>
+        <p:txBody>
+          <a:bodyPr vert="horz" lIns="91440" tIns="45720" rIns="91440" bIns="45720" rtlCol="0"/>
+          <a:lstStyle/>
+          <a:p>
+            <a:pPr lvl="0"/>
+            <a:r>
+              <a:rPr lang="ru-RU"/>
+              <a:t>Образец текста</a:t>
+            </a:r>
+          </a:p>
+          <a:p>
+            <a:pPr lvl="1"/>
+            <a:r>
+              <a:rPr lang="ru-RU"/>
+              <a:t>Второй уровень</a:t>
+            </a:r>
+          </a:p>
+          <a:p>
+            <a:pPr lvl="2"/>
+            <a:r>
+              <a:rPr lang="ru-RU"/>
+              <a:t>Третий уровень</a:t>
+            </a:r>
+          </a:p>
+          <a:p>
+            <a:pPr lvl="3"/>
+            <a:r>
+              <a:rPr lang="ru-RU"/>
+              <a:t>Четвертый уровень</a:t>
+            </a:r>
+          </a:p>
+          <a:p>
+            <a:pPr lvl="4"/>
+            <a:r>
+              <a:rPr lang="ru-RU"/>
+              <a:t>Пятый уровень</a:t>
+            </a:r>
+          </a:p>
+        </p:txBody>
+      </p:sp>
+      <p:sp>
+        <p:nvSpPr>
+          <p:cNvPr id="6" name="Нижний колонтитул 5"/>
+          <p:cNvSpPr>
+            <a:spLocks noGrp="1"/>
+          </p:cNvSpPr>
+          <p:nvPr>
+            <p:ph type="ftr" sz="quarter" idx="4"/>
+          </p:nvPr>
+        </p:nvSpPr>
+        <p:spPr>
+          <a:xfrm>
+            <a:off x="0" y="8685213"/>
+            <a:ext cx="2971800" cy="458787"/>
+          </a:xfrm>
+          <a:prstGeom prst="rect">
+            <a:avLst/>
+          </a:prstGeom>
+        </p:spPr>
+        <p:txBody>
+          <a:bodyPr vert="horz" lIns="91440" tIns="45720" rIns="91440" bIns="45720" rtlCol="0" anchor="b"/>
+          <a:lstStyle>
+            <a:lvl1pPr algn="l">
+              <a:defRPr sz="1200"/>
+            </a:lvl1pPr>
+          </a:lstStyle>
+          <a:p>
+            <a:endParaRPr lang="ru-RU"/>
+          </a:p>
+        </p:txBody>
+      </p:sp>
+      <p:sp>
+        <p:nvSpPr>
+          <p:cNvPr id="7" name="Номер слайда 6"/>
+          <p:cNvSpPr>
+            <a:spLocks noGrp="1"/>
+          </p:cNvSpPr>
+          <p:nvPr>
+            <p:ph type="sldNum" sz="quarter" idx="5"/>
+          </p:nvPr>
+        </p:nvSpPr>
+        <p:spPr>
+          <a:xfrm>
+            <a:off x="3884613" y="8685213"/>
+            <a:ext cx="2971800" cy="458787"/>
+          </a:xfrm>
+          <a:prstGeom prst="rect">
+            <a:avLst/>
+          </a:prstGeom>
+        </p:spPr>
+        <p:txBody>
+          <a:bodyPr vert="horz" lIns="91440" tIns="45720" rIns="91440" bIns="45720" rtlCol="0" anchor="b"/>
+          <a:lstStyle>
+            <a:lvl1pPr algn="r">
+              <a:defRPr sz="1200"/>
+            </a:lvl1pPr>
+          </a:lstStyle>
+          <a:p>
+            <a:fld id="{009ACCF4-FBC9-4DC4-B371-68612CB4AFC5}" type="slidenum">
+              <a:rPr lang="ru-RU" smtClean="0"/>
+              <a:t>‹#›</a:t>
+            </a:fld>
+            <a:endParaRPr lang="ru-RU"/>
+          </a:p>
+        </p:txBody>
+      </p:sp>
+    </p:spTree>
+    <p:extLst>
+      <p:ext uri="{BB962C8B-B14F-4D97-AF65-F5344CB8AC3E}">
+        <p14:creationId xmlns:p14="http://schemas.microsoft.com/office/powerpoint/2010/main" val="3451533056"/>
+      </p:ext>
+    </p:extLst>
+  </p:cSld>
+  <p:clrMap bg1="lt1" tx1="dk1" bg2="lt2" tx2="dk2" accent1="accent1" accent2="accent2" accent3="accent3" accent4="accent4" accent5="accent5" accent6="accent6" hlink="hlink" folHlink="folHlink"/>
+  <p:notesStyle>
+    <a:lvl1pPr marL="0" algn="l" defTabSz="914400" rtl="0" eaLnBrk="1" latinLnBrk="0" hangingPunct="1">
+      <a:defRPr sz="1200" kern="1200">
+        <a:solidFill>
+          <a:schemeClr val="tx1"/>
+        </a:solidFill>
+        <a:latin typeface="+mn-lt"/>
+        <a:ea typeface="+mn-ea"/>
+        <a:cs typeface="+mn-cs"/>
+      </a:defRPr>
+    </a:lvl1pPr>
+    <a:lvl2pPr marL="457200" algn="l" defTabSz="914400" rtl="0" eaLnBrk="1" latinLnBrk="0" hangingPunct="1">
+      <a:defRPr sz="1200" kern="1200">
+        <a:solidFill>
+          <a:schemeClr val="tx1"/>
+        </a:solidFill>
+        <a:latin typeface="+mn-lt"/>
+        <a:ea typeface="+mn-ea"/>
+        <a:cs typeface="+mn-cs"/>
+      </a:defRPr>
+    </a:lvl2pPr>
+    <a:lvl3pPr marL="914400" algn="l" defTabSz="914400" rtl="0" eaLnBrk="1" latinLnBrk="0" hangingPunct="1">
+      <a:defRPr sz="1200" kern="1200">
+        <a:solidFill>
+          <a:schemeClr val="tx1"/>
+        </a:solidFill>
+        <a:latin typeface="+mn-lt"/>
+        <a:ea typeface="+mn-ea"/>
+        <a:cs typeface="+mn-cs"/>
+      </a:defRPr>
+    </a:lvl3pPr>
+    <a:lvl4pPr marL="1371600" algn="l" defTabSz="914400" rtl="0" eaLnBrk="1" latinLnBrk="0" hangingPunct="1">
+      <a:defRPr sz="1200" kern="1200">
+        <a:solidFill>
+          <a:schemeClr val="tx1"/>
+        </a:solidFill>
+        <a:latin typeface="+mn-lt"/>
+        <a:ea typeface="+mn-ea"/>
+        <a:cs typeface="+mn-cs"/>
+      </a:defRPr>
+    </a:lvl4pPr>
+    <a:lvl5pPr marL="1828800" algn="l" defTabSz="914400" rtl="0" eaLnBrk="1" latinLnBrk="0" hangingPunct="1">
+      <a:defRPr sz="1200" kern="1200">
+        <a:solidFill>
+          <a:schemeClr val="tx1"/>
+        </a:solidFill>
+        <a:latin typeface="+mn-lt"/>
+        <a:ea typeface="+mn-ea"/>
+        <a:cs typeface="+mn-cs"/>
+      </a:defRPr>
+    </a:lvl5pPr>
+    <a:lvl6pPr marL="2286000" algn="l" defTabSz="914400" rtl="0" eaLnBrk="1" latinLnBrk="0" hangingPunct="1">
+      <a:defRPr sz="1200" kern="1200">
+        <a:solidFill>
+          <a:schemeClr val="tx1"/>
+        </a:solidFill>
+        <a:latin typeface="+mn-lt"/>
+        <a:ea typeface="+mn-ea"/>
+        <a:cs typeface="+mn-cs"/>
+      </a:defRPr>
+    </a:lvl6pPr>
+    <a:lvl7pPr marL="2743200" algn="l" defTabSz="914400" rtl="0" eaLnBrk="1" latinLnBrk="0" hangingPunct="1">
+      <a:defRPr sz="1200" kern="1200">
+        <a:solidFill>
+          <a:schemeClr val="tx1"/>
+        </a:solidFill>
+        <a:latin typeface="+mn-lt"/>
+        <a:ea typeface="+mn-ea"/>
+        <a:cs typeface="+mn-cs"/>
+      </a:defRPr>
+    </a:lvl7pPr>
+    <a:lvl8pPr marL="3200400" algn="l" defTabSz="914400" rtl="0" eaLnBrk="1" latinLnBrk="0" hangingPunct="1">
+      <a:defRPr sz="1200" kern="1200">
+        <a:solidFill>
+          <a:schemeClr val="tx1"/>
+        </a:solidFill>
+        <a:latin typeface="+mn-lt"/>
+        <a:ea typeface="+mn-ea"/>
+        <a:cs typeface="+mn-cs"/>
+      </a:defRPr>
+    </a:lvl8pPr>
+    <a:lvl9pPr marL="3657600" algn="l" defTabSz="914400" rtl="0" eaLnBrk="1" latinLnBrk="0" hangingPunct="1">
+      <a:defRPr sz="1200" kern="1200">
+        <a:solidFill>
+          <a:schemeClr val="tx1"/>
+        </a:solidFill>
+        <a:latin typeface="+mn-lt"/>
+        <a:ea typeface="+mn-ea"/>
+        <a:cs typeface="+mn-cs"/>
+      </a:defRPr>
+    </a:lvl9pPr>
+  </p:notesStyle>
+</p:notesMaster>
+</file>
+
+<file path=ppt/notesSlides/notesSlide1.xml><?xml version="1.0" encoding="utf-8"?>
+<p:notes xmlns:a="http://schemas.openxmlformats.org/drawingml/2006/main" xmlns:r="http://schemas.openxmlformats.org/officeDocument/2006/relationships" xmlns:p="http://schemas.openxmlformats.org/presentationml/2006/main">
+  <p:cSld>
+    <p:spTree>
+      <p:nvGrpSpPr>
+        <p:cNvPr id="1" name=""/>
+        <p:cNvGrpSpPr/>
+        <p:nvPr/>
+      </p:nvGrpSpPr>
+      <p:grpSpPr>
+        <a:xfrm>
+          <a:off x="0" y="0"/>
+          <a:ext cx="0" cy="0"/>
+          <a:chOff x="0" y="0"/>
+          <a:chExt cx="0" cy="0"/>
+        </a:xfrm>
+      </p:grpSpPr>
+      <p:sp>
+        <p:nvSpPr>
+          <p:cNvPr id="2" name="Образ слайда 1"/>
+          <p:cNvSpPr>
+            <a:spLocks noGrp="1" noRot="1" noChangeAspect="1"/>
+          </p:cNvSpPr>
+          <p:nvPr>
+            <p:ph type="sldImg"/>
+          </p:nvPr>
+        </p:nvSpPr>
+        <p:spPr/>
+      </p:sp>
+      <p:sp>
+        <p:nvSpPr>
+          <p:cNvPr id="3" name="Заметки 2"/>
+          <p:cNvSpPr>
+            <a:spLocks noGrp="1"/>
+          </p:cNvSpPr>
+          <p:nvPr>
+            <p:ph type="body" idx="1"/>
+          </p:nvPr>
+        </p:nvSpPr>
+        <p:spPr/>
+        <p:txBody>
+          <a:bodyPr/>
+          <a:lstStyle/>
+          <a:p>
+            <a:pPr>
+              <a:lnSpc>
+                <a:spcPct val="107000"/>
+              </a:lnSpc>
+              <a:spcAft>
+                <a:spcPts val="800"/>
+              </a:spcAft>
+            </a:pPr>
+            <a:r>
+              <a:rPr lang="ru-RU" sz="1800" b="1" kern="100" dirty="0">
+                <a:effectLst/>
+                <a:latin typeface="Times New Roman" panose="02020603050405020304" pitchFamily="18" charset="0"/>
+                <a:ea typeface="Calibri" panose="020F0502020204030204" pitchFamily="34" charset="0"/>
+                <a:cs typeface="Times New Roman" panose="02020603050405020304" pitchFamily="18" charset="0"/>
+              </a:rPr>
+              <a:t>Название магазина: </a:t>
+            </a:r>
+            <a:endParaRPr lang="ru-RU" sz="1800" kern="100" dirty="0">
+              <a:effectLst/>
+              <a:latin typeface="Calibri" panose="020F0502020204030204" pitchFamily="34" charset="0"/>
+              <a:ea typeface="Calibri" panose="020F0502020204030204" pitchFamily="34" charset="0"/>
+              <a:cs typeface="Times New Roman" panose="02020603050405020304" pitchFamily="18" charset="0"/>
+            </a:endParaRPr>
+          </a:p>
+          <a:p>
+            <a:pPr>
+              <a:lnSpc>
+                <a:spcPct val="107000"/>
+              </a:lnSpc>
+              <a:spcAft>
+                <a:spcPts val="800"/>
+              </a:spcAft>
+            </a:pPr>
+            <a:r>
+              <a:rPr lang="ru-RU" sz="1800" kern="100" dirty="0">
+                <a:effectLst/>
+                <a:latin typeface="Times New Roman" panose="02020603050405020304" pitchFamily="18" charset="0"/>
+                <a:ea typeface="Calibri" panose="020F0502020204030204" pitchFamily="34" charset="0"/>
+                <a:cs typeface="Times New Roman" panose="02020603050405020304" pitchFamily="18" charset="0"/>
+              </a:rPr>
+              <a:t>«ИНТЕРНЕТ-МАГАЗИН JEWEL»</a:t>
+            </a:r>
+            <a:endParaRPr lang="ru-RU" sz="1800" kern="100" dirty="0">
+              <a:effectLst/>
+              <a:latin typeface="Calibri" panose="020F0502020204030204" pitchFamily="34" charset="0"/>
+              <a:ea typeface="Calibri" panose="020F0502020204030204" pitchFamily="34" charset="0"/>
+              <a:cs typeface="Times New Roman" panose="02020603050405020304" pitchFamily="18" charset="0"/>
+            </a:endParaRPr>
+          </a:p>
+          <a:p>
+            <a:pPr>
+              <a:lnSpc>
+                <a:spcPct val="107000"/>
+              </a:lnSpc>
+              <a:spcAft>
+                <a:spcPts val="800"/>
+              </a:spcAft>
+            </a:pPr>
+            <a:r>
+              <a:rPr lang="ru-RU" sz="1800" b="1" kern="100" dirty="0">
+                <a:effectLst/>
+                <a:latin typeface="Times New Roman" panose="02020603050405020304" pitchFamily="18" charset="0"/>
+                <a:ea typeface="Calibri" panose="020F0502020204030204" pitchFamily="34" charset="0"/>
+                <a:cs typeface="Times New Roman" panose="02020603050405020304" pitchFamily="18" charset="0"/>
+              </a:rPr>
+              <a:t>Автор: </a:t>
+            </a:r>
+            <a:endParaRPr lang="ru-RU" sz="1800" kern="100" dirty="0">
+              <a:effectLst/>
+              <a:latin typeface="Calibri" panose="020F0502020204030204" pitchFamily="34" charset="0"/>
+              <a:ea typeface="Calibri" panose="020F0502020204030204" pitchFamily="34" charset="0"/>
+              <a:cs typeface="Times New Roman" panose="02020603050405020304" pitchFamily="18" charset="0"/>
+            </a:endParaRPr>
+          </a:p>
+          <a:p>
+            <a:pPr>
+              <a:lnSpc>
+                <a:spcPct val="107000"/>
+              </a:lnSpc>
+              <a:spcAft>
+                <a:spcPts val="800"/>
+              </a:spcAft>
+            </a:pPr>
+            <a:r>
+              <a:rPr lang="ru-RU" sz="1800" kern="100" dirty="0">
+                <a:effectLst/>
+                <a:latin typeface="Times New Roman" panose="02020603050405020304" pitchFamily="18" charset="0"/>
+                <a:ea typeface="Calibri" panose="020F0502020204030204" pitchFamily="34" charset="0"/>
+                <a:cs typeface="Times New Roman" panose="02020603050405020304" pitchFamily="18" charset="0"/>
+              </a:rPr>
+              <a:t>Садыкова Полина, группа 22919/8</a:t>
+            </a:r>
+            <a:endParaRPr lang="ru-RU" sz="1800" kern="100" dirty="0">
+              <a:effectLst/>
+              <a:latin typeface="Calibri" panose="020F0502020204030204" pitchFamily="34" charset="0"/>
+              <a:ea typeface="Calibri" panose="020F0502020204030204" pitchFamily="34" charset="0"/>
+              <a:cs typeface="Times New Roman" panose="02020603050405020304" pitchFamily="18" charset="0"/>
+            </a:endParaRPr>
+          </a:p>
+          <a:p>
+            <a:pPr>
+              <a:lnSpc>
+                <a:spcPct val="107000"/>
+              </a:lnSpc>
+              <a:spcAft>
+                <a:spcPts val="800"/>
+              </a:spcAft>
+            </a:pPr>
+            <a:r>
+              <a:rPr lang="ru-RU" sz="1800" b="1" kern="100" dirty="0">
+                <a:effectLst/>
+                <a:latin typeface="Times New Roman" panose="02020603050405020304" pitchFamily="18" charset="0"/>
+                <a:ea typeface="Calibri" panose="020F0502020204030204" pitchFamily="34" charset="0"/>
+                <a:cs typeface="Times New Roman" panose="02020603050405020304" pitchFamily="18" charset="0"/>
+              </a:rPr>
+              <a:t>Ссылка на </a:t>
+            </a:r>
+            <a:r>
+              <a:rPr lang="en-US" sz="1800" b="1" kern="100" dirty="0" err="1">
+                <a:effectLst/>
+                <a:latin typeface="Times New Roman" panose="02020603050405020304" pitchFamily="18" charset="0"/>
+                <a:ea typeface="Calibri" panose="020F0502020204030204" pitchFamily="34" charset="0"/>
+                <a:cs typeface="Times New Roman" panose="02020603050405020304" pitchFamily="18" charset="0"/>
+              </a:rPr>
+              <a:t>Github</a:t>
+            </a:r>
+            <a:r>
+              <a:rPr lang="ru-RU" sz="1800" b="1" kern="100" dirty="0">
+                <a:effectLst/>
+                <a:latin typeface="Times New Roman" panose="02020603050405020304" pitchFamily="18" charset="0"/>
+                <a:ea typeface="Calibri" panose="020F0502020204030204" pitchFamily="34" charset="0"/>
+                <a:cs typeface="Times New Roman" panose="02020603050405020304" pitchFamily="18" charset="0"/>
+              </a:rPr>
+              <a:t>: </a:t>
+            </a:r>
+            <a:endParaRPr lang="ru-RU" sz="1800" kern="100" dirty="0">
+              <a:effectLst/>
+              <a:latin typeface="Calibri" panose="020F0502020204030204" pitchFamily="34" charset="0"/>
+              <a:ea typeface="Calibri" panose="020F0502020204030204" pitchFamily="34" charset="0"/>
+              <a:cs typeface="Times New Roman" panose="02020603050405020304" pitchFamily="18" charset="0"/>
+            </a:endParaRPr>
+          </a:p>
+          <a:p>
+            <a:pPr>
+              <a:lnSpc>
+                <a:spcPct val="107000"/>
+              </a:lnSpc>
+              <a:spcAft>
+                <a:spcPts val="800"/>
+              </a:spcAft>
+            </a:pPr>
+            <a:r>
+              <a:rPr lang="ru-RU" sz="1800" u="sng" kern="100" dirty="0">
+                <a:solidFill>
+                  <a:srgbClr val="0563C1"/>
+                </a:solidFill>
+                <a:effectLst/>
+                <a:latin typeface="Times New Roman" panose="02020603050405020304" pitchFamily="18" charset="0"/>
+                <a:ea typeface="Calibri" panose="020F0502020204030204" pitchFamily="34" charset="0"/>
+                <a:cs typeface="Times New Roman" panose="02020603050405020304" pitchFamily="18" charset="0"/>
+                <a:hlinkClick r:id="rId3"/>
+              </a:rPr>
+              <a:t>https://github.com/hiukka?tab=projects</a:t>
+            </a:r>
+            <a:endParaRPr lang="ru-RU" sz="1800" kern="100" dirty="0">
+              <a:effectLst/>
+              <a:latin typeface="Calibri" panose="020F0502020204030204" pitchFamily="34" charset="0"/>
+              <a:ea typeface="Calibri" panose="020F0502020204030204" pitchFamily="34" charset="0"/>
+              <a:cs typeface="Times New Roman" panose="02020603050405020304" pitchFamily="18" charset="0"/>
+            </a:endParaRPr>
+          </a:p>
+        </p:txBody>
+      </p:sp>
+      <p:sp>
+        <p:nvSpPr>
+          <p:cNvPr id="4" name="Номер слайда 3"/>
+          <p:cNvSpPr>
+            <a:spLocks noGrp="1"/>
+          </p:cNvSpPr>
+          <p:nvPr>
+            <p:ph type="sldNum" sz="quarter" idx="5"/>
+          </p:nvPr>
+        </p:nvSpPr>
+        <p:spPr/>
+        <p:txBody>
+          <a:bodyPr/>
+          <a:lstStyle/>
+          <a:p>
+            <a:fld id="{009ACCF4-FBC9-4DC4-B371-68612CB4AFC5}" type="slidenum">
+              <a:rPr lang="ru-RU" smtClean="0"/>
+              <a:t>1</a:t>
+            </a:fld>
+            <a:endParaRPr lang="ru-RU"/>
+          </a:p>
+        </p:txBody>
+      </p:sp>
+    </p:spTree>
+    <p:extLst>
+      <p:ext uri="{BB962C8B-B14F-4D97-AF65-F5344CB8AC3E}">
+        <p14:creationId xmlns:p14="http://schemas.microsoft.com/office/powerpoint/2010/main" val="3649741107"/>
+      </p:ext>
+    </p:extLst>
+  </p:cSld>
+  <p:clrMapOvr>
+    <a:masterClrMapping/>
+  </p:clrMapOvr>
+</p:notes>
+</file>
+
+<file path=ppt/notesSlides/notesSlide10.xml><?xml version="1.0" encoding="utf-8"?>
+<p:notes xmlns:a="http://schemas.openxmlformats.org/drawingml/2006/main" xmlns:r="http://schemas.openxmlformats.org/officeDocument/2006/relationships" xmlns:p="http://schemas.openxmlformats.org/presentationml/2006/main">
+  <p:cSld>
+    <p:spTree>
+      <p:nvGrpSpPr>
+        <p:cNvPr id="1" name=""/>
+        <p:cNvGrpSpPr/>
+        <p:nvPr/>
+      </p:nvGrpSpPr>
+      <p:grpSpPr>
+        <a:xfrm>
+          <a:off x="0" y="0"/>
+          <a:ext cx="0" cy="0"/>
+          <a:chOff x="0" y="0"/>
+          <a:chExt cx="0" cy="0"/>
+        </a:xfrm>
+      </p:grpSpPr>
+      <p:sp>
+        <p:nvSpPr>
+          <p:cNvPr id="2" name="Образ слайда 1"/>
+          <p:cNvSpPr>
+            <a:spLocks noGrp="1" noRot="1" noChangeAspect="1"/>
+          </p:cNvSpPr>
+          <p:nvPr>
+            <p:ph type="sldImg"/>
+          </p:nvPr>
+        </p:nvSpPr>
+        <p:spPr/>
+      </p:sp>
+      <p:sp>
+        <p:nvSpPr>
+          <p:cNvPr id="3" name="Заметки 2"/>
+          <p:cNvSpPr>
+            <a:spLocks noGrp="1"/>
+          </p:cNvSpPr>
+          <p:nvPr>
+            <p:ph type="body" idx="1"/>
+          </p:nvPr>
+        </p:nvSpPr>
+        <p:spPr/>
+        <p:txBody>
+          <a:bodyPr/>
+          <a:lstStyle/>
+          <a:p>
+            <a:pPr>
+              <a:lnSpc>
+                <a:spcPct val="107000"/>
+              </a:lnSpc>
+              <a:spcAft>
+                <a:spcPts val="800"/>
+              </a:spcAft>
+            </a:pPr>
+            <a:r>
+              <a:rPr lang="ru-RU" sz="1800" b="1" kern="100" dirty="0">
+                <a:solidFill>
+                  <a:srgbClr val="000000"/>
+                </a:solidFill>
+                <a:effectLst/>
+                <a:latin typeface="Times New Roman" panose="02020603050405020304" pitchFamily="18" charset="0"/>
+                <a:ea typeface="Calibri" panose="020F0502020204030204" pitchFamily="34" charset="0"/>
+                <a:cs typeface="Times New Roman" panose="02020603050405020304" pitchFamily="18" charset="0"/>
+              </a:rPr>
+              <a:t>Ключевые оценочные элементы для оценки качества сайта в целом:</a:t>
+            </a:r>
+            <a:endParaRPr lang="ru-RU" sz="1800" kern="100" dirty="0">
+              <a:effectLst/>
+              <a:latin typeface="Calibri" panose="020F0502020204030204" pitchFamily="34" charset="0"/>
+              <a:ea typeface="Calibri" panose="020F0502020204030204" pitchFamily="34" charset="0"/>
+              <a:cs typeface="Times New Roman" panose="02020603050405020304" pitchFamily="18" charset="0"/>
+            </a:endParaRPr>
+          </a:p>
+          <a:p>
+            <a:pPr>
+              <a:lnSpc>
+                <a:spcPct val="107000"/>
+              </a:lnSpc>
+              <a:spcAft>
+                <a:spcPts val="800"/>
+              </a:spcAft>
+            </a:pPr>
+            <a:r>
+              <a:rPr lang="ru-RU" sz="1800" kern="100" dirty="0">
+                <a:effectLst/>
+                <a:latin typeface="Times New Roman" panose="02020603050405020304" pitchFamily="18" charset="0"/>
+                <a:ea typeface="Calibri" panose="020F0502020204030204" pitchFamily="34" charset="0"/>
+                <a:cs typeface="Times New Roman" panose="02020603050405020304" pitchFamily="18" charset="0"/>
+              </a:rPr>
+              <a:t>Метрики проекта:</a:t>
+            </a:r>
+            <a:endParaRPr lang="ru-RU" sz="1800" kern="100" dirty="0">
+              <a:effectLst/>
+              <a:latin typeface="Calibri" panose="020F0502020204030204" pitchFamily="34" charset="0"/>
+              <a:ea typeface="Calibri" panose="020F0502020204030204" pitchFamily="34" charset="0"/>
+              <a:cs typeface="Times New Roman" panose="02020603050405020304" pitchFamily="18" charset="0"/>
+            </a:endParaRPr>
+          </a:p>
+          <a:p>
+            <a:pPr>
+              <a:lnSpc>
+                <a:spcPct val="107000"/>
+              </a:lnSpc>
+              <a:spcAft>
+                <a:spcPts val="800"/>
+              </a:spcAft>
+            </a:pPr>
+            <a:r>
+              <a:rPr lang="ru-RU" sz="1800" kern="100" dirty="0">
+                <a:effectLst/>
+                <a:latin typeface="Times New Roman" panose="02020603050405020304" pitchFamily="18" charset="0"/>
+                <a:ea typeface="Calibri" panose="020F0502020204030204" pitchFamily="34" charset="0"/>
+                <a:cs typeface="Times New Roman" panose="02020603050405020304" pitchFamily="18" charset="0"/>
+              </a:rPr>
+              <a:t>Функциональность </a:t>
+            </a:r>
+            <a:endParaRPr lang="ru-RU" sz="1800" kern="100" dirty="0">
+              <a:effectLst/>
+              <a:latin typeface="Calibri" panose="020F0502020204030204" pitchFamily="34" charset="0"/>
+              <a:ea typeface="Calibri" panose="020F0502020204030204" pitchFamily="34" charset="0"/>
+              <a:cs typeface="Times New Roman" panose="02020603050405020304" pitchFamily="18" charset="0"/>
+            </a:endParaRPr>
+          </a:p>
+          <a:p>
+            <a:pPr marL="342900" lvl="0" indent="-342900">
+              <a:lnSpc>
+                <a:spcPct val="107000"/>
+              </a:lnSpc>
+              <a:buFont typeface="Symbol" panose="05050102010706020507" pitchFamily="18" charset="2"/>
+              <a:buChar char=""/>
+            </a:pPr>
+            <a:r>
+              <a:rPr lang="ru-RU" sz="1800" dirty="0">
+                <a:effectLst/>
+                <a:latin typeface="Times New Roman" panose="02020603050405020304" pitchFamily="18" charset="0"/>
+                <a:ea typeface="Calibri" panose="020F0502020204030204" pitchFamily="34" charset="0"/>
+                <a:cs typeface="Times New Roman" panose="02020603050405020304" pitchFamily="18" charset="0"/>
+              </a:rPr>
+              <a:t>Функциональная пригодность – сайт должен записать информацию о заказе, который пользователь заказал и оплатил товар на сайте, в БД</a:t>
+            </a:r>
+          </a:p>
+          <a:p>
+            <a:pPr marL="342900" lvl="0" indent="-342900">
+              <a:lnSpc>
+                <a:spcPct val="107000"/>
+              </a:lnSpc>
+              <a:buFont typeface="Symbol" panose="05050102010706020507" pitchFamily="18" charset="2"/>
+              <a:buChar char=""/>
+            </a:pPr>
+            <a:r>
+              <a:rPr lang="ru-RU" sz="1800" dirty="0">
+                <a:effectLst/>
+                <a:latin typeface="Times New Roman" panose="02020603050405020304" pitchFamily="18" charset="0"/>
+                <a:ea typeface="Calibri" panose="020F0502020204030204" pitchFamily="34" charset="0"/>
+                <a:cs typeface="Times New Roman" panose="02020603050405020304" pitchFamily="18" charset="0"/>
+              </a:rPr>
+              <a:t>Точность – сайт должен выполнять поиск, результаты которого ранжируются по количеству совпадающих символов в названии или описании товара</a:t>
+            </a:r>
+          </a:p>
+          <a:p>
+            <a:pPr marL="342900" lvl="0" indent="-342900">
+              <a:lnSpc>
+                <a:spcPct val="107000"/>
+              </a:lnSpc>
+              <a:buFont typeface="Symbol" panose="05050102010706020507" pitchFamily="18" charset="2"/>
+              <a:buChar char=""/>
+            </a:pPr>
+            <a:r>
+              <a:rPr lang="ru-RU" sz="1800" dirty="0">
+                <a:effectLst/>
+                <a:latin typeface="Times New Roman" panose="02020603050405020304" pitchFamily="18" charset="0"/>
+                <a:ea typeface="Calibri" panose="020F0502020204030204" pitchFamily="34" charset="0"/>
+                <a:cs typeface="Times New Roman" panose="02020603050405020304" pitchFamily="18" charset="0"/>
+              </a:rPr>
+              <a:t>Защищенность – хранение истории и личных данных пользователя должно быть в зашифрованном виде</a:t>
+            </a:r>
+          </a:p>
+          <a:p>
+            <a:pPr marL="457200">
+              <a:spcAft>
+                <a:spcPts val="800"/>
+              </a:spcAft>
+            </a:pPr>
+            <a:r>
+              <a:rPr lang="ru-RU" sz="1800" dirty="0">
+                <a:effectLst/>
+                <a:latin typeface="Times New Roman" panose="02020603050405020304" pitchFamily="18" charset="0"/>
+                <a:ea typeface="Calibri" panose="020F0502020204030204" pitchFamily="34" charset="0"/>
+                <a:cs typeface="Times New Roman" panose="02020603050405020304" pitchFamily="18" charset="0"/>
+              </a:rPr>
+              <a:t> </a:t>
+            </a:r>
+          </a:p>
+          <a:p>
+            <a:pPr>
+              <a:lnSpc>
+                <a:spcPct val="107000"/>
+              </a:lnSpc>
+              <a:spcAft>
+                <a:spcPts val="800"/>
+              </a:spcAft>
+            </a:pPr>
+            <a:r>
+              <a:rPr lang="ru-RU" sz="1800" kern="100" dirty="0">
+                <a:effectLst/>
+                <a:latin typeface="Times New Roman" panose="02020603050405020304" pitchFamily="18" charset="0"/>
+                <a:ea typeface="Calibri" panose="020F0502020204030204" pitchFamily="34" charset="0"/>
+                <a:cs typeface="Times New Roman" panose="02020603050405020304" pitchFamily="18" charset="0"/>
+              </a:rPr>
+              <a:t>Надежность</a:t>
+            </a:r>
+            <a:endParaRPr lang="ru-RU" sz="1800" kern="100" dirty="0">
+              <a:effectLst/>
+              <a:latin typeface="Calibri" panose="020F0502020204030204" pitchFamily="34" charset="0"/>
+              <a:ea typeface="Calibri" panose="020F0502020204030204" pitchFamily="34" charset="0"/>
+              <a:cs typeface="Times New Roman" panose="02020603050405020304" pitchFamily="18" charset="0"/>
+            </a:endParaRPr>
+          </a:p>
+          <a:p>
+            <a:pPr marL="342900" lvl="0" indent="-342900">
+              <a:lnSpc>
+                <a:spcPct val="107000"/>
+              </a:lnSpc>
+              <a:buFont typeface="Symbol" panose="05050102010706020507" pitchFamily="18" charset="2"/>
+              <a:buChar char=""/>
+            </a:pPr>
+            <a:r>
+              <a:rPr lang="ru-RU" sz="1800" dirty="0">
+                <a:effectLst/>
+                <a:latin typeface="Times New Roman" panose="02020603050405020304" pitchFamily="18" charset="0"/>
+                <a:ea typeface="Calibri" panose="020F0502020204030204" pitchFamily="34" charset="0"/>
+                <a:cs typeface="Times New Roman" panose="02020603050405020304" pitchFamily="18" charset="0"/>
+              </a:rPr>
+              <a:t>Устойчивость к отказам – сайт должен поддерживать базовый уровень работоспособности при отказе одного или нескольких модулей</a:t>
+            </a:r>
+          </a:p>
+          <a:p>
+            <a:pPr marL="342900" lvl="0" indent="-342900">
+              <a:lnSpc>
+                <a:spcPct val="107000"/>
+              </a:lnSpc>
+              <a:buFont typeface="Symbol" panose="05050102010706020507" pitchFamily="18" charset="2"/>
+              <a:buChar char=""/>
+            </a:pPr>
+            <a:r>
+              <a:rPr lang="ru-RU" sz="1800" dirty="0">
+                <a:effectLst/>
+                <a:latin typeface="Times New Roman" panose="02020603050405020304" pitchFamily="18" charset="0"/>
+                <a:ea typeface="Calibri" panose="020F0502020204030204" pitchFamily="34" charset="0"/>
+                <a:cs typeface="Times New Roman" panose="02020603050405020304" pitchFamily="18" charset="0"/>
+              </a:rPr>
+              <a:t>Способность к восстановлению – механизм восстановления работоспособности по последней резервной копии</a:t>
+            </a:r>
+          </a:p>
+          <a:p>
+            <a:pPr marL="342900" lvl="0" indent="-342900">
+              <a:lnSpc>
+                <a:spcPct val="107000"/>
+              </a:lnSpc>
+              <a:buFont typeface="Symbol" panose="05050102010706020507" pitchFamily="18" charset="2"/>
+              <a:buChar char=""/>
+            </a:pPr>
+            <a:r>
+              <a:rPr lang="ru-RU" sz="1800" dirty="0">
+                <a:effectLst/>
+                <a:latin typeface="Times New Roman" panose="02020603050405020304" pitchFamily="18" charset="0"/>
+                <a:ea typeface="Calibri" panose="020F0502020204030204" pitchFamily="34" charset="0"/>
+                <a:cs typeface="Times New Roman" panose="02020603050405020304" pitchFamily="18" charset="0"/>
+              </a:rPr>
+              <a:t>Зрелость, завершенность – безостановочное время работы сайта должно быть не менее 40 часов в неделю без сбоев</a:t>
+            </a:r>
+          </a:p>
+          <a:p>
+            <a:pPr marL="457200">
+              <a:spcAft>
+                <a:spcPts val="800"/>
+              </a:spcAft>
+            </a:pPr>
+            <a:r>
+              <a:rPr lang="ru-RU" sz="1800" dirty="0">
+                <a:effectLst/>
+                <a:latin typeface="Times New Roman" panose="02020603050405020304" pitchFamily="18" charset="0"/>
+                <a:ea typeface="Calibri" panose="020F0502020204030204" pitchFamily="34" charset="0"/>
+                <a:cs typeface="Times New Roman" panose="02020603050405020304" pitchFamily="18" charset="0"/>
+              </a:rPr>
+              <a:t> </a:t>
+            </a:r>
+          </a:p>
+          <a:p>
+            <a:pPr>
+              <a:lnSpc>
+                <a:spcPct val="107000"/>
+              </a:lnSpc>
+              <a:spcAft>
+                <a:spcPts val="800"/>
+              </a:spcAft>
+            </a:pPr>
+            <a:r>
+              <a:rPr lang="ru-RU" sz="1800" kern="100" dirty="0">
+                <a:effectLst/>
+                <a:latin typeface="Times New Roman" panose="02020603050405020304" pitchFamily="18" charset="0"/>
+                <a:ea typeface="Calibri" panose="020F0502020204030204" pitchFamily="34" charset="0"/>
+                <a:cs typeface="Times New Roman" panose="02020603050405020304" pitchFamily="18" charset="0"/>
+              </a:rPr>
+              <a:t>Удобство использования</a:t>
+            </a:r>
+            <a:endParaRPr lang="ru-RU" sz="1800" kern="100" dirty="0">
+              <a:effectLst/>
+              <a:latin typeface="Calibri" panose="020F0502020204030204" pitchFamily="34" charset="0"/>
+              <a:ea typeface="Calibri" panose="020F0502020204030204" pitchFamily="34" charset="0"/>
+              <a:cs typeface="Times New Roman" panose="02020603050405020304" pitchFamily="18" charset="0"/>
+            </a:endParaRPr>
+          </a:p>
+          <a:p>
+            <a:pPr marL="342900" lvl="0" indent="-342900">
+              <a:lnSpc>
+                <a:spcPct val="107000"/>
+              </a:lnSpc>
+              <a:buFont typeface="Symbol" panose="05050102010706020507" pitchFamily="18" charset="2"/>
+              <a:buChar char=""/>
+            </a:pPr>
+            <a:r>
+              <a:rPr lang="ru-RU" sz="1800" dirty="0">
+                <a:effectLst/>
+                <a:latin typeface="Times New Roman" panose="02020603050405020304" pitchFamily="18" charset="0"/>
+                <a:ea typeface="Calibri" panose="020F0502020204030204" pitchFamily="34" charset="0"/>
+                <a:cs typeface="Times New Roman" panose="02020603050405020304" pitchFamily="18" charset="0"/>
+              </a:rPr>
+              <a:t>Понятность:</a:t>
+            </a:r>
+          </a:p>
+          <a:p>
+            <a:pPr marL="342900" lvl="0" indent="-342900">
+              <a:lnSpc>
+                <a:spcPct val="107000"/>
+              </a:lnSpc>
+              <a:buFont typeface="+mj-lt"/>
+              <a:buAutoNum type="arabicPeriod"/>
+            </a:pPr>
+            <a:r>
+              <a:rPr lang="ru-RU" sz="1800" dirty="0">
+                <a:effectLst/>
+                <a:latin typeface="Times New Roman" panose="02020603050405020304" pitchFamily="18" charset="0"/>
+                <a:ea typeface="Calibri" panose="020F0502020204030204" pitchFamily="34" charset="0"/>
+                <a:cs typeface="Times New Roman" panose="02020603050405020304" pitchFamily="18" charset="0"/>
+              </a:rPr>
+              <a:t>Сайт должен содержать всплывающие подсказки, появляющиеся при наведении курсора на кнопку или значок и содержащие краткое описание их функций</a:t>
+            </a:r>
+          </a:p>
+          <a:p>
+            <a:pPr marL="342900" lvl="0" indent="-342900">
+              <a:lnSpc>
+                <a:spcPct val="107000"/>
+              </a:lnSpc>
+              <a:buFont typeface="+mj-lt"/>
+              <a:buAutoNum type="arabicPeriod"/>
+            </a:pPr>
+            <a:r>
+              <a:rPr lang="ru-RU" sz="1800" dirty="0">
+                <a:effectLst/>
+                <a:latin typeface="Times New Roman" panose="02020603050405020304" pitchFamily="18" charset="0"/>
+                <a:ea typeface="Calibri" panose="020F0502020204030204" pitchFamily="34" charset="0"/>
+                <a:cs typeface="Times New Roman" panose="02020603050405020304" pitchFamily="18" charset="0"/>
+              </a:rPr>
+              <a:t>Сайт должен иметь визуальную обратную связь (изменение цвета кнопок при нажатии, анимация кнопок при наведении на них курсора и т.д.)</a:t>
+            </a:r>
+            <a:br>
+              <a:rPr lang="ru-RU" sz="1800" dirty="0">
+                <a:effectLst/>
+                <a:latin typeface="Times New Roman" panose="02020603050405020304" pitchFamily="18" charset="0"/>
+                <a:ea typeface="Calibri" panose="020F0502020204030204" pitchFamily="34" charset="0"/>
+                <a:cs typeface="Times New Roman" panose="02020603050405020304" pitchFamily="18" charset="0"/>
+              </a:rPr>
+            </a:br>
+            <a:endParaRPr lang="ru-RU" sz="1800" dirty="0">
+              <a:effectLst/>
+              <a:latin typeface="Times New Roman" panose="02020603050405020304" pitchFamily="18" charset="0"/>
+              <a:ea typeface="Calibri" panose="020F0502020204030204" pitchFamily="34" charset="0"/>
+              <a:cs typeface="Times New Roman" panose="02020603050405020304" pitchFamily="18" charset="0"/>
+            </a:endParaRPr>
+          </a:p>
+          <a:p>
+            <a:pPr marL="342900" lvl="0" indent="-342900">
+              <a:lnSpc>
+                <a:spcPct val="107000"/>
+              </a:lnSpc>
+              <a:buFont typeface="Symbol" panose="05050102010706020507" pitchFamily="18" charset="2"/>
+              <a:buChar char=""/>
+            </a:pPr>
+            <a:r>
+              <a:rPr lang="ru-RU" sz="1800" dirty="0">
+                <a:effectLst/>
+                <a:latin typeface="Times New Roman" panose="02020603050405020304" pitchFamily="18" charset="0"/>
+                <a:ea typeface="Calibri" panose="020F0502020204030204" pitchFamily="34" charset="0"/>
+                <a:cs typeface="Times New Roman" panose="02020603050405020304" pitchFamily="18" charset="0"/>
+              </a:rPr>
+              <a:t>Удобство обучения:</a:t>
+            </a:r>
+          </a:p>
+          <a:p>
+            <a:pPr marL="342900" lvl="0" indent="-342900">
+              <a:lnSpc>
+                <a:spcPct val="107000"/>
+              </a:lnSpc>
+              <a:buFont typeface="+mj-lt"/>
+              <a:buAutoNum type="arabicPeriod"/>
+            </a:pPr>
+            <a:r>
+              <a:rPr lang="ru-RU" sz="1800" dirty="0">
+                <a:effectLst/>
+                <a:latin typeface="Times New Roman" panose="02020603050405020304" pitchFamily="18" charset="0"/>
+                <a:ea typeface="Calibri" panose="020F0502020204030204" pitchFamily="34" charset="0"/>
+                <a:cs typeface="Times New Roman" panose="02020603050405020304" pitchFamily="18" charset="0"/>
+              </a:rPr>
+              <a:t>Сайт должен иметь переключение на русский и английский язык, </a:t>
+            </a:r>
+          </a:p>
+          <a:p>
+            <a:pPr marL="342900" lvl="0" indent="-342900">
+              <a:lnSpc>
+                <a:spcPct val="107000"/>
+              </a:lnSpc>
+              <a:buFont typeface="+mj-lt"/>
+              <a:buAutoNum type="arabicPeriod"/>
+            </a:pPr>
+            <a:r>
+              <a:rPr lang="ru-RU" sz="1800" dirty="0">
+                <a:effectLst/>
+                <a:latin typeface="Times New Roman" panose="02020603050405020304" pitchFamily="18" charset="0"/>
+                <a:ea typeface="Calibri" panose="020F0502020204030204" pitchFamily="34" charset="0"/>
+                <a:cs typeface="Times New Roman" panose="02020603050405020304" pitchFamily="18" charset="0"/>
+              </a:rPr>
+              <a:t>При первом посещении сайта должны отображаться подсказки по навигации по сайту</a:t>
+            </a:r>
+          </a:p>
+          <a:p>
+            <a:pPr marL="685800">
+              <a:spcAft>
+                <a:spcPts val="800"/>
+              </a:spcAft>
+            </a:pPr>
+            <a:r>
+              <a:rPr lang="ru-RU" sz="1800" dirty="0">
+                <a:effectLst/>
+                <a:latin typeface="Times New Roman" panose="02020603050405020304" pitchFamily="18" charset="0"/>
+                <a:ea typeface="Calibri" panose="020F0502020204030204" pitchFamily="34" charset="0"/>
+                <a:cs typeface="Times New Roman" panose="02020603050405020304" pitchFamily="18" charset="0"/>
+              </a:rPr>
+              <a:t> </a:t>
+            </a:r>
+          </a:p>
+          <a:p>
+            <a:pPr>
+              <a:lnSpc>
+                <a:spcPct val="107000"/>
+              </a:lnSpc>
+              <a:spcAft>
+                <a:spcPts val="800"/>
+              </a:spcAft>
+            </a:pPr>
+            <a:r>
+              <a:rPr lang="ru-RU" sz="1800" kern="100" dirty="0">
+                <a:effectLst/>
+                <a:latin typeface="Times New Roman" panose="02020603050405020304" pitchFamily="18" charset="0"/>
+                <a:ea typeface="Calibri" panose="020F0502020204030204" pitchFamily="34" charset="0"/>
+                <a:cs typeface="Times New Roman" panose="02020603050405020304" pitchFamily="18" charset="0"/>
+              </a:rPr>
+              <a:t>Производительность </a:t>
+            </a:r>
+            <a:endParaRPr lang="ru-RU" sz="1800" kern="100" dirty="0">
+              <a:effectLst/>
+              <a:latin typeface="Calibri" panose="020F0502020204030204" pitchFamily="34" charset="0"/>
+              <a:ea typeface="Calibri" panose="020F0502020204030204" pitchFamily="34" charset="0"/>
+              <a:cs typeface="Times New Roman" panose="02020603050405020304" pitchFamily="18" charset="0"/>
+            </a:endParaRPr>
+          </a:p>
+          <a:p>
+            <a:pPr marL="342900" lvl="0" indent="-342900">
+              <a:lnSpc>
+                <a:spcPct val="107000"/>
+              </a:lnSpc>
+              <a:buFont typeface="Symbol" panose="05050102010706020507" pitchFamily="18" charset="2"/>
+              <a:buChar char=""/>
+            </a:pPr>
+            <a:r>
+              <a:rPr lang="ru-RU" sz="1800" dirty="0">
+                <a:effectLst/>
+                <a:latin typeface="Times New Roman" panose="02020603050405020304" pitchFamily="18" charset="0"/>
+                <a:ea typeface="Calibri" panose="020F0502020204030204" pitchFamily="34" charset="0"/>
+                <a:cs typeface="Times New Roman" panose="02020603050405020304" pitchFamily="18" charset="0"/>
+              </a:rPr>
+              <a:t>Временная эффективность:</a:t>
+            </a:r>
+          </a:p>
+          <a:p>
+            <a:pPr marL="342900" lvl="0" indent="-342900">
+              <a:lnSpc>
+                <a:spcPct val="107000"/>
+              </a:lnSpc>
+              <a:buFont typeface="+mj-lt"/>
+              <a:buAutoNum type="arabicPeriod"/>
+            </a:pPr>
+            <a:r>
+              <a:rPr lang="ru-RU" sz="1800" dirty="0">
+                <a:effectLst/>
+                <a:latin typeface="Times New Roman" panose="02020603050405020304" pitchFamily="18" charset="0"/>
+                <a:ea typeface="Calibri" panose="020F0502020204030204" pitchFamily="34" charset="0"/>
+                <a:cs typeface="Times New Roman" panose="02020603050405020304" pitchFamily="18" charset="0"/>
+              </a:rPr>
+              <a:t>затрачиваемое время на загрузку страницы сайта должно составлять менее 5 секунд</a:t>
+            </a:r>
+          </a:p>
+          <a:p>
+            <a:pPr marL="342900" lvl="0" indent="-342900">
+              <a:lnSpc>
+                <a:spcPct val="107000"/>
+              </a:lnSpc>
+              <a:buFont typeface="+mj-lt"/>
+              <a:buAutoNum type="arabicPeriod"/>
+            </a:pPr>
+            <a:r>
+              <a:rPr lang="ru-RU" sz="1800" dirty="0">
+                <a:effectLst/>
+                <a:latin typeface="Times New Roman" panose="02020603050405020304" pitchFamily="18" charset="0"/>
+                <a:ea typeface="Calibri" panose="020F0502020204030204" pitchFamily="34" charset="0"/>
+                <a:cs typeface="Times New Roman" panose="02020603050405020304" pitchFamily="18" charset="0"/>
+              </a:rPr>
+              <a:t>ожидание времени ответа на сайте от чат-бота менее 1 минуты</a:t>
+            </a:r>
+          </a:p>
+          <a:p>
+            <a:pPr marL="342900" lvl="0" indent="-342900">
+              <a:lnSpc>
+                <a:spcPct val="107000"/>
+              </a:lnSpc>
+              <a:buFont typeface="Symbol" panose="05050102010706020507" pitchFamily="18" charset="2"/>
+              <a:buChar char=""/>
+            </a:pPr>
+            <a:r>
+              <a:rPr lang="ru-RU" sz="1800" dirty="0">
+                <a:effectLst/>
+                <a:latin typeface="Times New Roman" panose="02020603050405020304" pitchFamily="18" charset="0"/>
+                <a:ea typeface="Calibri" panose="020F0502020204030204" pitchFamily="34" charset="0"/>
+                <a:cs typeface="Times New Roman" panose="02020603050405020304" pitchFamily="18" charset="0"/>
+              </a:rPr>
+              <a:t>Эффективность использования ресурсов – оперативной памяти рабочей станции для работы сайта должно требоваться менее 10 МБ</a:t>
+            </a:r>
+          </a:p>
+          <a:p>
+            <a:pPr marL="457200">
+              <a:spcAft>
+                <a:spcPts val="800"/>
+              </a:spcAft>
+            </a:pPr>
+            <a:r>
+              <a:rPr lang="ru-RU" sz="1800" dirty="0">
+                <a:effectLst/>
+                <a:latin typeface="Times New Roman" panose="02020603050405020304" pitchFamily="18" charset="0"/>
+                <a:ea typeface="Calibri" panose="020F0502020204030204" pitchFamily="34" charset="0"/>
+                <a:cs typeface="Times New Roman" panose="02020603050405020304" pitchFamily="18" charset="0"/>
+              </a:rPr>
+              <a:t> </a:t>
+            </a:r>
+          </a:p>
+          <a:p>
+            <a:pPr>
+              <a:lnSpc>
+                <a:spcPct val="107000"/>
+              </a:lnSpc>
+              <a:spcAft>
+                <a:spcPts val="800"/>
+              </a:spcAft>
+            </a:pPr>
+            <a:r>
+              <a:rPr lang="ru-RU" sz="1800" kern="100" dirty="0">
+                <a:effectLst/>
+                <a:latin typeface="Times New Roman" panose="02020603050405020304" pitchFamily="18" charset="0"/>
+                <a:ea typeface="Calibri" panose="020F0502020204030204" pitchFamily="34" charset="0"/>
+                <a:cs typeface="Times New Roman" panose="02020603050405020304" pitchFamily="18" charset="0"/>
+              </a:rPr>
+              <a:t>Удобство сопровождения </a:t>
+            </a:r>
+            <a:endParaRPr lang="ru-RU" sz="1800" kern="100" dirty="0">
+              <a:effectLst/>
+              <a:latin typeface="Calibri" panose="020F0502020204030204" pitchFamily="34" charset="0"/>
+              <a:ea typeface="Calibri" panose="020F0502020204030204" pitchFamily="34" charset="0"/>
+              <a:cs typeface="Times New Roman" panose="02020603050405020304" pitchFamily="18" charset="0"/>
+            </a:endParaRPr>
+          </a:p>
+          <a:p>
+            <a:pPr marL="342900" lvl="0" indent="-342900">
+              <a:lnSpc>
+                <a:spcPct val="107000"/>
+              </a:lnSpc>
+              <a:buFont typeface="Symbol" panose="05050102010706020507" pitchFamily="18" charset="2"/>
+              <a:buChar char=""/>
+            </a:pPr>
+            <a:r>
+              <a:rPr lang="ru-RU" sz="1800" dirty="0" err="1">
+                <a:effectLst/>
+                <a:latin typeface="Times New Roman" panose="02020603050405020304" pitchFamily="18" charset="0"/>
+                <a:ea typeface="Calibri" panose="020F0502020204030204" pitchFamily="34" charset="0"/>
+                <a:cs typeface="Times New Roman" panose="02020603050405020304" pitchFamily="18" charset="0"/>
+              </a:rPr>
+              <a:t>Анализируемость</a:t>
+            </a:r>
+            <a:r>
+              <a:rPr lang="ru-RU" sz="1800" dirty="0">
+                <a:effectLst/>
+                <a:latin typeface="Times New Roman" panose="02020603050405020304" pitchFamily="18" charset="0"/>
+                <a:ea typeface="Calibri" panose="020F0502020204030204" pitchFamily="34" charset="0"/>
+                <a:cs typeface="Times New Roman" panose="02020603050405020304" pitchFamily="18" charset="0"/>
+              </a:rPr>
+              <a:t>:</a:t>
+            </a:r>
+          </a:p>
+          <a:p>
+            <a:pPr marL="342900" lvl="0" indent="-342900">
+              <a:lnSpc>
+                <a:spcPct val="107000"/>
+              </a:lnSpc>
+              <a:buFont typeface="+mj-lt"/>
+              <a:buAutoNum type="arabicPeriod"/>
+            </a:pPr>
+            <a:r>
+              <a:rPr lang="ru-RU" sz="1800" dirty="0">
+                <a:effectLst/>
+                <a:latin typeface="Times New Roman" panose="02020603050405020304" pitchFamily="18" charset="0"/>
+                <a:ea typeface="Calibri" panose="020F0502020204030204" pitchFamily="34" charset="0"/>
+                <a:cs typeface="Times New Roman" panose="02020603050405020304" pitchFamily="18" charset="0"/>
+              </a:rPr>
+              <a:t>В коде должны содержаться комментарии отдельных блоков</a:t>
+            </a:r>
+          </a:p>
+          <a:p>
+            <a:pPr marL="342900" lvl="0" indent="-342900">
+              <a:lnSpc>
+                <a:spcPct val="107000"/>
+              </a:lnSpc>
+              <a:buFont typeface="+mj-lt"/>
+              <a:buAutoNum type="arabicPeriod"/>
+            </a:pPr>
+            <a:r>
+              <a:rPr lang="ru-RU" sz="1800" dirty="0">
+                <a:effectLst/>
+                <a:latin typeface="Times New Roman" panose="02020603050405020304" pitchFamily="18" charset="0"/>
+                <a:ea typeface="Calibri" panose="020F0502020204030204" pitchFamily="34" charset="0"/>
+                <a:cs typeface="Times New Roman" panose="02020603050405020304" pitchFamily="18" charset="0"/>
+              </a:rPr>
+              <a:t>В коде должны присутствовать имена переменных, которые указывают на их принадлежность функции</a:t>
+            </a:r>
+          </a:p>
+          <a:p>
+            <a:pPr marL="342900" lvl="0" indent="-342900">
+              <a:lnSpc>
+                <a:spcPct val="107000"/>
+              </a:lnSpc>
+              <a:buFont typeface="Symbol" panose="05050102010706020507" pitchFamily="18" charset="2"/>
+              <a:buChar char=""/>
+            </a:pPr>
+            <a:r>
+              <a:rPr lang="ru-RU" sz="1800" dirty="0">
+                <a:effectLst/>
+                <a:latin typeface="Times New Roman" panose="02020603050405020304" pitchFamily="18" charset="0"/>
+                <a:ea typeface="Calibri" panose="020F0502020204030204" pitchFamily="34" charset="0"/>
+                <a:cs typeface="Times New Roman" panose="02020603050405020304" pitchFamily="18" charset="0"/>
+              </a:rPr>
+              <a:t>Удобство изменений – все изменения должны прописываться в отдельном блоке в коде</a:t>
+            </a:r>
+          </a:p>
+          <a:p>
+            <a:pPr marL="457200">
+              <a:spcAft>
+                <a:spcPts val="800"/>
+              </a:spcAft>
+            </a:pPr>
+            <a:r>
+              <a:rPr lang="ru-RU" sz="1800" dirty="0">
+                <a:effectLst/>
+                <a:latin typeface="Times New Roman" panose="02020603050405020304" pitchFamily="18" charset="0"/>
+                <a:ea typeface="Calibri" panose="020F0502020204030204" pitchFamily="34" charset="0"/>
+                <a:cs typeface="Times New Roman" panose="02020603050405020304" pitchFamily="18" charset="0"/>
+              </a:rPr>
+              <a:t> </a:t>
+            </a:r>
+          </a:p>
+          <a:p>
+            <a:pPr>
+              <a:lnSpc>
+                <a:spcPct val="107000"/>
+              </a:lnSpc>
+              <a:spcAft>
+                <a:spcPts val="800"/>
+              </a:spcAft>
+            </a:pPr>
+            <a:r>
+              <a:rPr lang="ru-RU" sz="1800" kern="100" dirty="0">
+                <a:effectLst/>
+                <a:latin typeface="Times New Roman" panose="02020603050405020304" pitchFamily="18" charset="0"/>
+                <a:ea typeface="Calibri" panose="020F0502020204030204" pitchFamily="34" charset="0"/>
+                <a:cs typeface="Times New Roman" panose="02020603050405020304" pitchFamily="18" charset="0"/>
+              </a:rPr>
+              <a:t>Переносимость</a:t>
+            </a:r>
+            <a:endParaRPr lang="ru-RU" sz="1800" kern="100" dirty="0">
+              <a:effectLst/>
+              <a:latin typeface="Calibri" panose="020F0502020204030204" pitchFamily="34" charset="0"/>
+              <a:ea typeface="Calibri" panose="020F0502020204030204" pitchFamily="34" charset="0"/>
+              <a:cs typeface="Times New Roman" panose="02020603050405020304" pitchFamily="18" charset="0"/>
+            </a:endParaRPr>
+          </a:p>
+          <a:p>
+            <a:pPr marL="342900" lvl="0" indent="-342900">
+              <a:lnSpc>
+                <a:spcPct val="107000"/>
+              </a:lnSpc>
+              <a:buFont typeface="Symbol" panose="05050102010706020507" pitchFamily="18" charset="2"/>
+              <a:buChar char=""/>
+            </a:pPr>
+            <a:r>
+              <a:rPr lang="ru-RU" sz="1800" dirty="0">
+                <a:effectLst/>
+                <a:latin typeface="Times New Roman" panose="02020603050405020304" pitchFamily="18" charset="0"/>
+                <a:ea typeface="Calibri" panose="020F0502020204030204" pitchFamily="34" charset="0"/>
+                <a:cs typeface="Times New Roman" panose="02020603050405020304" pitchFamily="18" charset="0"/>
+              </a:rPr>
+              <a:t>Способность к сосуществованию – сайт не должен конфликтовать с офисными программами </a:t>
+            </a:r>
+          </a:p>
+          <a:p>
+            <a:pPr marL="342900" lvl="0" indent="-342900">
+              <a:lnSpc>
+                <a:spcPct val="107000"/>
+              </a:lnSpc>
+              <a:buFont typeface="Symbol" panose="05050102010706020507" pitchFamily="18" charset="2"/>
+              <a:buChar char=""/>
+            </a:pPr>
+            <a:r>
+              <a:rPr lang="ru-RU" sz="1800" dirty="0">
+                <a:effectLst/>
+                <a:latin typeface="Times New Roman" panose="02020603050405020304" pitchFamily="18" charset="0"/>
+                <a:ea typeface="Calibri" panose="020F0502020204030204" pitchFamily="34" charset="0"/>
+                <a:cs typeface="Times New Roman" panose="02020603050405020304" pitchFamily="18" charset="0"/>
+              </a:rPr>
+              <a:t>Адаптируемость – сайт должен сохранять весь видимый функционал при переходе на другие варианты экрана (ПК, ноутбуки, планшеты и телефоны)</a:t>
+            </a:r>
+          </a:p>
+          <a:p>
+            <a:pPr marL="342900" lvl="0" indent="-342900">
+              <a:lnSpc>
+                <a:spcPct val="107000"/>
+              </a:lnSpc>
+              <a:spcAft>
+                <a:spcPts val="800"/>
+              </a:spcAft>
+              <a:buFont typeface="Symbol" panose="05050102010706020507" pitchFamily="18" charset="2"/>
+              <a:buChar char=""/>
+            </a:pPr>
+            <a:r>
+              <a:rPr lang="ru-RU" sz="1800" dirty="0">
+                <a:effectLst/>
+                <a:latin typeface="Times New Roman" panose="02020603050405020304" pitchFamily="18" charset="0"/>
+                <a:ea typeface="Calibri" panose="020F0502020204030204" pitchFamily="34" charset="0"/>
+                <a:cs typeface="Times New Roman" panose="02020603050405020304" pitchFamily="18" charset="0"/>
+              </a:rPr>
+              <a:t>Удобство установки –у сайта должно быть руководство системного администратора</a:t>
+            </a:r>
+          </a:p>
+          <a:p>
+            <a:endParaRPr lang="ru-RU" dirty="0"/>
+          </a:p>
+        </p:txBody>
+      </p:sp>
+      <p:sp>
+        <p:nvSpPr>
+          <p:cNvPr id="4" name="Номер слайда 3"/>
+          <p:cNvSpPr>
+            <a:spLocks noGrp="1"/>
+          </p:cNvSpPr>
+          <p:nvPr>
+            <p:ph type="sldNum" sz="quarter" idx="5"/>
+          </p:nvPr>
+        </p:nvSpPr>
+        <p:spPr/>
+        <p:txBody>
+          <a:bodyPr/>
+          <a:lstStyle/>
+          <a:p>
+            <a:fld id="{009ACCF4-FBC9-4DC4-B371-68612CB4AFC5}" type="slidenum">
+              <a:rPr lang="ru-RU" smtClean="0"/>
+              <a:t>10</a:t>
+            </a:fld>
+            <a:endParaRPr lang="ru-RU"/>
+          </a:p>
+        </p:txBody>
+      </p:sp>
+    </p:spTree>
+    <p:extLst>
+      <p:ext uri="{BB962C8B-B14F-4D97-AF65-F5344CB8AC3E}">
+        <p14:creationId xmlns:p14="http://schemas.microsoft.com/office/powerpoint/2010/main" val="1503590254"/>
+      </p:ext>
+    </p:extLst>
+  </p:cSld>
+  <p:clrMapOvr>
+    <a:masterClrMapping/>
+  </p:clrMapOvr>
+</p:notes>
+</file>
+
+<file path=ppt/notesSlides/notesSlide11.xml><?xml version="1.0" encoding="utf-8"?>
+<p:notes xmlns:a="http://schemas.openxmlformats.org/drawingml/2006/main" xmlns:r="http://schemas.openxmlformats.org/officeDocument/2006/relationships" xmlns:p="http://schemas.openxmlformats.org/presentationml/2006/main">
+  <p:cSld>
+    <p:spTree>
+      <p:nvGrpSpPr>
+        <p:cNvPr id="1" name=""/>
+        <p:cNvGrpSpPr/>
+        <p:nvPr/>
+      </p:nvGrpSpPr>
+      <p:grpSpPr>
+        <a:xfrm>
+          <a:off x="0" y="0"/>
+          <a:ext cx="0" cy="0"/>
+          <a:chOff x="0" y="0"/>
+          <a:chExt cx="0" cy="0"/>
+        </a:xfrm>
+      </p:grpSpPr>
+      <p:sp>
+        <p:nvSpPr>
+          <p:cNvPr id="2" name="Образ слайда 1"/>
+          <p:cNvSpPr>
+            <a:spLocks noGrp="1" noRot="1" noChangeAspect="1"/>
+          </p:cNvSpPr>
+          <p:nvPr>
+            <p:ph type="sldImg"/>
+          </p:nvPr>
+        </p:nvSpPr>
+        <p:spPr/>
+      </p:sp>
+      <p:sp>
+        <p:nvSpPr>
+          <p:cNvPr id="3" name="Заметки 2"/>
+          <p:cNvSpPr>
+            <a:spLocks noGrp="1"/>
+          </p:cNvSpPr>
+          <p:nvPr>
+            <p:ph type="body" idx="1"/>
+          </p:nvPr>
+        </p:nvSpPr>
+        <p:spPr/>
+        <p:txBody>
+          <a:bodyPr/>
+          <a:lstStyle/>
+          <a:p>
+            <a:r>
+              <a:rPr lang="ru-RU" dirty="0"/>
+              <a:t>Форма для создания ТК. Форма регистрации</a:t>
+            </a:r>
+          </a:p>
+        </p:txBody>
+      </p:sp>
+      <p:sp>
+        <p:nvSpPr>
+          <p:cNvPr id="4" name="Номер слайда 3"/>
+          <p:cNvSpPr>
+            <a:spLocks noGrp="1"/>
+          </p:cNvSpPr>
+          <p:nvPr>
+            <p:ph type="sldNum" sz="quarter" idx="5"/>
+          </p:nvPr>
+        </p:nvSpPr>
+        <p:spPr/>
+        <p:txBody>
+          <a:bodyPr/>
+          <a:lstStyle/>
+          <a:p>
+            <a:fld id="{009ACCF4-FBC9-4DC4-B371-68612CB4AFC5}" type="slidenum">
+              <a:rPr lang="ru-RU" smtClean="0"/>
+              <a:t>11</a:t>
+            </a:fld>
+            <a:endParaRPr lang="ru-RU"/>
+          </a:p>
+        </p:txBody>
+      </p:sp>
+    </p:spTree>
+    <p:extLst>
+      <p:ext uri="{BB962C8B-B14F-4D97-AF65-F5344CB8AC3E}">
+        <p14:creationId xmlns:p14="http://schemas.microsoft.com/office/powerpoint/2010/main" val="3427819848"/>
+      </p:ext>
+    </p:extLst>
+  </p:cSld>
+  <p:clrMapOvr>
+    <a:masterClrMapping/>
+  </p:clrMapOvr>
+</p:notes>
+</file>
+
+<file path=ppt/notesSlides/notesSlide12.xml><?xml version="1.0" encoding="utf-8"?>
+<p:notes xmlns:a="http://schemas.openxmlformats.org/drawingml/2006/main" xmlns:r="http://schemas.openxmlformats.org/officeDocument/2006/relationships" xmlns:p="http://schemas.openxmlformats.org/presentationml/2006/main">
+  <p:cSld>
+    <p:spTree>
+      <p:nvGrpSpPr>
+        <p:cNvPr id="1" name=""/>
+        <p:cNvGrpSpPr/>
+        <p:nvPr/>
+      </p:nvGrpSpPr>
+      <p:grpSpPr>
+        <a:xfrm>
+          <a:off x="0" y="0"/>
+          <a:ext cx="0" cy="0"/>
+          <a:chOff x="0" y="0"/>
+          <a:chExt cx="0" cy="0"/>
+        </a:xfrm>
+      </p:grpSpPr>
+      <p:sp>
+        <p:nvSpPr>
+          <p:cNvPr id="2" name="Образ слайда 1"/>
+          <p:cNvSpPr>
+            <a:spLocks noGrp="1" noRot="1" noChangeAspect="1"/>
+          </p:cNvSpPr>
+          <p:nvPr>
+            <p:ph type="sldImg"/>
+          </p:nvPr>
+        </p:nvSpPr>
+        <p:spPr/>
+      </p:sp>
+      <p:sp>
+        <p:nvSpPr>
+          <p:cNvPr id="3" name="Заметки 2"/>
+          <p:cNvSpPr>
+            <a:spLocks noGrp="1"/>
+          </p:cNvSpPr>
+          <p:nvPr>
+            <p:ph type="body" idx="1"/>
+          </p:nvPr>
+        </p:nvSpPr>
+        <p:spPr/>
+        <p:txBody>
+          <a:bodyPr/>
+          <a:lstStyle/>
+          <a:p>
+            <a:pPr>
+              <a:lnSpc>
+                <a:spcPct val="107000"/>
+              </a:lnSpc>
+              <a:spcAft>
+                <a:spcPts val="800"/>
+              </a:spcAft>
+            </a:pPr>
+            <a:r>
+              <a:rPr lang="ru-RU" sz="1800" b="1" kern="100" dirty="0">
+                <a:solidFill>
+                  <a:srgbClr val="000000"/>
+                </a:solidFill>
+                <a:effectLst/>
+                <a:latin typeface="Times New Roman" panose="02020603050405020304" pitchFamily="18" charset="0"/>
+                <a:ea typeface="Calibri" panose="020F0502020204030204" pitchFamily="34" charset="0"/>
+                <a:cs typeface="Times New Roman" panose="02020603050405020304" pitchFamily="18" charset="0"/>
+              </a:rPr>
+              <a:t>Какие виды тестирования использованы:</a:t>
+            </a:r>
+            <a:endParaRPr lang="ru-RU" sz="1800" kern="100" dirty="0">
+              <a:effectLst/>
+              <a:latin typeface="Calibri" panose="020F0502020204030204" pitchFamily="34" charset="0"/>
+              <a:ea typeface="Calibri" panose="020F0502020204030204" pitchFamily="34" charset="0"/>
+              <a:cs typeface="Times New Roman" panose="02020603050405020304" pitchFamily="18" charset="0"/>
+            </a:endParaRPr>
+          </a:p>
+          <a:p>
+            <a:pPr>
+              <a:lnSpc>
+                <a:spcPct val="107000"/>
+              </a:lnSpc>
+              <a:spcAft>
+                <a:spcPts val="800"/>
+              </a:spcAft>
+            </a:pPr>
+            <a:r>
+              <a:rPr lang="ru-RU" sz="1800" kern="100" dirty="0">
+                <a:solidFill>
+                  <a:srgbClr val="000000"/>
+                </a:solidFill>
+                <a:effectLst/>
+                <a:latin typeface="Times New Roman" panose="02020603050405020304" pitchFamily="18" charset="0"/>
+                <a:ea typeface="Calibri" panose="020F0502020204030204" pitchFamily="34" charset="0"/>
+                <a:cs typeface="Times New Roman" panose="02020603050405020304" pitchFamily="18" charset="0"/>
+              </a:rPr>
+              <a:t>Был использован функциональный вид тестирования. </a:t>
+            </a:r>
+            <a:r>
+              <a:rPr lang="en-US" sz="1800" kern="100" dirty="0">
+                <a:solidFill>
+                  <a:srgbClr val="000000"/>
+                </a:solidFill>
+                <a:effectLst/>
+                <a:latin typeface="Times New Roman" panose="02020603050405020304" pitchFamily="18" charset="0"/>
+                <a:ea typeface="Calibri" panose="020F0502020204030204" pitchFamily="34" charset="0"/>
+                <a:cs typeface="Times New Roman" panose="02020603050405020304" pitchFamily="18" charset="0"/>
+              </a:rPr>
+              <a:t>GUI Testing – </a:t>
+            </a:r>
+            <a:r>
+              <a:rPr lang="ru-RU" sz="1800" kern="100" dirty="0">
+                <a:solidFill>
+                  <a:srgbClr val="000000"/>
+                </a:solidFill>
+                <a:effectLst/>
+                <a:latin typeface="Times New Roman" panose="02020603050405020304" pitchFamily="18" charset="0"/>
+                <a:ea typeface="Calibri" panose="020F0502020204030204" pitchFamily="34" charset="0"/>
+                <a:cs typeface="Times New Roman" panose="02020603050405020304" pitchFamily="18" charset="0"/>
+              </a:rPr>
+              <a:t>Тестирование пользовательского интерфейса. </a:t>
+            </a:r>
+            <a:r>
+              <a:rPr lang="ru-RU" sz="2800" b="0" i="0" dirty="0">
+                <a:effectLst/>
+                <a:highlight>
+                  <a:srgbClr val="18181A"/>
+                </a:highlight>
+                <a:latin typeface="YS Text"/>
+              </a:rPr>
+              <a:t>направлен на проверку корректности работы и удобства использования </a:t>
+            </a:r>
+            <a:r>
+              <a:rPr lang="ru-RU" sz="2800" b="1" i="0" dirty="0">
+                <a:effectLst/>
+                <a:highlight>
+                  <a:srgbClr val="18181A"/>
+                </a:highlight>
+                <a:latin typeface="YS Text"/>
+              </a:rPr>
+              <a:t>пользовательского</a:t>
+            </a:r>
+            <a:r>
+              <a:rPr lang="ru-RU" sz="2800" b="0" i="0" dirty="0">
+                <a:effectLst/>
+                <a:highlight>
+                  <a:srgbClr val="18181A"/>
+                </a:highlight>
+                <a:latin typeface="YS Text"/>
+              </a:rPr>
+              <a:t> </a:t>
+            </a:r>
+            <a:r>
+              <a:rPr lang="ru-RU" sz="2800" b="1" i="0" dirty="0">
+                <a:effectLst/>
+                <a:highlight>
+                  <a:srgbClr val="18181A"/>
+                </a:highlight>
+                <a:latin typeface="YS Text"/>
+              </a:rPr>
+              <a:t>интерфейса</a:t>
+            </a:r>
+            <a:r>
+              <a:rPr lang="ru-RU" sz="2800" b="0" i="0" dirty="0">
+                <a:effectLst/>
+                <a:highlight>
+                  <a:srgbClr val="18181A"/>
+                </a:highlight>
+                <a:latin typeface="YS Text"/>
+              </a:rPr>
+              <a:t> приложения. В моём случае были проверены элементы управления на доступ(кнопка зарегистрироваться). А также вывод сообщения об ошибке</a:t>
+            </a:r>
+          </a:p>
+          <a:p>
+            <a:pPr>
+              <a:lnSpc>
+                <a:spcPct val="107000"/>
+              </a:lnSpc>
+              <a:spcAft>
+                <a:spcPts val="800"/>
+              </a:spcAft>
+            </a:pPr>
+            <a:r>
+              <a:rPr lang="ru-RU" sz="1800" b="1" kern="100" dirty="0">
+                <a:solidFill>
+                  <a:srgbClr val="000000"/>
+                </a:solidFill>
+                <a:effectLst/>
+                <a:latin typeface="Times New Roman" panose="02020603050405020304" pitchFamily="18" charset="0"/>
+                <a:ea typeface="Calibri" panose="020F0502020204030204" pitchFamily="34" charset="0"/>
+                <a:cs typeface="Times New Roman" panose="02020603050405020304" pitchFamily="18" charset="0"/>
+              </a:rPr>
+              <a:t>Какой метод тестирования использован:</a:t>
+            </a:r>
+            <a:endParaRPr lang="ru-RU" sz="1800" kern="100" dirty="0">
+              <a:effectLst/>
+              <a:latin typeface="Calibri" panose="020F0502020204030204" pitchFamily="34" charset="0"/>
+              <a:ea typeface="Calibri" panose="020F0502020204030204" pitchFamily="34" charset="0"/>
+              <a:cs typeface="Times New Roman" panose="02020603050405020304" pitchFamily="18" charset="0"/>
+            </a:endParaRPr>
+          </a:p>
+          <a:p>
+            <a:pPr>
+              <a:lnSpc>
+                <a:spcPct val="107000"/>
+              </a:lnSpc>
+              <a:spcAft>
+                <a:spcPts val="800"/>
+              </a:spcAft>
+            </a:pPr>
+            <a:r>
+              <a:rPr lang="ru-RU" sz="1800" kern="100" dirty="0">
+                <a:solidFill>
+                  <a:srgbClr val="34363B"/>
+                </a:solidFill>
+                <a:effectLst/>
+                <a:highlight>
+                  <a:srgbClr val="FFFFFF"/>
+                </a:highlight>
+                <a:latin typeface="Arial" panose="020B0604020202020204" pitchFamily="34" charset="0"/>
+                <a:ea typeface="Calibri" panose="020F0502020204030204" pitchFamily="34" charset="0"/>
+                <a:cs typeface="Times New Roman" panose="02020603050405020304" pitchFamily="18" charset="0"/>
+              </a:rPr>
+              <a:t>Тестирование методом белого ящика. Учитывается внутреннее функционирование и логика работы кода. Для выполнения этого теста, тестер должен иметь знания кода, чтобы узнать точную часть кода, имеющую ошибки.</a:t>
+            </a:r>
+            <a:endParaRPr lang="ru-RU" sz="1800" kern="100" dirty="0">
+              <a:effectLst/>
+              <a:latin typeface="Calibri" panose="020F0502020204030204" pitchFamily="34" charset="0"/>
+              <a:ea typeface="Calibri" panose="020F0502020204030204" pitchFamily="34" charset="0"/>
+              <a:cs typeface="Times New Roman" panose="02020603050405020304" pitchFamily="18" charset="0"/>
+            </a:endParaRPr>
+          </a:p>
+          <a:p>
+            <a:endParaRPr lang="ru-RU" dirty="0"/>
+          </a:p>
+        </p:txBody>
+      </p:sp>
+      <p:sp>
+        <p:nvSpPr>
+          <p:cNvPr id="4" name="Номер слайда 3"/>
+          <p:cNvSpPr>
+            <a:spLocks noGrp="1"/>
+          </p:cNvSpPr>
+          <p:nvPr>
+            <p:ph type="sldNum" sz="quarter" idx="5"/>
+          </p:nvPr>
+        </p:nvSpPr>
+        <p:spPr/>
+        <p:txBody>
+          <a:bodyPr/>
+          <a:lstStyle/>
+          <a:p>
+            <a:fld id="{009ACCF4-FBC9-4DC4-B371-68612CB4AFC5}" type="slidenum">
+              <a:rPr lang="ru-RU" smtClean="0"/>
+              <a:t>12</a:t>
+            </a:fld>
+            <a:endParaRPr lang="ru-RU"/>
+          </a:p>
+        </p:txBody>
+      </p:sp>
+    </p:spTree>
+    <p:extLst>
+      <p:ext uri="{BB962C8B-B14F-4D97-AF65-F5344CB8AC3E}">
+        <p14:creationId xmlns:p14="http://schemas.microsoft.com/office/powerpoint/2010/main" val="1670501943"/>
+      </p:ext>
+    </p:extLst>
+  </p:cSld>
+  <p:clrMapOvr>
+    <a:masterClrMapping/>
+  </p:clrMapOvr>
+</p:notes>
+</file>
+
+<file path=ppt/notesSlides/notesSlide13.xml><?xml version="1.0" encoding="utf-8"?>
+<p:notes xmlns:a="http://schemas.openxmlformats.org/drawingml/2006/main" xmlns:r="http://schemas.openxmlformats.org/officeDocument/2006/relationships" xmlns:p="http://schemas.openxmlformats.org/presentationml/2006/main">
+  <p:cSld>
+    <p:spTree>
+      <p:nvGrpSpPr>
+        <p:cNvPr id="1" name=""/>
+        <p:cNvGrpSpPr/>
+        <p:nvPr/>
+      </p:nvGrpSpPr>
+      <p:grpSpPr>
+        <a:xfrm>
+          <a:off x="0" y="0"/>
+          <a:ext cx="0" cy="0"/>
+          <a:chOff x="0" y="0"/>
+          <a:chExt cx="0" cy="0"/>
+        </a:xfrm>
+      </p:grpSpPr>
+      <p:sp>
+        <p:nvSpPr>
+          <p:cNvPr id="2" name="Образ слайда 1"/>
+          <p:cNvSpPr>
+            <a:spLocks noGrp="1" noRot="1" noChangeAspect="1"/>
+          </p:cNvSpPr>
+          <p:nvPr>
+            <p:ph type="sldImg"/>
+          </p:nvPr>
+        </p:nvSpPr>
+        <p:spPr/>
+      </p:sp>
+      <p:sp>
+        <p:nvSpPr>
+          <p:cNvPr id="3" name="Заметки 2"/>
+          <p:cNvSpPr>
+            <a:spLocks noGrp="1"/>
+          </p:cNvSpPr>
+          <p:nvPr>
+            <p:ph type="body" idx="1"/>
+          </p:nvPr>
+        </p:nvSpPr>
+        <p:spPr/>
+        <p:txBody>
+          <a:bodyPr/>
+          <a:lstStyle/>
+          <a:p>
+            <a:pPr>
+              <a:lnSpc>
+                <a:spcPct val="107000"/>
+              </a:lnSpc>
+              <a:spcAft>
+                <a:spcPts val="800"/>
+              </a:spcAft>
+            </a:pPr>
+            <a:r>
+              <a:rPr lang="ru-RU" sz="1800" b="1" kern="100" dirty="0">
+                <a:solidFill>
+                  <a:srgbClr val="000000"/>
+                </a:solidFill>
+                <a:effectLst/>
+                <a:latin typeface="Times New Roman" panose="02020603050405020304" pitchFamily="18" charset="0"/>
+                <a:ea typeface="Calibri" panose="020F0502020204030204" pitchFamily="34" charset="0"/>
+                <a:cs typeface="Times New Roman" panose="02020603050405020304" pitchFamily="18" charset="0"/>
+              </a:rPr>
+              <a:t>Тестовое покрытие:</a:t>
+            </a:r>
+            <a:endParaRPr lang="ru-RU" sz="1800" kern="100" dirty="0">
+              <a:effectLst/>
+              <a:latin typeface="Calibri" panose="020F0502020204030204" pitchFamily="34" charset="0"/>
+              <a:ea typeface="Calibri" panose="020F0502020204030204" pitchFamily="34" charset="0"/>
+              <a:cs typeface="Times New Roman" panose="02020603050405020304" pitchFamily="18" charset="0"/>
+            </a:endParaRPr>
+          </a:p>
+          <a:p>
+            <a:pPr>
+              <a:lnSpc>
+                <a:spcPct val="107000"/>
+              </a:lnSpc>
+              <a:spcAft>
+                <a:spcPts val="800"/>
+              </a:spcAft>
+            </a:pPr>
+            <a:r>
+              <a:rPr lang="ru-RU" sz="1800" kern="100" dirty="0">
+                <a:effectLst/>
+                <a:latin typeface="Times New Roman" panose="02020603050405020304" pitchFamily="18" charset="0"/>
+                <a:ea typeface="Calibri" panose="020F0502020204030204" pitchFamily="34" charset="0"/>
+                <a:cs typeface="Times New Roman" panose="02020603050405020304" pitchFamily="18" charset="0"/>
+              </a:rPr>
+              <a:t>Для оценки тестового покрытия была создана матрица тест кейсов</a:t>
+            </a:r>
+            <a:endParaRPr lang="ru-RU" sz="1800" kern="100" dirty="0">
+              <a:effectLst/>
+              <a:latin typeface="Calibri" panose="020F0502020204030204" pitchFamily="34" charset="0"/>
+              <a:ea typeface="Calibri" panose="020F0502020204030204" pitchFamily="34" charset="0"/>
+              <a:cs typeface="Times New Roman" panose="02020603050405020304" pitchFamily="18" charset="0"/>
+            </a:endParaRPr>
+          </a:p>
+          <a:p>
+            <a:pPr>
+              <a:lnSpc>
+                <a:spcPct val="107000"/>
+              </a:lnSpc>
+              <a:spcAft>
+                <a:spcPts val="800"/>
+              </a:spcAft>
+            </a:pPr>
+            <a:r>
+              <a:rPr lang="ru-RU" sz="1800" kern="100" dirty="0">
+                <a:effectLst/>
+                <a:latin typeface="Times New Roman" panose="02020603050405020304" pitchFamily="18" charset="0"/>
+                <a:ea typeface="Calibri" panose="020F0502020204030204" pitchFamily="34" charset="0"/>
+                <a:cs typeface="Times New Roman" panose="02020603050405020304" pitchFamily="18" charset="0"/>
+              </a:rPr>
+              <a:t>Тестовое покрытие в процентах</a:t>
+            </a:r>
+            <a:endParaRPr lang="ru-RU" sz="1800" kern="100" dirty="0">
+              <a:effectLst/>
+              <a:latin typeface="Calibri" panose="020F0502020204030204" pitchFamily="34" charset="0"/>
+              <a:ea typeface="Calibri" panose="020F0502020204030204" pitchFamily="34" charset="0"/>
+              <a:cs typeface="Times New Roman" panose="02020603050405020304" pitchFamily="18" charset="0"/>
+            </a:endParaRPr>
+          </a:p>
+          <a:p>
+            <a:pPr>
+              <a:lnSpc>
+                <a:spcPct val="107000"/>
+              </a:lnSpc>
+              <a:spcAft>
+                <a:spcPts val="800"/>
+              </a:spcAft>
+            </a:pPr>
+            <a:r>
+              <a:rPr lang="ru-RU" sz="1800" kern="100" dirty="0">
+                <a:effectLst/>
+                <a:latin typeface="Times New Roman" panose="02020603050405020304" pitchFamily="18" charset="0"/>
+                <a:ea typeface="Calibri" panose="020F0502020204030204" pitchFamily="34" charset="0"/>
+                <a:cs typeface="Times New Roman" panose="02020603050405020304" pitchFamily="18" charset="0"/>
+              </a:rPr>
+              <a:t>14/27 =52%</a:t>
+            </a:r>
+            <a:endParaRPr lang="ru-RU" sz="1800" kern="100" dirty="0">
+              <a:effectLst/>
+              <a:latin typeface="Calibri" panose="020F0502020204030204" pitchFamily="34" charset="0"/>
+              <a:ea typeface="Calibri" panose="020F0502020204030204" pitchFamily="34" charset="0"/>
+              <a:cs typeface="Times New Roman" panose="02020603050405020304" pitchFamily="18" charset="0"/>
+            </a:endParaRPr>
+          </a:p>
+          <a:p>
+            <a:endParaRPr lang="ru-RU" dirty="0"/>
+          </a:p>
+        </p:txBody>
+      </p:sp>
+      <p:sp>
+        <p:nvSpPr>
+          <p:cNvPr id="4" name="Номер слайда 3"/>
+          <p:cNvSpPr>
+            <a:spLocks noGrp="1"/>
+          </p:cNvSpPr>
+          <p:nvPr>
+            <p:ph type="sldNum" sz="quarter" idx="5"/>
+          </p:nvPr>
+        </p:nvSpPr>
+        <p:spPr/>
+        <p:txBody>
+          <a:bodyPr/>
+          <a:lstStyle/>
+          <a:p>
+            <a:fld id="{009ACCF4-FBC9-4DC4-B371-68612CB4AFC5}" type="slidenum">
+              <a:rPr lang="ru-RU" smtClean="0"/>
+              <a:t>13</a:t>
+            </a:fld>
+            <a:endParaRPr lang="ru-RU"/>
+          </a:p>
+        </p:txBody>
+      </p:sp>
+    </p:spTree>
+    <p:extLst>
+      <p:ext uri="{BB962C8B-B14F-4D97-AF65-F5344CB8AC3E}">
+        <p14:creationId xmlns:p14="http://schemas.microsoft.com/office/powerpoint/2010/main" val="116331283"/>
+      </p:ext>
+    </p:extLst>
+  </p:cSld>
+  <p:clrMapOvr>
+    <a:masterClrMapping/>
+  </p:clrMapOvr>
+</p:notes>
+</file>
+
+<file path=ppt/notesSlides/notesSlide14.xml><?xml version="1.0" encoding="utf-8"?>
+<p:notes xmlns:a="http://schemas.openxmlformats.org/drawingml/2006/main" xmlns:r="http://schemas.openxmlformats.org/officeDocument/2006/relationships" xmlns:p="http://schemas.openxmlformats.org/presentationml/2006/main">
+  <p:cSld>
+    <p:spTree>
+      <p:nvGrpSpPr>
+        <p:cNvPr id="1" name=""/>
+        <p:cNvGrpSpPr/>
+        <p:nvPr/>
+      </p:nvGrpSpPr>
+      <p:grpSpPr>
+        <a:xfrm>
+          <a:off x="0" y="0"/>
+          <a:ext cx="0" cy="0"/>
+          <a:chOff x="0" y="0"/>
+          <a:chExt cx="0" cy="0"/>
+        </a:xfrm>
+      </p:grpSpPr>
+      <p:sp>
+        <p:nvSpPr>
+          <p:cNvPr id="2" name="Образ слайда 1"/>
+          <p:cNvSpPr>
+            <a:spLocks noGrp="1" noRot="1" noChangeAspect="1"/>
+          </p:cNvSpPr>
+          <p:nvPr>
+            <p:ph type="sldImg"/>
+          </p:nvPr>
+        </p:nvSpPr>
+        <p:spPr/>
+      </p:sp>
+      <p:sp>
+        <p:nvSpPr>
+          <p:cNvPr id="3" name="Заметки 2"/>
+          <p:cNvSpPr>
+            <a:spLocks noGrp="1"/>
+          </p:cNvSpPr>
+          <p:nvPr>
+            <p:ph type="body" idx="1"/>
+          </p:nvPr>
+        </p:nvSpPr>
+        <p:spPr/>
+        <p:txBody>
+          <a:bodyPr/>
+          <a:lstStyle/>
+          <a:p>
+            <a:pPr>
+              <a:lnSpc>
+                <a:spcPct val="107000"/>
+              </a:lnSpc>
+              <a:spcAft>
+                <a:spcPts val="800"/>
+              </a:spcAft>
+            </a:pPr>
+            <a:r>
+              <a:rPr lang="ru-RU" sz="1800" kern="100" dirty="0">
+                <a:solidFill>
+                  <a:srgbClr val="000000"/>
+                </a:solidFill>
+                <a:effectLst/>
+                <a:latin typeface="Times New Roman" panose="02020603050405020304" pitchFamily="18" charset="0"/>
+                <a:ea typeface="Calibri" panose="020F0502020204030204" pitchFamily="34" charset="0"/>
+                <a:cs typeface="Times New Roman" panose="02020603050405020304" pitchFamily="18" charset="0"/>
+              </a:rPr>
+              <a:t>Работы по предметной области по моей оценке сделаны на 60%. Не были созданы отдельно БД для учёта ассортимента и реклама.</a:t>
+            </a:r>
+          </a:p>
+          <a:p>
+            <a:pPr>
+              <a:lnSpc>
+                <a:spcPct val="107000"/>
+              </a:lnSpc>
+              <a:spcAft>
+                <a:spcPts val="800"/>
+              </a:spcAft>
+            </a:pPr>
+            <a:r>
+              <a:rPr lang="ru-RU" sz="1800" kern="100" dirty="0">
+                <a:solidFill>
+                  <a:srgbClr val="000000"/>
+                </a:solidFill>
+                <a:effectLst/>
+                <a:latin typeface="Times New Roman" panose="02020603050405020304" pitchFamily="18" charset="0"/>
+                <a:ea typeface="Calibri" panose="020F0502020204030204" pitchFamily="34" charset="0"/>
+                <a:cs typeface="Times New Roman" panose="02020603050405020304" pitchFamily="18" charset="0"/>
+              </a:rPr>
+              <a:t>Перспективы развития у проекта:</a:t>
+            </a:r>
+            <a:endParaRPr lang="ru-RU" sz="1800" kern="100" dirty="0">
+              <a:effectLst/>
+              <a:latin typeface="Calibri" panose="020F0502020204030204" pitchFamily="34" charset="0"/>
+              <a:ea typeface="Calibri" panose="020F0502020204030204" pitchFamily="34" charset="0"/>
+              <a:cs typeface="Times New Roman" panose="02020603050405020304" pitchFamily="18" charset="0"/>
+            </a:endParaRPr>
+          </a:p>
+          <a:p>
+            <a:pPr>
+              <a:lnSpc>
+                <a:spcPct val="107000"/>
+              </a:lnSpc>
+              <a:spcAft>
+                <a:spcPts val="800"/>
+              </a:spcAft>
+            </a:pPr>
+            <a:r>
+              <a:rPr lang="ru-RU" sz="1800" kern="100" dirty="0">
+                <a:solidFill>
+                  <a:srgbClr val="000000"/>
+                </a:solidFill>
+                <a:effectLst/>
+                <a:latin typeface="Times New Roman" panose="02020603050405020304" pitchFamily="18" charset="0"/>
+                <a:ea typeface="Calibri" panose="020F0502020204030204" pitchFamily="34" charset="0"/>
+                <a:cs typeface="Times New Roman" panose="02020603050405020304" pitchFamily="18" charset="0"/>
+              </a:rPr>
+              <a:t>расширение ассортимента товаров и области влияния, то есть переход на мировой уровень с поддержкой различных языков, а внедренные технологии помогут поддерживать интерес клиентов</a:t>
+            </a:r>
+            <a:endParaRPr lang="ru-RU" dirty="0"/>
+          </a:p>
+        </p:txBody>
+      </p:sp>
+      <p:sp>
+        <p:nvSpPr>
+          <p:cNvPr id="4" name="Номер слайда 3"/>
+          <p:cNvSpPr>
+            <a:spLocks noGrp="1"/>
+          </p:cNvSpPr>
+          <p:nvPr>
+            <p:ph type="sldNum" sz="quarter" idx="5"/>
+          </p:nvPr>
+        </p:nvSpPr>
+        <p:spPr/>
+        <p:txBody>
+          <a:bodyPr/>
+          <a:lstStyle/>
+          <a:p>
+            <a:fld id="{009ACCF4-FBC9-4DC4-B371-68612CB4AFC5}" type="slidenum">
+              <a:rPr lang="ru-RU" smtClean="0"/>
+              <a:t>14</a:t>
+            </a:fld>
+            <a:endParaRPr lang="ru-RU"/>
+          </a:p>
+        </p:txBody>
+      </p:sp>
+    </p:spTree>
+    <p:extLst>
+      <p:ext uri="{BB962C8B-B14F-4D97-AF65-F5344CB8AC3E}">
+        <p14:creationId xmlns:p14="http://schemas.microsoft.com/office/powerpoint/2010/main" val="3650590107"/>
+      </p:ext>
+    </p:extLst>
+  </p:cSld>
+  <p:clrMapOvr>
+    <a:masterClrMapping/>
+  </p:clrMapOvr>
+</p:notes>
+</file>
+
+<file path=ppt/notesSlides/notesSlide15.xml><?xml version="1.0" encoding="utf-8"?>
+<p:notes xmlns:a="http://schemas.openxmlformats.org/drawingml/2006/main" xmlns:r="http://schemas.openxmlformats.org/officeDocument/2006/relationships" xmlns:p="http://schemas.openxmlformats.org/presentationml/2006/main">
+  <p:cSld>
+    <p:spTree>
+      <p:nvGrpSpPr>
+        <p:cNvPr id="1" name=""/>
+        <p:cNvGrpSpPr/>
+        <p:nvPr/>
+      </p:nvGrpSpPr>
+      <p:grpSpPr>
+        <a:xfrm>
+          <a:off x="0" y="0"/>
+          <a:ext cx="0" cy="0"/>
+          <a:chOff x="0" y="0"/>
+          <a:chExt cx="0" cy="0"/>
+        </a:xfrm>
+      </p:grpSpPr>
+      <p:sp>
+        <p:nvSpPr>
+          <p:cNvPr id="2" name="Образ слайда 1"/>
+          <p:cNvSpPr>
+            <a:spLocks noGrp="1" noRot="1" noChangeAspect="1"/>
+          </p:cNvSpPr>
+          <p:nvPr>
+            <p:ph type="sldImg"/>
+          </p:nvPr>
+        </p:nvSpPr>
+        <p:spPr/>
+      </p:sp>
+      <p:sp>
+        <p:nvSpPr>
+          <p:cNvPr id="3" name="Заметки 2"/>
+          <p:cNvSpPr>
+            <a:spLocks noGrp="1"/>
+          </p:cNvSpPr>
+          <p:nvPr>
+            <p:ph type="body" idx="1"/>
+          </p:nvPr>
+        </p:nvSpPr>
+        <p:spPr/>
+        <p:txBody>
+          <a:bodyPr/>
+          <a:lstStyle/>
+          <a:p>
+            <a:pPr marL="0" marR="0" lvl="0" indent="0" algn="l" defTabSz="914400" rtl="0" eaLnBrk="1" fontAlgn="auto" latinLnBrk="0" hangingPunct="1">
+              <a:lnSpc>
+                <a:spcPct val="100000"/>
+              </a:lnSpc>
+              <a:spcBef>
+                <a:spcPts val="0"/>
+              </a:spcBef>
+              <a:spcAft>
+                <a:spcPts val="0"/>
+              </a:spcAft>
+              <a:buClrTx/>
+              <a:buSzTx/>
+              <a:buFontTx/>
+              <a:buNone/>
+              <a:tabLst/>
+              <a:defRPr/>
+            </a:pPr>
+            <a:r>
+              <a:rPr lang="ru-RU" sz="1800" kern="100" dirty="0">
+                <a:solidFill>
+                  <a:srgbClr val="000000"/>
+                </a:solidFill>
+                <a:effectLst/>
+                <a:latin typeface="Times New Roman" panose="02020603050405020304" pitchFamily="18" charset="0"/>
+                <a:ea typeface="Calibri" panose="020F0502020204030204" pitchFamily="34" charset="0"/>
+                <a:cs typeface="Times New Roman" panose="02020603050405020304" pitchFamily="18" charset="0"/>
+              </a:rPr>
+              <a:t>Титульник (дубль).Спасибо за внимание, готова ответить на ваши вопросы.</a:t>
+            </a:r>
+            <a:endParaRPr lang="ru-RU" sz="1800" kern="100" dirty="0">
+              <a:effectLst/>
+              <a:latin typeface="Calibri" panose="020F0502020204030204" pitchFamily="34" charset="0"/>
+              <a:ea typeface="Calibri" panose="020F0502020204030204" pitchFamily="34" charset="0"/>
+              <a:cs typeface="Times New Roman" panose="02020603050405020304" pitchFamily="18" charset="0"/>
+            </a:endParaRPr>
+          </a:p>
+          <a:p>
+            <a:endParaRPr lang="ru-RU" dirty="0"/>
+          </a:p>
+        </p:txBody>
+      </p:sp>
+      <p:sp>
+        <p:nvSpPr>
+          <p:cNvPr id="4" name="Номер слайда 3"/>
+          <p:cNvSpPr>
+            <a:spLocks noGrp="1"/>
+          </p:cNvSpPr>
+          <p:nvPr>
+            <p:ph type="sldNum" sz="quarter" idx="5"/>
+          </p:nvPr>
+        </p:nvSpPr>
+        <p:spPr/>
+        <p:txBody>
+          <a:bodyPr/>
+          <a:lstStyle/>
+          <a:p>
+            <a:fld id="{009ACCF4-FBC9-4DC4-B371-68612CB4AFC5}" type="slidenum">
+              <a:rPr lang="ru-RU" smtClean="0"/>
+              <a:t>15</a:t>
+            </a:fld>
+            <a:endParaRPr lang="ru-RU"/>
+          </a:p>
+        </p:txBody>
+      </p:sp>
+    </p:spTree>
+    <p:extLst>
+      <p:ext uri="{BB962C8B-B14F-4D97-AF65-F5344CB8AC3E}">
+        <p14:creationId xmlns:p14="http://schemas.microsoft.com/office/powerpoint/2010/main" val="2896369990"/>
+      </p:ext>
+    </p:extLst>
+  </p:cSld>
+  <p:clrMapOvr>
+    <a:masterClrMapping/>
+  </p:clrMapOvr>
+</p:notes>
+</file>
+
+<file path=ppt/notesSlides/notesSlide2.xml><?xml version="1.0" encoding="utf-8"?>
+<p:notes xmlns:a="http://schemas.openxmlformats.org/drawingml/2006/main" xmlns:r="http://schemas.openxmlformats.org/officeDocument/2006/relationships" xmlns:p="http://schemas.openxmlformats.org/presentationml/2006/main">
+  <p:cSld>
+    <p:spTree>
+      <p:nvGrpSpPr>
+        <p:cNvPr id="1" name=""/>
+        <p:cNvGrpSpPr/>
+        <p:nvPr/>
+      </p:nvGrpSpPr>
+      <p:grpSpPr>
+        <a:xfrm>
+          <a:off x="0" y="0"/>
+          <a:ext cx="0" cy="0"/>
+          <a:chOff x="0" y="0"/>
+          <a:chExt cx="0" cy="0"/>
+        </a:xfrm>
+      </p:grpSpPr>
+      <p:sp>
+        <p:nvSpPr>
+          <p:cNvPr id="2" name="Образ слайда 1"/>
+          <p:cNvSpPr>
+            <a:spLocks noGrp="1" noRot="1" noChangeAspect="1"/>
+          </p:cNvSpPr>
+          <p:nvPr>
+            <p:ph type="sldImg"/>
+          </p:nvPr>
+        </p:nvSpPr>
+        <p:spPr/>
+      </p:sp>
+      <p:sp>
+        <p:nvSpPr>
+          <p:cNvPr id="3" name="Заметки 2"/>
+          <p:cNvSpPr>
+            <a:spLocks noGrp="1"/>
+          </p:cNvSpPr>
+          <p:nvPr>
+            <p:ph type="body" idx="1"/>
+          </p:nvPr>
+        </p:nvSpPr>
+        <p:spPr/>
+        <p:txBody>
+          <a:bodyPr/>
+          <a:lstStyle/>
+          <a:p>
+            <a:pPr>
+              <a:lnSpc>
+                <a:spcPct val="107000"/>
+              </a:lnSpc>
+              <a:spcAft>
+                <a:spcPts val="800"/>
+              </a:spcAft>
+            </a:pPr>
+            <a:r>
+              <a:rPr lang="ru-RU" sz="1800" b="1" kern="100" dirty="0">
+                <a:effectLst/>
+                <a:latin typeface="Times New Roman" panose="02020603050405020304" pitchFamily="18" charset="0"/>
+                <a:ea typeface="Calibri" panose="020F0502020204030204" pitchFamily="34" charset="0"/>
+                <a:cs typeface="Times New Roman" panose="02020603050405020304" pitchFamily="18" charset="0"/>
+              </a:rPr>
+              <a:t>Предметная область: </a:t>
+            </a:r>
+            <a:endParaRPr lang="ru-RU" sz="1800" kern="100" dirty="0">
+              <a:effectLst/>
+              <a:latin typeface="Calibri" panose="020F0502020204030204" pitchFamily="34" charset="0"/>
+              <a:ea typeface="Calibri" panose="020F0502020204030204" pitchFamily="34" charset="0"/>
+              <a:cs typeface="Times New Roman" panose="02020603050405020304" pitchFamily="18" charset="0"/>
+            </a:endParaRPr>
+          </a:p>
+          <a:p>
+            <a:pPr indent="450215" algn="just">
+              <a:lnSpc>
+                <a:spcPct val="107000"/>
+              </a:lnSpc>
+              <a:spcAft>
+                <a:spcPts val="800"/>
+              </a:spcAft>
+            </a:pPr>
+            <a:r>
+              <a:rPr lang="ru-RU" sz="1800" u="sng" kern="100" dirty="0">
+                <a:effectLst/>
+                <a:latin typeface="Times New Roman" panose="02020603050405020304" pitchFamily="18" charset="0"/>
+                <a:ea typeface="Calibri" panose="020F0502020204030204" pitchFamily="34" charset="0"/>
+                <a:cs typeface="Times New Roman" panose="02020603050405020304" pitchFamily="18" charset="0"/>
+              </a:rPr>
+              <a:t>У заказчика имеется магазин одежды. </a:t>
+            </a:r>
+            <a:endParaRPr lang="ru-RU" sz="1800" kern="100" dirty="0">
+              <a:effectLst/>
+              <a:latin typeface="Calibri" panose="020F0502020204030204" pitchFamily="34" charset="0"/>
+              <a:ea typeface="Calibri" panose="020F0502020204030204" pitchFamily="34" charset="0"/>
+              <a:cs typeface="Times New Roman" panose="02020603050405020304" pitchFamily="18" charset="0"/>
+            </a:endParaRPr>
+          </a:p>
+          <a:p>
+            <a:pPr indent="450215" algn="just">
+              <a:lnSpc>
+                <a:spcPct val="107000"/>
+              </a:lnSpc>
+              <a:spcAft>
+                <a:spcPts val="800"/>
+              </a:spcAft>
+            </a:pPr>
+            <a:r>
+              <a:rPr lang="ru-RU" sz="1800" kern="100" dirty="0">
+                <a:effectLst/>
+                <a:latin typeface="Times New Roman" panose="02020603050405020304" pitchFamily="18" charset="0"/>
+                <a:ea typeface="Calibri" panose="020F0502020204030204" pitchFamily="34" charset="0"/>
+                <a:cs typeface="Times New Roman" panose="02020603050405020304" pitchFamily="18" charset="0"/>
+              </a:rPr>
+              <a:t>Требования:</a:t>
+            </a:r>
+            <a:endParaRPr lang="ru-RU" sz="1800" kern="100" dirty="0">
+              <a:effectLst/>
+              <a:latin typeface="Calibri" panose="020F0502020204030204" pitchFamily="34" charset="0"/>
+              <a:ea typeface="Calibri" panose="020F0502020204030204" pitchFamily="34" charset="0"/>
+              <a:cs typeface="Times New Roman" panose="02020603050405020304" pitchFamily="18" charset="0"/>
+            </a:endParaRPr>
+          </a:p>
+          <a:p>
+            <a:pPr marL="342900" lvl="0" indent="-342900" algn="just">
+              <a:spcBef>
+                <a:spcPts val="1200"/>
+              </a:spcBef>
+              <a:buFont typeface="+mj-lt"/>
+              <a:buAutoNum type="arabicPeriod"/>
+            </a:pPr>
+            <a:r>
+              <a:rPr lang="ru-RU" sz="1800" dirty="0">
+                <a:effectLst/>
+                <a:latin typeface="Times New Roman" panose="02020603050405020304" pitchFamily="18" charset="0"/>
+                <a:ea typeface="Calibri" panose="020F0502020204030204" pitchFamily="34" charset="0"/>
+                <a:cs typeface="Times New Roman" panose="02020603050405020304" pitchFamily="18" charset="0"/>
+              </a:rPr>
+              <a:t>Создать сайт с возможностью доставки по России </a:t>
+            </a:r>
+          </a:p>
+          <a:p>
+            <a:pPr marL="342900" lvl="0" indent="-342900" algn="just">
+              <a:spcBef>
+                <a:spcPts val="1200"/>
+              </a:spcBef>
+              <a:buFont typeface="+mj-lt"/>
+              <a:buAutoNum type="arabicPeriod"/>
+            </a:pPr>
+            <a:r>
+              <a:rPr lang="ru-RU" sz="1800" dirty="0">
+                <a:effectLst/>
+                <a:latin typeface="Times New Roman" panose="02020603050405020304" pitchFamily="18" charset="0"/>
+                <a:ea typeface="Calibri" panose="020F0502020204030204" pitchFamily="34" charset="0"/>
+                <a:cs typeface="Times New Roman" panose="02020603050405020304" pitchFamily="18" charset="0"/>
+              </a:rPr>
+              <a:t>Создать возможность виртуальной примерки с помощью VR</a:t>
+            </a:r>
+          </a:p>
+          <a:p>
+            <a:pPr marL="342900" lvl="0" indent="-342900" algn="just">
+              <a:buFont typeface="+mj-lt"/>
+              <a:buAutoNum type="arabicPeriod"/>
+            </a:pPr>
+            <a:r>
+              <a:rPr lang="ru-RU" sz="1800" dirty="0">
+                <a:effectLst/>
+                <a:latin typeface="Times New Roman" panose="02020603050405020304" pitchFamily="18" charset="0"/>
+                <a:ea typeface="Calibri" panose="020F0502020204030204" pitchFamily="34" charset="0"/>
+                <a:cs typeface="Times New Roman" panose="02020603050405020304" pitchFamily="18" charset="0"/>
+              </a:rPr>
+              <a:t>Создать базу данный для учёта ассортимента </a:t>
+            </a:r>
+          </a:p>
+          <a:p>
+            <a:pPr marL="342900" lvl="0" indent="-342900" algn="just">
+              <a:buFont typeface="+mj-lt"/>
+              <a:buAutoNum type="arabicPeriod"/>
+            </a:pPr>
+            <a:r>
+              <a:rPr lang="ru-RU" sz="1800" dirty="0">
+                <a:effectLst/>
+                <a:latin typeface="Times New Roman" panose="02020603050405020304" pitchFamily="18" charset="0"/>
+                <a:ea typeface="Calibri" panose="020F0502020204030204" pitchFamily="34" charset="0"/>
+                <a:cs typeface="Times New Roman" panose="02020603050405020304" pitchFamily="18" charset="0"/>
+              </a:rPr>
+              <a:t>Создать чат-бот с внедрённым искусственным интеллектом</a:t>
+            </a:r>
+          </a:p>
+          <a:p>
+            <a:pPr marL="342900" lvl="0" indent="-342900" algn="just">
+              <a:spcAft>
+                <a:spcPts val="1200"/>
+              </a:spcAft>
+              <a:buFont typeface="+mj-lt"/>
+              <a:buAutoNum type="arabicPeriod"/>
+            </a:pPr>
+            <a:r>
+              <a:rPr lang="ru-RU" sz="1800" dirty="0">
+                <a:effectLst/>
+                <a:latin typeface="Times New Roman" panose="02020603050405020304" pitchFamily="18" charset="0"/>
+                <a:ea typeface="Calibri" panose="020F0502020204030204" pitchFamily="34" charset="0"/>
+                <a:cs typeface="Times New Roman" panose="02020603050405020304" pitchFamily="18" charset="0"/>
+              </a:rPr>
+              <a:t>Сделать хорошую рекламу, повысить узнаваемость</a:t>
+            </a:r>
+          </a:p>
+          <a:p>
+            <a:pPr indent="449580" algn="just">
+              <a:lnSpc>
+                <a:spcPct val="107000"/>
+              </a:lnSpc>
+              <a:spcAft>
+                <a:spcPts val="800"/>
+              </a:spcAft>
+            </a:pPr>
+            <a:r>
+              <a:rPr lang="ru-RU" sz="1800" kern="100" dirty="0">
+                <a:effectLst/>
+                <a:latin typeface="Times New Roman" panose="02020603050405020304" pitchFamily="18" charset="0"/>
+                <a:ea typeface="Calibri" panose="020F0502020204030204" pitchFamily="34" charset="0"/>
+                <a:cs typeface="Times New Roman" panose="02020603050405020304" pitchFamily="18" charset="0"/>
+              </a:rPr>
+              <a:t>Время на разработку около 1 года. Необходимы удобный пользовательский интерфейс, выделяющаяся айдентика, внедрение личного кабинета, обеспечение безопасности личных данных, достоверности данных, внедрение платежной системы, дополнительной архивации, оформление двух уровней доступа к редактированию (незарегистрированные, зарегистрированные). Заказчик озвучил все технические требования.</a:t>
+            </a:r>
+            <a:endParaRPr lang="ru-RU" sz="1800" kern="100" dirty="0">
+              <a:effectLst/>
+              <a:latin typeface="Calibri" panose="020F0502020204030204" pitchFamily="34" charset="0"/>
+              <a:ea typeface="Calibri" panose="020F0502020204030204" pitchFamily="34" charset="0"/>
+              <a:cs typeface="Times New Roman" panose="02020603050405020304" pitchFamily="18" charset="0"/>
+            </a:endParaRPr>
+          </a:p>
+          <a:p>
+            <a:pPr indent="449580" algn="just">
+              <a:lnSpc>
+                <a:spcPct val="107000"/>
+              </a:lnSpc>
+              <a:spcAft>
+                <a:spcPts val="800"/>
+              </a:spcAft>
+            </a:pPr>
+            <a:r>
+              <a:rPr lang="ru-RU" sz="1800" kern="100" dirty="0">
+                <a:effectLst/>
+                <a:latin typeface="Times New Roman" panose="02020603050405020304" pitchFamily="18" charset="0"/>
+                <a:ea typeface="Calibri" panose="020F0502020204030204" pitchFamily="34" charset="0"/>
+                <a:cs typeface="Times New Roman" panose="02020603050405020304" pitchFamily="18" charset="0"/>
+              </a:rPr>
+              <a:t>Досье заказчика: Представителем заказчика является его сын. Сын закончил колледж по специальности «программист», но из-за своей занятости хочет получать только промежуточные результаты.</a:t>
+            </a:r>
+            <a:endParaRPr lang="ru-RU" sz="1800" kern="100" dirty="0">
+              <a:effectLst/>
+              <a:latin typeface="Calibri" panose="020F0502020204030204" pitchFamily="34" charset="0"/>
+              <a:ea typeface="Calibri" panose="020F0502020204030204" pitchFamily="34" charset="0"/>
+              <a:cs typeface="Times New Roman" panose="02020603050405020304" pitchFamily="18" charset="0"/>
+            </a:endParaRPr>
+          </a:p>
+          <a:p>
+            <a:pPr indent="450215">
+              <a:lnSpc>
+                <a:spcPct val="107000"/>
+              </a:lnSpc>
+              <a:spcAft>
+                <a:spcPts val="800"/>
+              </a:spcAft>
+            </a:pPr>
+            <a:r>
+              <a:rPr lang="ru-RU" sz="1800" kern="100" dirty="0">
+                <a:effectLst/>
+                <a:latin typeface="Times New Roman" panose="02020603050405020304" pitchFamily="18" charset="0"/>
+                <a:ea typeface="Calibri" panose="020F0502020204030204" pitchFamily="34" charset="0"/>
+                <a:cs typeface="Times New Roman" panose="02020603050405020304" pitchFamily="18" charset="0"/>
+              </a:rPr>
+              <a:t>Условия проекта:</a:t>
+            </a:r>
+            <a:endParaRPr lang="ru-RU" sz="1800" kern="100" dirty="0">
+              <a:effectLst/>
+              <a:latin typeface="Calibri" panose="020F0502020204030204" pitchFamily="34" charset="0"/>
+              <a:ea typeface="Calibri" panose="020F0502020204030204" pitchFamily="34" charset="0"/>
+              <a:cs typeface="Times New Roman" panose="02020603050405020304" pitchFamily="18" charset="0"/>
+            </a:endParaRPr>
+          </a:p>
+          <a:p>
+            <a:pPr marL="342900" lvl="0" indent="-342900" algn="just">
+              <a:buFont typeface="+mj-lt"/>
+              <a:buAutoNum type="arabicPeriod"/>
+            </a:pPr>
+            <a:r>
+              <a:rPr lang="ru-RU" sz="1800" dirty="0">
+                <a:effectLst/>
+                <a:latin typeface="Times New Roman" panose="02020603050405020304" pitchFamily="18" charset="0"/>
+                <a:ea typeface="Calibri" panose="020F0502020204030204" pitchFamily="34" charset="0"/>
+                <a:cs typeface="Times New Roman" panose="02020603050405020304" pitchFamily="18" charset="0"/>
+              </a:rPr>
+              <a:t>Качество: среднее</a:t>
+            </a:r>
+          </a:p>
+          <a:p>
+            <a:pPr marL="342900" lvl="0" indent="-342900" algn="just">
+              <a:buFont typeface="+mj-lt"/>
+              <a:buAutoNum type="arabicPeriod"/>
+            </a:pPr>
+            <a:r>
+              <a:rPr lang="ru-RU" sz="1800" dirty="0">
+                <a:effectLst/>
+                <a:latin typeface="Times New Roman" panose="02020603050405020304" pitchFamily="18" charset="0"/>
+                <a:ea typeface="Calibri" panose="020F0502020204030204" pitchFamily="34" charset="0"/>
+                <a:cs typeface="Times New Roman" panose="02020603050405020304" pitchFamily="18" charset="0"/>
+              </a:rPr>
+              <a:t>Сильные стороны: документация, дизайн, разработка, менеджмент</a:t>
+            </a:r>
+          </a:p>
+          <a:p>
+            <a:pPr marL="342900" lvl="0" indent="-342900" algn="just">
+              <a:buFont typeface="+mj-lt"/>
+              <a:buAutoNum type="arabicPeriod"/>
+            </a:pPr>
+            <a:r>
+              <a:rPr lang="ru-RU" sz="1800" dirty="0">
+                <a:effectLst/>
+                <a:latin typeface="Times New Roman" panose="02020603050405020304" pitchFamily="18" charset="0"/>
+                <a:ea typeface="Calibri" panose="020F0502020204030204" pitchFamily="34" charset="0"/>
+                <a:cs typeface="Times New Roman" panose="02020603050405020304" pitchFamily="18" charset="0"/>
+              </a:rPr>
+              <a:t>Слабые стороны: тестирование</a:t>
+            </a:r>
+          </a:p>
+          <a:p>
+            <a:pPr marL="342900" lvl="0" indent="-342900" algn="just">
+              <a:buFont typeface="+mj-lt"/>
+              <a:buAutoNum type="arabicPeriod"/>
+            </a:pPr>
+            <a:r>
+              <a:rPr lang="ru-RU" sz="1800" dirty="0">
+                <a:effectLst/>
+                <a:latin typeface="Times New Roman" panose="02020603050405020304" pitchFamily="18" charset="0"/>
+                <a:ea typeface="Calibri" panose="020F0502020204030204" pitchFamily="34" charset="0"/>
+                <a:cs typeface="Times New Roman" panose="02020603050405020304" pitchFamily="18" charset="0"/>
+              </a:rPr>
+              <a:t>ПО средней сложности</a:t>
+            </a:r>
+          </a:p>
+          <a:p>
+            <a:pPr marL="342900" lvl="0" indent="-342900" algn="just">
+              <a:spcAft>
+                <a:spcPts val="800"/>
+              </a:spcAft>
+              <a:buFont typeface="+mj-lt"/>
+              <a:buAutoNum type="arabicPeriod"/>
+            </a:pPr>
+            <a:r>
+              <a:rPr lang="ru-RU" sz="1800" dirty="0">
+                <a:effectLst/>
+                <a:latin typeface="Times New Roman" panose="02020603050405020304" pitchFamily="18" charset="0"/>
+                <a:ea typeface="Calibri" panose="020F0502020204030204" pitchFamily="34" charset="0"/>
+                <a:cs typeface="Times New Roman" panose="02020603050405020304" pitchFamily="18" charset="0"/>
+              </a:rPr>
+              <a:t>Высокая безопасность данных пользователя</a:t>
+            </a:r>
+          </a:p>
+          <a:p>
+            <a:pPr algn="just">
+              <a:lnSpc>
+                <a:spcPct val="107000"/>
+              </a:lnSpc>
+              <a:spcAft>
+                <a:spcPts val="800"/>
+              </a:spcAft>
+            </a:pPr>
+            <a:r>
+              <a:rPr lang="ru-RU" sz="1800" kern="100" dirty="0">
+                <a:effectLst/>
+                <a:latin typeface="Times New Roman" panose="02020603050405020304" pitchFamily="18" charset="0"/>
+                <a:ea typeface="Calibri" panose="020F0502020204030204" pitchFamily="34" charset="0"/>
+                <a:cs typeface="Times New Roman" panose="02020603050405020304" pitchFamily="18" charset="0"/>
+              </a:rPr>
+              <a:t> </a:t>
+            </a:r>
+            <a:endParaRPr lang="ru-RU" sz="1800" kern="100" dirty="0">
+              <a:effectLst/>
+              <a:latin typeface="Calibri" panose="020F0502020204030204" pitchFamily="34" charset="0"/>
+              <a:ea typeface="Calibri" panose="020F0502020204030204" pitchFamily="34" charset="0"/>
+              <a:cs typeface="Times New Roman" panose="02020603050405020304" pitchFamily="18" charset="0"/>
+            </a:endParaRPr>
+          </a:p>
+          <a:p>
+            <a:endParaRPr lang="ru-RU" dirty="0"/>
+          </a:p>
+        </p:txBody>
+      </p:sp>
+      <p:sp>
+        <p:nvSpPr>
+          <p:cNvPr id="4" name="Номер слайда 3"/>
+          <p:cNvSpPr>
+            <a:spLocks noGrp="1"/>
+          </p:cNvSpPr>
+          <p:nvPr>
+            <p:ph type="sldNum" sz="quarter" idx="5"/>
+          </p:nvPr>
+        </p:nvSpPr>
+        <p:spPr/>
+        <p:txBody>
+          <a:bodyPr/>
+          <a:lstStyle/>
+          <a:p>
+            <a:fld id="{009ACCF4-FBC9-4DC4-B371-68612CB4AFC5}" type="slidenum">
+              <a:rPr lang="ru-RU" smtClean="0"/>
+              <a:t>2</a:t>
+            </a:fld>
+            <a:endParaRPr lang="ru-RU"/>
+          </a:p>
+        </p:txBody>
+      </p:sp>
+    </p:spTree>
+    <p:extLst>
+      <p:ext uri="{BB962C8B-B14F-4D97-AF65-F5344CB8AC3E}">
+        <p14:creationId xmlns:p14="http://schemas.microsoft.com/office/powerpoint/2010/main" val="3773484326"/>
+      </p:ext>
+    </p:extLst>
+  </p:cSld>
+  <p:clrMapOvr>
+    <a:masterClrMapping/>
+  </p:clrMapOvr>
+</p:notes>
+</file>
+
+<file path=ppt/notesSlides/notesSlide3.xml><?xml version="1.0" encoding="utf-8"?>
+<p:notes xmlns:a="http://schemas.openxmlformats.org/drawingml/2006/main" xmlns:r="http://schemas.openxmlformats.org/officeDocument/2006/relationships" xmlns:p="http://schemas.openxmlformats.org/presentationml/2006/main">
+  <p:cSld>
+    <p:spTree>
+      <p:nvGrpSpPr>
+        <p:cNvPr id="1" name=""/>
+        <p:cNvGrpSpPr/>
+        <p:nvPr/>
+      </p:nvGrpSpPr>
+      <p:grpSpPr>
+        <a:xfrm>
+          <a:off x="0" y="0"/>
+          <a:ext cx="0" cy="0"/>
+          <a:chOff x="0" y="0"/>
+          <a:chExt cx="0" cy="0"/>
+        </a:xfrm>
+      </p:grpSpPr>
+      <p:sp>
+        <p:nvSpPr>
+          <p:cNvPr id="2" name="Образ слайда 1"/>
+          <p:cNvSpPr>
+            <a:spLocks noGrp="1" noRot="1" noChangeAspect="1"/>
+          </p:cNvSpPr>
+          <p:nvPr>
+            <p:ph type="sldImg"/>
+          </p:nvPr>
+        </p:nvSpPr>
+        <p:spPr/>
+      </p:sp>
+      <p:sp>
+        <p:nvSpPr>
+          <p:cNvPr id="3" name="Заметки 2"/>
+          <p:cNvSpPr>
+            <a:spLocks noGrp="1"/>
+          </p:cNvSpPr>
+          <p:nvPr>
+            <p:ph type="body" idx="1"/>
+          </p:nvPr>
+        </p:nvSpPr>
+        <p:spPr/>
+        <p:txBody>
+          <a:bodyPr/>
+          <a:lstStyle/>
+          <a:p>
+            <a:pPr>
+              <a:lnSpc>
+                <a:spcPct val="150000"/>
+              </a:lnSpc>
+              <a:spcAft>
+                <a:spcPts val="800"/>
+              </a:spcAft>
+            </a:pPr>
+            <a:r>
+              <a:rPr lang="ru-RU" sz="1800" b="1" kern="100" dirty="0">
+                <a:effectLst/>
+                <a:latin typeface="Times New Roman" panose="02020603050405020304" pitchFamily="18" charset="0"/>
+                <a:ea typeface="Calibri" panose="020F0502020204030204" pitchFamily="34" charset="0"/>
+                <a:cs typeface="Times New Roman" panose="02020603050405020304" pitchFamily="18" charset="0"/>
+              </a:rPr>
+              <a:t>Жизненный цикл:</a:t>
+            </a:r>
+            <a:endParaRPr lang="ru-RU" sz="1800" kern="100" dirty="0">
+              <a:effectLst/>
+              <a:latin typeface="Calibri" panose="020F0502020204030204" pitchFamily="34" charset="0"/>
+              <a:ea typeface="Calibri" panose="020F0502020204030204" pitchFamily="34" charset="0"/>
+              <a:cs typeface="Times New Roman" panose="02020603050405020304" pitchFamily="18" charset="0"/>
+            </a:endParaRPr>
+          </a:p>
+          <a:p>
+            <a:pPr marL="342900" lvl="0" indent="-342900" algn="just">
+              <a:spcAft>
+                <a:spcPts val="800"/>
+              </a:spcAft>
+              <a:buFont typeface="+mj-lt"/>
+              <a:buAutoNum type="romanUcPeriod"/>
+            </a:pPr>
+            <a:r>
+              <a:rPr lang="ru-RU" sz="1800" dirty="0">
+                <a:effectLst/>
+                <a:latin typeface="Times New Roman" panose="02020603050405020304" pitchFamily="18" charset="0"/>
+                <a:ea typeface="Calibri" panose="020F0502020204030204" pitchFamily="34" charset="0"/>
+                <a:cs typeface="Times New Roman" panose="02020603050405020304" pitchFamily="18" charset="0"/>
+              </a:rPr>
+              <a:t>Инкрементная </a:t>
+            </a:r>
+          </a:p>
+          <a:p>
+            <a:pPr marL="228600" algn="just">
+              <a:lnSpc>
+                <a:spcPct val="107000"/>
+              </a:lnSpc>
+              <a:spcAft>
+                <a:spcPts val="800"/>
+              </a:spcAft>
+            </a:pPr>
+            <a:r>
+              <a:rPr lang="ru-RU" sz="1800" u="sng" kern="100" dirty="0">
+                <a:effectLst/>
+                <a:latin typeface="Times New Roman" panose="02020603050405020304" pitchFamily="18" charset="0"/>
+                <a:ea typeface="Calibri" panose="020F0502020204030204" pitchFamily="34" charset="0"/>
+                <a:cs typeface="Times New Roman" panose="02020603050405020304" pitchFamily="18" charset="0"/>
+              </a:rPr>
+              <a:t>Плюсы:</a:t>
+            </a:r>
+            <a:endParaRPr lang="ru-RU" sz="1800" kern="100" dirty="0">
+              <a:effectLst/>
+              <a:latin typeface="Calibri" panose="020F0502020204030204" pitchFamily="34" charset="0"/>
+              <a:ea typeface="Calibri" panose="020F0502020204030204" pitchFamily="34" charset="0"/>
+              <a:cs typeface="Times New Roman" panose="02020603050405020304" pitchFamily="18" charset="0"/>
+            </a:endParaRPr>
+          </a:p>
+          <a:p>
+            <a:pPr marL="342900" lvl="0" indent="-342900" algn="just">
+              <a:spcAft>
+                <a:spcPts val="800"/>
+              </a:spcAft>
+              <a:buFont typeface="+mj-lt"/>
+              <a:buAutoNum type="arabicPeriod"/>
+            </a:pPr>
+            <a:r>
+              <a:rPr lang="ru-RU" sz="1800" dirty="0">
+                <a:effectLst/>
+                <a:latin typeface="Times New Roman" panose="02020603050405020304" pitchFamily="18" charset="0"/>
+                <a:ea typeface="Calibri" panose="020F0502020204030204" pitchFamily="34" charset="0"/>
+                <a:cs typeface="Times New Roman" panose="02020603050405020304" pitchFamily="18" charset="0"/>
+              </a:rPr>
+              <a:t>Есть план и график по всем этапам.</a:t>
+            </a:r>
+          </a:p>
+          <a:p>
+            <a:pPr marL="221615" algn="just">
+              <a:lnSpc>
+                <a:spcPct val="107000"/>
+              </a:lnSpc>
+              <a:spcAft>
+                <a:spcPts val="800"/>
+              </a:spcAft>
+            </a:pPr>
+            <a:r>
+              <a:rPr lang="ru-RU" sz="1800" kern="100" dirty="0">
+                <a:effectLst/>
+                <a:latin typeface="Times New Roman" panose="02020603050405020304" pitchFamily="18" charset="0"/>
+                <a:ea typeface="Calibri" panose="020F0502020204030204" pitchFamily="34" charset="0"/>
+                <a:cs typeface="Times New Roman" panose="02020603050405020304" pitchFamily="18" charset="0"/>
+              </a:rPr>
+              <a:t>В команде разработки имеется много руководителей контролирующих это.</a:t>
+            </a:r>
+            <a:endParaRPr lang="ru-RU" sz="1800" kern="100" dirty="0">
+              <a:effectLst/>
+              <a:latin typeface="Calibri" panose="020F0502020204030204" pitchFamily="34" charset="0"/>
+              <a:ea typeface="Calibri" panose="020F0502020204030204" pitchFamily="34" charset="0"/>
+              <a:cs typeface="Times New Roman" panose="02020603050405020304" pitchFamily="18" charset="0"/>
+            </a:endParaRPr>
+          </a:p>
+          <a:p>
+            <a:pPr marL="342900" lvl="0" indent="-342900" algn="just">
+              <a:spcAft>
+                <a:spcPts val="800"/>
+              </a:spcAft>
+              <a:buFont typeface="+mj-lt"/>
+              <a:buAutoNum type="arabicPeriod"/>
+            </a:pPr>
+            <a:r>
+              <a:rPr lang="ru-RU" sz="1800" dirty="0">
+                <a:effectLst/>
+                <a:latin typeface="Times New Roman" panose="02020603050405020304" pitchFamily="18" charset="0"/>
+                <a:ea typeface="Calibri" panose="020F0502020204030204" pitchFamily="34" charset="0"/>
+                <a:cs typeface="Times New Roman" panose="02020603050405020304" pitchFamily="18" charset="0"/>
+              </a:rPr>
+              <a:t>Промежуточные версии доступны заказчику. </a:t>
+            </a:r>
+          </a:p>
+          <a:p>
+            <a:pPr marL="221615" algn="just">
+              <a:lnSpc>
+                <a:spcPct val="107000"/>
+              </a:lnSpc>
+              <a:spcAft>
+                <a:spcPts val="800"/>
+              </a:spcAft>
+            </a:pPr>
+            <a:r>
+              <a:rPr lang="ru-RU" sz="1800" kern="100" dirty="0">
+                <a:effectLst/>
+                <a:latin typeface="Times New Roman" panose="02020603050405020304" pitchFamily="18" charset="0"/>
+                <a:ea typeface="Calibri" panose="020F0502020204030204" pitchFamily="34" charset="0"/>
+                <a:cs typeface="Times New Roman" panose="02020603050405020304" pitchFamily="18" charset="0"/>
+              </a:rPr>
+              <a:t>Идеально подходит пожеланиям самого заказчика.</a:t>
+            </a:r>
+            <a:endParaRPr lang="ru-RU" sz="1800" kern="100" dirty="0">
+              <a:effectLst/>
+              <a:latin typeface="Calibri" panose="020F0502020204030204" pitchFamily="34" charset="0"/>
+              <a:ea typeface="Calibri" panose="020F0502020204030204" pitchFamily="34" charset="0"/>
+              <a:cs typeface="Times New Roman" panose="02020603050405020304" pitchFamily="18" charset="0"/>
+            </a:endParaRPr>
+          </a:p>
+          <a:p>
+            <a:pPr marL="342900" lvl="0" indent="-342900" algn="just">
+              <a:spcAft>
+                <a:spcPts val="800"/>
+              </a:spcAft>
+              <a:buFont typeface="+mj-lt"/>
+              <a:buAutoNum type="arabicPeriod"/>
+            </a:pPr>
+            <a:r>
+              <a:rPr lang="ru-RU" sz="1800" dirty="0">
+                <a:effectLst/>
+                <a:latin typeface="Times New Roman" panose="02020603050405020304" pitchFamily="18" charset="0"/>
+                <a:ea typeface="Calibri" panose="020F0502020204030204" pitchFamily="34" charset="0"/>
+                <a:cs typeface="Times New Roman" panose="02020603050405020304" pitchFamily="18" charset="0"/>
+              </a:rPr>
+              <a:t>В конце каждой итерации рабочий продукт. </a:t>
+            </a:r>
+          </a:p>
+          <a:p>
+            <a:pPr marL="221615" algn="just">
+              <a:lnSpc>
+                <a:spcPct val="107000"/>
+              </a:lnSpc>
+              <a:spcAft>
+                <a:spcPts val="800"/>
+              </a:spcAft>
+            </a:pPr>
+            <a:r>
+              <a:rPr lang="ru-RU" sz="1800" kern="100" dirty="0">
+                <a:effectLst/>
+                <a:latin typeface="Times New Roman" panose="02020603050405020304" pitchFamily="18" charset="0"/>
+                <a:ea typeface="Calibri" panose="020F0502020204030204" pitchFamily="34" charset="0"/>
+                <a:cs typeface="Times New Roman" panose="02020603050405020304" pitchFamily="18" charset="0"/>
+              </a:rPr>
+              <a:t>Между итерациями возможно дополнительное тестирование самими пользователями, это покрывает нашу слабую сторону – тестирование, т.к. пользователи выступают в роли тестировщиков.</a:t>
+            </a:r>
+            <a:endParaRPr lang="ru-RU" sz="1800" kern="100" dirty="0">
+              <a:effectLst/>
+              <a:latin typeface="Calibri" panose="020F0502020204030204" pitchFamily="34" charset="0"/>
+              <a:ea typeface="Calibri" panose="020F0502020204030204" pitchFamily="34" charset="0"/>
+              <a:cs typeface="Times New Roman" panose="02020603050405020304" pitchFamily="18" charset="0"/>
+            </a:endParaRPr>
+          </a:p>
+          <a:p>
+            <a:pPr marL="228600" algn="just">
+              <a:lnSpc>
+                <a:spcPct val="107000"/>
+              </a:lnSpc>
+              <a:spcAft>
+                <a:spcPts val="800"/>
+              </a:spcAft>
+            </a:pPr>
+            <a:r>
+              <a:rPr lang="ru-RU" sz="1800" u="sng" kern="100" dirty="0">
+                <a:effectLst/>
+                <a:latin typeface="Times New Roman" panose="02020603050405020304" pitchFamily="18" charset="0"/>
+                <a:ea typeface="Calibri" panose="020F0502020204030204" pitchFamily="34" charset="0"/>
+                <a:cs typeface="Times New Roman" panose="02020603050405020304" pitchFamily="18" charset="0"/>
+              </a:rPr>
+              <a:t>Минусы:</a:t>
+            </a:r>
+            <a:endParaRPr lang="ru-RU" sz="1800" kern="100" dirty="0">
+              <a:effectLst/>
+              <a:latin typeface="Calibri" panose="020F0502020204030204" pitchFamily="34" charset="0"/>
+              <a:ea typeface="Calibri" panose="020F0502020204030204" pitchFamily="34" charset="0"/>
+              <a:cs typeface="Times New Roman" panose="02020603050405020304" pitchFamily="18" charset="0"/>
+            </a:endParaRPr>
+          </a:p>
+          <a:p>
+            <a:pPr marL="342900" lvl="0" indent="-342900" algn="just">
+              <a:spcAft>
+                <a:spcPts val="800"/>
+              </a:spcAft>
+              <a:buFont typeface="+mj-lt"/>
+              <a:buAutoNum type="arabicPeriod"/>
+            </a:pPr>
+            <a:r>
+              <a:rPr lang="ru-RU" sz="1800" dirty="0">
+                <a:effectLst/>
+                <a:latin typeface="Times New Roman" panose="02020603050405020304" pitchFamily="18" charset="0"/>
+                <a:ea typeface="Calibri" panose="020F0502020204030204" pitchFamily="34" charset="0"/>
+                <a:cs typeface="Times New Roman" panose="02020603050405020304" pitchFamily="18" charset="0"/>
+              </a:rPr>
+              <a:t>Часто нет всех требований на начальном этапе. </a:t>
+            </a:r>
+          </a:p>
+          <a:p>
+            <a:pPr marL="228600" algn="just">
+              <a:lnSpc>
+                <a:spcPct val="107000"/>
+              </a:lnSpc>
+              <a:spcAft>
+                <a:spcPts val="800"/>
+              </a:spcAft>
+            </a:pPr>
+            <a:r>
+              <a:rPr lang="ru-RU" sz="1800" kern="100" dirty="0">
+                <a:effectLst/>
+                <a:latin typeface="Times New Roman" panose="02020603050405020304" pitchFamily="18" charset="0"/>
+                <a:ea typeface="Calibri" panose="020F0502020204030204" pitchFamily="34" charset="0"/>
+                <a:cs typeface="Times New Roman" panose="02020603050405020304" pitchFamily="18" charset="0"/>
+              </a:rPr>
+              <a:t>Т.к. Заказчик хорошо осведомлен в этой сфере, большую часть всех требований заказчик озвучил заранее.</a:t>
+            </a:r>
+            <a:endParaRPr lang="ru-RU" sz="1800" kern="100" dirty="0">
+              <a:effectLst/>
+              <a:latin typeface="Calibri" panose="020F0502020204030204" pitchFamily="34" charset="0"/>
+              <a:ea typeface="Calibri" panose="020F0502020204030204" pitchFamily="34" charset="0"/>
+              <a:cs typeface="Times New Roman" panose="02020603050405020304" pitchFamily="18" charset="0"/>
+            </a:endParaRPr>
+          </a:p>
+          <a:p>
+            <a:pPr marL="342900" lvl="0" indent="-342900" algn="just">
+              <a:spcAft>
+                <a:spcPts val="800"/>
+              </a:spcAft>
+              <a:buFont typeface="+mj-lt"/>
+              <a:buAutoNum type="arabicPeriod"/>
+            </a:pPr>
+            <a:r>
+              <a:rPr lang="ru-RU" sz="1800" dirty="0">
+                <a:effectLst/>
+                <a:latin typeface="Times New Roman" panose="02020603050405020304" pitchFamily="18" charset="0"/>
+                <a:ea typeface="Calibri" panose="020F0502020204030204" pitchFamily="34" charset="0"/>
+                <a:cs typeface="Times New Roman" panose="02020603050405020304" pitchFamily="18" charset="0"/>
+              </a:rPr>
+              <a:t>Необходимы чёткое планирование и детальное проектирование. </a:t>
+            </a:r>
+          </a:p>
+          <a:p>
+            <a:pPr marL="228600" algn="just">
+              <a:lnSpc>
+                <a:spcPct val="107000"/>
+              </a:lnSpc>
+              <a:spcAft>
+                <a:spcPts val="800"/>
+              </a:spcAft>
+            </a:pPr>
+            <a:r>
+              <a:rPr lang="ru-RU" sz="1800" kern="100" dirty="0">
+                <a:effectLst/>
+                <a:latin typeface="Times New Roman" panose="02020603050405020304" pitchFamily="18" charset="0"/>
+                <a:ea typeface="Calibri" panose="020F0502020204030204" pitchFamily="34" charset="0"/>
+                <a:cs typeface="Times New Roman" panose="02020603050405020304" pitchFamily="18" charset="0"/>
+              </a:rPr>
+              <a:t>Сильная сторона команды разработки – руководство и сплоченный коллектив, которые покрывают данный минус.</a:t>
+            </a:r>
+            <a:endParaRPr lang="ru-RU" sz="1800" kern="100" dirty="0">
+              <a:effectLst/>
+              <a:latin typeface="Calibri" panose="020F0502020204030204" pitchFamily="34" charset="0"/>
+              <a:ea typeface="Calibri" panose="020F0502020204030204" pitchFamily="34" charset="0"/>
+              <a:cs typeface="Times New Roman" panose="02020603050405020304" pitchFamily="18" charset="0"/>
+            </a:endParaRPr>
+          </a:p>
+          <a:p>
+            <a:pPr marL="342900" lvl="0" indent="-342900" algn="just">
+              <a:spcAft>
+                <a:spcPts val="800"/>
+              </a:spcAft>
+              <a:buFont typeface="+mj-lt"/>
+              <a:buAutoNum type="arabicPeriod"/>
+            </a:pPr>
+            <a:r>
+              <a:rPr lang="ru-RU" sz="1800" dirty="0">
+                <a:effectLst/>
+                <a:latin typeface="Times New Roman" panose="02020603050405020304" pitchFamily="18" charset="0"/>
+                <a:ea typeface="Calibri" panose="020F0502020204030204" pitchFamily="34" charset="0"/>
+                <a:cs typeface="Times New Roman" panose="02020603050405020304" pitchFamily="18" charset="0"/>
+              </a:rPr>
+              <a:t>Отсутствие гибкости (не вернуться к требованиям).</a:t>
+            </a:r>
+          </a:p>
+          <a:p>
+            <a:pPr marL="228600" algn="just">
+              <a:lnSpc>
+                <a:spcPct val="107000"/>
+              </a:lnSpc>
+              <a:spcAft>
+                <a:spcPts val="800"/>
+              </a:spcAft>
+            </a:pPr>
+            <a:r>
+              <a:rPr lang="ru-RU" sz="1800" kern="100" dirty="0">
+                <a:effectLst/>
+                <a:latin typeface="Times New Roman" panose="02020603050405020304" pitchFamily="18" charset="0"/>
+                <a:ea typeface="Calibri" panose="020F0502020204030204" pitchFamily="34" charset="0"/>
+                <a:cs typeface="Times New Roman" panose="02020603050405020304" pitchFamily="18" charset="0"/>
+              </a:rPr>
+              <a:t> Заказчик хорошо осведомлен о самом процессе работы и четко знает как продукт должен выглядеть в итоге.</a:t>
+            </a:r>
+            <a:endParaRPr lang="ru-RU" sz="1800" kern="100" dirty="0">
+              <a:effectLst/>
+              <a:latin typeface="Calibri" panose="020F0502020204030204" pitchFamily="34" charset="0"/>
+              <a:ea typeface="Calibri" panose="020F0502020204030204" pitchFamily="34" charset="0"/>
+              <a:cs typeface="Times New Roman" panose="02020603050405020304" pitchFamily="18" charset="0"/>
+            </a:endParaRPr>
+          </a:p>
+          <a:p>
+            <a:pPr marL="228600" algn="just">
+              <a:lnSpc>
+                <a:spcPct val="107000"/>
+              </a:lnSpc>
+              <a:spcAft>
+                <a:spcPts val="800"/>
+              </a:spcAft>
+            </a:pPr>
+            <a:r>
+              <a:rPr lang="ru-RU" sz="1800" kern="100" dirty="0">
+                <a:effectLst/>
+                <a:latin typeface="Times New Roman" panose="02020603050405020304" pitchFamily="18" charset="0"/>
+                <a:ea typeface="Calibri" panose="020F0502020204030204" pitchFamily="34" charset="0"/>
+                <a:cs typeface="Times New Roman" panose="02020603050405020304" pitchFamily="18" charset="0"/>
+              </a:rPr>
+              <a:t> </a:t>
+            </a:r>
+            <a:endParaRPr lang="ru-RU" sz="1800" kern="100" dirty="0">
+              <a:effectLst/>
+              <a:latin typeface="Calibri" panose="020F0502020204030204" pitchFamily="34" charset="0"/>
+              <a:ea typeface="Calibri" panose="020F0502020204030204" pitchFamily="34" charset="0"/>
+              <a:cs typeface="Times New Roman" panose="02020603050405020304" pitchFamily="18" charset="0"/>
+            </a:endParaRPr>
+          </a:p>
+          <a:p>
+            <a:pPr marL="228600" algn="just">
+              <a:lnSpc>
+                <a:spcPct val="107000"/>
+              </a:lnSpc>
+              <a:spcAft>
+                <a:spcPts val="800"/>
+              </a:spcAft>
+            </a:pPr>
+            <a:r>
+              <a:rPr lang="ru-RU" sz="1800" kern="100" dirty="0">
+                <a:effectLst/>
+                <a:latin typeface="Times New Roman" panose="02020603050405020304" pitchFamily="18" charset="0"/>
+                <a:ea typeface="Calibri" panose="020F0502020204030204" pitchFamily="34" charset="0"/>
+                <a:cs typeface="Times New Roman" panose="02020603050405020304" pitchFamily="18" charset="0"/>
+              </a:rPr>
+              <a:t>Итог: Все минусы может покрыть грамотный состав команды, а плюсы дают нам преимущества по предметной области. </a:t>
+            </a:r>
+            <a:endParaRPr lang="ru-RU" sz="1800" kern="100" dirty="0">
+              <a:effectLst/>
+              <a:latin typeface="Calibri" panose="020F0502020204030204" pitchFamily="34" charset="0"/>
+              <a:ea typeface="Calibri" panose="020F0502020204030204" pitchFamily="34" charset="0"/>
+              <a:cs typeface="Times New Roman" panose="02020603050405020304" pitchFamily="18" charset="0"/>
+            </a:endParaRPr>
+          </a:p>
+          <a:p>
+            <a:endParaRPr lang="ru-RU" dirty="0"/>
+          </a:p>
+        </p:txBody>
+      </p:sp>
+      <p:sp>
+        <p:nvSpPr>
+          <p:cNvPr id="4" name="Номер слайда 3"/>
+          <p:cNvSpPr>
+            <a:spLocks noGrp="1"/>
+          </p:cNvSpPr>
+          <p:nvPr>
+            <p:ph type="sldNum" sz="quarter" idx="5"/>
+          </p:nvPr>
+        </p:nvSpPr>
+        <p:spPr/>
+        <p:txBody>
+          <a:bodyPr/>
+          <a:lstStyle/>
+          <a:p>
+            <a:fld id="{009ACCF4-FBC9-4DC4-B371-68612CB4AFC5}" type="slidenum">
+              <a:rPr lang="ru-RU" smtClean="0"/>
+              <a:t>3</a:t>
+            </a:fld>
+            <a:endParaRPr lang="ru-RU"/>
+          </a:p>
+        </p:txBody>
+      </p:sp>
+    </p:spTree>
+    <p:extLst>
+      <p:ext uri="{BB962C8B-B14F-4D97-AF65-F5344CB8AC3E}">
+        <p14:creationId xmlns:p14="http://schemas.microsoft.com/office/powerpoint/2010/main" val="395297552"/>
+      </p:ext>
+    </p:extLst>
+  </p:cSld>
+  <p:clrMapOvr>
+    <a:masterClrMapping/>
+  </p:clrMapOvr>
+</p:notes>
+</file>
+
+<file path=ppt/notesSlides/notesSlide4.xml><?xml version="1.0" encoding="utf-8"?>
+<p:notes xmlns:a="http://schemas.openxmlformats.org/drawingml/2006/main" xmlns:r="http://schemas.openxmlformats.org/officeDocument/2006/relationships" xmlns:p="http://schemas.openxmlformats.org/presentationml/2006/main">
+  <p:cSld>
+    <p:spTree>
+      <p:nvGrpSpPr>
+        <p:cNvPr id="1" name=""/>
+        <p:cNvGrpSpPr/>
+        <p:nvPr/>
+      </p:nvGrpSpPr>
+      <p:grpSpPr>
+        <a:xfrm>
+          <a:off x="0" y="0"/>
+          <a:ext cx="0" cy="0"/>
+          <a:chOff x="0" y="0"/>
+          <a:chExt cx="0" cy="0"/>
+        </a:xfrm>
+      </p:grpSpPr>
+      <p:sp>
+        <p:nvSpPr>
+          <p:cNvPr id="2" name="Образ слайда 1"/>
+          <p:cNvSpPr>
+            <a:spLocks noGrp="1" noRot="1" noChangeAspect="1"/>
+          </p:cNvSpPr>
+          <p:nvPr>
+            <p:ph type="sldImg"/>
+          </p:nvPr>
+        </p:nvSpPr>
+        <p:spPr/>
+      </p:sp>
+      <p:sp>
+        <p:nvSpPr>
+          <p:cNvPr id="3" name="Заметки 2"/>
+          <p:cNvSpPr>
+            <a:spLocks noGrp="1"/>
+          </p:cNvSpPr>
+          <p:nvPr>
+            <p:ph type="body" idx="1"/>
+          </p:nvPr>
+        </p:nvSpPr>
+        <p:spPr/>
+        <p:txBody>
+          <a:bodyPr/>
+          <a:lstStyle/>
+          <a:p>
+            <a:pPr marL="228600">
+              <a:lnSpc>
+                <a:spcPct val="107000"/>
+              </a:lnSpc>
+              <a:spcAft>
+                <a:spcPts val="800"/>
+              </a:spcAft>
+            </a:pPr>
+            <a:r>
+              <a:rPr lang="ru-RU" sz="1800" b="1" kern="100" dirty="0">
+                <a:solidFill>
+                  <a:srgbClr val="000000"/>
+                </a:solidFill>
+                <a:effectLst/>
+                <a:latin typeface="Times New Roman" panose="02020603050405020304" pitchFamily="18" charset="0"/>
+                <a:ea typeface="Calibri" panose="020F0502020204030204" pitchFamily="34" charset="0"/>
+                <a:cs typeface="Times New Roman" panose="02020603050405020304" pitchFamily="18" charset="0"/>
+              </a:rPr>
+              <a:t>Структура сайта:</a:t>
+            </a:r>
+            <a:endParaRPr lang="ru-RU" sz="1800" kern="100" dirty="0">
+              <a:effectLst/>
+              <a:latin typeface="Calibri" panose="020F0502020204030204" pitchFamily="34" charset="0"/>
+              <a:ea typeface="Calibri" panose="020F0502020204030204" pitchFamily="34" charset="0"/>
+              <a:cs typeface="Times New Roman" panose="02020603050405020304" pitchFamily="18" charset="0"/>
+            </a:endParaRPr>
+          </a:p>
+          <a:p>
+            <a:pPr>
+              <a:lnSpc>
+                <a:spcPct val="107000"/>
+              </a:lnSpc>
+              <a:spcAft>
+                <a:spcPts val="800"/>
+              </a:spcAft>
+            </a:pPr>
+            <a:r>
+              <a:rPr lang="ru-RU" sz="1800" kern="100" dirty="0">
+                <a:effectLst/>
+                <a:latin typeface="Times New Roman" panose="02020603050405020304" pitchFamily="18" charset="0"/>
+                <a:ea typeface="Calibri" panose="020F0502020204030204" pitchFamily="34" charset="0"/>
+                <a:cs typeface="Times New Roman" panose="02020603050405020304" pitchFamily="18" charset="0"/>
+              </a:rPr>
+              <a:t>Список функционала с ранжированием</a:t>
+            </a:r>
+            <a:endParaRPr lang="ru-RU" sz="1800" kern="100" dirty="0">
+              <a:effectLst/>
+              <a:latin typeface="Calibri" panose="020F0502020204030204" pitchFamily="34" charset="0"/>
+              <a:ea typeface="Calibri" panose="020F0502020204030204" pitchFamily="34" charset="0"/>
+              <a:cs typeface="Times New Roman" panose="02020603050405020304" pitchFamily="18" charset="0"/>
+            </a:endParaRPr>
+          </a:p>
+          <a:p>
+            <a:pPr marL="342900" lvl="0" indent="-342900">
+              <a:lnSpc>
+                <a:spcPct val="107000"/>
+              </a:lnSpc>
+              <a:buFont typeface="+mj-lt"/>
+              <a:buAutoNum type="arabicPeriod"/>
+            </a:pPr>
+            <a:r>
+              <a:rPr lang="ru-RU" sz="1800" dirty="0">
+                <a:effectLst/>
+                <a:latin typeface="Times New Roman" panose="02020603050405020304" pitchFamily="18" charset="0"/>
+                <a:ea typeface="Calibri" panose="020F0502020204030204" pitchFamily="34" charset="0"/>
+                <a:cs typeface="Times New Roman" panose="02020603050405020304" pitchFamily="18" charset="0"/>
+              </a:rPr>
+              <a:t>Кнопка перехода на страницу с примеркой с помощью технологий </a:t>
+            </a:r>
+            <a:r>
+              <a:rPr lang="en-US" sz="1800" dirty="0">
+                <a:effectLst/>
+                <a:latin typeface="Times New Roman" panose="02020603050405020304" pitchFamily="18" charset="0"/>
+                <a:ea typeface="Calibri" panose="020F0502020204030204" pitchFamily="34" charset="0"/>
+                <a:cs typeface="Times New Roman" panose="02020603050405020304" pitchFamily="18" charset="0"/>
+              </a:rPr>
+              <a:t>VR</a:t>
+            </a:r>
+            <a:endParaRPr lang="ru-RU" sz="1800" dirty="0">
+              <a:effectLst/>
+              <a:latin typeface="Times New Roman" panose="02020603050405020304" pitchFamily="18" charset="0"/>
+              <a:ea typeface="Calibri" panose="020F0502020204030204" pitchFamily="34" charset="0"/>
+              <a:cs typeface="Times New Roman" panose="02020603050405020304" pitchFamily="18" charset="0"/>
+            </a:endParaRPr>
+          </a:p>
+          <a:p>
+            <a:pPr marL="342900" lvl="0" indent="-342900">
+              <a:lnSpc>
+                <a:spcPct val="107000"/>
+              </a:lnSpc>
+              <a:buFont typeface="+mj-lt"/>
+              <a:buAutoNum type="arabicPeriod"/>
+            </a:pPr>
+            <a:r>
+              <a:rPr lang="ru-RU" sz="1800" dirty="0">
+                <a:effectLst/>
+                <a:latin typeface="Times New Roman" panose="02020603050405020304" pitchFamily="18" charset="0"/>
+                <a:ea typeface="Calibri" panose="020F0502020204030204" pitchFamily="34" charset="0"/>
+                <a:cs typeface="Times New Roman" panose="02020603050405020304" pitchFamily="18" charset="0"/>
+              </a:rPr>
+              <a:t>Кнопка поиска, открытие поисковой строки (обработка вопроса или формулировки с помощью ИИ).</a:t>
+            </a:r>
+          </a:p>
+          <a:p>
+            <a:pPr marL="342900" lvl="0" indent="-342900">
+              <a:lnSpc>
+                <a:spcPct val="107000"/>
+              </a:lnSpc>
+              <a:buFont typeface="+mj-lt"/>
+              <a:buAutoNum type="arabicPeriod"/>
+            </a:pPr>
+            <a:r>
+              <a:rPr lang="ru-RU" sz="1800" dirty="0">
+                <a:effectLst/>
+                <a:latin typeface="Times New Roman" panose="02020603050405020304" pitchFamily="18" charset="0"/>
+                <a:ea typeface="Calibri" panose="020F0502020204030204" pitchFamily="34" charset="0"/>
+                <a:cs typeface="Times New Roman" panose="02020603050405020304" pitchFamily="18" charset="0"/>
+              </a:rPr>
+              <a:t>Статичная кнопка каталога</a:t>
+            </a:r>
+          </a:p>
+          <a:p>
+            <a:pPr marL="342900" lvl="0" indent="-342900">
+              <a:lnSpc>
+                <a:spcPct val="107000"/>
+              </a:lnSpc>
+              <a:buFont typeface="+mj-lt"/>
+              <a:buAutoNum type="arabicPeriod"/>
+            </a:pPr>
+            <a:r>
+              <a:rPr lang="ru-RU" sz="1800" dirty="0">
+                <a:effectLst/>
+                <a:latin typeface="Times New Roman" panose="02020603050405020304" pitchFamily="18" charset="0"/>
+                <a:ea typeface="Calibri" panose="020F0502020204030204" pitchFamily="34" charset="0"/>
+                <a:cs typeface="Times New Roman" panose="02020603050405020304" pitchFamily="18" charset="0"/>
+              </a:rPr>
+              <a:t>Краткий обзор новинок-бестселлеров, распродажи, новой коллекции в форме слайдов с ярким и наглядным оформлением</a:t>
+            </a:r>
+          </a:p>
+          <a:p>
+            <a:pPr marL="342900" lvl="0" indent="-342900">
+              <a:lnSpc>
+                <a:spcPct val="107000"/>
+              </a:lnSpc>
+              <a:buFont typeface="+mj-lt"/>
+              <a:buAutoNum type="arabicPeriod"/>
+            </a:pPr>
+            <a:r>
+              <a:rPr lang="ru-RU" sz="1800" dirty="0">
+                <a:effectLst/>
+                <a:latin typeface="Times New Roman" panose="02020603050405020304" pitchFamily="18" charset="0"/>
+                <a:ea typeface="Calibri" panose="020F0502020204030204" pitchFamily="34" charset="0"/>
+                <a:cs typeface="Times New Roman" panose="02020603050405020304" pitchFamily="18" charset="0"/>
+              </a:rPr>
+              <a:t>Каталог магазина в виде меню</a:t>
+            </a:r>
+          </a:p>
+          <a:p>
+            <a:pPr marL="342900" lvl="0" indent="-342900">
+              <a:lnSpc>
+                <a:spcPct val="107000"/>
+              </a:lnSpc>
+              <a:buFont typeface="+mj-lt"/>
+              <a:buAutoNum type="arabicPeriod"/>
+            </a:pPr>
+            <a:r>
+              <a:rPr lang="ru-RU" sz="1800" dirty="0">
+                <a:effectLst/>
+                <a:latin typeface="Times New Roman" panose="02020603050405020304" pitchFamily="18" charset="0"/>
+                <a:ea typeface="Calibri" panose="020F0502020204030204" pitchFamily="34" charset="0"/>
+                <a:cs typeface="Times New Roman" panose="02020603050405020304" pitchFamily="18" charset="0"/>
+              </a:rPr>
+              <a:t>Название магазина и логотип -&gt; ссылка на главную страницу магазина</a:t>
+            </a:r>
+          </a:p>
+          <a:p>
+            <a:pPr marL="342900" lvl="0" indent="-342900">
+              <a:lnSpc>
+                <a:spcPct val="107000"/>
+              </a:lnSpc>
+              <a:buFont typeface="+mj-lt"/>
+              <a:buAutoNum type="arabicPeriod"/>
+            </a:pPr>
+            <a:r>
+              <a:rPr lang="ru-RU" sz="1800" dirty="0">
+                <a:effectLst/>
+                <a:latin typeface="Times New Roman" panose="02020603050405020304" pitchFamily="18" charset="0"/>
+                <a:ea typeface="Calibri" panose="020F0502020204030204" pitchFamily="34" charset="0"/>
+                <a:cs typeface="Times New Roman" panose="02020603050405020304" pitchFamily="18" charset="0"/>
+              </a:rPr>
+              <a:t>Кнопка на выход к обзору раздела «Избранное» </a:t>
+            </a:r>
+          </a:p>
+          <a:p>
+            <a:pPr marL="342900" lvl="0" indent="-342900">
+              <a:lnSpc>
+                <a:spcPct val="107000"/>
+              </a:lnSpc>
+              <a:buFont typeface="+mj-lt"/>
+              <a:buAutoNum type="arabicPeriod"/>
+            </a:pPr>
+            <a:r>
+              <a:rPr lang="ru-RU" sz="1800" dirty="0">
+                <a:effectLst/>
+                <a:latin typeface="Times New Roman" panose="02020603050405020304" pitchFamily="18" charset="0"/>
+                <a:ea typeface="Calibri" panose="020F0502020204030204" pitchFamily="34" charset="0"/>
+                <a:cs typeface="Times New Roman" panose="02020603050405020304" pitchFamily="18" charset="0"/>
+              </a:rPr>
+              <a:t>Кнопка выхода на чат с поддержкой слева снизу</a:t>
+            </a:r>
+          </a:p>
+          <a:p>
+            <a:pPr marL="342900" lvl="0" indent="-342900">
+              <a:lnSpc>
+                <a:spcPct val="107000"/>
+              </a:lnSpc>
+              <a:spcAft>
+                <a:spcPts val="800"/>
+              </a:spcAft>
+              <a:buFont typeface="+mj-lt"/>
+              <a:buAutoNum type="arabicPeriod"/>
+            </a:pPr>
+            <a:r>
+              <a:rPr lang="ru-RU" sz="1800" dirty="0">
+                <a:effectLst/>
+                <a:latin typeface="Times New Roman" panose="02020603050405020304" pitchFamily="18" charset="0"/>
+                <a:ea typeface="Calibri" panose="020F0502020204030204" pitchFamily="34" charset="0"/>
+                <a:cs typeface="Times New Roman" panose="02020603050405020304" pitchFamily="18" charset="0"/>
+              </a:rPr>
+              <a:t>Кнопка выйти из аккаунта</a:t>
+            </a:r>
+          </a:p>
+          <a:p>
+            <a:pPr>
+              <a:lnSpc>
+                <a:spcPct val="107000"/>
+              </a:lnSpc>
+              <a:spcAft>
+                <a:spcPts val="800"/>
+              </a:spcAft>
+            </a:pPr>
+            <a:r>
+              <a:rPr lang="ru-RU" sz="1800" kern="100" dirty="0">
+                <a:effectLst/>
+                <a:latin typeface="Times New Roman" panose="02020603050405020304" pitchFamily="18" charset="0"/>
+                <a:ea typeface="Calibri" panose="020F0502020204030204" pitchFamily="34" charset="0"/>
+                <a:cs typeface="Times New Roman" panose="02020603050405020304" pitchFamily="18" charset="0"/>
+              </a:rPr>
+              <a:t>Сценарий работы</a:t>
+            </a:r>
+            <a:endParaRPr lang="ru-RU" sz="1800" kern="100" dirty="0">
+              <a:effectLst/>
+              <a:latin typeface="Calibri" panose="020F0502020204030204" pitchFamily="34" charset="0"/>
+              <a:ea typeface="Calibri" panose="020F0502020204030204" pitchFamily="34" charset="0"/>
+              <a:cs typeface="Times New Roman" panose="02020603050405020304" pitchFamily="18" charset="0"/>
+            </a:endParaRPr>
+          </a:p>
+          <a:p>
+            <a:pPr>
+              <a:lnSpc>
+                <a:spcPct val="107000"/>
+              </a:lnSpc>
+              <a:spcAft>
+                <a:spcPts val="800"/>
+              </a:spcAft>
+            </a:pPr>
+            <a:r>
+              <a:rPr lang="ru-RU" sz="1800" kern="100" dirty="0">
+                <a:effectLst/>
+                <a:latin typeface="Times New Roman" panose="02020603050405020304" pitchFamily="18" charset="0"/>
+                <a:ea typeface="Times New Roman" panose="02020603050405020304" pitchFamily="18" charset="0"/>
+                <a:cs typeface="Times New Roman" panose="02020603050405020304" pitchFamily="18" charset="0"/>
+              </a:rPr>
+              <a:t>Человек хочет обновить гардероб и заходит на мой онлайн-магазин. После регистрации он попадает на Главную страницу сайта. Там он может:</a:t>
+            </a:r>
+            <a:endParaRPr lang="ru-RU" sz="1800" kern="100" dirty="0">
+              <a:effectLst/>
+              <a:latin typeface="Calibri" panose="020F0502020204030204" pitchFamily="34" charset="0"/>
+              <a:ea typeface="Calibri" panose="020F0502020204030204" pitchFamily="34" charset="0"/>
+              <a:cs typeface="Times New Roman" panose="02020603050405020304" pitchFamily="18" charset="0"/>
+            </a:endParaRPr>
+          </a:p>
+          <a:p>
+            <a:pPr marL="342900" lvl="0" indent="-342900">
+              <a:lnSpc>
+                <a:spcPct val="107000"/>
+              </a:lnSpc>
+              <a:buFont typeface="+mj-lt"/>
+              <a:buAutoNum type="arabicPeriod"/>
+            </a:pPr>
+            <a:r>
+              <a:rPr lang="ru-RU" sz="1800" dirty="0">
+                <a:effectLst/>
+                <a:latin typeface="Times New Roman" panose="02020603050405020304" pitchFamily="18" charset="0"/>
+                <a:ea typeface="Times New Roman" panose="02020603050405020304" pitchFamily="18" charset="0"/>
+                <a:cs typeface="Times New Roman" panose="02020603050405020304" pitchFamily="18" charset="0"/>
+              </a:rPr>
+              <a:t>Найти товар по текстовому описанию</a:t>
+            </a:r>
+            <a:endParaRPr lang="ru-RU" sz="1800" dirty="0">
+              <a:effectLst/>
+              <a:latin typeface="Times New Roman" panose="02020603050405020304" pitchFamily="18" charset="0"/>
+              <a:ea typeface="Calibri" panose="020F0502020204030204" pitchFamily="34" charset="0"/>
+              <a:cs typeface="Times New Roman" panose="02020603050405020304" pitchFamily="18" charset="0"/>
+            </a:endParaRPr>
+          </a:p>
+          <a:p>
+            <a:pPr marL="342900" lvl="0" indent="-342900">
+              <a:lnSpc>
+                <a:spcPct val="107000"/>
+              </a:lnSpc>
+              <a:buFont typeface="+mj-lt"/>
+              <a:buAutoNum type="arabicPeriod"/>
+            </a:pPr>
+            <a:r>
+              <a:rPr lang="ru-RU" sz="1800" dirty="0">
+                <a:effectLst/>
+                <a:latin typeface="Times New Roman" panose="02020603050405020304" pitchFamily="18" charset="0"/>
+                <a:ea typeface="Times New Roman" panose="02020603050405020304" pitchFamily="18" charset="0"/>
+                <a:cs typeface="Times New Roman" panose="02020603050405020304" pitchFamily="18" charset="0"/>
+              </a:rPr>
+              <a:t>Перейти в каталог товаров и там выбрать себе раздел</a:t>
+            </a:r>
+            <a:endParaRPr lang="ru-RU" sz="1800" dirty="0">
+              <a:effectLst/>
+              <a:latin typeface="Times New Roman" panose="02020603050405020304" pitchFamily="18" charset="0"/>
+              <a:ea typeface="Calibri" panose="020F0502020204030204" pitchFamily="34" charset="0"/>
+              <a:cs typeface="Times New Roman" panose="02020603050405020304" pitchFamily="18" charset="0"/>
+            </a:endParaRPr>
+          </a:p>
+          <a:p>
+            <a:pPr marL="342900" lvl="0" indent="-342900">
+              <a:lnSpc>
+                <a:spcPct val="107000"/>
+              </a:lnSpc>
+              <a:buFont typeface="+mj-lt"/>
+              <a:buAutoNum type="arabicPeriod"/>
+            </a:pPr>
+            <a:r>
+              <a:rPr lang="ru-RU" sz="1800" dirty="0">
+                <a:effectLst/>
+                <a:latin typeface="Times New Roman" panose="02020603050405020304" pitchFamily="18" charset="0"/>
+                <a:ea typeface="Times New Roman" panose="02020603050405020304" pitchFamily="18" charset="0"/>
+                <a:cs typeface="Times New Roman" panose="02020603050405020304" pitchFamily="18" charset="0"/>
+              </a:rPr>
+              <a:t>Увидеть актуальные товары со скидкой или сезонные акции</a:t>
+            </a:r>
+            <a:endParaRPr lang="ru-RU" sz="1800" dirty="0">
+              <a:effectLst/>
+              <a:latin typeface="Times New Roman" panose="02020603050405020304" pitchFamily="18" charset="0"/>
+              <a:ea typeface="Calibri" panose="020F0502020204030204" pitchFamily="34" charset="0"/>
+              <a:cs typeface="Times New Roman" panose="02020603050405020304" pitchFamily="18" charset="0"/>
+            </a:endParaRPr>
+          </a:p>
+          <a:p>
+            <a:pPr marL="342900" lvl="0" indent="-342900">
+              <a:lnSpc>
+                <a:spcPct val="107000"/>
+              </a:lnSpc>
+              <a:buFont typeface="+mj-lt"/>
+              <a:buAutoNum type="arabicPeriod"/>
+            </a:pPr>
+            <a:r>
+              <a:rPr lang="ru-RU" sz="1800" dirty="0">
+                <a:effectLst/>
+                <a:latin typeface="Times New Roman" panose="02020603050405020304" pitchFamily="18" charset="0"/>
+                <a:ea typeface="Times New Roman" panose="02020603050405020304" pitchFamily="18" charset="0"/>
+                <a:cs typeface="Times New Roman" panose="02020603050405020304" pitchFamily="18" charset="0"/>
+              </a:rPr>
+              <a:t>Зайти на страницу своего профиля</a:t>
+            </a:r>
+            <a:endParaRPr lang="ru-RU" sz="1800" dirty="0">
+              <a:effectLst/>
+              <a:latin typeface="Times New Roman" panose="02020603050405020304" pitchFamily="18" charset="0"/>
+              <a:ea typeface="Calibri" panose="020F0502020204030204" pitchFamily="34" charset="0"/>
+              <a:cs typeface="Times New Roman" panose="02020603050405020304" pitchFamily="18" charset="0"/>
+            </a:endParaRPr>
+          </a:p>
+          <a:p>
+            <a:pPr marL="342900" lvl="0" indent="-342900">
+              <a:lnSpc>
+                <a:spcPct val="107000"/>
+              </a:lnSpc>
+              <a:buFont typeface="+mj-lt"/>
+              <a:buAutoNum type="arabicPeriod"/>
+            </a:pPr>
+            <a:r>
+              <a:rPr lang="ru-RU" sz="1800" dirty="0">
+                <a:effectLst/>
+                <a:latin typeface="Times New Roman" panose="02020603050405020304" pitchFamily="18" charset="0"/>
+                <a:ea typeface="Times New Roman" panose="02020603050405020304" pitchFamily="18" charset="0"/>
+                <a:cs typeface="Times New Roman" panose="02020603050405020304" pitchFamily="18" charset="0"/>
+              </a:rPr>
+              <a:t>Зайти в раздел «Корзина»</a:t>
+            </a:r>
+            <a:endParaRPr lang="ru-RU" sz="1800" dirty="0">
+              <a:effectLst/>
+              <a:latin typeface="Times New Roman" panose="02020603050405020304" pitchFamily="18" charset="0"/>
+              <a:ea typeface="Calibri" panose="020F0502020204030204" pitchFamily="34" charset="0"/>
+              <a:cs typeface="Times New Roman" panose="02020603050405020304" pitchFamily="18" charset="0"/>
+            </a:endParaRPr>
+          </a:p>
+          <a:p>
+            <a:pPr marL="342900" lvl="0" indent="-342900">
+              <a:lnSpc>
+                <a:spcPct val="107000"/>
+              </a:lnSpc>
+              <a:buFont typeface="+mj-lt"/>
+              <a:buAutoNum type="arabicPeriod"/>
+            </a:pPr>
+            <a:r>
+              <a:rPr lang="ru-RU" sz="1800" dirty="0">
+                <a:effectLst/>
+                <a:latin typeface="Times New Roman" panose="02020603050405020304" pitchFamily="18" charset="0"/>
+                <a:ea typeface="Times New Roman" panose="02020603050405020304" pitchFamily="18" charset="0"/>
+                <a:cs typeface="Times New Roman" panose="02020603050405020304" pitchFamily="18" charset="0"/>
+              </a:rPr>
+              <a:t>Зайти в раздел «Избранное»</a:t>
+            </a:r>
+            <a:endParaRPr lang="ru-RU" sz="1800" dirty="0">
+              <a:effectLst/>
+              <a:latin typeface="Times New Roman" panose="02020603050405020304" pitchFamily="18" charset="0"/>
+              <a:ea typeface="Calibri" panose="020F0502020204030204" pitchFamily="34" charset="0"/>
+              <a:cs typeface="Times New Roman" panose="02020603050405020304" pitchFamily="18" charset="0"/>
+            </a:endParaRPr>
+          </a:p>
+          <a:p>
+            <a:pPr marL="342900" lvl="0" indent="-342900">
+              <a:lnSpc>
+                <a:spcPct val="107000"/>
+              </a:lnSpc>
+              <a:spcAft>
+                <a:spcPts val="800"/>
+              </a:spcAft>
+              <a:buFont typeface="+mj-lt"/>
+              <a:buAutoNum type="arabicPeriod"/>
+            </a:pPr>
+            <a:r>
+              <a:rPr lang="ru-RU" sz="1800" dirty="0">
+                <a:effectLst/>
+                <a:latin typeface="Times New Roman" panose="02020603050405020304" pitchFamily="18" charset="0"/>
+                <a:ea typeface="Times New Roman" panose="02020603050405020304" pitchFamily="18" charset="0"/>
+                <a:cs typeface="Times New Roman" panose="02020603050405020304" pitchFamily="18" charset="0"/>
+              </a:rPr>
+              <a:t>Если у него возникнут вопросы, он может воспользоваться ИИ-чатом с поддержкой   </a:t>
+            </a:r>
+            <a:endParaRPr lang="ru-RU" sz="1800" dirty="0">
+              <a:effectLst/>
+              <a:latin typeface="Times New Roman" panose="02020603050405020304" pitchFamily="18" charset="0"/>
+              <a:ea typeface="Calibri" panose="020F0502020204030204" pitchFamily="34" charset="0"/>
+              <a:cs typeface="Times New Roman" panose="02020603050405020304" pitchFamily="18" charset="0"/>
+            </a:endParaRPr>
+          </a:p>
+          <a:p>
+            <a:endParaRPr lang="ru-RU" dirty="0"/>
+          </a:p>
+        </p:txBody>
+      </p:sp>
+      <p:sp>
+        <p:nvSpPr>
+          <p:cNvPr id="4" name="Номер слайда 3"/>
+          <p:cNvSpPr>
+            <a:spLocks noGrp="1"/>
+          </p:cNvSpPr>
+          <p:nvPr>
+            <p:ph type="sldNum" sz="quarter" idx="5"/>
+          </p:nvPr>
+        </p:nvSpPr>
+        <p:spPr/>
+        <p:txBody>
+          <a:bodyPr/>
+          <a:lstStyle/>
+          <a:p>
+            <a:fld id="{009ACCF4-FBC9-4DC4-B371-68612CB4AFC5}" type="slidenum">
+              <a:rPr lang="ru-RU" smtClean="0"/>
+              <a:t>4</a:t>
+            </a:fld>
+            <a:endParaRPr lang="ru-RU"/>
+          </a:p>
+        </p:txBody>
+      </p:sp>
+    </p:spTree>
+    <p:extLst>
+      <p:ext uri="{BB962C8B-B14F-4D97-AF65-F5344CB8AC3E}">
+        <p14:creationId xmlns:p14="http://schemas.microsoft.com/office/powerpoint/2010/main" val="756262631"/>
+      </p:ext>
+    </p:extLst>
+  </p:cSld>
+  <p:clrMapOvr>
+    <a:masterClrMapping/>
+  </p:clrMapOvr>
+</p:notes>
+</file>
+
+<file path=ppt/notesSlides/notesSlide5.xml><?xml version="1.0" encoding="utf-8"?>
+<p:notes xmlns:a="http://schemas.openxmlformats.org/drawingml/2006/main" xmlns:r="http://schemas.openxmlformats.org/officeDocument/2006/relationships" xmlns:p="http://schemas.openxmlformats.org/presentationml/2006/main">
+  <p:cSld>
+    <p:spTree>
+      <p:nvGrpSpPr>
+        <p:cNvPr id="1" name=""/>
+        <p:cNvGrpSpPr/>
+        <p:nvPr/>
+      </p:nvGrpSpPr>
+      <p:grpSpPr>
+        <a:xfrm>
+          <a:off x="0" y="0"/>
+          <a:ext cx="0" cy="0"/>
+          <a:chOff x="0" y="0"/>
+          <a:chExt cx="0" cy="0"/>
+        </a:xfrm>
+      </p:grpSpPr>
+      <p:sp>
+        <p:nvSpPr>
+          <p:cNvPr id="2" name="Образ слайда 1"/>
+          <p:cNvSpPr>
+            <a:spLocks noGrp="1" noRot="1" noChangeAspect="1"/>
+          </p:cNvSpPr>
+          <p:nvPr>
+            <p:ph type="sldImg"/>
+          </p:nvPr>
+        </p:nvSpPr>
+        <p:spPr/>
+      </p:sp>
+      <p:sp>
+        <p:nvSpPr>
+          <p:cNvPr id="3" name="Заметки 2"/>
+          <p:cNvSpPr>
+            <a:spLocks noGrp="1"/>
+          </p:cNvSpPr>
+          <p:nvPr>
+            <p:ph type="body" idx="1"/>
+          </p:nvPr>
+        </p:nvSpPr>
+        <p:spPr/>
+        <p:txBody>
+          <a:bodyPr/>
+          <a:lstStyle/>
+          <a:p>
+            <a:pPr>
+              <a:lnSpc>
+                <a:spcPct val="107000"/>
+              </a:lnSpc>
+              <a:spcAft>
+                <a:spcPts val="800"/>
+              </a:spcAft>
+            </a:pPr>
+            <a:r>
+              <a:rPr lang="ru-RU" sz="1800" kern="100" dirty="0">
+                <a:effectLst/>
+                <a:latin typeface="Times New Roman" panose="02020603050405020304" pitchFamily="18" charset="0"/>
+                <a:ea typeface="Calibri" panose="020F0502020204030204" pitchFamily="34" charset="0"/>
+                <a:cs typeface="Times New Roman" panose="02020603050405020304" pitchFamily="18" charset="0"/>
+              </a:rPr>
+              <a:t>Навигационная система (карта навигации)</a:t>
+            </a:r>
+            <a:r>
+              <a:rPr lang="en-US" sz="1800" kern="100" dirty="0">
+                <a:effectLst/>
+                <a:latin typeface="Times New Roman" panose="02020603050405020304" pitchFamily="18" charset="0"/>
+                <a:ea typeface="Calibri" panose="020F0502020204030204" pitchFamily="34" charset="0"/>
+                <a:cs typeface="Times New Roman" panose="02020603050405020304" pitchFamily="18" charset="0"/>
+              </a:rPr>
+              <a:t>:</a:t>
+            </a:r>
+            <a:endParaRPr lang="ru-RU" sz="1800" kern="100" dirty="0">
+              <a:effectLst/>
+              <a:latin typeface="Calibri" panose="020F0502020204030204" pitchFamily="34" charset="0"/>
+              <a:ea typeface="Calibri" panose="020F0502020204030204" pitchFamily="34" charset="0"/>
+              <a:cs typeface="Times New Roman" panose="02020603050405020304" pitchFamily="18" charset="0"/>
+            </a:endParaRPr>
+          </a:p>
+          <a:p>
+            <a:pPr marL="457200">
+              <a:spcAft>
+                <a:spcPts val="800"/>
+              </a:spcAft>
+            </a:pPr>
+            <a:r>
+              <a:rPr lang="ru-RU" sz="1800" b="1" dirty="0">
+                <a:effectLst/>
+                <a:latin typeface="Times New Roman" panose="02020603050405020304" pitchFamily="18" charset="0"/>
+                <a:ea typeface="Calibri" panose="020F0502020204030204" pitchFamily="34" charset="0"/>
+                <a:cs typeface="Times New Roman" panose="02020603050405020304" pitchFamily="18" charset="0"/>
+              </a:rPr>
+              <a:t> </a:t>
+            </a:r>
+            <a:endParaRPr lang="ru-RU" sz="1800" dirty="0">
+              <a:effectLst/>
+              <a:latin typeface="Times New Roman" panose="02020603050405020304" pitchFamily="18" charset="0"/>
+              <a:ea typeface="Calibri" panose="020F0502020204030204" pitchFamily="34" charset="0"/>
+              <a:cs typeface="Times New Roman" panose="02020603050405020304" pitchFamily="18" charset="0"/>
+            </a:endParaRPr>
+          </a:p>
+          <a:p>
+            <a:endParaRPr lang="ru-RU" dirty="0"/>
+          </a:p>
+        </p:txBody>
+      </p:sp>
+      <p:sp>
+        <p:nvSpPr>
+          <p:cNvPr id="4" name="Номер слайда 3"/>
+          <p:cNvSpPr>
+            <a:spLocks noGrp="1"/>
+          </p:cNvSpPr>
+          <p:nvPr>
+            <p:ph type="sldNum" sz="quarter" idx="5"/>
+          </p:nvPr>
+        </p:nvSpPr>
+        <p:spPr/>
+        <p:txBody>
+          <a:bodyPr/>
+          <a:lstStyle/>
+          <a:p>
+            <a:fld id="{009ACCF4-FBC9-4DC4-B371-68612CB4AFC5}" type="slidenum">
+              <a:rPr lang="ru-RU" smtClean="0"/>
+              <a:t>5</a:t>
+            </a:fld>
+            <a:endParaRPr lang="ru-RU"/>
+          </a:p>
+        </p:txBody>
+      </p:sp>
+    </p:spTree>
+    <p:extLst>
+      <p:ext uri="{BB962C8B-B14F-4D97-AF65-F5344CB8AC3E}">
+        <p14:creationId xmlns:p14="http://schemas.microsoft.com/office/powerpoint/2010/main" val="945353035"/>
+      </p:ext>
+    </p:extLst>
+  </p:cSld>
+  <p:clrMapOvr>
+    <a:masterClrMapping/>
+  </p:clrMapOvr>
+</p:notes>
+</file>
+
+<file path=ppt/notesSlides/notesSlide6.xml><?xml version="1.0" encoding="utf-8"?>
+<p:notes xmlns:a="http://schemas.openxmlformats.org/drawingml/2006/main" xmlns:r="http://schemas.openxmlformats.org/officeDocument/2006/relationships" xmlns:p="http://schemas.openxmlformats.org/presentationml/2006/main">
+  <p:cSld>
+    <p:spTree>
+      <p:nvGrpSpPr>
+        <p:cNvPr id="1" name=""/>
+        <p:cNvGrpSpPr/>
+        <p:nvPr/>
+      </p:nvGrpSpPr>
+      <p:grpSpPr>
+        <a:xfrm>
+          <a:off x="0" y="0"/>
+          <a:ext cx="0" cy="0"/>
+          <a:chOff x="0" y="0"/>
+          <a:chExt cx="0" cy="0"/>
+        </a:xfrm>
+      </p:grpSpPr>
+      <p:sp>
+        <p:nvSpPr>
+          <p:cNvPr id="2" name="Образ слайда 1"/>
+          <p:cNvSpPr>
+            <a:spLocks noGrp="1" noRot="1" noChangeAspect="1"/>
+          </p:cNvSpPr>
+          <p:nvPr>
+            <p:ph type="sldImg"/>
+          </p:nvPr>
+        </p:nvSpPr>
+        <p:spPr/>
+      </p:sp>
+      <p:sp>
+        <p:nvSpPr>
+          <p:cNvPr id="3" name="Заметки 2"/>
+          <p:cNvSpPr>
+            <a:spLocks noGrp="1"/>
+          </p:cNvSpPr>
+          <p:nvPr>
+            <p:ph type="body" idx="1"/>
+          </p:nvPr>
+        </p:nvSpPr>
+        <p:spPr/>
+        <p:txBody>
+          <a:bodyPr/>
+          <a:lstStyle/>
+          <a:p>
+            <a:pPr>
+              <a:lnSpc>
+                <a:spcPct val="107000"/>
+              </a:lnSpc>
+              <a:spcAft>
+                <a:spcPts val="800"/>
+              </a:spcAft>
+            </a:pPr>
+            <a:r>
+              <a:rPr lang="ru-RU" sz="1800" kern="100" dirty="0">
+                <a:effectLst/>
+                <a:latin typeface="Times New Roman" panose="02020603050405020304" pitchFamily="18" charset="0"/>
+                <a:ea typeface="Calibri" panose="020F0502020204030204" pitchFamily="34" charset="0"/>
+                <a:cs typeface="Times New Roman" panose="02020603050405020304" pitchFamily="18" charset="0"/>
+              </a:rPr>
+              <a:t>Навигационная система (карта навигации)</a:t>
+            </a:r>
+            <a:r>
+              <a:rPr lang="en-US" sz="1800" kern="100" dirty="0">
+                <a:effectLst/>
+                <a:latin typeface="Times New Roman" panose="02020603050405020304" pitchFamily="18" charset="0"/>
+                <a:ea typeface="Calibri" panose="020F0502020204030204" pitchFamily="34" charset="0"/>
+                <a:cs typeface="Times New Roman" panose="02020603050405020304" pitchFamily="18" charset="0"/>
+              </a:rPr>
+              <a:t>:</a:t>
+            </a:r>
+            <a:endParaRPr lang="ru-RU" sz="1800" kern="100" dirty="0">
+              <a:effectLst/>
+              <a:latin typeface="Calibri" panose="020F0502020204030204" pitchFamily="34" charset="0"/>
+              <a:ea typeface="Calibri" panose="020F0502020204030204" pitchFamily="34" charset="0"/>
+              <a:cs typeface="Times New Roman" panose="02020603050405020304" pitchFamily="18" charset="0"/>
+            </a:endParaRPr>
+          </a:p>
+          <a:p>
+            <a:pPr marL="457200">
+              <a:spcAft>
+                <a:spcPts val="800"/>
+              </a:spcAft>
+            </a:pPr>
+            <a:r>
+              <a:rPr lang="ru-RU" sz="1800" b="1" dirty="0">
+                <a:effectLst/>
+                <a:latin typeface="Times New Roman" panose="02020603050405020304" pitchFamily="18" charset="0"/>
+                <a:ea typeface="Calibri" panose="020F0502020204030204" pitchFamily="34" charset="0"/>
+                <a:cs typeface="Times New Roman" panose="02020603050405020304" pitchFamily="18" charset="0"/>
+              </a:rPr>
+              <a:t> </a:t>
+            </a:r>
+            <a:endParaRPr lang="ru-RU" sz="1800" dirty="0">
+              <a:effectLst/>
+              <a:latin typeface="Times New Roman" panose="02020603050405020304" pitchFamily="18" charset="0"/>
+              <a:ea typeface="Calibri" panose="020F0502020204030204" pitchFamily="34" charset="0"/>
+              <a:cs typeface="Times New Roman" panose="02020603050405020304" pitchFamily="18" charset="0"/>
+            </a:endParaRPr>
+          </a:p>
+          <a:p>
+            <a:endParaRPr lang="ru-RU" dirty="0"/>
+          </a:p>
+        </p:txBody>
+      </p:sp>
+      <p:sp>
+        <p:nvSpPr>
+          <p:cNvPr id="4" name="Номер слайда 3"/>
+          <p:cNvSpPr>
+            <a:spLocks noGrp="1"/>
+          </p:cNvSpPr>
+          <p:nvPr>
+            <p:ph type="sldNum" sz="quarter" idx="5"/>
+          </p:nvPr>
+        </p:nvSpPr>
+        <p:spPr/>
+        <p:txBody>
+          <a:bodyPr/>
+          <a:lstStyle/>
+          <a:p>
+            <a:fld id="{009ACCF4-FBC9-4DC4-B371-68612CB4AFC5}" type="slidenum">
+              <a:rPr lang="ru-RU" smtClean="0"/>
+              <a:t>6</a:t>
+            </a:fld>
+            <a:endParaRPr lang="ru-RU"/>
+          </a:p>
+        </p:txBody>
+      </p:sp>
+    </p:spTree>
+    <p:extLst>
+      <p:ext uri="{BB962C8B-B14F-4D97-AF65-F5344CB8AC3E}">
+        <p14:creationId xmlns:p14="http://schemas.microsoft.com/office/powerpoint/2010/main" val="1096593853"/>
+      </p:ext>
+    </p:extLst>
+  </p:cSld>
+  <p:clrMapOvr>
+    <a:masterClrMapping/>
+  </p:clrMapOvr>
+</p:notes>
+</file>
+
+<file path=ppt/notesSlides/notesSlide7.xml><?xml version="1.0" encoding="utf-8"?>
+<p:notes xmlns:a="http://schemas.openxmlformats.org/drawingml/2006/main" xmlns:r="http://schemas.openxmlformats.org/officeDocument/2006/relationships" xmlns:p="http://schemas.openxmlformats.org/presentationml/2006/main">
+  <p:cSld>
+    <p:spTree>
+      <p:nvGrpSpPr>
+        <p:cNvPr id="1" name=""/>
+        <p:cNvGrpSpPr/>
+        <p:nvPr/>
+      </p:nvGrpSpPr>
+      <p:grpSpPr>
+        <a:xfrm>
+          <a:off x="0" y="0"/>
+          <a:ext cx="0" cy="0"/>
+          <a:chOff x="0" y="0"/>
+          <a:chExt cx="0" cy="0"/>
+        </a:xfrm>
+      </p:grpSpPr>
+      <p:sp>
+        <p:nvSpPr>
+          <p:cNvPr id="2" name="Образ слайда 1"/>
+          <p:cNvSpPr>
+            <a:spLocks noGrp="1" noRot="1" noChangeAspect="1"/>
+          </p:cNvSpPr>
+          <p:nvPr>
+            <p:ph type="sldImg"/>
+          </p:nvPr>
+        </p:nvSpPr>
+        <p:spPr/>
+      </p:sp>
+      <p:sp>
+        <p:nvSpPr>
+          <p:cNvPr id="3" name="Заметки 2"/>
+          <p:cNvSpPr>
+            <a:spLocks noGrp="1"/>
+          </p:cNvSpPr>
+          <p:nvPr>
+            <p:ph type="body" idx="1"/>
+          </p:nvPr>
+        </p:nvSpPr>
+        <p:spPr/>
+        <p:txBody>
+          <a:bodyPr/>
+          <a:lstStyle/>
+          <a:p>
+            <a:pPr marR="359410">
+              <a:lnSpc>
+                <a:spcPct val="107000"/>
+              </a:lnSpc>
+              <a:spcAft>
+                <a:spcPts val="800"/>
+              </a:spcAft>
+            </a:pPr>
+            <a:r>
+              <a:rPr lang="ru-RU" sz="1800" b="1" kern="100" dirty="0">
+                <a:effectLst/>
+                <a:latin typeface="Times New Roman" panose="02020603050405020304" pitchFamily="18" charset="0"/>
+                <a:ea typeface="Calibri" panose="020F0502020204030204" pitchFamily="34" charset="0"/>
+                <a:cs typeface="Times New Roman" panose="02020603050405020304" pitchFamily="18" charset="0"/>
+              </a:rPr>
+              <a:t>Принципы, которые я использовала при создании макетов:</a:t>
+            </a:r>
+            <a:endParaRPr lang="ru-RU" sz="1800" kern="100" dirty="0">
+              <a:effectLst/>
+              <a:latin typeface="Calibri" panose="020F0502020204030204" pitchFamily="34" charset="0"/>
+              <a:ea typeface="Calibri" panose="020F0502020204030204" pitchFamily="34" charset="0"/>
+              <a:cs typeface="Times New Roman" panose="02020603050405020304" pitchFamily="18" charset="0"/>
+            </a:endParaRPr>
+          </a:p>
+          <a:p>
+            <a:pPr marL="342900" marR="359410" lvl="0" indent="-342900">
+              <a:lnSpc>
+                <a:spcPct val="107000"/>
+              </a:lnSpc>
+              <a:spcAft>
+                <a:spcPts val="800"/>
+              </a:spcAft>
+              <a:buFont typeface="+mj-lt"/>
+              <a:buAutoNum type="arabicParenR"/>
+            </a:pPr>
+            <a:r>
+              <a:rPr lang="ru-RU" sz="1800" dirty="0">
+                <a:effectLst/>
+                <a:latin typeface="Times New Roman" panose="02020603050405020304" pitchFamily="18" charset="0"/>
+                <a:ea typeface="Calibri" panose="020F0502020204030204" pitchFamily="34" charset="0"/>
+                <a:cs typeface="Times New Roman" panose="02020603050405020304" pitchFamily="18" charset="0"/>
+              </a:rPr>
+              <a:t>Принцип структуризации. Пользовательский интерфейс целесообразно структурирован. Родственные его части связаны. Например, в верхнем блоке вместе стоят кнопки меню и они выполняют одну функцию – открытие пользователю нужной страницы. Блоки с товаром или «примеркой» отделены расстоянием и выглядят крупнее и более заполнены текстом.</a:t>
+            </a:r>
+          </a:p>
+          <a:p>
+            <a:pPr marL="342900" marR="359410" lvl="0" indent="-342900">
+              <a:lnSpc>
+                <a:spcPct val="107000"/>
+              </a:lnSpc>
+              <a:spcAft>
+                <a:spcPts val="800"/>
+              </a:spcAft>
+              <a:buFont typeface="+mj-lt"/>
+              <a:buAutoNum type="arabicParenR"/>
+            </a:pPr>
+            <a:r>
+              <a:rPr lang="ru-RU" sz="1800" dirty="0">
+                <a:effectLst/>
+                <a:latin typeface="Times New Roman" panose="02020603050405020304" pitchFamily="18" charset="0"/>
+                <a:ea typeface="Calibri" panose="020F0502020204030204" pitchFamily="34" charset="0"/>
+                <a:cs typeface="Times New Roman" panose="02020603050405020304" pitchFamily="18" charset="0"/>
+              </a:rPr>
+              <a:t> Принцип простоты. Наиболее распространенные операции должны выполняться максимально просто. Достаточно только нажать на подписанную кнопку. Например, чтобы примерить товар через </a:t>
+            </a:r>
+            <a:r>
+              <a:rPr lang="en-US" sz="1800" dirty="0">
+                <a:effectLst/>
+                <a:latin typeface="Times New Roman" panose="02020603050405020304" pitchFamily="18" charset="0"/>
+                <a:ea typeface="Calibri" panose="020F0502020204030204" pitchFamily="34" charset="0"/>
+                <a:cs typeface="Times New Roman" panose="02020603050405020304" pitchFamily="18" charset="0"/>
+              </a:rPr>
+              <a:t>VR</a:t>
+            </a:r>
+            <a:r>
+              <a:rPr lang="ru-RU" sz="1800" dirty="0">
+                <a:effectLst/>
+                <a:latin typeface="Times New Roman" panose="02020603050405020304" pitchFamily="18" charset="0"/>
+                <a:ea typeface="Calibri" panose="020F0502020204030204" pitchFamily="34" charset="0"/>
+                <a:cs typeface="Times New Roman" panose="02020603050405020304" pitchFamily="18" charset="0"/>
+              </a:rPr>
+              <a:t> достаточно просто нажать на одну кнопку, которая присутствует на всех страницах, кроме страниц входа и регистрации. Другой пример: Кнопка поиска, где достаточно только вписать искомый текст и нажать на иконку лупы. Если же пользователь захочет перейти к более сложной операции, такой как выбор товара из множества, то сперва ему нужно выбрать и нажать во вкладке «Каталог» интересующий раздел, затем выбрать в фильтрах то, какие товары будут показываться и далее выбирать самому то, что понравится и добавить в раздел «Избранное».</a:t>
+            </a:r>
+          </a:p>
+          <a:p>
+            <a:pPr marL="342900" marR="359410" lvl="0" indent="-342900">
+              <a:lnSpc>
+                <a:spcPct val="107000"/>
+              </a:lnSpc>
+              <a:spcAft>
+                <a:spcPts val="800"/>
+              </a:spcAft>
+              <a:buFont typeface="+mj-lt"/>
+              <a:buAutoNum type="arabicParenR"/>
+            </a:pPr>
+            <a:r>
+              <a:rPr lang="ru-RU" sz="1800" dirty="0">
+                <a:effectLst/>
+                <a:latin typeface="Times New Roman" panose="02020603050405020304" pitchFamily="18" charset="0"/>
+                <a:ea typeface="Calibri" panose="020F0502020204030204" pitchFamily="34" charset="0"/>
+                <a:cs typeface="Times New Roman" panose="02020603050405020304" pitchFamily="18" charset="0"/>
+              </a:rPr>
+              <a:t> Принцип видимости. Все функции и данные, необходимые для выполнения определенной задачи, видны, когда пользователь пытается ее выполнить. Например, когда пользователь хочет найти товар по описанию, то он видит поле ввода текста, видит иконку лупы, на которую нужно нажать для выполнения поиска и далее сразу выходит на страницу с результатами поиска. </a:t>
+            </a:r>
+          </a:p>
+          <a:p>
+            <a:pPr marR="359410">
+              <a:lnSpc>
+                <a:spcPct val="107000"/>
+              </a:lnSpc>
+              <a:spcAft>
+                <a:spcPts val="800"/>
+              </a:spcAft>
+            </a:pPr>
+            <a:r>
+              <a:rPr lang="ru-RU" sz="1800" b="1" kern="100" dirty="0">
+                <a:effectLst/>
+                <a:latin typeface="Times New Roman" panose="02020603050405020304" pitchFamily="18" charset="0"/>
+                <a:ea typeface="Calibri" panose="020F0502020204030204" pitchFamily="34" charset="0"/>
+                <a:cs typeface="Times New Roman" panose="02020603050405020304" pitchFamily="18" charset="0"/>
+              </a:rPr>
+              <a:t>сколько уровней доступа спроектировано:</a:t>
+            </a:r>
+            <a:r>
+              <a:rPr lang="ru-RU" sz="1800" kern="100" dirty="0">
+                <a:effectLst/>
+                <a:latin typeface="Times New Roman" panose="02020603050405020304" pitchFamily="18" charset="0"/>
+                <a:ea typeface="Calibri" panose="020F0502020204030204" pitchFamily="34" charset="0"/>
+                <a:cs typeface="Times New Roman" panose="02020603050405020304" pitchFamily="18" charset="0"/>
+              </a:rPr>
+              <a:t> спроектировано 2 уровня доступа: зарегистрированные пользователи и незарегистрированные.</a:t>
+            </a:r>
+            <a:endParaRPr lang="ru-RU" sz="1800" kern="100" dirty="0">
+              <a:effectLst/>
+              <a:latin typeface="Calibri" panose="020F0502020204030204" pitchFamily="34" charset="0"/>
+              <a:ea typeface="Calibri" panose="020F0502020204030204" pitchFamily="34" charset="0"/>
+              <a:cs typeface="Times New Roman" panose="02020603050405020304" pitchFamily="18" charset="0"/>
+            </a:endParaRPr>
+          </a:p>
+          <a:p>
+            <a:endParaRPr lang="ru-RU" dirty="0"/>
+          </a:p>
+        </p:txBody>
+      </p:sp>
+      <p:sp>
+        <p:nvSpPr>
+          <p:cNvPr id="4" name="Номер слайда 3"/>
+          <p:cNvSpPr>
+            <a:spLocks noGrp="1"/>
+          </p:cNvSpPr>
+          <p:nvPr>
+            <p:ph type="sldNum" sz="quarter" idx="5"/>
+          </p:nvPr>
+        </p:nvSpPr>
+        <p:spPr/>
+        <p:txBody>
+          <a:bodyPr/>
+          <a:lstStyle/>
+          <a:p>
+            <a:fld id="{009ACCF4-FBC9-4DC4-B371-68612CB4AFC5}" type="slidenum">
+              <a:rPr lang="ru-RU" smtClean="0"/>
+              <a:t>7</a:t>
+            </a:fld>
+            <a:endParaRPr lang="ru-RU"/>
+          </a:p>
+        </p:txBody>
+      </p:sp>
+    </p:spTree>
+    <p:extLst>
+      <p:ext uri="{BB962C8B-B14F-4D97-AF65-F5344CB8AC3E}">
+        <p14:creationId xmlns:p14="http://schemas.microsoft.com/office/powerpoint/2010/main" val="2253980669"/>
+      </p:ext>
+    </p:extLst>
+  </p:cSld>
+  <p:clrMapOvr>
+    <a:masterClrMapping/>
+  </p:clrMapOvr>
+</p:notes>
+</file>
+
+<file path=ppt/notesSlides/notesSlide8.xml><?xml version="1.0" encoding="utf-8"?>
+<p:notes xmlns:a="http://schemas.openxmlformats.org/drawingml/2006/main" xmlns:r="http://schemas.openxmlformats.org/officeDocument/2006/relationships" xmlns:p="http://schemas.openxmlformats.org/presentationml/2006/main">
+  <p:cSld>
+    <p:spTree>
+      <p:nvGrpSpPr>
+        <p:cNvPr id="1" name=""/>
+        <p:cNvGrpSpPr/>
+        <p:nvPr/>
+      </p:nvGrpSpPr>
+      <p:grpSpPr>
+        <a:xfrm>
+          <a:off x="0" y="0"/>
+          <a:ext cx="0" cy="0"/>
+          <a:chOff x="0" y="0"/>
+          <a:chExt cx="0" cy="0"/>
+        </a:xfrm>
+      </p:grpSpPr>
+      <p:sp>
+        <p:nvSpPr>
+          <p:cNvPr id="2" name="Образ слайда 1"/>
+          <p:cNvSpPr>
+            <a:spLocks noGrp="1" noRot="1" noChangeAspect="1"/>
+          </p:cNvSpPr>
+          <p:nvPr>
+            <p:ph type="sldImg"/>
+          </p:nvPr>
+        </p:nvSpPr>
+        <p:spPr/>
+      </p:sp>
+      <p:sp>
+        <p:nvSpPr>
+          <p:cNvPr id="3" name="Заметки 2"/>
+          <p:cNvSpPr>
+            <a:spLocks noGrp="1"/>
+          </p:cNvSpPr>
+          <p:nvPr>
+            <p:ph type="body" idx="1"/>
+          </p:nvPr>
+        </p:nvSpPr>
+        <p:spPr/>
+        <p:txBody>
+          <a:bodyPr/>
+          <a:lstStyle/>
+          <a:p>
+            <a:pPr>
+              <a:lnSpc>
+                <a:spcPct val="107000"/>
+              </a:lnSpc>
+              <a:spcAft>
+                <a:spcPts val="600"/>
+              </a:spcAft>
+            </a:pPr>
+            <a:r>
+              <a:rPr lang="ru-RU" sz="1800" b="1" kern="100" dirty="0">
+                <a:effectLst/>
+                <a:latin typeface="Times New Roman" panose="02020603050405020304" pitchFamily="18" charset="0"/>
+                <a:ea typeface="Calibri" panose="020F0502020204030204" pitchFamily="34" charset="0"/>
+                <a:cs typeface="Times New Roman" panose="02020603050405020304" pitchFamily="18" charset="0"/>
+              </a:rPr>
+              <a:t>Функционал, вынесенный в Руководство:</a:t>
+            </a:r>
+            <a:endParaRPr lang="ru-RU" sz="1800" kern="100" dirty="0">
+              <a:effectLst/>
+              <a:latin typeface="Calibri" panose="020F0502020204030204" pitchFamily="34" charset="0"/>
+              <a:ea typeface="Calibri" panose="020F0502020204030204" pitchFamily="34" charset="0"/>
+              <a:cs typeface="Times New Roman" panose="02020603050405020304" pitchFamily="18" charset="0"/>
+            </a:endParaRPr>
+          </a:p>
+          <a:p>
+            <a:pPr>
+              <a:lnSpc>
+                <a:spcPct val="107000"/>
+              </a:lnSpc>
+              <a:spcAft>
+                <a:spcPts val="600"/>
+              </a:spcAft>
+            </a:pPr>
+            <a:r>
+              <a:rPr lang="ru-RU" sz="1800" kern="100" dirty="0">
+                <a:effectLst/>
+                <a:latin typeface="Times New Roman" panose="02020603050405020304" pitchFamily="18" charset="0"/>
+                <a:ea typeface="Calibri" panose="020F0502020204030204" pitchFamily="34" charset="0"/>
+                <a:cs typeface="Times New Roman" panose="02020603050405020304" pitchFamily="18" charset="0"/>
+              </a:rPr>
+              <a:t>1) Запуск программы</a:t>
+            </a:r>
+            <a:endParaRPr lang="ru-RU" sz="1800" kern="100" dirty="0">
+              <a:effectLst/>
+              <a:latin typeface="Calibri" panose="020F0502020204030204" pitchFamily="34" charset="0"/>
+              <a:ea typeface="Calibri" panose="020F0502020204030204" pitchFamily="34" charset="0"/>
+              <a:cs typeface="Times New Roman" panose="02020603050405020304" pitchFamily="18" charset="0"/>
+            </a:endParaRPr>
+          </a:p>
+          <a:p>
+            <a:pPr marR="359410" indent="449580">
+              <a:lnSpc>
+                <a:spcPct val="107000"/>
+              </a:lnSpc>
+              <a:spcBef>
+                <a:spcPts val="600"/>
+              </a:spcBef>
+              <a:spcAft>
+                <a:spcPts val="600"/>
+              </a:spcAft>
+            </a:pPr>
+            <a:r>
+              <a:rPr lang="ru-RU" sz="1800" kern="100" dirty="0">
+                <a:solidFill>
+                  <a:srgbClr val="000000"/>
+                </a:solidFill>
+                <a:effectLst/>
+                <a:highlight>
+                  <a:srgbClr val="FFFFFF"/>
+                </a:highlight>
+                <a:latin typeface="Times New Roman" panose="02020603050405020304" pitchFamily="18" charset="0"/>
+                <a:ea typeface="Calibri" panose="020F0502020204030204" pitchFamily="34" charset="0"/>
+                <a:cs typeface="Times New Roman" panose="02020603050405020304" pitchFamily="18" charset="0"/>
+              </a:rPr>
+              <a:t>Открытие страницы входа сайта по ссылке https://</a:t>
+            </a:r>
+            <a:r>
+              <a:rPr lang="en-US" sz="1800" kern="100" dirty="0">
+                <a:solidFill>
+                  <a:srgbClr val="000000"/>
+                </a:solidFill>
+                <a:effectLst/>
+                <a:highlight>
+                  <a:srgbClr val="FFFFFF"/>
+                </a:highlight>
+                <a:latin typeface="Times New Roman" panose="02020603050405020304" pitchFamily="18" charset="0"/>
+                <a:ea typeface="Calibri" panose="020F0502020204030204" pitchFamily="34" charset="0"/>
+                <a:cs typeface="Times New Roman" panose="02020603050405020304" pitchFamily="18" charset="0"/>
+              </a:rPr>
+              <a:t>jewel</a:t>
+            </a:r>
+            <a:r>
+              <a:rPr lang="ru-RU" sz="1800" kern="100" dirty="0">
+                <a:solidFill>
+                  <a:srgbClr val="000000"/>
+                </a:solidFill>
+                <a:effectLst/>
+                <a:highlight>
+                  <a:srgbClr val="FFFFFF"/>
+                </a:highlight>
+                <a:latin typeface="Times New Roman" panose="02020603050405020304" pitchFamily="18" charset="0"/>
+                <a:ea typeface="Calibri" panose="020F0502020204030204" pitchFamily="34" charset="0"/>
+                <a:cs typeface="Times New Roman" panose="02020603050405020304" pitchFamily="18" charset="0"/>
+              </a:rPr>
+              <a:t>/</a:t>
+            </a:r>
+            <a:r>
+              <a:rPr lang="en-US" sz="1800" kern="100" dirty="0">
+                <a:solidFill>
+                  <a:srgbClr val="000000"/>
+                </a:solidFill>
+                <a:effectLst/>
+                <a:highlight>
+                  <a:srgbClr val="FFFFFF"/>
+                </a:highlight>
+                <a:latin typeface="Times New Roman" panose="02020603050405020304" pitchFamily="18" charset="0"/>
+                <a:ea typeface="Calibri" panose="020F0502020204030204" pitchFamily="34" charset="0"/>
+                <a:cs typeface="Times New Roman" panose="02020603050405020304" pitchFamily="18" charset="0"/>
+              </a:rPr>
+              <a:t>main</a:t>
+            </a:r>
+            <a:r>
+              <a:rPr lang="ru-RU" sz="1800" kern="100" dirty="0">
+                <a:solidFill>
+                  <a:srgbClr val="000000"/>
+                </a:solidFill>
+                <a:effectLst/>
+                <a:highlight>
+                  <a:srgbClr val="FFFFFF"/>
+                </a:highlight>
+                <a:latin typeface="Times New Roman" panose="02020603050405020304" pitchFamily="18" charset="0"/>
+                <a:ea typeface="Calibri" panose="020F0502020204030204" pitchFamily="34" charset="0"/>
+                <a:cs typeface="Times New Roman" panose="02020603050405020304" pitchFamily="18" charset="0"/>
+              </a:rPr>
+              <a:t> .</a:t>
+            </a:r>
+            <a:endParaRPr lang="ru-RU" sz="1800" kern="100" dirty="0">
+              <a:effectLst/>
+              <a:latin typeface="Calibri" panose="020F0502020204030204" pitchFamily="34" charset="0"/>
+              <a:ea typeface="Calibri" panose="020F0502020204030204" pitchFamily="34" charset="0"/>
+              <a:cs typeface="Times New Roman" panose="02020603050405020304" pitchFamily="18" charset="0"/>
+            </a:endParaRPr>
+          </a:p>
+          <a:p>
+            <a:pPr marR="359410">
+              <a:lnSpc>
+                <a:spcPct val="107000"/>
+              </a:lnSpc>
+              <a:spcBef>
+                <a:spcPts val="600"/>
+              </a:spcBef>
+              <a:spcAft>
+                <a:spcPts val="600"/>
+              </a:spcAft>
+            </a:pPr>
+            <a:r>
+              <a:rPr lang="ru-RU" sz="1800" kern="100" dirty="0">
+                <a:solidFill>
+                  <a:srgbClr val="000000"/>
+                </a:solidFill>
+                <a:effectLst/>
+                <a:highlight>
+                  <a:srgbClr val="FFFFFF"/>
+                </a:highlight>
+                <a:latin typeface="Times New Roman" panose="02020603050405020304" pitchFamily="18" charset="0"/>
+                <a:ea typeface="Calibri" panose="020F0502020204030204" pitchFamily="34" charset="0"/>
+                <a:cs typeface="Times New Roman" panose="02020603050405020304" pitchFamily="18" charset="0"/>
+              </a:rPr>
+              <a:t>2) Выполнение программы</a:t>
+            </a:r>
+            <a:endParaRPr lang="ru-RU" sz="1800" kern="100" dirty="0">
+              <a:effectLst/>
+              <a:latin typeface="Calibri" panose="020F0502020204030204" pitchFamily="34" charset="0"/>
+              <a:ea typeface="Calibri" panose="020F0502020204030204" pitchFamily="34" charset="0"/>
+              <a:cs typeface="Times New Roman" panose="02020603050405020304" pitchFamily="18" charset="0"/>
+            </a:endParaRPr>
+          </a:p>
+          <a:p>
+            <a:pPr marR="359410">
+              <a:lnSpc>
+                <a:spcPct val="107000"/>
+              </a:lnSpc>
+              <a:spcBef>
+                <a:spcPts val="600"/>
+              </a:spcBef>
+              <a:spcAft>
+                <a:spcPts val="600"/>
+              </a:spcAft>
+            </a:pPr>
+            <a:r>
+              <a:rPr lang="ru-RU" sz="1800" kern="100" dirty="0">
+                <a:solidFill>
+                  <a:srgbClr val="000000"/>
+                </a:solidFill>
+                <a:effectLst/>
+                <a:highlight>
+                  <a:srgbClr val="FFFFFF"/>
+                </a:highlight>
+                <a:latin typeface="Times New Roman" panose="02020603050405020304" pitchFamily="18" charset="0"/>
+                <a:ea typeface="Calibri" panose="020F0502020204030204" pitchFamily="34" charset="0"/>
+                <a:cs typeface="Times New Roman" panose="02020603050405020304" pitchFamily="18" charset="0"/>
+              </a:rPr>
+              <a:t>2.1) Функция «Примерка </a:t>
+            </a:r>
+            <a:r>
+              <a:rPr lang="en-US" sz="1800" kern="100" dirty="0">
+                <a:effectLst/>
+                <a:latin typeface="Times New Roman" panose="02020603050405020304" pitchFamily="18" charset="0"/>
+                <a:ea typeface="Calibri" panose="020F0502020204030204" pitchFamily="34" charset="0"/>
+                <a:cs typeface="Times New Roman" panose="02020603050405020304" pitchFamily="18" charset="0"/>
+              </a:rPr>
+              <a:t>VR</a:t>
+            </a:r>
+            <a:r>
+              <a:rPr lang="ru-RU" sz="1800" kern="100" dirty="0">
+                <a:solidFill>
+                  <a:srgbClr val="000000"/>
+                </a:solidFill>
+                <a:effectLst/>
+                <a:highlight>
+                  <a:srgbClr val="FFFFFF"/>
+                </a:highlight>
+                <a:latin typeface="Times New Roman" panose="02020603050405020304" pitchFamily="18" charset="0"/>
+                <a:ea typeface="Calibri" panose="020F0502020204030204" pitchFamily="34" charset="0"/>
+                <a:cs typeface="Times New Roman" panose="02020603050405020304" pitchFamily="18" charset="0"/>
+              </a:rPr>
+              <a:t>»</a:t>
+            </a:r>
+            <a:endParaRPr lang="ru-RU" sz="1800" kern="100" dirty="0">
+              <a:effectLst/>
+              <a:latin typeface="Calibri" panose="020F0502020204030204" pitchFamily="34" charset="0"/>
+              <a:ea typeface="Calibri" panose="020F0502020204030204" pitchFamily="34" charset="0"/>
+              <a:cs typeface="Times New Roman" panose="02020603050405020304" pitchFamily="18" charset="0"/>
+            </a:endParaRPr>
+          </a:p>
+          <a:p>
+            <a:pPr marR="269240" indent="449580">
+              <a:lnSpc>
+                <a:spcPct val="107000"/>
+              </a:lnSpc>
+              <a:spcAft>
+                <a:spcPts val="600"/>
+              </a:spcAft>
+            </a:pPr>
+            <a:r>
+              <a:rPr lang="ru-RU" sz="1800" kern="100" dirty="0">
+                <a:effectLst/>
+                <a:latin typeface="Times New Roman" panose="02020603050405020304" pitchFamily="18" charset="0"/>
+                <a:ea typeface="Calibri" panose="020F0502020204030204" pitchFamily="34" charset="0"/>
+                <a:cs typeface="Times New Roman" panose="02020603050405020304" pitchFamily="18" charset="0"/>
+              </a:rPr>
+              <a:t>Нажать на кнопку с подписью «примерка с помощью </a:t>
+            </a:r>
+            <a:r>
+              <a:rPr lang="en-US" sz="1800" kern="100" dirty="0">
+                <a:effectLst/>
+                <a:latin typeface="Times New Roman" panose="02020603050405020304" pitchFamily="18" charset="0"/>
+                <a:ea typeface="Calibri" panose="020F0502020204030204" pitchFamily="34" charset="0"/>
+                <a:cs typeface="Times New Roman" panose="02020603050405020304" pitchFamily="18" charset="0"/>
+              </a:rPr>
+              <a:t>VR</a:t>
+            </a:r>
+            <a:r>
+              <a:rPr lang="ru-RU" sz="1800" kern="100" dirty="0">
+                <a:effectLst/>
+                <a:latin typeface="Times New Roman" panose="02020603050405020304" pitchFamily="18" charset="0"/>
+                <a:ea typeface="Calibri" panose="020F0502020204030204" pitchFamily="34" charset="0"/>
+                <a:cs typeface="Times New Roman" panose="02020603050405020304" pitchFamily="18" charset="0"/>
+              </a:rPr>
+              <a:t>-технологий». Осуществляется </a:t>
+            </a:r>
+            <a:r>
+              <a:rPr lang="ru-RU" sz="1800" kern="100" dirty="0">
+                <a:solidFill>
+                  <a:srgbClr val="000000"/>
+                </a:solidFill>
+                <a:effectLst/>
+                <a:highlight>
+                  <a:srgbClr val="FFFFFF"/>
+                </a:highlight>
+                <a:latin typeface="Times New Roman" panose="02020603050405020304" pitchFamily="18" charset="0"/>
+                <a:ea typeface="Calibri" panose="020F0502020204030204" pitchFamily="34" charset="0"/>
+                <a:cs typeface="Times New Roman" panose="02020603050405020304" pitchFamily="18" charset="0"/>
+              </a:rPr>
+              <a:t>переход на страницу примерки. Справа выводится меню с одеждой из раздела «Избранное». Для примерки нужно нажать на иконку товара. Одежда появится на модели аватара.</a:t>
+            </a:r>
+            <a:endParaRPr lang="ru-RU" sz="1800" kern="100" dirty="0">
+              <a:effectLst/>
+              <a:latin typeface="Calibri" panose="020F0502020204030204" pitchFamily="34" charset="0"/>
+              <a:ea typeface="Calibri" panose="020F0502020204030204" pitchFamily="34" charset="0"/>
+              <a:cs typeface="Times New Roman" panose="02020603050405020304" pitchFamily="18" charset="0"/>
+            </a:endParaRPr>
+          </a:p>
+          <a:p>
+            <a:pPr marR="269240">
+              <a:lnSpc>
+                <a:spcPct val="107000"/>
+              </a:lnSpc>
+              <a:spcAft>
+                <a:spcPts val="600"/>
+              </a:spcAft>
+            </a:pPr>
+            <a:r>
+              <a:rPr lang="ru-RU" sz="1800" kern="100" dirty="0">
+                <a:effectLst/>
+                <a:latin typeface="Times New Roman" panose="02020603050405020304" pitchFamily="18" charset="0"/>
+                <a:ea typeface="Calibri" panose="020F0502020204030204" pitchFamily="34" charset="0"/>
+                <a:cs typeface="Times New Roman" panose="02020603050405020304" pitchFamily="18" charset="0"/>
+              </a:rPr>
+              <a:t>2.2) Функция «Поиск»</a:t>
+            </a:r>
+            <a:endParaRPr lang="ru-RU" sz="1800" kern="100" dirty="0">
+              <a:effectLst/>
+              <a:latin typeface="Calibri" panose="020F0502020204030204" pitchFamily="34" charset="0"/>
+              <a:ea typeface="Calibri" panose="020F0502020204030204" pitchFamily="34" charset="0"/>
+              <a:cs typeface="Times New Roman" panose="02020603050405020304" pitchFamily="18" charset="0"/>
+            </a:endParaRPr>
+          </a:p>
+          <a:p>
+            <a:pPr marR="359410" indent="449580">
+              <a:lnSpc>
+                <a:spcPct val="107000"/>
+              </a:lnSpc>
+              <a:spcAft>
+                <a:spcPts val="600"/>
+              </a:spcAft>
+            </a:pPr>
+            <a:r>
+              <a:rPr lang="ru-RU" sz="1800" kern="100" dirty="0">
+                <a:effectLst/>
+                <a:latin typeface="Times New Roman" panose="02020603050405020304" pitchFamily="18" charset="0"/>
+                <a:ea typeface="Calibri" panose="020F0502020204030204" pitchFamily="34" charset="0"/>
+                <a:cs typeface="Times New Roman" panose="02020603050405020304" pitchFamily="18" charset="0"/>
+              </a:rPr>
+              <a:t>Написать в поле поиска описание интересующего товара. Осуществляется переход </a:t>
+            </a:r>
+            <a:r>
+              <a:rPr lang="ru-RU" sz="1800" kern="100" dirty="0">
+                <a:solidFill>
+                  <a:srgbClr val="000000"/>
+                </a:solidFill>
+                <a:effectLst/>
+                <a:highlight>
+                  <a:srgbClr val="FFFFFF"/>
+                </a:highlight>
+                <a:latin typeface="Times New Roman" panose="02020603050405020304" pitchFamily="18" charset="0"/>
+                <a:ea typeface="Calibri" panose="020F0502020204030204" pitchFamily="34" charset="0"/>
+                <a:cs typeface="Times New Roman" panose="02020603050405020304" pitchFamily="18" charset="0"/>
+              </a:rPr>
+              <a:t>на страницу с результатами поиска.</a:t>
+            </a:r>
+            <a:endParaRPr lang="ru-RU" sz="1800" kern="100" dirty="0">
+              <a:effectLst/>
+              <a:latin typeface="Calibri" panose="020F0502020204030204" pitchFamily="34" charset="0"/>
+              <a:ea typeface="Calibri" panose="020F0502020204030204" pitchFamily="34" charset="0"/>
+              <a:cs typeface="Times New Roman" panose="02020603050405020304" pitchFamily="18" charset="0"/>
+            </a:endParaRPr>
+          </a:p>
+          <a:p>
+            <a:pPr marR="359410">
+              <a:lnSpc>
+                <a:spcPct val="107000"/>
+              </a:lnSpc>
+              <a:spcAft>
+                <a:spcPts val="600"/>
+              </a:spcAft>
+            </a:pPr>
+            <a:r>
+              <a:rPr lang="ru-RU" sz="1800" kern="100" dirty="0">
+                <a:effectLst/>
+                <a:latin typeface="Times New Roman" panose="02020603050405020304" pitchFamily="18" charset="0"/>
+                <a:ea typeface="Calibri" panose="020F0502020204030204" pitchFamily="34" charset="0"/>
+                <a:cs typeface="Times New Roman" panose="02020603050405020304" pitchFamily="18" charset="0"/>
+              </a:rPr>
+              <a:t>2.3) Функция «Чат с поддержкой»</a:t>
+            </a:r>
+            <a:endParaRPr lang="ru-RU" sz="1800" kern="100" dirty="0">
+              <a:effectLst/>
+              <a:latin typeface="Calibri" panose="020F0502020204030204" pitchFamily="34" charset="0"/>
+              <a:ea typeface="Calibri" panose="020F0502020204030204" pitchFamily="34" charset="0"/>
+              <a:cs typeface="Times New Roman" panose="02020603050405020304" pitchFamily="18" charset="0"/>
+            </a:endParaRPr>
+          </a:p>
+          <a:p>
+            <a:pPr marR="359410" indent="449580">
+              <a:lnSpc>
+                <a:spcPct val="107000"/>
+              </a:lnSpc>
+              <a:spcAft>
+                <a:spcPts val="600"/>
+              </a:spcAft>
+            </a:pPr>
+            <a:r>
+              <a:rPr lang="ru-RU" sz="1800" kern="100" dirty="0">
+                <a:effectLst/>
+                <a:latin typeface="Times New Roman" panose="02020603050405020304" pitchFamily="18" charset="0"/>
+                <a:ea typeface="Calibri" panose="020F0502020204030204" pitchFamily="34" charset="0"/>
+                <a:cs typeface="Times New Roman" panose="02020603050405020304" pitchFamily="18" charset="0"/>
+              </a:rPr>
+              <a:t>Нажать на иконку тех. поддержки в правом нижнем углу, откроется всплывающее окошко с началом чата. В поле ввода нужно написать интересующий вопрос и дождаться ответа.</a:t>
+            </a:r>
+            <a:endParaRPr lang="ru-RU" sz="1800" kern="100" dirty="0">
+              <a:effectLst/>
+              <a:latin typeface="Calibri" panose="020F0502020204030204" pitchFamily="34" charset="0"/>
+              <a:ea typeface="Calibri" panose="020F0502020204030204" pitchFamily="34" charset="0"/>
+              <a:cs typeface="Times New Roman" panose="02020603050405020304" pitchFamily="18" charset="0"/>
+            </a:endParaRPr>
+          </a:p>
+          <a:p>
+            <a:pPr marR="359410">
+              <a:lnSpc>
+                <a:spcPct val="107000"/>
+              </a:lnSpc>
+              <a:spcAft>
+                <a:spcPts val="600"/>
+              </a:spcAft>
+            </a:pPr>
+            <a:r>
+              <a:rPr lang="ru-RU" sz="1800" kern="100" dirty="0">
+                <a:effectLst/>
+                <a:latin typeface="Times New Roman" panose="02020603050405020304" pitchFamily="18" charset="0"/>
+                <a:ea typeface="Calibri" panose="020F0502020204030204" pitchFamily="34" charset="0"/>
+                <a:cs typeface="Times New Roman" panose="02020603050405020304" pitchFamily="18" charset="0"/>
+              </a:rPr>
+              <a:t>3) Завершение программы</a:t>
+            </a:r>
+            <a:endParaRPr lang="ru-RU" sz="1800" kern="100" dirty="0">
+              <a:effectLst/>
+              <a:latin typeface="Calibri" panose="020F0502020204030204" pitchFamily="34" charset="0"/>
+              <a:ea typeface="Calibri" panose="020F0502020204030204" pitchFamily="34" charset="0"/>
+              <a:cs typeface="Times New Roman" panose="02020603050405020304" pitchFamily="18" charset="0"/>
+            </a:endParaRPr>
+          </a:p>
+          <a:p>
+            <a:pPr marR="359410" indent="449580">
+              <a:lnSpc>
+                <a:spcPct val="150000"/>
+              </a:lnSpc>
+              <a:spcBef>
+                <a:spcPts val="600"/>
+              </a:spcBef>
+              <a:spcAft>
+                <a:spcPts val="800"/>
+              </a:spcAft>
+            </a:pPr>
+            <a:r>
+              <a:rPr lang="ru-RU" sz="1800" kern="100" dirty="0">
+                <a:effectLst/>
+                <a:latin typeface="Times New Roman" panose="02020603050405020304" pitchFamily="18" charset="0"/>
+                <a:ea typeface="Calibri" panose="020F0502020204030204" pitchFamily="34" charset="0"/>
+                <a:cs typeface="Times New Roman" panose="02020603050405020304" pitchFamily="18" charset="0"/>
+              </a:rPr>
+              <a:t>Для закрытия сайта нужно закрыть вкладку.</a:t>
+            </a:r>
+            <a:endParaRPr lang="ru-RU" sz="1800" kern="100" dirty="0">
+              <a:effectLst/>
+              <a:latin typeface="Calibri" panose="020F0502020204030204" pitchFamily="34" charset="0"/>
+              <a:ea typeface="Calibri" panose="020F0502020204030204" pitchFamily="34" charset="0"/>
+              <a:cs typeface="Times New Roman" panose="02020603050405020304" pitchFamily="18" charset="0"/>
+            </a:endParaRPr>
+          </a:p>
+          <a:p>
+            <a:endParaRPr lang="ru-RU" dirty="0"/>
+          </a:p>
+        </p:txBody>
+      </p:sp>
+      <p:sp>
+        <p:nvSpPr>
+          <p:cNvPr id="4" name="Номер слайда 3"/>
+          <p:cNvSpPr>
+            <a:spLocks noGrp="1"/>
+          </p:cNvSpPr>
+          <p:nvPr>
+            <p:ph type="sldNum" sz="quarter" idx="5"/>
+          </p:nvPr>
+        </p:nvSpPr>
+        <p:spPr/>
+        <p:txBody>
+          <a:bodyPr/>
+          <a:lstStyle/>
+          <a:p>
+            <a:fld id="{009ACCF4-FBC9-4DC4-B371-68612CB4AFC5}" type="slidenum">
+              <a:rPr lang="ru-RU" smtClean="0"/>
+              <a:t>8</a:t>
+            </a:fld>
+            <a:endParaRPr lang="ru-RU"/>
+          </a:p>
+        </p:txBody>
+      </p:sp>
+    </p:spTree>
+    <p:extLst>
+      <p:ext uri="{BB962C8B-B14F-4D97-AF65-F5344CB8AC3E}">
+        <p14:creationId xmlns:p14="http://schemas.microsoft.com/office/powerpoint/2010/main" val="4278231699"/>
+      </p:ext>
+    </p:extLst>
+  </p:cSld>
+  <p:clrMapOvr>
+    <a:masterClrMapping/>
+  </p:clrMapOvr>
+</p:notes>
+</file>
+
+<file path=ppt/notesSlides/notesSlide9.xml><?xml version="1.0" encoding="utf-8"?>
+<p:notes xmlns:a="http://schemas.openxmlformats.org/drawingml/2006/main" xmlns:r="http://schemas.openxmlformats.org/officeDocument/2006/relationships" xmlns:p="http://schemas.openxmlformats.org/presentationml/2006/main">
+  <p:cSld>
+    <p:spTree>
+      <p:nvGrpSpPr>
+        <p:cNvPr id="1" name=""/>
+        <p:cNvGrpSpPr/>
+        <p:nvPr/>
+      </p:nvGrpSpPr>
+      <p:grpSpPr>
+        <a:xfrm>
+          <a:off x="0" y="0"/>
+          <a:ext cx="0" cy="0"/>
+          <a:chOff x="0" y="0"/>
+          <a:chExt cx="0" cy="0"/>
+        </a:xfrm>
+      </p:grpSpPr>
+      <p:sp>
+        <p:nvSpPr>
+          <p:cNvPr id="2" name="Образ слайда 1"/>
+          <p:cNvSpPr>
+            <a:spLocks noGrp="1" noRot="1" noChangeAspect="1"/>
+          </p:cNvSpPr>
+          <p:nvPr>
+            <p:ph type="sldImg"/>
+          </p:nvPr>
+        </p:nvSpPr>
+        <p:spPr/>
+      </p:sp>
+      <p:sp>
+        <p:nvSpPr>
+          <p:cNvPr id="3" name="Заметки 2"/>
+          <p:cNvSpPr>
+            <a:spLocks noGrp="1"/>
+          </p:cNvSpPr>
+          <p:nvPr>
+            <p:ph type="body" idx="1"/>
+          </p:nvPr>
+        </p:nvSpPr>
+        <p:spPr/>
+        <p:txBody>
+          <a:bodyPr/>
+          <a:lstStyle/>
+          <a:p>
+            <a:pPr marR="359410">
+              <a:lnSpc>
+                <a:spcPct val="150000"/>
+              </a:lnSpc>
+              <a:spcBef>
+                <a:spcPts val="600"/>
+              </a:spcBef>
+              <a:spcAft>
+                <a:spcPts val="800"/>
+              </a:spcAft>
+            </a:pPr>
+            <a:r>
+              <a:rPr lang="ru-RU" sz="1800" b="1" kern="100" dirty="0">
+                <a:solidFill>
+                  <a:srgbClr val="000000"/>
+                </a:solidFill>
+                <a:effectLst/>
+                <a:highlight>
+                  <a:srgbClr val="FFFFFF"/>
+                </a:highlight>
+                <a:latin typeface="Times New Roman" panose="02020603050405020304" pitchFamily="18" charset="0"/>
+                <a:ea typeface="Calibri" panose="020F0502020204030204" pitchFamily="34" charset="0"/>
+                <a:cs typeface="Times New Roman" panose="02020603050405020304" pitchFamily="18" charset="0"/>
+              </a:rPr>
+              <a:t>Прописанные ошибки:</a:t>
+            </a:r>
+            <a:r>
+              <a:rPr lang="ru-RU" sz="1800" kern="100" dirty="0">
+                <a:solidFill>
+                  <a:srgbClr val="000000"/>
+                </a:solidFill>
+                <a:effectLst/>
+                <a:highlight>
+                  <a:srgbClr val="FFFFFF"/>
+                </a:highlight>
+                <a:latin typeface="Times New Roman" panose="02020603050405020304" pitchFamily="18" charset="0"/>
+                <a:ea typeface="Calibri" panose="020F0502020204030204" pitchFamily="34" charset="0"/>
+                <a:cs typeface="Times New Roman" panose="02020603050405020304" pitchFamily="18" charset="0"/>
+              </a:rPr>
+              <a:t> </a:t>
+            </a:r>
+            <a:endParaRPr lang="ru-RU" sz="1800" kern="100" dirty="0">
+              <a:effectLst/>
+              <a:latin typeface="Calibri" panose="020F0502020204030204" pitchFamily="34" charset="0"/>
+              <a:ea typeface="Calibri" panose="020F0502020204030204" pitchFamily="34" charset="0"/>
+              <a:cs typeface="Times New Roman" panose="02020603050405020304" pitchFamily="18" charset="0"/>
+            </a:endParaRPr>
+          </a:p>
+          <a:p>
+            <a:pPr marR="359410" indent="449580">
+              <a:lnSpc>
+                <a:spcPct val="150000"/>
+              </a:lnSpc>
+              <a:spcBef>
+                <a:spcPts val="600"/>
+              </a:spcBef>
+              <a:spcAft>
+                <a:spcPts val="800"/>
+              </a:spcAft>
+            </a:pPr>
+            <a:r>
+              <a:rPr lang="ru-RU" sz="1800" kern="100" dirty="0">
+                <a:solidFill>
+                  <a:srgbClr val="000000"/>
+                </a:solidFill>
+                <a:effectLst/>
+                <a:highlight>
+                  <a:srgbClr val="FFFFFF"/>
+                </a:highlight>
+                <a:latin typeface="Times New Roman" panose="02020603050405020304" pitchFamily="18" charset="0"/>
+                <a:ea typeface="Calibri" panose="020F0502020204030204" pitchFamily="34" charset="0"/>
+                <a:cs typeface="Times New Roman" panose="02020603050405020304" pitchFamily="18" charset="0"/>
+              </a:rPr>
+              <a:t>Сообщения оператору </a:t>
+            </a:r>
+            <a:endParaRPr lang="ru-RU" sz="1800" kern="100" dirty="0">
+              <a:effectLst/>
+              <a:latin typeface="Calibri" panose="020F0502020204030204" pitchFamily="34" charset="0"/>
+              <a:ea typeface="Calibri" panose="020F0502020204030204" pitchFamily="34" charset="0"/>
+              <a:cs typeface="Times New Roman" panose="02020603050405020304" pitchFamily="18" charset="0"/>
+            </a:endParaRPr>
+          </a:p>
+          <a:p>
+            <a:pPr>
+              <a:lnSpc>
+                <a:spcPct val="107000"/>
+              </a:lnSpc>
+              <a:spcAft>
+                <a:spcPts val="600"/>
+              </a:spcAft>
+            </a:pPr>
+            <a:r>
+              <a:rPr lang="ru-RU" sz="1800" kern="100" dirty="0">
+                <a:solidFill>
+                  <a:srgbClr val="000000"/>
+                </a:solidFill>
+                <a:effectLst/>
+                <a:highlight>
+                  <a:srgbClr val="FFFFFF"/>
+                </a:highlight>
+                <a:latin typeface="Times New Roman" panose="02020603050405020304" pitchFamily="18" charset="0"/>
+                <a:ea typeface="Calibri" panose="020F0502020204030204" pitchFamily="34" charset="0"/>
+                <a:cs typeface="Times New Roman" panose="02020603050405020304" pitchFamily="18" charset="0"/>
+              </a:rPr>
+              <a:t>При попытке выхода из аккаунта выводится всплывающее окно с сообщением об ошибке</a:t>
+            </a:r>
+            <a:br>
+              <a:rPr lang="ru-RU" sz="1800" kern="100" dirty="0">
+                <a:solidFill>
+                  <a:srgbClr val="000000"/>
+                </a:solidFill>
+                <a:effectLst/>
+                <a:highlight>
+                  <a:srgbClr val="FFFFFF"/>
+                </a:highlight>
+                <a:latin typeface="Times New Roman" panose="02020603050405020304" pitchFamily="18" charset="0"/>
+                <a:ea typeface="Calibri" panose="020F0502020204030204" pitchFamily="34" charset="0"/>
+                <a:cs typeface="Times New Roman" panose="02020603050405020304" pitchFamily="18" charset="0"/>
+              </a:rPr>
+            </a:br>
+            <a:br>
+              <a:rPr lang="ru-RU" sz="1800" kern="100" dirty="0">
+                <a:solidFill>
+                  <a:srgbClr val="000000"/>
+                </a:solidFill>
+                <a:effectLst/>
+                <a:highlight>
+                  <a:srgbClr val="FFFFFF"/>
+                </a:highlight>
+                <a:latin typeface="Times New Roman" panose="02020603050405020304" pitchFamily="18" charset="0"/>
+                <a:ea typeface="Calibri" panose="020F0502020204030204" pitchFamily="34" charset="0"/>
+                <a:cs typeface="Times New Roman" panose="02020603050405020304" pitchFamily="18" charset="0"/>
+              </a:rPr>
+            </a:br>
+            <a:r>
+              <a:rPr lang="ru-RU" sz="1800" kern="100" dirty="0">
+                <a:effectLst/>
+                <a:latin typeface="Times New Roman" panose="02020603050405020304" pitchFamily="18" charset="0"/>
+                <a:ea typeface="Calibri" panose="020F0502020204030204" pitchFamily="34" charset="0"/>
+                <a:cs typeface="Times New Roman" panose="02020603050405020304" pitchFamily="18" charset="0"/>
+              </a:rPr>
+              <a:t>Соответствующие действия оператора</a:t>
+            </a:r>
+            <a:endParaRPr lang="ru-RU" sz="1800" kern="100" dirty="0">
+              <a:effectLst/>
+              <a:latin typeface="Calibri" panose="020F0502020204030204" pitchFamily="34" charset="0"/>
+              <a:ea typeface="Calibri" panose="020F0502020204030204" pitchFamily="34" charset="0"/>
+              <a:cs typeface="Times New Roman" panose="02020603050405020304" pitchFamily="18" charset="0"/>
+            </a:endParaRPr>
+          </a:p>
+          <a:p>
+            <a:pPr indent="449580">
+              <a:lnSpc>
+                <a:spcPct val="107000"/>
+              </a:lnSpc>
+              <a:spcAft>
+                <a:spcPts val="600"/>
+              </a:spcAft>
+            </a:pPr>
+            <a:r>
+              <a:rPr lang="ru-RU" sz="1800" kern="100" dirty="0">
+                <a:effectLst/>
+                <a:latin typeface="Times New Roman" panose="02020603050405020304" pitchFamily="18" charset="0"/>
+                <a:ea typeface="Calibri" panose="020F0502020204030204" pitchFamily="34" charset="0"/>
+                <a:cs typeface="Times New Roman" panose="02020603050405020304" pitchFamily="18" charset="0"/>
+              </a:rPr>
+              <a:t>Для выхода из аккаунта следует нажать кнопку «да». Если же это действие было совершено случайно, следует нажать кнопку «нет!».</a:t>
+            </a:r>
+            <a:endParaRPr lang="ru-RU" sz="1800" kern="100" dirty="0">
+              <a:effectLst/>
+              <a:latin typeface="Calibri" panose="020F0502020204030204" pitchFamily="34" charset="0"/>
+              <a:ea typeface="Calibri" panose="020F0502020204030204" pitchFamily="34" charset="0"/>
+              <a:cs typeface="Times New Roman" panose="02020603050405020304" pitchFamily="18" charset="0"/>
+            </a:endParaRPr>
+          </a:p>
+          <a:p>
+            <a:pPr indent="449580">
+              <a:lnSpc>
+                <a:spcPct val="107000"/>
+              </a:lnSpc>
+              <a:spcAft>
+                <a:spcPts val="600"/>
+              </a:spcAft>
+            </a:pPr>
+            <a:endParaRPr lang="ru-RU" sz="1800" kern="100" dirty="0">
+              <a:effectLst/>
+              <a:latin typeface="Calibri" panose="020F0502020204030204" pitchFamily="34" charset="0"/>
+              <a:ea typeface="Calibri" panose="020F0502020204030204" pitchFamily="34" charset="0"/>
+              <a:cs typeface="Times New Roman" panose="02020603050405020304" pitchFamily="18" charset="0"/>
+            </a:endParaRPr>
+          </a:p>
+          <a:p>
+            <a:endParaRPr lang="ru-RU" dirty="0"/>
+          </a:p>
+        </p:txBody>
+      </p:sp>
+      <p:sp>
+        <p:nvSpPr>
+          <p:cNvPr id="4" name="Номер слайда 3"/>
+          <p:cNvSpPr>
+            <a:spLocks noGrp="1"/>
+          </p:cNvSpPr>
+          <p:nvPr>
+            <p:ph type="sldNum" sz="quarter" idx="5"/>
+          </p:nvPr>
+        </p:nvSpPr>
+        <p:spPr/>
+        <p:txBody>
+          <a:bodyPr/>
+          <a:lstStyle/>
+          <a:p>
+            <a:fld id="{009ACCF4-FBC9-4DC4-B371-68612CB4AFC5}" type="slidenum">
+              <a:rPr lang="ru-RU" smtClean="0"/>
+              <a:t>9</a:t>
+            </a:fld>
+            <a:endParaRPr lang="ru-RU"/>
+          </a:p>
+        </p:txBody>
+      </p:sp>
+    </p:spTree>
+    <p:extLst>
+      <p:ext uri="{BB962C8B-B14F-4D97-AF65-F5344CB8AC3E}">
+        <p14:creationId xmlns:p14="http://schemas.microsoft.com/office/powerpoint/2010/main" val="959694486"/>
+      </p:ext>
+    </p:extLst>
+  </p:cSld>
+  <p:clrMapOvr>
+    <a:masterClrMapping/>
+  </p:clrMapOvr>
+</p:notes>
+</file>
+
 <file path=ppt/slideLayouts/slideLayout1.xml><?xml version="1.0" encoding="utf-8"?>
 <p:sldLayout xmlns:a="http://schemas.openxmlformats.org/drawingml/2006/main" xmlns:r="http://schemas.openxmlformats.org/officeDocument/2006/relationships" xmlns:p="http://schemas.openxmlformats.org/presentationml/2006/main" type="title" preserve="1">
   <p:cSld name="Титульный слайд">
@@ -142,7 +5309,7 @@
           <p:cNvPr id="2" name="Заголовок 1">
             <a:extLst>
               <a:ext uri="{FF2B5EF4-FFF2-40B4-BE49-F238E27FC236}">
-                <a16:creationId xmlns:a16="http://schemas.microsoft.com/office/drawing/2014/main" id="{3B0EEE4F-95D1-FD91-D766-E5C775FA744E}"/>
+                <a16:creationId xmlns:a16="http://schemas.microsoft.com/office/drawing/2014/main" id="{CA130E40-46BB-7668-9E43-F6BB9518F8B6}"/>
               </a:ext>
             </a:extLst>
           </p:cNvPr>
@@ -179,7 +5346,7 @@
           <p:cNvPr id="3" name="Подзаголовок 2">
             <a:extLst>
               <a:ext uri="{FF2B5EF4-FFF2-40B4-BE49-F238E27FC236}">
-                <a16:creationId xmlns:a16="http://schemas.microsoft.com/office/drawing/2014/main" id="{D1F31140-F0C1-52BC-D7D5-FC2FFB01BC31}"/>
+                <a16:creationId xmlns:a16="http://schemas.microsoft.com/office/drawing/2014/main" id="{9E7F3A6D-D249-9316-0D39-F9F95F871526}"/>
               </a:ext>
             </a:extLst>
           </p:cNvPr>
@@ -249,7 +5416,7 @@
           <p:cNvPr id="4" name="Дата 3">
             <a:extLst>
               <a:ext uri="{FF2B5EF4-FFF2-40B4-BE49-F238E27FC236}">
-                <a16:creationId xmlns:a16="http://schemas.microsoft.com/office/drawing/2014/main" id="{01F1D015-90AA-2F11-3F43-86887BC07C1C}"/>
+                <a16:creationId xmlns:a16="http://schemas.microsoft.com/office/drawing/2014/main" id="{866CEB5F-A554-70E1-10DE-162D0E37941D}"/>
               </a:ext>
             </a:extLst>
           </p:cNvPr>
@@ -265,9 +5432,9 @@
           <a:bodyPr/>
           <a:lstStyle/>
           <a:p>
-            <a:fld id="{A90BEB6E-A6D6-4633-8A8C-8C705DC93885}" type="datetimeFigureOut">
+            <a:fld id="{A2372F61-144E-41E8-907D-388CCAC1AB55}" type="datetimeFigureOut">
               <a:rPr lang="ru-RU" smtClean="0"/>
-              <a:t>17.06.2024</a:t>
+              <a:t>19.06.2024</a:t>
             </a:fld>
             <a:endParaRPr lang="ru-RU"/>
           </a:p>
@@ -278,7 +5445,7 @@
           <p:cNvPr id="5" name="Нижний колонтитул 4">
             <a:extLst>
               <a:ext uri="{FF2B5EF4-FFF2-40B4-BE49-F238E27FC236}">
-                <a16:creationId xmlns:a16="http://schemas.microsoft.com/office/drawing/2014/main" id="{F3022FCE-05FC-211E-AEF9-3EDB51C43F82}"/>
+                <a16:creationId xmlns:a16="http://schemas.microsoft.com/office/drawing/2014/main" id="{B31457D0-AF3A-BBEB-B0C8-02E1B9B7C54D}"/>
               </a:ext>
             </a:extLst>
           </p:cNvPr>
@@ -303,7 +5470,7 @@
           <p:cNvPr id="6" name="Номер слайда 5">
             <a:extLst>
               <a:ext uri="{FF2B5EF4-FFF2-40B4-BE49-F238E27FC236}">
-                <a16:creationId xmlns:a16="http://schemas.microsoft.com/office/drawing/2014/main" id="{F97B6109-7997-CB89-DEAB-141887CBAC85}"/>
+                <a16:creationId xmlns:a16="http://schemas.microsoft.com/office/drawing/2014/main" id="{80F32F89-4F0C-87D4-1DE6-18719D28C289}"/>
               </a:ext>
             </a:extLst>
           </p:cNvPr>
@@ -319,7 +5486,7 @@
           <a:bodyPr/>
           <a:lstStyle/>
           <a:p>
-            <a:fld id="{A9DAD99F-2AFC-44F1-877A-8C1D70318ADC}" type="slidenum">
+            <a:fld id="{B2B157DA-1C1D-4985-82F5-3546DB21873D}" type="slidenum">
               <a:rPr lang="ru-RU" smtClean="0"/>
               <a:t>‹#›</a:t>
             </a:fld>
@@ -330,7 +5497,7 @@
     </p:spTree>
     <p:extLst>
       <p:ext uri="{BB962C8B-B14F-4D97-AF65-F5344CB8AC3E}">
-        <p14:creationId xmlns:p14="http://schemas.microsoft.com/office/powerpoint/2010/main" val="1003334056"/>
+        <p14:creationId xmlns:p14="http://schemas.microsoft.com/office/powerpoint/2010/main" val="3985008361"/>
       </p:ext>
     </p:extLst>
   </p:cSld>
@@ -362,7 +5529,7 @@
           <p:cNvPr id="2" name="Заголовок 1">
             <a:extLst>
               <a:ext uri="{FF2B5EF4-FFF2-40B4-BE49-F238E27FC236}">
-                <a16:creationId xmlns:a16="http://schemas.microsoft.com/office/drawing/2014/main" id="{6580A4E6-006D-F33F-D5EB-852DFF145FCD}"/>
+                <a16:creationId xmlns:a16="http://schemas.microsoft.com/office/drawing/2014/main" id="{E0A62CD4-8709-9101-EA68-C90B05B62D9B}"/>
               </a:ext>
             </a:extLst>
           </p:cNvPr>
@@ -390,7 +5557,7 @@
           <p:cNvPr id="3" name="Вертикальный текст 2">
             <a:extLst>
               <a:ext uri="{FF2B5EF4-FFF2-40B4-BE49-F238E27FC236}">
-                <a16:creationId xmlns:a16="http://schemas.microsoft.com/office/drawing/2014/main" id="{9084E52B-4DFC-0AAA-F39B-217DFA6D9CEE}"/>
+                <a16:creationId xmlns:a16="http://schemas.microsoft.com/office/drawing/2014/main" id="{2DAC529D-649C-1163-F53E-2C362607FAE5}"/>
               </a:ext>
             </a:extLst>
           </p:cNvPr>
@@ -447,7 +5614,7 @@
           <p:cNvPr id="4" name="Дата 3">
             <a:extLst>
               <a:ext uri="{FF2B5EF4-FFF2-40B4-BE49-F238E27FC236}">
-                <a16:creationId xmlns:a16="http://schemas.microsoft.com/office/drawing/2014/main" id="{BE95DE2B-B754-DDCA-32F9-894DC5857A86}"/>
+                <a16:creationId xmlns:a16="http://schemas.microsoft.com/office/drawing/2014/main" id="{5AC261DB-D76E-0233-3764-D6D3CE96D9AF}"/>
               </a:ext>
             </a:extLst>
           </p:cNvPr>
@@ -463,9 +5630,9 @@
           <a:bodyPr/>
           <a:lstStyle/>
           <a:p>
-            <a:fld id="{A90BEB6E-A6D6-4633-8A8C-8C705DC93885}" type="datetimeFigureOut">
+            <a:fld id="{A2372F61-144E-41E8-907D-388CCAC1AB55}" type="datetimeFigureOut">
               <a:rPr lang="ru-RU" smtClean="0"/>
-              <a:t>17.06.2024</a:t>
+              <a:t>19.06.2024</a:t>
             </a:fld>
             <a:endParaRPr lang="ru-RU"/>
           </a:p>
@@ -476,7 +5643,7 @@
           <p:cNvPr id="5" name="Нижний колонтитул 4">
             <a:extLst>
               <a:ext uri="{FF2B5EF4-FFF2-40B4-BE49-F238E27FC236}">
-                <a16:creationId xmlns:a16="http://schemas.microsoft.com/office/drawing/2014/main" id="{7D2B5B14-7308-144C-2E2C-3767FD3DF6B7}"/>
+                <a16:creationId xmlns:a16="http://schemas.microsoft.com/office/drawing/2014/main" id="{F4398039-FA3B-16E0-677B-071280FA1577}"/>
               </a:ext>
             </a:extLst>
           </p:cNvPr>
@@ -501,7 +5668,7 @@
           <p:cNvPr id="6" name="Номер слайда 5">
             <a:extLst>
               <a:ext uri="{FF2B5EF4-FFF2-40B4-BE49-F238E27FC236}">
-                <a16:creationId xmlns:a16="http://schemas.microsoft.com/office/drawing/2014/main" id="{01B84BED-779F-2F9F-446C-6C043191A20D}"/>
+                <a16:creationId xmlns:a16="http://schemas.microsoft.com/office/drawing/2014/main" id="{ABBA5CE3-53D8-092C-8529-DEBC632E6C35}"/>
               </a:ext>
             </a:extLst>
           </p:cNvPr>
@@ -517,7 +5684,7 @@
           <a:bodyPr/>
           <a:lstStyle/>
           <a:p>
-            <a:fld id="{A9DAD99F-2AFC-44F1-877A-8C1D70318ADC}" type="slidenum">
+            <a:fld id="{B2B157DA-1C1D-4985-82F5-3546DB21873D}" type="slidenum">
               <a:rPr lang="ru-RU" smtClean="0"/>
               <a:t>‹#›</a:t>
             </a:fld>
@@ -528,7 +5695,7 @@
     </p:spTree>
     <p:extLst>
       <p:ext uri="{BB962C8B-B14F-4D97-AF65-F5344CB8AC3E}">
-        <p14:creationId xmlns:p14="http://schemas.microsoft.com/office/powerpoint/2010/main" val="3824265031"/>
+        <p14:creationId xmlns:p14="http://schemas.microsoft.com/office/powerpoint/2010/main" val="1488950375"/>
       </p:ext>
     </p:extLst>
   </p:cSld>
@@ -560,7 +5727,7 @@
           <p:cNvPr id="2" name="Вертикальный заголовок 1">
             <a:extLst>
               <a:ext uri="{FF2B5EF4-FFF2-40B4-BE49-F238E27FC236}">
-                <a16:creationId xmlns:a16="http://schemas.microsoft.com/office/drawing/2014/main" id="{474AD48D-7D6A-EC65-979B-B06709C37E55}"/>
+                <a16:creationId xmlns:a16="http://schemas.microsoft.com/office/drawing/2014/main" id="{E64FA386-55B9-6850-E22C-C4A1A44FD598}"/>
               </a:ext>
             </a:extLst>
           </p:cNvPr>
@@ -593,7 +5760,7 @@
           <p:cNvPr id="3" name="Вертикальный текст 2">
             <a:extLst>
               <a:ext uri="{FF2B5EF4-FFF2-40B4-BE49-F238E27FC236}">
-                <a16:creationId xmlns:a16="http://schemas.microsoft.com/office/drawing/2014/main" id="{8A7AC038-4F4C-8374-0551-199CABA2FCE8}"/>
+                <a16:creationId xmlns:a16="http://schemas.microsoft.com/office/drawing/2014/main" id="{2C453154-18EC-8BB1-641B-7A3AAF203A82}"/>
               </a:ext>
             </a:extLst>
           </p:cNvPr>
@@ -655,7 +5822,7 @@
           <p:cNvPr id="4" name="Дата 3">
             <a:extLst>
               <a:ext uri="{FF2B5EF4-FFF2-40B4-BE49-F238E27FC236}">
-                <a16:creationId xmlns:a16="http://schemas.microsoft.com/office/drawing/2014/main" id="{337809A0-492E-722D-F8FC-4C2CBCC257A8}"/>
+                <a16:creationId xmlns:a16="http://schemas.microsoft.com/office/drawing/2014/main" id="{DFA05EE3-741E-9F63-2846-9AB3DD29014A}"/>
               </a:ext>
             </a:extLst>
           </p:cNvPr>
@@ -671,9 +5838,9 @@
           <a:bodyPr/>
           <a:lstStyle/>
           <a:p>
-            <a:fld id="{A90BEB6E-A6D6-4633-8A8C-8C705DC93885}" type="datetimeFigureOut">
+            <a:fld id="{A2372F61-144E-41E8-907D-388CCAC1AB55}" type="datetimeFigureOut">
               <a:rPr lang="ru-RU" smtClean="0"/>
-              <a:t>17.06.2024</a:t>
+              <a:t>19.06.2024</a:t>
             </a:fld>
             <a:endParaRPr lang="ru-RU"/>
           </a:p>
@@ -684,7 +5851,7 @@
           <p:cNvPr id="5" name="Нижний колонтитул 4">
             <a:extLst>
               <a:ext uri="{FF2B5EF4-FFF2-40B4-BE49-F238E27FC236}">
-                <a16:creationId xmlns:a16="http://schemas.microsoft.com/office/drawing/2014/main" id="{87A4FC2B-2D97-7DC1-58CB-DC7C6097633E}"/>
+                <a16:creationId xmlns:a16="http://schemas.microsoft.com/office/drawing/2014/main" id="{53A9B50B-5F61-6923-20D5-D216ABEBB64B}"/>
               </a:ext>
             </a:extLst>
           </p:cNvPr>
@@ -709,7 +5876,7 @@
           <p:cNvPr id="6" name="Номер слайда 5">
             <a:extLst>
               <a:ext uri="{FF2B5EF4-FFF2-40B4-BE49-F238E27FC236}">
-                <a16:creationId xmlns:a16="http://schemas.microsoft.com/office/drawing/2014/main" id="{D9A6740A-3589-5BB8-58D3-6E8814BB1990}"/>
+                <a16:creationId xmlns:a16="http://schemas.microsoft.com/office/drawing/2014/main" id="{A738826C-D585-1951-9726-7C21BD5D5401}"/>
               </a:ext>
             </a:extLst>
           </p:cNvPr>
@@ -725,7 +5892,7 @@
           <a:bodyPr/>
           <a:lstStyle/>
           <a:p>
-            <a:fld id="{A9DAD99F-2AFC-44F1-877A-8C1D70318ADC}" type="slidenum">
+            <a:fld id="{B2B157DA-1C1D-4985-82F5-3546DB21873D}" type="slidenum">
               <a:rPr lang="ru-RU" smtClean="0"/>
               <a:t>‹#›</a:t>
             </a:fld>
@@ -736,7 +5903,7 @@
     </p:spTree>
     <p:extLst>
       <p:ext uri="{BB962C8B-B14F-4D97-AF65-F5344CB8AC3E}">
-        <p14:creationId xmlns:p14="http://schemas.microsoft.com/office/powerpoint/2010/main" val="1261438684"/>
+        <p14:creationId xmlns:p14="http://schemas.microsoft.com/office/powerpoint/2010/main" val="3580563958"/>
       </p:ext>
     </p:extLst>
   </p:cSld>
@@ -768,7 +5935,7 @@
           <p:cNvPr id="2" name="Заголовок 1">
             <a:extLst>
               <a:ext uri="{FF2B5EF4-FFF2-40B4-BE49-F238E27FC236}">
-                <a16:creationId xmlns:a16="http://schemas.microsoft.com/office/drawing/2014/main" id="{1C73467A-0360-F02A-92B4-7CDB9B9C9F96}"/>
+                <a16:creationId xmlns:a16="http://schemas.microsoft.com/office/drawing/2014/main" id="{4DE4783C-3484-009C-F740-3BFA532840AB}"/>
               </a:ext>
             </a:extLst>
           </p:cNvPr>
@@ -796,7 +5963,7 @@
           <p:cNvPr id="3" name="Объект 2">
             <a:extLst>
               <a:ext uri="{FF2B5EF4-FFF2-40B4-BE49-F238E27FC236}">
-                <a16:creationId xmlns:a16="http://schemas.microsoft.com/office/drawing/2014/main" id="{8D1B64C0-3287-7894-1F4F-CF7FA10DF336}"/>
+                <a16:creationId xmlns:a16="http://schemas.microsoft.com/office/drawing/2014/main" id="{C01C81F0-9BA1-4DED-AAE2-164E00D92B09}"/>
               </a:ext>
             </a:extLst>
           </p:cNvPr>
@@ -853,7 +6020,7 @@
           <p:cNvPr id="4" name="Дата 3">
             <a:extLst>
               <a:ext uri="{FF2B5EF4-FFF2-40B4-BE49-F238E27FC236}">
-                <a16:creationId xmlns:a16="http://schemas.microsoft.com/office/drawing/2014/main" id="{A9E81151-BC40-D892-9871-6B1A72E9826D}"/>
+                <a16:creationId xmlns:a16="http://schemas.microsoft.com/office/drawing/2014/main" id="{5410CC33-B176-A2DC-8AAC-597C500BA8C5}"/>
               </a:ext>
             </a:extLst>
           </p:cNvPr>
@@ -869,9 +6036,9 @@
           <a:bodyPr/>
           <a:lstStyle/>
           <a:p>
-            <a:fld id="{A90BEB6E-A6D6-4633-8A8C-8C705DC93885}" type="datetimeFigureOut">
+            <a:fld id="{A2372F61-144E-41E8-907D-388CCAC1AB55}" type="datetimeFigureOut">
               <a:rPr lang="ru-RU" smtClean="0"/>
-              <a:t>17.06.2024</a:t>
+              <a:t>19.06.2024</a:t>
             </a:fld>
             <a:endParaRPr lang="ru-RU"/>
           </a:p>
@@ -882,7 +6049,7 @@
           <p:cNvPr id="5" name="Нижний колонтитул 4">
             <a:extLst>
               <a:ext uri="{FF2B5EF4-FFF2-40B4-BE49-F238E27FC236}">
-                <a16:creationId xmlns:a16="http://schemas.microsoft.com/office/drawing/2014/main" id="{30D7E101-5833-D6EE-263F-F0360A973C09}"/>
+                <a16:creationId xmlns:a16="http://schemas.microsoft.com/office/drawing/2014/main" id="{B3E7FD26-C8B8-6601-1CE3-59C4BAD03122}"/>
               </a:ext>
             </a:extLst>
           </p:cNvPr>
@@ -907,7 +6074,7 @@
           <p:cNvPr id="6" name="Номер слайда 5">
             <a:extLst>
               <a:ext uri="{FF2B5EF4-FFF2-40B4-BE49-F238E27FC236}">
-                <a16:creationId xmlns:a16="http://schemas.microsoft.com/office/drawing/2014/main" id="{E674ECFD-3C99-A9A9-CFE0-E6C9343ABA55}"/>
+                <a16:creationId xmlns:a16="http://schemas.microsoft.com/office/drawing/2014/main" id="{3C387E4A-437D-8768-0705-18B8C5FF565C}"/>
               </a:ext>
             </a:extLst>
           </p:cNvPr>
@@ -923,7 +6090,7 @@
           <a:bodyPr/>
           <a:lstStyle/>
           <a:p>
-            <a:fld id="{A9DAD99F-2AFC-44F1-877A-8C1D70318ADC}" type="slidenum">
+            <a:fld id="{B2B157DA-1C1D-4985-82F5-3546DB21873D}" type="slidenum">
               <a:rPr lang="ru-RU" smtClean="0"/>
               <a:t>‹#›</a:t>
             </a:fld>
@@ -934,7 +6101,7 @@
     </p:spTree>
     <p:extLst>
       <p:ext uri="{BB962C8B-B14F-4D97-AF65-F5344CB8AC3E}">
-        <p14:creationId xmlns:p14="http://schemas.microsoft.com/office/powerpoint/2010/main" val="1065446091"/>
+        <p14:creationId xmlns:p14="http://schemas.microsoft.com/office/powerpoint/2010/main" val="2836397815"/>
       </p:ext>
     </p:extLst>
   </p:cSld>
@@ -966,7 +6133,7 @@
           <p:cNvPr id="2" name="Заголовок 1">
             <a:extLst>
               <a:ext uri="{FF2B5EF4-FFF2-40B4-BE49-F238E27FC236}">
-                <a16:creationId xmlns:a16="http://schemas.microsoft.com/office/drawing/2014/main" id="{6F07B465-2CC9-7510-92BA-1284770B8ECD}"/>
+                <a16:creationId xmlns:a16="http://schemas.microsoft.com/office/drawing/2014/main" id="{B73CE647-CA6E-2C4E-068D-C247949C01A9}"/>
               </a:ext>
             </a:extLst>
           </p:cNvPr>
@@ -1003,7 +6170,7 @@
           <p:cNvPr id="3" name="Текст 2">
             <a:extLst>
               <a:ext uri="{FF2B5EF4-FFF2-40B4-BE49-F238E27FC236}">
-                <a16:creationId xmlns:a16="http://schemas.microsoft.com/office/drawing/2014/main" id="{6769F9B9-DA5C-066E-8B69-9D931C458D7B}"/>
+                <a16:creationId xmlns:a16="http://schemas.microsoft.com/office/drawing/2014/main" id="{BBBD53EC-EBFF-A07E-1165-9FB9E59E96DF}"/>
               </a:ext>
             </a:extLst>
           </p:cNvPr>
@@ -1128,7 +6295,7 @@
           <p:cNvPr id="4" name="Дата 3">
             <a:extLst>
               <a:ext uri="{FF2B5EF4-FFF2-40B4-BE49-F238E27FC236}">
-                <a16:creationId xmlns:a16="http://schemas.microsoft.com/office/drawing/2014/main" id="{AEA1FFB6-5C58-2767-559D-0AA4051528BD}"/>
+                <a16:creationId xmlns:a16="http://schemas.microsoft.com/office/drawing/2014/main" id="{407A2072-7FB7-5224-00BD-1782D9DF14AC}"/>
               </a:ext>
             </a:extLst>
           </p:cNvPr>
@@ -1144,9 +6311,9 @@
           <a:bodyPr/>
           <a:lstStyle/>
           <a:p>
-            <a:fld id="{A90BEB6E-A6D6-4633-8A8C-8C705DC93885}" type="datetimeFigureOut">
+            <a:fld id="{A2372F61-144E-41E8-907D-388CCAC1AB55}" type="datetimeFigureOut">
               <a:rPr lang="ru-RU" smtClean="0"/>
-              <a:t>17.06.2024</a:t>
+              <a:t>19.06.2024</a:t>
             </a:fld>
             <a:endParaRPr lang="ru-RU"/>
           </a:p>
@@ -1157,7 +6324,7 @@
           <p:cNvPr id="5" name="Нижний колонтитул 4">
             <a:extLst>
               <a:ext uri="{FF2B5EF4-FFF2-40B4-BE49-F238E27FC236}">
-                <a16:creationId xmlns:a16="http://schemas.microsoft.com/office/drawing/2014/main" id="{22098C58-0D0D-D1E8-2483-FD27C9AEFC3C}"/>
+                <a16:creationId xmlns:a16="http://schemas.microsoft.com/office/drawing/2014/main" id="{186A501D-5F09-0127-FF66-94ADF5E2B6AC}"/>
               </a:ext>
             </a:extLst>
           </p:cNvPr>
@@ -1182,7 +6349,7 @@
           <p:cNvPr id="6" name="Номер слайда 5">
             <a:extLst>
               <a:ext uri="{FF2B5EF4-FFF2-40B4-BE49-F238E27FC236}">
-                <a16:creationId xmlns:a16="http://schemas.microsoft.com/office/drawing/2014/main" id="{324245BC-B36B-7250-8CB0-F316681AC2BA}"/>
+                <a16:creationId xmlns:a16="http://schemas.microsoft.com/office/drawing/2014/main" id="{894DD87F-60F6-1733-90E0-02D09A74A565}"/>
               </a:ext>
             </a:extLst>
           </p:cNvPr>
@@ -1198,7 +6365,7 @@
           <a:bodyPr/>
           <a:lstStyle/>
           <a:p>
-            <a:fld id="{A9DAD99F-2AFC-44F1-877A-8C1D70318ADC}" type="slidenum">
+            <a:fld id="{B2B157DA-1C1D-4985-82F5-3546DB21873D}" type="slidenum">
               <a:rPr lang="ru-RU" smtClean="0"/>
               <a:t>‹#›</a:t>
             </a:fld>
@@ -1209,7 +6376,7 @@
     </p:spTree>
     <p:extLst>
       <p:ext uri="{BB962C8B-B14F-4D97-AF65-F5344CB8AC3E}">
-        <p14:creationId xmlns:p14="http://schemas.microsoft.com/office/powerpoint/2010/main" val="3741151043"/>
+        <p14:creationId xmlns:p14="http://schemas.microsoft.com/office/powerpoint/2010/main" val="2236464701"/>
       </p:ext>
     </p:extLst>
   </p:cSld>
@@ -1241,7 +6408,7 @@
           <p:cNvPr id="2" name="Заголовок 1">
             <a:extLst>
               <a:ext uri="{FF2B5EF4-FFF2-40B4-BE49-F238E27FC236}">
-                <a16:creationId xmlns:a16="http://schemas.microsoft.com/office/drawing/2014/main" id="{6456B5E6-B261-8180-A61F-581A0046D0D0}"/>
+                <a16:creationId xmlns:a16="http://schemas.microsoft.com/office/drawing/2014/main" id="{16B12815-E9BD-5FBB-A610-94570DE9A2F5}"/>
               </a:ext>
             </a:extLst>
           </p:cNvPr>
@@ -1269,7 +6436,7 @@
           <p:cNvPr id="3" name="Объект 2">
             <a:extLst>
               <a:ext uri="{FF2B5EF4-FFF2-40B4-BE49-F238E27FC236}">
-                <a16:creationId xmlns:a16="http://schemas.microsoft.com/office/drawing/2014/main" id="{2AE74365-C7EF-1F30-E093-B1F4160B8D92}"/>
+                <a16:creationId xmlns:a16="http://schemas.microsoft.com/office/drawing/2014/main" id="{FE3EF766-BD5B-7424-ABF2-A64C965BB573}"/>
               </a:ext>
             </a:extLst>
           </p:cNvPr>
@@ -1331,7 +6498,7 @@
           <p:cNvPr id="4" name="Объект 3">
             <a:extLst>
               <a:ext uri="{FF2B5EF4-FFF2-40B4-BE49-F238E27FC236}">
-                <a16:creationId xmlns:a16="http://schemas.microsoft.com/office/drawing/2014/main" id="{3AC71A62-3965-0E41-481F-0BAB3EC7638E}"/>
+                <a16:creationId xmlns:a16="http://schemas.microsoft.com/office/drawing/2014/main" id="{ADAA022C-69EA-B4A6-CB90-C89FABE4820F}"/>
               </a:ext>
             </a:extLst>
           </p:cNvPr>
@@ -1393,7 +6560,7 @@
           <p:cNvPr id="5" name="Дата 4">
             <a:extLst>
               <a:ext uri="{FF2B5EF4-FFF2-40B4-BE49-F238E27FC236}">
-                <a16:creationId xmlns:a16="http://schemas.microsoft.com/office/drawing/2014/main" id="{E7FD7375-674A-4CA8-E29C-CD210C4C26FB}"/>
+                <a16:creationId xmlns:a16="http://schemas.microsoft.com/office/drawing/2014/main" id="{8BB8BF10-3D9F-BB1F-C6EA-6A37CB1873B8}"/>
               </a:ext>
             </a:extLst>
           </p:cNvPr>
@@ -1409,9 +6576,9 @@
           <a:bodyPr/>
           <a:lstStyle/>
           <a:p>
-            <a:fld id="{A90BEB6E-A6D6-4633-8A8C-8C705DC93885}" type="datetimeFigureOut">
+            <a:fld id="{A2372F61-144E-41E8-907D-388CCAC1AB55}" type="datetimeFigureOut">
               <a:rPr lang="ru-RU" smtClean="0"/>
-              <a:t>17.06.2024</a:t>
+              <a:t>19.06.2024</a:t>
             </a:fld>
             <a:endParaRPr lang="ru-RU"/>
           </a:p>
@@ -1422,7 +6589,7 @@
           <p:cNvPr id="6" name="Нижний колонтитул 5">
             <a:extLst>
               <a:ext uri="{FF2B5EF4-FFF2-40B4-BE49-F238E27FC236}">
-                <a16:creationId xmlns:a16="http://schemas.microsoft.com/office/drawing/2014/main" id="{D70787D9-709B-DB19-4562-963125D90CB2}"/>
+                <a16:creationId xmlns:a16="http://schemas.microsoft.com/office/drawing/2014/main" id="{DDB82202-DF83-F8F8-680B-6242EDD98E9F}"/>
               </a:ext>
             </a:extLst>
           </p:cNvPr>
@@ -1447,7 +6614,7 @@
           <p:cNvPr id="7" name="Номер слайда 6">
             <a:extLst>
               <a:ext uri="{FF2B5EF4-FFF2-40B4-BE49-F238E27FC236}">
-                <a16:creationId xmlns:a16="http://schemas.microsoft.com/office/drawing/2014/main" id="{7B9DAC21-4C4C-6704-E1C5-91E2D6C54488}"/>
+                <a16:creationId xmlns:a16="http://schemas.microsoft.com/office/drawing/2014/main" id="{5A117B47-CCF2-8885-89D5-8BC21D414B75}"/>
               </a:ext>
             </a:extLst>
           </p:cNvPr>
@@ -1463,7 +6630,7 @@
           <a:bodyPr/>
           <a:lstStyle/>
           <a:p>
-            <a:fld id="{A9DAD99F-2AFC-44F1-877A-8C1D70318ADC}" type="slidenum">
+            <a:fld id="{B2B157DA-1C1D-4985-82F5-3546DB21873D}" type="slidenum">
               <a:rPr lang="ru-RU" smtClean="0"/>
               <a:t>‹#›</a:t>
             </a:fld>
@@ -1474,7 +6641,7 @@
     </p:spTree>
     <p:extLst>
       <p:ext uri="{BB962C8B-B14F-4D97-AF65-F5344CB8AC3E}">
-        <p14:creationId xmlns:p14="http://schemas.microsoft.com/office/powerpoint/2010/main" val="1202276344"/>
+        <p14:creationId xmlns:p14="http://schemas.microsoft.com/office/powerpoint/2010/main" val="983084111"/>
       </p:ext>
     </p:extLst>
   </p:cSld>
@@ -1506,7 +6673,7 @@
           <p:cNvPr id="2" name="Заголовок 1">
             <a:extLst>
               <a:ext uri="{FF2B5EF4-FFF2-40B4-BE49-F238E27FC236}">
-                <a16:creationId xmlns:a16="http://schemas.microsoft.com/office/drawing/2014/main" id="{85B9F506-E1FC-0A6D-2BE2-130B6D1C59B4}"/>
+                <a16:creationId xmlns:a16="http://schemas.microsoft.com/office/drawing/2014/main" id="{E3389663-1A02-EBAE-C71B-4D74071E3513}"/>
               </a:ext>
             </a:extLst>
           </p:cNvPr>
@@ -1539,7 +6706,7 @@
           <p:cNvPr id="3" name="Текст 2">
             <a:extLst>
               <a:ext uri="{FF2B5EF4-FFF2-40B4-BE49-F238E27FC236}">
-                <a16:creationId xmlns:a16="http://schemas.microsoft.com/office/drawing/2014/main" id="{487793F0-6BF4-7481-87BE-0FA3BCDB9751}"/>
+                <a16:creationId xmlns:a16="http://schemas.microsoft.com/office/drawing/2014/main" id="{765BC44C-D234-6686-C554-3295FD22D18A}"/>
               </a:ext>
             </a:extLst>
           </p:cNvPr>
@@ -1610,7 +6777,7 @@
           <p:cNvPr id="4" name="Объект 3">
             <a:extLst>
               <a:ext uri="{FF2B5EF4-FFF2-40B4-BE49-F238E27FC236}">
-                <a16:creationId xmlns:a16="http://schemas.microsoft.com/office/drawing/2014/main" id="{6B0FB1C6-22FC-0904-1459-0490189B6548}"/>
+                <a16:creationId xmlns:a16="http://schemas.microsoft.com/office/drawing/2014/main" id="{97C58F05-D4E0-9913-2D53-C33827AF01FA}"/>
               </a:ext>
             </a:extLst>
           </p:cNvPr>
@@ -1672,7 +6839,7 @@
           <p:cNvPr id="5" name="Текст 4">
             <a:extLst>
               <a:ext uri="{FF2B5EF4-FFF2-40B4-BE49-F238E27FC236}">
-                <a16:creationId xmlns:a16="http://schemas.microsoft.com/office/drawing/2014/main" id="{9700BC3B-0D2B-BC21-2B7A-539DBE247523}"/>
+                <a16:creationId xmlns:a16="http://schemas.microsoft.com/office/drawing/2014/main" id="{E203E995-7030-88DD-8F07-CAD12ACBCEC5}"/>
               </a:ext>
             </a:extLst>
           </p:cNvPr>
@@ -1743,7 +6910,7 @@
           <p:cNvPr id="6" name="Объект 5">
             <a:extLst>
               <a:ext uri="{FF2B5EF4-FFF2-40B4-BE49-F238E27FC236}">
-                <a16:creationId xmlns:a16="http://schemas.microsoft.com/office/drawing/2014/main" id="{FF54A0A1-640F-1149-7E6E-53C121C6C50E}"/>
+                <a16:creationId xmlns:a16="http://schemas.microsoft.com/office/drawing/2014/main" id="{1C22524C-D735-C4FE-84CC-D4992A257FE5}"/>
               </a:ext>
             </a:extLst>
           </p:cNvPr>
@@ -1805,7 +6972,7 @@
           <p:cNvPr id="7" name="Дата 6">
             <a:extLst>
               <a:ext uri="{FF2B5EF4-FFF2-40B4-BE49-F238E27FC236}">
-                <a16:creationId xmlns:a16="http://schemas.microsoft.com/office/drawing/2014/main" id="{80A9000A-CD94-53C4-6828-D69DA966ED3C}"/>
+                <a16:creationId xmlns:a16="http://schemas.microsoft.com/office/drawing/2014/main" id="{E16E511B-70C0-B532-903C-F27D0C6B24EB}"/>
               </a:ext>
             </a:extLst>
           </p:cNvPr>
@@ -1821,9 +6988,9 @@
           <a:bodyPr/>
           <a:lstStyle/>
           <a:p>
-            <a:fld id="{A90BEB6E-A6D6-4633-8A8C-8C705DC93885}" type="datetimeFigureOut">
+            <a:fld id="{A2372F61-144E-41E8-907D-388CCAC1AB55}" type="datetimeFigureOut">
               <a:rPr lang="ru-RU" smtClean="0"/>
-              <a:t>17.06.2024</a:t>
+              <a:t>19.06.2024</a:t>
             </a:fld>
             <a:endParaRPr lang="ru-RU"/>
           </a:p>
@@ -1834,7 +7001,7 @@
           <p:cNvPr id="8" name="Нижний колонтитул 7">
             <a:extLst>
               <a:ext uri="{FF2B5EF4-FFF2-40B4-BE49-F238E27FC236}">
-                <a16:creationId xmlns:a16="http://schemas.microsoft.com/office/drawing/2014/main" id="{E9699B0F-1634-B086-D1A1-BBD5DD3B32CB}"/>
+                <a16:creationId xmlns:a16="http://schemas.microsoft.com/office/drawing/2014/main" id="{F9FAF424-1641-663E-7877-09589D416CF3}"/>
               </a:ext>
             </a:extLst>
           </p:cNvPr>
@@ -1859,7 +7026,7 @@
           <p:cNvPr id="9" name="Номер слайда 8">
             <a:extLst>
               <a:ext uri="{FF2B5EF4-FFF2-40B4-BE49-F238E27FC236}">
-                <a16:creationId xmlns:a16="http://schemas.microsoft.com/office/drawing/2014/main" id="{8258AB51-7D10-F6DA-581A-76BBC61120EF}"/>
+                <a16:creationId xmlns:a16="http://schemas.microsoft.com/office/drawing/2014/main" id="{715D7E83-486F-51BF-F08C-EF55ED18945E}"/>
               </a:ext>
             </a:extLst>
           </p:cNvPr>
@@ -1875,7 +7042,7 @@
           <a:bodyPr/>
           <a:lstStyle/>
           <a:p>
-            <a:fld id="{A9DAD99F-2AFC-44F1-877A-8C1D70318ADC}" type="slidenum">
+            <a:fld id="{B2B157DA-1C1D-4985-82F5-3546DB21873D}" type="slidenum">
               <a:rPr lang="ru-RU" smtClean="0"/>
               <a:t>‹#›</a:t>
             </a:fld>
@@ -1886,7 +7053,7 @@
     </p:spTree>
     <p:extLst>
       <p:ext uri="{BB962C8B-B14F-4D97-AF65-F5344CB8AC3E}">
-        <p14:creationId xmlns:p14="http://schemas.microsoft.com/office/powerpoint/2010/main" val="3862387975"/>
+        <p14:creationId xmlns:p14="http://schemas.microsoft.com/office/powerpoint/2010/main" val="2423404698"/>
       </p:ext>
     </p:extLst>
   </p:cSld>
@@ -1918,7 +7085,7 @@
           <p:cNvPr id="2" name="Заголовок 1">
             <a:extLst>
               <a:ext uri="{FF2B5EF4-FFF2-40B4-BE49-F238E27FC236}">
-                <a16:creationId xmlns:a16="http://schemas.microsoft.com/office/drawing/2014/main" id="{330E504F-9C10-626A-FF1E-AB49989080FC}"/>
+                <a16:creationId xmlns:a16="http://schemas.microsoft.com/office/drawing/2014/main" id="{8BFE99F4-169D-79D1-E896-D785F868DF23}"/>
               </a:ext>
             </a:extLst>
           </p:cNvPr>
@@ -1946,7 +7113,7 @@
           <p:cNvPr id="3" name="Дата 2">
             <a:extLst>
               <a:ext uri="{FF2B5EF4-FFF2-40B4-BE49-F238E27FC236}">
-                <a16:creationId xmlns:a16="http://schemas.microsoft.com/office/drawing/2014/main" id="{32899268-43F4-D1A5-F7CB-4CA252200A5C}"/>
+                <a16:creationId xmlns:a16="http://schemas.microsoft.com/office/drawing/2014/main" id="{AC5B10B9-8D18-6003-A6A0-A4EA3D8E7546}"/>
               </a:ext>
             </a:extLst>
           </p:cNvPr>
@@ -1962,9 +7129,9 @@
           <a:bodyPr/>
           <a:lstStyle/>
           <a:p>
-            <a:fld id="{A90BEB6E-A6D6-4633-8A8C-8C705DC93885}" type="datetimeFigureOut">
+            <a:fld id="{A2372F61-144E-41E8-907D-388CCAC1AB55}" type="datetimeFigureOut">
               <a:rPr lang="ru-RU" smtClean="0"/>
-              <a:t>17.06.2024</a:t>
+              <a:t>19.06.2024</a:t>
             </a:fld>
             <a:endParaRPr lang="ru-RU"/>
           </a:p>
@@ -1975,7 +7142,7 @@
           <p:cNvPr id="4" name="Нижний колонтитул 3">
             <a:extLst>
               <a:ext uri="{FF2B5EF4-FFF2-40B4-BE49-F238E27FC236}">
-                <a16:creationId xmlns:a16="http://schemas.microsoft.com/office/drawing/2014/main" id="{9C6F6F8D-87B4-A594-5E33-D5F09CA3785A}"/>
+                <a16:creationId xmlns:a16="http://schemas.microsoft.com/office/drawing/2014/main" id="{649D2414-7496-BEB6-F3B5-F6727CB1B709}"/>
               </a:ext>
             </a:extLst>
           </p:cNvPr>
@@ -2000,7 +7167,7 @@
           <p:cNvPr id="5" name="Номер слайда 4">
             <a:extLst>
               <a:ext uri="{FF2B5EF4-FFF2-40B4-BE49-F238E27FC236}">
-                <a16:creationId xmlns:a16="http://schemas.microsoft.com/office/drawing/2014/main" id="{724E2EBE-7431-133C-4AD6-956AF2153F7E}"/>
+                <a16:creationId xmlns:a16="http://schemas.microsoft.com/office/drawing/2014/main" id="{488AD146-3E1A-EC27-99D8-BF858285067D}"/>
               </a:ext>
             </a:extLst>
           </p:cNvPr>
@@ -2016,7 +7183,7 @@
           <a:bodyPr/>
           <a:lstStyle/>
           <a:p>
-            <a:fld id="{A9DAD99F-2AFC-44F1-877A-8C1D70318ADC}" type="slidenum">
+            <a:fld id="{B2B157DA-1C1D-4985-82F5-3546DB21873D}" type="slidenum">
               <a:rPr lang="ru-RU" smtClean="0"/>
               <a:t>‹#›</a:t>
             </a:fld>
@@ -2027,7 +7194,7 @@
     </p:spTree>
     <p:extLst>
       <p:ext uri="{BB962C8B-B14F-4D97-AF65-F5344CB8AC3E}">
-        <p14:creationId xmlns:p14="http://schemas.microsoft.com/office/powerpoint/2010/main" val="1317560001"/>
+        <p14:creationId xmlns:p14="http://schemas.microsoft.com/office/powerpoint/2010/main" val="2385806580"/>
       </p:ext>
     </p:extLst>
   </p:cSld>
@@ -2059,7 +7226,7 @@
           <p:cNvPr id="2" name="Дата 1">
             <a:extLst>
               <a:ext uri="{FF2B5EF4-FFF2-40B4-BE49-F238E27FC236}">
-                <a16:creationId xmlns:a16="http://schemas.microsoft.com/office/drawing/2014/main" id="{8292C28D-D826-9CED-47A9-F80C26649C4B}"/>
+                <a16:creationId xmlns:a16="http://schemas.microsoft.com/office/drawing/2014/main" id="{FF6D160B-7633-7E06-8FCB-FD6EEF9D33D9}"/>
               </a:ext>
             </a:extLst>
           </p:cNvPr>
@@ -2075,9 +7242,9 @@
           <a:bodyPr/>
           <a:lstStyle/>
           <a:p>
-            <a:fld id="{A90BEB6E-A6D6-4633-8A8C-8C705DC93885}" type="datetimeFigureOut">
+            <a:fld id="{A2372F61-144E-41E8-907D-388CCAC1AB55}" type="datetimeFigureOut">
               <a:rPr lang="ru-RU" smtClean="0"/>
-              <a:t>17.06.2024</a:t>
+              <a:t>19.06.2024</a:t>
             </a:fld>
             <a:endParaRPr lang="ru-RU"/>
           </a:p>
@@ -2088,7 +7255,7 @@
           <p:cNvPr id="3" name="Нижний колонтитул 2">
             <a:extLst>
               <a:ext uri="{FF2B5EF4-FFF2-40B4-BE49-F238E27FC236}">
-                <a16:creationId xmlns:a16="http://schemas.microsoft.com/office/drawing/2014/main" id="{ED6538BB-E96C-9858-74F8-8E102B166819}"/>
+                <a16:creationId xmlns:a16="http://schemas.microsoft.com/office/drawing/2014/main" id="{3441D0F8-4E81-2B71-AE89-58BCA4040210}"/>
               </a:ext>
             </a:extLst>
           </p:cNvPr>
@@ -2113,7 +7280,7 @@
           <p:cNvPr id="4" name="Номер слайда 3">
             <a:extLst>
               <a:ext uri="{FF2B5EF4-FFF2-40B4-BE49-F238E27FC236}">
-                <a16:creationId xmlns:a16="http://schemas.microsoft.com/office/drawing/2014/main" id="{B6B878FA-FB00-A843-E23E-59AC7DF6471C}"/>
+                <a16:creationId xmlns:a16="http://schemas.microsoft.com/office/drawing/2014/main" id="{E4D7E887-6496-48B4-4F77-56C2E5789A53}"/>
               </a:ext>
             </a:extLst>
           </p:cNvPr>
@@ -2129,7 +7296,7 @@
           <a:bodyPr/>
           <a:lstStyle/>
           <a:p>
-            <a:fld id="{A9DAD99F-2AFC-44F1-877A-8C1D70318ADC}" type="slidenum">
+            <a:fld id="{B2B157DA-1C1D-4985-82F5-3546DB21873D}" type="slidenum">
               <a:rPr lang="ru-RU" smtClean="0"/>
               <a:t>‹#›</a:t>
             </a:fld>
@@ -2140,7 +7307,7 @@
     </p:spTree>
     <p:extLst>
       <p:ext uri="{BB962C8B-B14F-4D97-AF65-F5344CB8AC3E}">
-        <p14:creationId xmlns:p14="http://schemas.microsoft.com/office/powerpoint/2010/main" val="4069733020"/>
+        <p14:creationId xmlns:p14="http://schemas.microsoft.com/office/powerpoint/2010/main" val="2282369917"/>
       </p:ext>
     </p:extLst>
   </p:cSld>
@@ -2172,7 +7339,7 @@
           <p:cNvPr id="2" name="Заголовок 1">
             <a:extLst>
               <a:ext uri="{FF2B5EF4-FFF2-40B4-BE49-F238E27FC236}">
-                <a16:creationId xmlns:a16="http://schemas.microsoft.com/office/drawing/2014/main" id="{D44AC1B6-EA05-0161-A1DA-B307CA95D8BC}"/>
+                <a16:creationId xmlns:a16="http://schemas.microsoft.com/office/drawing/2014/main" id="{97CD5232-36C6-E549-CAE6-0191ADD49537}"/>
               </a:ext>
             </a:extLst>
           </p:cNvPr>
@@ -2209,7 +7376,7 @@
           <p:cNvPr id="3" name="Объект 2">
             <a:extLst>
               <a:ext uri="{FF2B5EF4-FFF2-40B4-BE49-F238E27FC236}">
-                <a16:creationId xmlns:a16="http://schemas.microsoft.com/office/drawing/2014/main" id="{B2804A05-AB4B-011E-6DCF-8274550989B1}"/>
+                <a16:creationId xmlns:a16="http://schemas.microsoft.com/office/drawing/2014/main" id="{C9C8EE9E-E917-E64C-B50F-8A083F5EF65B}"/>
               </a:ext>
             </a:extLst>
           </p:cNvPr>
@@ -2299,7 +7466,7 @@
           <p:cNvPr id="4" name="Текст 3">
             <a:extLst>
               <a:ext uri="{FF2B5EF4-FFF2-40B4-BE49-F238E27FC236}">
-                <a16:creationId xmlns:a16="http://schemas.microsoft.com/office/drawing/2014/main" id="{B9D90071-0466-5944-0C34-97EC8970C6D5}"/>
+                <a16:creationId xmlns:a16="http://schemas.microsoft.com/office/drawing/2014/main" id="{F55AF38D-09AA-474B-0FCE-0F7C347F23AF}"/>
               </a:ext>
             </a:extLst>
           </p:cNvPr>
@@ -2370,7 +7537,7 @@
           <p:cNvPr id="5" name="Дата 4">
             <a:extLst>
               <a:ext uri="{FF2B5EF4-FFF2-40B4-BE49-F238E27FC236}">
-                <a16:creationId xmlns:a16="http://schemas.microsoft.com/office/drawing/2014/main" id="{B9489A40-16D8-54A0-A421-6FC01AF20005}"/>
+                <a16:creationId xmlns:a16="http://schemas.microsoft.com/office/drawing/2014/main" id="{F7409452-B3B9-7355-81A6-520E1DBBD451}"/>
               </a:ext>
             </a:extLst>
           </p:cNvPr>
@@ -2386,9 +7553,9 @@
           <a:bodyPr/>
           <a:lstStyle/>
           <a:p>
-            <a:fld id="{A90BEB6E-A6D6-4633-8A8C-8C705DC93885}" type="datetimeFigureOut">
+            <a:fld id="{A2372F61-144E-41E8-907D-388CCAC1AB55}" type="datetimeFigureOut">
               <a:rPr lang="ru-RU" smtClean="0"/>
-              <a:t>17.06.2024</a:t>
+              <a:t>19.06.2024</a:t>
             </a:fld>
             <a:endParaRPr lang="ru-RU"/>
           </a:p>
@@ -2399,7 +7566,7 @@
           <p:cNvPr id="6" name="Нижний колонтитул 5">
             <a:extLst>
               <a:ext uri="{FF2B5EF4-FFF2-40B4-BE49-F238E27FC236}">
-                <a16:creationId xmlns:a16="http://schemas.microsoft.com/office/drawing/2014/main" id="{92B7CBFC-8234-9644-D783-6B43C58E36F3}"/>
+                <a16:creationId xmlns:a16="http://schemas.microsoft.com/office/drawing/2014/main" id="{97881698-A221-135F-1A97-4BA53A685A80}"/>
               </a:ext>
             </a:extLst>
           </p:cNvPr>
@@ -2424,7 +7591,7 @@
           <p:cNvPr id="7" name="Номер слайда 6">
             <a:extLst>
               <a:ext uri="{FF2B5EF4-FFF2-40B4-BE49-F238E27FC236}">
-                <a16:creationId xmlns:a16="http://schemas.microsoft.com/office/drawing/2014/main" id="{6B9D3D37-6C50-70B8-2FC0-7DB06F245C69}"/>
+                <a16:creationId xmlns:a16="http://schemas.microsoft.com/office/drawing/2014/main" id="{EBA5CDD0-F7F5-EFB6-729F-BF164B2EA9BA}"/>
               </a:ext>
             </a:extLst>
           </p:cNvPr>
@@ -2440,7 +7607,7 @@
           <a:bodyPr/>
           <a:lstStyle/>
           <a:p>
-            <a:fld id="{A9DAD99F-2AFC-44F1-877A-8C1D70318ADC}" type="slidenum">
+            <a:fld id="{B2B157DA-1C1D-4985-82F5-3546DB21873D}" type="slidenum">
               <a:rPr lang="ru-RU" smtClean="0"/>
               <a:t>‹#›</a:t>
             </a:fld>
@@ -2451,7 +7618,7 @@
     </p:spTree>
     <p:extLst>
       <p:ext uri="{BB962C8B-B14F-4D97-AF65-F5344CB8AC3E}">
-        <p14:creationId xmlns:p14="http://schemas.microsoft.com/office/powerpoint/2010/main" val="1872832625"/>
+        <p14:creationId xmlns:p14="http://schemas.microsoft.com/office/powerpoint/2010/main" val="3320940384"/>
       </p:ext>
     </p:extLst>
   </p:cSld>
@@ -2483,7 +7650,7 @@
           <p:cNvPr id="2" name="Заголовок 1">
             <a:extLst>
               <a:ext uri="{FF2B5EF4-FFF2-40B4-BE49-F238E27FC236}">
-                <a16:creationId xmlns:a16="http://schemas.microsoft.com/office/drawing/2014/main" id="{7BB76A42-802F-44E4-6E5C-42A784853E54}"/>
+                <a16:creationId xmlns:a16="http://schemas.microsoft.com/office/drawing/2014/main" id="{6AE19F99-DDC8-3F7E-8B8A-F64868976BC2}"/>
               </a:ext>
             </a:extLst>
           </p:cNvPr>
@@ -2520,7 +7687,7 @@
           <p:cNvPr id="3" name="Рисунок 2">
             <a:extLst>
               <a:ext uri="{FF2B5EF4-FFF2-40B4-BE49-F238E27FC236}">
-                <a16:creationId xmlns:a16="http://schemas.microsoft.com/office/drawing/2014/main" id="{83E93632-EC4B-E520-68B8-E92677399381}"/>
+                <a16:creationId xmlns:a16="http://schemas.microsoft.com/office/drawing/2014/main" id="{1829E38A-7B69-79AE-FDC9-0934881D1DE1}"/>
               </a:ext>
             </a:extLst>
           </p:cNvPr>
@@ -2587,7 +7754,7 @@
           <p:cNvPr id="4" name="Текст 3">
             <a:extLst>
               <a:ext uri="{FF2B5EF4-FFF2-40B4-BE49-F238E27FC236}">
-                <a16:creationId xmlns:a16="http://schemas.microsoft.com/office/drawing/2014/main" id="{0C75165B-255C-A41F-2E12-FBDF98671BF0}"/>
+                <a16:creationId xmlns:a16="http://schemas.microsoft.com/office/drawing/2014/main" id="{A5180F49-D65F-E26B-0B63-5EF220B6CD98}"/>
               </a:ext>
             </a:extLst>
           </p:cNvPr>
@@ -2658,7 +7825,7 @@
           <p:cNvPr id="5" name="Дата 4">
             <a:extLst>
               <a:ext uri="{FF2B5EF4-FFF2-40B4-BE49-F238E27FC236}">
-                <a16:creationId xmlns:a16="http://schemas.microsoft.com/office/drawing/2014/main" id="{0843767D-26BF-E1F5-59B8-60FC107B3A1B}"/>
+                <a16:creationId xmlns:a16="http://schemas.microsoft.com/office/drawing/2014/main" id="{D6E31CD5-654D-8018-C2D8-B77B8A95F53B}"/>
               </a:ext>
             </a:extLst>
           </p:cNvPr>
@@ -2674,9 +7841,9 @@
           <a:bodyPr/>
           <a:lstStyle/>
           <a:p>
-            <a:fld id="{A90BEB6E-A6D6-4633-8A8C-8C705DC93885}" type="datetimeFigureOut">
+            <a:fld id="{A2372F61-144E-41E8-907D-388CCAC1AB55}" type="datetimeFigureOut">
               <a:rPr lang="ru-RU" smtClean="0"/>
-              <a:t>17.06.2024</a:t>
+              <a:t>19.06.2024</a:t>
             </a:fld>
             <a:endParaRPr lang="ru-RU"/>
           </a:p>
@@ -2687,7 +7854,7 @@
           <p:cNvPr id="6" name="Нижний колонтитул 5">
             <a:extLst>
               <a:ext uri="{FF2B5EF4-FFF2-40B4-BE49-F238E27FC236}">
-                <a16:creationId xmlns:a16="http://schemas.microsoft.com/office/drawing/2014/main" id="{2BD8B723-BAB6-BF42-09D9-55A8689D742A}"/>
+                <a16:creationId xmlns:a16="http://schemas.microsoft.com/office/drawing/2014/main" id="{E1FDFFEE-2FB8-52FE-C4B6-F4AE302CC008}"/>
               </a:ext>
             </a:extLst>
           </p:cNvPr>
@@ -2712,7 +7879,7 @@
           <p:cNvPr id="7" name="Номер слайда 6">
             <a:extLst>
               <a:ext uri="{FF2B5EF4-FFF2-40B4-BE49-F238E27FC236}">
-                <a16:creationId xmlns:a16="http://schemas.microsoft.com/office/drawing/2014/main" id="{ED4DC548-2086-40C9-29B0-46948151AF26}"/>
+                <a16:creationId xmlns:a16="http://schemas.microsoft.com/office/drawing/2014/main" id="{E8A782D5-749B-EF4E-3BA8-5FB89A4B7C0A}"/>
               </a:ext>
             </a:extLst>
           </p:cNvPr>
@@ -2728,7 +7895,7 @@
           <a:bodyPr/>
           <a:lstStyle/>
           <a:p>
-            <a:fld id="{A9DAD99F-2AFC-44F1-877A-8C1D70318ADC}" type="slidenum">
+            <a:fld id="{B2B157DA-1C1D-4985-82F5-3546DB21873D}" type="slidenum">
               <a:rPr lang="ru-RU" smtClean="0"/>
               <a:t>‹#›</a:t>
             </a:fld>
@@ -2739,7 +7906,7 @@
     </p:spTree>
     <p:extLst>
       <p:ext uri="{BB962C8B-B14F-4D97-AF65-F5344CB8AC3E}">
-        <p14:creationId xmlns:p14="http://schemas.microsoft.com/office/powerpoint/2010/main" val="258504818"/>
+        <p14:creationId xmlns:p14="http://schemas.microsoft.com/office/powerpoint/2010/main" val="512793440"/>
       </p:ext>
     </p:extLst>
   </p:cSld>
@@ -2776,7 +7943,7 @@
           <p:cNvPr id="2" name="Заголовок 1">
             <a:extLst>
               <a:ext uri="{FF2B5EF4-FFF2-40B4-BE49-F238E27FC236}">
-                <a16:creationId xmlns:a16="http://schemas.microsoft.com/office/drawing/2014/main" id="{07AC0A37-3097-B49D-032A-E4B12C901B0E}"/>
+                <a16:creationId xmlns:a16="http://schemas.microsoft.com/office/drawing/2014/main" id="{7A0EF9DE-FBDC-DDC8-53C2-E0CDB3D756CB}"/>
               </a:ext>
             </a:extLst>
           </p:cNvPr>
@@ -2814,7 +7981,7 @@
           <p:cNvPr id="3" name="Текст 2">
             <a:extLst>
               <a:ext uri="{FF2B5EF4-FFF2-40B4-BE49-F238E27FC236}">
-                <a16:creationId xmlns:a16="http://schemas.microsoft.com/office/drawing/2014/main" id="{72C52865-75C8-759F-85F6-7C5351CE35E7}"/>
+                <a16:creationId xmlns:a16="http://schemas.microsoft.com/office/drawing/2014/main" id="{22233616-32CB-169C-8C40-403850D40D97}"/>
               </a:ext>
             </a:extLst>
           </p:cNvPr>
@@ -2881,7 +8048,7 @@
           <p:cNvPr id="4" name="Дата 3">
             <a:extLst>
               <a:ext uri="{FF2B5EF4-FFF2-40B4-BE49-F238E27FC236}">
-                <a16:creationId xmlns:a16="http://schemas.microsoft.com/office/drawing/2014/main" id="{624C8FAF-260C-13E0-612F-B8768C1A488A}"/>
+                <a16:creationId xmlns:a16="http://schemas.microsoft.com/office/drawing/2014/main" id="{7DE3AEA5-9BB1-D50A-C4C8-436B98A3BDEA}"/>
               </a:ext>
             </a:extLst>
           </p:cNvPr>
@@ -2915,9 +8082,9 @@
             </a:lvl1pPr>
           </a:lstStyle>
           <a:p>
-            <a:fld id="{A90BEB6E-A6D6-4633-8A8C-8C705DC93885}" type="datetimeFigureOut">
+            <a:fld id="{A2372F61-144E-41E8-907D-388CCAC1AB55}" type="datetimeFigureOut">
               <a:rPr lang="ru-RU" smtClean="0"/>
-              <a:t>17.06.2024</a:t>
+              <a:t>19.06.2024</a:t>
             </a:fld>
             <a:endParaRPr lang="ru-RU"/>
           </a:p>
@@ -2928,7 +8095,7 @@
           <p:cNvPr id="5" name="Нижний колонтитул 4">
             <a:extLst>
               <a:ext uri="{FF2B5EF4-FFF2-40B4-BE49-F238E27FC236}">
-                <a16:creationId xmlns:a16="http://schemas.microsoft.com/office/drawing/2014/main" id="{DDDC599C-D0D9-9C58-E019-89B6EC89DB35}"/>
+                <a16:creationId xmlns:a16="http://schemas.microsoft.com/office/drawing/2014/main" id="{DF471447-F16A-335E-302E-B08EC19A0627}"/>
               </a:ext>
             </a:extLst>
           </p:cNvPr>
@@ -2971,7 +8138,7 @@
           <p:cNvPr id="6" name="Номер слайда 5">
             <a:extLst>
               <a:ext uri="{FF2B5EF4-FFF2-40B4-BE49-F238E27FC236}">
-                <a16:creationId xmlns:a16="http://schemas.microsoft.com/office/drawing/2014/main" id="{1BA3B2A9-67A8-BA2F-4390-2FBA6B515AF3}"/>
+                <a16:creationId xmlns:a16="http://schemas.microsoft.com/office/drawing/2014/main" id="{839B41C5-538E-1E3B-38BF-01F68E29F1E3}"/>
               </a:ext>
             </a:extLst>
           </p:cNvPr>
@@ -3005,7 +8172,7 @@
             </a:lvl1pPr>
           </a:lstStyle>
           <a:p>
-            <a:fld id="{A9DAD99F-2AFC-44F1-877A-8C1D70318ADC}" type="slidenum">
+            <a:fld id="{B2B157DA-1C1D-4985-82F5-3546DB21873D}" type="slidenum">
               <a:rPr lang="ru-RU" smtClean="0"/>
               <a:t>‹#›</a:t>
             </a:fld>
@@ -3016,7 +8183,7 @@
     </p:spTree>
     <p:extLst>
       <p:ext uri="{BB962C8B-B14F-4D97-AF65-F5344CB8AC3E}">
-        <p14:creationId xmlns:p14="http://schemas.microsoft.com/office/powerpoint/2010/main" val="3327167029"/>
+        <p14:creationId xmlns:p14="http://schemas.microsoft.com/office/powerpoint/2010/main" val="3421364582"/>
       </p:ext>
     </p:extLst>
   </p:cSld>
@@ -3334,12 +8501,62 @@
           <a:chExt cx="0" cy="0"/>
         </a:xfrm>
       </p:grpSpPr>
+      <p:sp>
+        <p:nvSpPr>
+          <p:cNvPr id="2" name="Заголовок 1">
+            <a:extLst>
+              <a:ext uri="{FF2B5EF4-FFF2-40B4-BE49-F238E27FC236}">
+                <a16:creationId xmlns:a16="http://schemas.microsoft.com/office/drawing/2014/main" id="{669A9FAF-4F3D-E6EA-3DF0-53F80F6FF717}"/>
+              </a:ext>
+            </a:extLst>
+          </p:cNvPr>
+          <p:cNvSpPr>
+            <a:spLocks noGrp="1"/>
+          </p:cNvSpPr>
+          <p:nvPr>
+            <p:ph type="ctrTitle"/>
+          </p:nvPr>
+        </p:nvSpPr>
+        <p:spPr/>
+        <p:txBody>
+          <a:bodyPr/>
+          <a:lstStyle/>
+          <a:p>
+            <a:endParaRPr lang="ru-RU"/>
+          </a:p>
+        </p:txBody>
+      </p:sp>
+      <p:sp>
+        <p:nvSpPr>
+          <p:cNvPr id="3" name="Подзаголовок 2">
+            <a:extLst>
+              <a:ext uri="{FF2B5EF4-FFF2-40B4-BE49-F238E27FC236}">
+                <a16:creationId xmlns:a16="http://schemas.microsoft.com/office/drawing/2014/main" id="{D926FBF8-27A6-B47C-C277-31E0E2F1250B}"/>
+              </a:ext>
+            </a:extLst>
+          </p:cNvPr>
+          <p:cNvSpPr>
+            <a:spLocks noGrp="1"/>
+          </p:cNvSpPr>
+          <p:nvPr>
+            <p:ph type="subTitle" idx="1"/>
+          </p:nvPr>
+        </p:nvSpPr>
+        <p:spPr/>
+        <p:txBody>
+          <a:bodyPr/>
+          <a:lstStyle/>
+          <a:p>
+            <a:endParaRPr lang="ru-RU"/>
+          </a:p>
+        </p:txBody>
+      </p:sp>
       <p:pic>
         <p:nvPicPr>
-          <p:cNvPr id="3" name="Рисунок 2">
+          <p:cNvPr id="5" name="Рисунок 4">
             <a:extLst>
               <a:ext uri="{FF2B5EF4-FFF2-40B4-BE49-F238E27FC236}">
-                <a16:creationId xmlns:a16="http://schemas.microsoft.com/office/drawing/2014/main" id="{BB77FA51-0B69-CB4A-79D7-2F21B0CD9E1A}"/>
+                <a16:creationId xmlns:a16="http://schemas.microsoft.com/office/drawing/2014/main" id="{09761EC9-BE34-7BCD-DDF3-96DD9ED52233}"/>
               </a:ext>
             </a:extLst>
           </p:cNvPr>
@@ -3349,7 +8566,7 @@
           <p:nvPr/>
         </p:nvPicPr>
         <p:blipFill>
-          <a:blip r:embed="rId2">
+          <a:blip r:embed="rId3">
             <a:extLst>
               <a:ext uri="{28A0092B-C50C-407E-A947-70E740481C1C}">
                 <a14:useLocalDpi xmlns:a14="http://schemas.microsoft.com/office/drawing/2010/main" val="0"/>
@@ -3373,7 +8590,7 @@
     </p:spTree>
     <p:extLst>
       <p:ext uri="{BB962C8B-B14F-4D97-AF65-F5344CB8AC3E}">
-        <p14:creationId xmlns:p14="http://schemas.microsoft.com/office/powerpoint/2010/main" val="1270663961"/>
+        <p14:creationId xmlns:p14="http://schemas.microsoft.com/office/powerpoint/2010/main" val="3073920190"/>
       </p:ext>
     </p:extLst>
   </p:cSld>
@@ -3405,7 +8622,7 @@
           <p:cNvPr id="3" name="Рисунок 2">
             <a:extLst>
               <a:ext uri="{FF2B5EF4-FFF2-40B4-BE49-F238E27FC236}">
-                <a16:creationId xmlns:a16="http://schemas.microsoft.com/office/drawing/2014/main" id="{D3A51162-F746-FD6F-CBE9-554C68D0B5E9}"/>
+                <a16:creationId xmlns:a16="http://schemas.microsoft.com/office/drawing/2014/main" id="{1275874D-9C30-2D91-CA04-EC4753D61C53}"/>
               </a:ext>
             </a:extLst>
           </p:cNvPr>
@@ -3415,7 +8632,7 @@
           <p:nvPr/>
         </p:nvPicPr>
         <p:blipFill>
-          <a:blip r:embed="rId2">
+          <a:blip r:embed="rId3">
             <a:extLst>
               <a:ext uri="{28A0092B-C50C-407E-A947-70E740481C1C}">
                 <a14:useLocalDpi xmlns:a14="http://schemas.microsoft.com/office/drawing/2010/main" val="0"/>
@@ -3439,7 +8656,7 @@
     </p:spTree>
     <p:extLst>
       <p:ext uri="{BB962C8B-B14F-4D97-AF65-F5344CB8AC3E}">
-        <p14:creationId xmlns:p14="http://schemas.microsoft.com/office/powerpoint/2010/main" val="1087650266"/>
+        <p14:creationId xmlns:p14="http://schemas.microsoft.com/office/powerpoint/2010/main" val="1939909720"/>
       </p:ext>
     </p:extLst>
   </p:cSld>
@@ -3471,7 +8688,7 @@
           <p:cNvPr id="3" name="Рисунок 2">
             <a:extLst>
               <a:ext uri="{FF2B5EF4-FFF2-40B4-BE49-F238E27FC236}">
-                <a16:creationId xmlns:a16="http://schemas.microsoft.com/office/drawing/2014/main" id="{8406B70A-CE81-8998-A9DC-E816C381505D}"/>
+                <a16:creationId xmlns:a16="http://schemas.microsoft.com/office/drawing/2014/main" id="{FF98EB9D-3414-B500-A9C8-07AFA9E7617E}"/>
               </a:ext>
             </a:extLst>
           </p:cNvPr>
@@ -3481,7 +8698,7 @@
           <p:nvPr/>
         </p:nvPicPr>
         <p:blipFill>
-          <a:blip r:embed="rId2">
+          <a:blip r:embed="rId3">
             <a:extLst>
               <a:ext uri="{28A0092B-C50C-407E-A947-70E740481C1C}">
                 <a14:useLocalDpi xmlns:a14="http://schemas.microsoft.com/office/drawing/2010/main" val="0"/>
@@ -3505,7 +8722,7 @@
     </p:spTree>
     <p:extLst>
       <p:ext uri="{BB962C8B-B14F-4D97-AF65-F5344CB8AC3E}">
-        <p14:creationId xmlns:p14="http://schemas.microsoft.com/office/powerpoint/2010/main" val="1523831092"/>
+        <p14:creationId xmlns:p14="http://schemas.microsoft.com/office/powerpoint/2010/main" val="1395721990"/>
       </p:ext>
     </p:extLst>
   </p:cSld>
@@ -3537,7 +8754,7 @@
           <p:cNvPr id="3" name="Рисунок 2">
             <a:extLst>
               <a:ext uri="{FF2B5EF4-FFF2-40B4-BE49-F238E27FC236}">
-                <a16:creationId xmlns:a16="http://schemas.microsoft.com/office/drawing/2014/main" id="{7C0F31CC-7F9E-C50F-47E7-982C31BAB9C1}"/>
+                <a16:creationId xmlns:a16="http://schemas.microsoft.com/office/drawing/2014/main" id="{985DFD08-D6BE-A469-BE62-0DC0E45CB8A6}"/>
               </a:ext>
             </a:extLst>
           </p:cNvPr>
@@ -3547,7 +8764,7 @@
           <p:nvPr/>
         </p:nvPicPr>
         <p:blipFill>
-          <a:blip r:embed="rId2">
+          <a:blip r:embed="rId3">
             <a:extLst>
               <a:ext uri="{28A0092B-C50C-407E-A947-70E740481C1C}">
                 <a14:useLocalDpi xmlns:a14="http://schemas.microsoft.com/office/drawing/2010/main" val="0"/>
@@ -3571,7 +8788,7 @@
     </p:spTree>
     <p:extLst>
       <p:ext uri="{BB962C8B-B14F-4D97-AF65-F5344CB8AC3E}">
-        <p14:creationId xmlns:p14="http://schemas.microsoft.com/office/powerpoint/2010/main" val="3141885391"/>
+        <p14:creationId xmlns:p14="http://schemas.microsoft.com/office/powerpoint/2010/main" val="639321195"/>
       </p:ext>
     </p:extLst>
   </p:cSld>
@@ -3600,10 +8817,10 @@
       </p:grpSpPr>
       <p:pic>
         <p:nvPicPr>
-          <p:cNvPr id="5" name="Рисунок 4">
+          <p:cNvPr id="3" name="Рисунок 2">
             <a:extLst>
               <a:ext uri="{FF2B5EF4-FFF2-40B4-BE49-F238E27FC236}">
-                <a16:creationId xmlns:a16="http://schemas.microsoft.com/office/drawing/2014/main" id="{D3B89153-D9AF-2425-1F27-5BAB49FBB2B5}"/>
+                <a16:creationId xmlns:a16="http://schemas.microsoft.com/office/drawing/2014/main" id="{2EC85F2A-9C63-11B1-8138-2429E5B5AB2C}"/>
               </a:ext>
             </a:extLst>
           </p:cNvPr>
@@ -3613,7 +8830,7 @@
           <p:nvPr/>
         </p:nvPicPr>
         <p:blipFill>
-          <a:blip r:embed="rId2">
+          <a:blip r:embed="rId3">
             <a:extLst>
               <a:ext uri="{28A0092B-C50C-407E-A947-70E740481C1C}">
                 <a14:useLocalDpi xmlns:a14="http://schemas.microsoft.com/office/drawing/2010/main" val="0"/>
@@ -3637,7 +8854,7 @@
     </p:spTree>
     <p:extLst>
       <p:ext uri="{BB962C8B-B14F-4D97-AF65-F5344CB8AC3E}">
-        <p14:creationId xmlns:p14="http://schemas.microsoft.com/office/powerpoint/2010/main" val="1484445654"/>
+        <p14:creationId xmlns:p14="http://schemas.microsoft.com/office/powerpoint/2010/main" val="2708735003"/>
       </p:ext>
     </p:extLst>
   </p:cSld>
@@ -3666,10 +8883,10 @@
       </p:grpSpPr>
       <p:pic>
         <p:nvPicPr>
-          <p:cNvPr id="5" name="Рисунок 4">
+          <p:cNvPr id="3" name="Рисунок 2">
             <a:extLst>
               <a:ext uri="{FF2B5EF4-FFF2-40B4-BE49-F238E27FC236}">
-                <a16:creationId xmlns:a16="http://schemas.microsoft.com/office/drawing/2014/main" id="{DE2B9582-3012-C445-96D1-D335DF4AD260}"/>
+                <a16:creationId xmlns:a16="http://schemas.microsoft.com/office/drawing/2014/main" id="{5BB06D81-A679-2E82-F538-DFE1D7D09270}"/>
               </a:ext>
             </a:extLst>
           </p:cNvPr>
@@ -3679,7 +8896,43 @@
           <p:nvPr/>
         </p:nvPicPr>
         <p:blipFill>
-          <a:blip r:embed="rId2">
+          <a:blip r:embed="rId3">
+            <a:extLst>
+              <a:ext uri="{28A0092B-C50C-407E-A947-70E740481C1C}">
+                <a14:useLocalDpi xmlns:a14="http://schemas.microsoft.com/office/drawing/2010/main" val="0"/>
+              </a:ext>
+            </a:extLst>
+          </a:blip>
+          <a:stretch>
+            <a:fillRect/>
+          </a:stretch>
+        </p:blipFill>
+        <p:spPr>
+          <a:xfrm>
+            <a:off x="0" y="0"/>
+            <a:ext cx="12192000" cy="6858000"/>
+          </a:xfrm>
+          <a:prstGeom prst="rect">
+            <a:avLst/>
+          </a:prstGeom>
+        </p:spPr>
+      </p:pic>
+      <p:pic>
+        <p:nvPicPr>
+          <p:cNvPr id="6" name="Рисунок 5">
+            <a:extLst>
+              <a:ext uri="{FF2B5EF4-FFF2-40B4-BE49-F238E27FC236}">
+                <a16:creationId xmlns:a16="http://schemas.microsoft.com/office/drawing/2014/main" id="{53CD7250-312D-7496-6C0E-A8C2C70EFC91}"/>
+              </a:ext>
+            </a:extLst>
+          </p:cNvPr>
+          <p:cNvPicPr>
+            <a:picLocks noChangeAspect="1"/>
+          </p:cNvPicPr>
+          <p:nvPr/>
+        </p:nvPicPr>
+        <p:blipFill>
+          <a:blip r:embed="rId4">
             <a:extLst>
               <a:ext uri="{28A0092B-C50C-407E-A947-70E740481C1C}">
                 <a14:useLocalDpi xmlns:a14="http://schemas.microsoft.com/office/drawing/2010/main" val="0"/>
@@ -3703,7 +8956,7 @@
     </p:spTree>
     <p:extLst>
       <p:ext uri="{BB962C8B-B14F-4D97-AF65-F5344CB8AC3E}">
-        <p14:creationId xmlns:p14="http://schemas.microsoft.com/office/powerpoint/2010/main" val="500883480"/>
+        <p14:creationId xmlns:p14="http://schemas.microsoft.com/office/powerpoint/2010/main" val="2897870378"/>
       </p:ext>
     </p:extLst>
   </p:cSld>
@@ -3713,7 +8966,7 @@
 </p:sld>
 </file>
 
-<file path=ppt/slides/slide2.xml><?xml version="1.0" encoding="utf-8"?>
+<file path=ppt/slides/slide15.xml><?xml version="1.0" encoding="utf-8"?>
 <p:sld xmlns:a="http://schemas.openxmlformats.org/drawingml/2006/main" xmlns:r="http://schemas.openxmlformats.org/officeDocument/2006/relationships" xmlns:p="http://schemas.openxmlformats.org/presentationml/2006/main">
   <p:cSld>
     <p:spTree>
@@ -3732,10 +8985,10 @@
       </p:grpSpPr>
       <p:pic>
         <p:nvPicPr>
-          <p:cNvPr id="3" name="Рисунок 2">
+          <p:cNvPr id="5" name="Рисунок 4">
             <a:extLst>
               <a:ext uri="{FF2B5EF4-FFF2-40B4-BE49-F238E27FC236}">
-                <a16:creationId xmlns:a16="http://schemas.microsoft.com/office/drawing/2014/main" id="{5B433698-81F2-B41B-3675-2E752AAF5DCD}"/>
+                <a16:creationId xmlns:a16="http://schemas.microsoft.com/office/drawing/2014/main" id="{91F3E57A-75A3-E873-451A-26C9112F3496}"/>
               </a:ext>
             </a:extLst>
           </p:cNvPr>
@@ -3745,7 +8998,7 @@
           <p:nvPr/>
         </p:nvPicPr>
         <p:blipFill>
-          <a:blip r:embed="rId2">
+          <a:blip r:embed="rId3">
             <a:extLst>
               <a:ext uri="{28A0092B-C50C-407E-A947-70E740481C1C}">
                 <a14:useLocalDpi xmlns:a14="http://schemas.microsoft.com/office/drawing/2010/main" val="0"/>
@@ -3769,7 +9022,85 @@
     </p:spTree>
     <p:extLst>
       <p:ext uri="{BB962C8B-B14F-4D97-AF65-F5344CB8AC3E}">
-        <p14:creationId xmlns:p14="http://schemas.microsoft.com/office/powerpoint/2010/main" val="1223623525"/>
+        <p14:creationId xmlns:p14="http://schemas.microsoft.com/office/powerpoint/2010/main" val="34283553"/>
+      </p:ext>
+    </p:extLst>
+  </p:cSld>
+  <p:clrMapOvr>
+    <a:masterClrMapping/>
+  </p:clrMapOvr>
+  <mc:AlternateContent xmlns:mc="http://schemas.openxmlformats.org/markup-compatibility/2006">
+    <mc:Choice xmlns:p14="http://schemas.microsoft.com/office/powerpoint/2010/main" Requires="p14">
+      <p:transition spd="med" p14:dur="700">
+        <p:fade/>
+      </p:transition>
+    </mc:Choice>
+    <mc:Fallback>
+      <p:transition spd="med">
+        <p:fade/>
+      </p:transition>
+    </mc:Fallback>
+  </mc:AlternateContent>
+</p:sld>
+</file>
+
+<file path=ppt/slides/slide2.xml><?xml version="1.0" encoding="utf-8"?>
+<p:sld xmlns:a="http://schemas.openxmlformats.org/drawingml/2006/main" xmlns:r="http://schemas.openxmlformats.org/officeDocument/2006/relationships" xmlns:p="http://schemas.openxmlformats.org/presentationml/2006/main">
+  <p:cSld>
+    <p:spTree>
+      <p:nvGrpSpPr>
+        <p:cNvPr id="1" name=""/>
+        <p:cNvGrpSpPr/>
+        <p:nvPr/>
+      </p:nvGrpSpPr>
+      <p:grpSpPr>
+        <a:xfrm>
+          <a:off x="0" y="0"/>
+          <a:ext cx="0" cy="0"/>
+          <a:chOff x="0" y="0"/>
+          <a:chExt cx="0" cy="0"/>
+        </a:xfrm>
+      </p:grpSpPr>
+      <p:pic>
+        <p:nvPicPr>
+          <p:cNvPr id="5" name="Рисунок 4">
+            <a:extLst>
+              <a:ext uri="{FF2B5EF4-FFF2-40B4-BE49-F238E27FC236}">
+                <a16:creationId xmlns:a16="http://schemas.microsoft.com/office/drawing/2014/main" id="{9B1E5D5F-AF68-1C73-4BBB-B600946BD32E}"/>
+              </a:ext>
+            </a:extLst>
+          </p:cNvPr>
+          <p:cNvPicPr>
+            <a:picLocks noChangeAspect="1"/>
+          </p:cNvPicPr>
+          <p:nvPr/>
+        </p:nvPicPr>
+        <p:blipFill>
+          <a:blip r:embed="rId3">
+            <a:extLst>
+              <a:ext uri="{28A0092B-C50C-407E-A947-70E740481C1C}">
+                <a14:useLocalDpi xmlns:a14="http://schemas.microsoft.com/office/drawing/2010/main" val="0"/>
+              </a:ext>
+            </a:extLst>
+          </a:blip>
+          <a:stretch>
+            <a:fillRect/>
+          </a:stretch>
+        </p:blipFill>
+        <p:spPr>
+          <a:xfrm>
+            <a:off x="0" y="0"/>
+            <a:ext cx="12192000" cy="6858000"/>
+          </a:xfrm>
+          <a:prstGeom prst="rect">
+            <a:avLst/>
+          </a:prstGeom>
+        </p:spPr>
+      </p:pic>
+    </p:spTree>
+    <p:extLst>
+      <p:ext uri="{BB962C8B-B14F-4D97-AF65-F5344CB8AC3E}">
+        <p14:creationId xmlns:p14="http://schemas.microsoft.com/office/powerpoint/2010/main" val="1793610227"/>
       </p:ext>
     </p:extLst>
   </p:cSld>
@@ -3801,7 +9132,7 @@
           <p:cNvPr id="3" name="Рисунок 2">
             <a:extLst>
               <a:ext uri="{FF2B5EF4-FFF2-40B4-BE49-F238E27FC236}">
-                <a16:creationId xmlns:a16="http://schemas.microsoft.com/office/drawing/2014/main" id="{3D5D65C9-BC1F-CE7F-EE0E-190790D7C948}"/>
+                <a16:creationId xmlns:a16="http://schemas.microsoft.com/office/drawing/2014/main" id="{785AB506-CFCD-A1A6-E771-A14293A6FEFC}"/>
               </a:ext>
             </a:extLst>
           </p:cNvPr>
@@ -3811,7 +9142,43 @@
           <p:nvPr/>
         </p:nvPicPr>
         <p:blipFill>
-          <a:blip r:embed="rId2">
+          <a:blip r:embed="rId3">
+            <a:extLst>
+              <a:ext uri="{28A0092B-C50C-407E-A947-70E740481C1C}">
+                <a14:useLocalDpi xmlns:a14="http://schemas.microsoft.com/office/drawing/2010/main" val="0"/>
+              </a:ext>
+            </a:extLst>
+          </a:blip>
+          <a:stretch>
+            <a:fillRect/>
+          </a:stretch>
+        </p:blipFill>
+        <p:spPr>
+          <a:xfrm>
+            <a:off x="0" y="0"/>
+            <a:ext cx="12192000" cy="6858000"/>
+          </a:xfrm>
+          <a:prstGeom prst="rect">
+            <a:avLst/>
+          </a:prstGeom>
+        </p:spPr>
+      </p:pic>
+      <p:pic>
+        <p:nvPicPr>
+          <p:cNvPr id="5" name="Рисунок 4">
+            <a:extLst>
+              <a:ext uri="{FF2B5EF4-FFF2-40B4-BE49-F238E27FC236}">
+                <a16:creationId xmlns:a16="http://schemas.microsoft.com/office/drawing/2014/main" id="{CB31AA0D-FAFD-1529-0EE8-C3CBAC6C2CB7}"/>
+              </a:ext>
+            </a:extLst>
+          </p:cNvPr>
+          <p:cNvPicPr>
+            <a:picLocks noChangeAspect="1"/>
+          </p:cNvPicPr>
+          <p:nvPr/>
+        </p:nvPicPr>
+        <p:blipFill>
+          <a:blip r:embed="rId4">
             <a:extLst>
               <a:ext uri="{28A0092B-C50C-407E-A947-70E740481C1C}">
                 <a14:useLocalDpi xmlns:a14="http://schemas.microsoft.com/office/drawing/2010/main" val="0"/>
@@ -3835,7 +9202,7 @@
     </p:spTree>
     <p:extLst>
       <p:ext uri="{BB962C8B-B14F-4D97-AF65-F5344CB8AC3E}">
-        <p14:creationId xmlns:p14="http://schemas.microsoft.com/office/powerpoint/2010/main" val="3294047133"/>
+        <p14:creationId xmlns:p14="http://schemas.microsoft.com/office/powerpoint/2010/main" val="1068334087"/>
       </p:ext>
     </p:extLst>
   </p:cSld>
@@ -3867,7 +9234,7 @@
           <p:cNvPr id="3" name="Рисунок 2">
             <a:extLst>
               <a:ext uri="{FF2B5EF4-FFF2-40B4-BE49-F238E27FC236}">
-                <a16:creationId xmlns:a16="http://schemas.microsoft.com/office/drawing/2014/main" id="{3923AC49-B4F5-C05F-22C3-DF17FD3C2340}"/>
+                <a16:creationId xmlns:a16="http://schemas.microsoft.com/office/drawing/2014/main" id="{98F29BA1-87E5-0548-629F-B7BC9F47F773}"/>
               </a:ext>
             </a:extLst>
           </p:cNvPr>
@@ -3877,7 +9244,7 @@
           <p:nvPr/>
         </p:nvPicPr>
         <p:blipFill>
-          <a:blip r:embed="rId2">
+          <a:blip r:embed="rId3">
             <a:extLst>
               <a:ext uri="{28A0092B-C50C-407E-A947-70E740481C1C}">
                 <a14:useLocalDpi xmlns:a14="http://schemas.microsoft.com/office/drawing/2010/main" val="0"/>
@@ -3901,7 +9268,7 @@
     </p:spTree>
     <p:extLst>
       <p:ext uri="{BB962C8B-B14F-4D97-AF65-F5344CB8AC3E}">
-        <p14:creationId xmlns:p14="http://schemas.microsoft.com/office/powerpoint/2010/main" val="1070932122"/>
+        <p14:creationId xmlns:p14="http://schemas.microsoft.com/office/powerpoint/2010/main" val="4249598121"/>
       </p:ext>
     </p:extLst>
   </p:cSld>
@@ -3933,7 +9300,7 @@
           <p:cNvPr id="3" name="Рисунок 2">
             <a:extLst>
               <a:ext uri="{FF2B5EF4-FFF2-40B4-BE49-F238E27FC236}">
-                <a16:creationId xmlns:a16="http://schemas.microsoft.com/office/drawing/2014/main" id="{B97E25AA-1E0F-EEFE-A05F-515C4DB69125}"/>
+                <a16:creationId xmlns:a16="http://schemas.microsoft.com/office/drawing/2014/main" id="{1737C39B-EABF-146B-D213-34A4839C2367}"/>
               </a:ext>
             </a:extLst>
           </p:cNvPr>
@@ -3943,7 +9310,7 @@
           <p:nvPr/>
         </p:nvPicPr>
         <p:blipFill>
-          <a:blip r:embed="rId2">
+          <a:blip r:embed="rId3">
             <a:extLst>
               <a:ext uri="{28A0092B-C50C-407E-A947-70E740481C1C}">
                 <a14:useLocalDpi xmlns:a14="http://schemas.microsoft.com/office/drawing/2010/main" val="0"/>
@@ -3964,10 +9331,184 @@
           </a:prstGeom>
         </p:spPr>
       </p:pic>
+      <mc:AlternateContent xmlns:mc="http://schemas.openxmlformats.org/markup-compatibility/2006">
+        <mc:Choice xmlns:p14="http://schemas.microsoft.com/office/powerpoint/2010/main" Requires="p14">
+          <p:contentPart p14:bwMode="auto" r:id="rId4">
+            <p14:nvContentPartPr>
+              <p14:cNvPr id="4" name="Рукописный ввод 3">
+                <a:extLst>
+                  <a:ext uri="{FF2B5EF4-FFF2-40B4-BE49-F238E27FC236}">
+                    <a16:creationId xmlns:a16="http://schemas.microsoft.com/office/drawing/2014/main" id="{1CBAF958-901B-D7CE-6137-CB4F77A39DF3}"/>
+                  </a:ext>
+                </a:extLst>
+              </p14:cNvPr>
+              <p14:cNvContentPartPr/>
+              <p14:nvPr/>
+            </p14:nvContentPartPr>
+            <p14:xfrm>
+              <a:off x="3518265" y="4419345"/>
+              <a:ext cx="200880" cy="704160"/>
+            </p14:xfrm>
+          </p:contentPart>
+        </mc:Choice>
+        <mc:Fallback>
+          <p:pic>
+            <p:nvPicPr>
+              <p:cNvPr id="4" name="Рукописный ввод 3">
+                <a:extLst>
+                  <a:ext uri="{FF2B5EF4-FFF2-40B4-BE49-F238E27FC236}">
+                    <a16:creationId xmlns:a16="http://schemas.microsoft.com/office/drawing/2014/main" id="{1CBAF958-901B-D7CE-6137-CB4F77A39DF3}"/>
+                  </a:ext>
+                </a:extLst>
+              </p:cNvPr>
+              <p:cNvPicPr/>
+              <p:nvPr/>
+            </p:nvPicPr>
+            <p:blipFill>
+              <a:blip r:embed="rId5"/>
+              <a:stretch>
+                <a:fillRect/>
+              </a:stretch>
+            </p:blipFill>
+            <p:spPr>
+              <a:xfrm>
+                <a:off x="3482625" y="4383705"/>
+                <a:ext cx="272520" cy="775800"/>
+              </a:xfrm>
+              <a:prstGeom prst="rect">
+                <a:avLst/>
+              </a:prstGeom>
+            </p:spPr>
+          </p:pic>
+        </mc:Fallback>
+      </mc:AlternateContent>
+      <p:grpSp>
+        <p:nvGrpSpPr>
+          <p:cNvPr id="7" name="Группа 6">
+            <a:extLst>
+              <a:ext uri="{FF2B5EF4-FFF2-40B4-BE49-F238E27FC236}">
+                <a16:creationId xmlns:a16="http://schemas.microsoft.com/office/drawing/2014/main" id="{FFF66A91-2718-9815-8C19-07D999F05D03}"/>
+              </a:ext>
+            </a:extLst>
+          </p:cNvPr>
+          <p:cNvGrpSpPr/>
+          <p:nvPr/>
+        </p:nvGrpSpPr>
+        <p:grpSpPr>
+          <a:xfrm>
+            <a:off x="3514665" y="4739025"/>
+            <a:ext cx="217440" cy="590760"/>
+            <a:chOff x="3514665" y="4739025"/>
+            <a:chExt cx="217440" cy="590760"/>
+          </a:xfrm>
+        </p:grpSpPr>
+        <mc:AlternateContent xmlns:mc="http://schemas.openxmlformats.org/markup-compatibility/2006">
+          <mc:Choice xmlns:p14="http://schemas.microsoft.com/office/powerpoint/2010/main" Requires="p14">
+            <p:contentPart p14:bwMode="auto" r:id="rId6">
+              <p14:nvContentPartPr>
+                <p14:cNvPr id="5" name="Рукописный ввод 4">
+                  <a:extLst>
+                    <a:ext uri="{FF2B5EF4-FFF2-40B4-BE49-F238E27FC236}">
+                      <a16:creationId xmlns:a16="http://schemas.microsoft.com/office/drawing/2014/main" id="{54F48DBB-08F0-B30F-6446-D9EBF4226520}"/>
+                    </a:ext>
+                  </a:extLst>
+                </p14:cNvPr>
+                <p14:cNvContentPartPr/>
+                <p14:nvPr/>
+              </p14:nvContentPartPr>
+              <p14:xfrm>
+                <a:off x="3574425" y="4739025"/>
+                <a:ext cx="157680" cy="590760"/>
+              </p14:xfrm>
+            </p:contentPart>
+          </mc:Choice>
+          <mc:Fallback>
+            <p:pic>
+              <p:nvPicPr>
+                <p:cNvPr id="5" name="Рукописный ввод 4">
+                  <a:extLst>
+                    <a:ext uri="{FF2B5EF4-FFF2-40B4-BE49-F238E27FC236}">
+                      <a16:creationId xmlns:a16="http://schemas.microsoft.com/office/drawing/2014/main" id="{54F48DBB-08F0-B30F-6446-D9EBF4226520}"/>
+                    </a:ext>
+                  </a:extLst>
+                </p:cNvPr>
+                <p:cNvPicPr/>
+                <p:nvPr/>
+              </p:nvPicPr>
+              <p:blipFill>
+                <a:blip r:embed="rId7"/>
+                <a:stretch>
+                  <a:fillRect/>
+                </a:stretch>
+              </p:blipFill>
+              <p:spPr>
+                <a:xfrm>
+                  <a:off x="3538425" y="4703025"/>
+                  <a:ext cx="229320" cy="662400"/>
+                </a:xfrm>
+                <a:prstGeom prst="rect">
+                  <a:avLst/>
+                </a:prstGeom>
+              </p:spPr>
+            </p:pic>
+          </mc:Fallback>
+        </mc:AlternateContent>
+        <mc:AlternateContent xmlns:mc="http://schemas.openxmlformats.org/markup-compatibility/2006">
+          <mc:Choice xmlns:p14="http://schemas.microsoft.com/office/powerpoint/2010/main" Requires="p14">
+            <p:contentPart p14:bwMode="auto" r:id="rId8">
+              <p14:nvContentPartPr>
+                <p14:cNvPr id="6" name="Рукописный ввод 5">
+                  <a:extLst>
+                    <a:ext uri="{FF2B5EF4-FFF2-40B4-BE49-F238E27FC236}">
+                      <a16:creationId xmlns:a16="http://schemas.microsoft.com/office/drawing/2014/main" id="{318ED539-9664-CE70-F3BE-A1458B47B8B7}"/>
+                    </a:ext>
+                  </a:extLst>
+                </p14:cNvPr>
+                <p14:cNvContentPartPr/>
+                <p14:nvPr/>
+              </p14:nvContentPartPr>
+              <p14:xfrm>
+                <a:off x="3514665" y="5174985"/>
+                <a:ext cx="50040" cy="63360"/>
+              </p14:xfrm>
+            </p:contentPart>
+          </mc:Choice>
+          <mc:Fallback>
+            <p:pic>
+              <p:nvPicPr>
+                <p:cNvPr id="6" name="Рукописный ввод 5">
+                  <a:extLst>
+                    <a:ext uri="{FF2B5EF4-FFF2-40B4-BE49-F238E27FC236}">
+                      <a16:creationId xmlns:a16="http://schemas.microsoft.com/office/drawing/2014/main" id="{318ED539-9664-CE70-F3BE-A1458B47B8B7}"/>
+                    </a:ext>
+                  </a:extLst>
+                </p:cNvPr>
+                <p:cNvPicPr/>
+                <p:nvPr/>
+              </p:nvPicPr>
+              <p:blipFill>
+                <a:blip r:embed="rId9"/>
+                <a:stretch>
+                  <a:fillRect/>
+                </a:stretch>
+              </p:blipFill>
+              <p:spPr>
+                <a:xfrm>
+                  <a:off x="3479025" y="5139345"/>
+                  <a:ext cx="121680" cy="135000"/>
+                </a:xfrm>
+                <a:prstGeom prst="rect">
+                  <a:avLst/>
+                </a:prstGeom>
+              </p:spPr>
+            </p:pic>
+          </mc:Fallback>
+        </mc:AlternateContent>
+      </p:grpSp>
     </p:spTree>
     <p:extLst>
       <p:ext uri="{BB962C8B-B14F-4D97-AF65-F5344CB8AC3E}">
-        <p14:creationId xmlns:p14="http://schemas.microsoft.com/office/powerpoint/2010/main" val="3365611742"/>
+        <p14:creationId xmlns:p14="http://schemas.microsoft.com/office/powerpoint/2010/main" val="447819902"/>
       </p:ext>
     </p:extLst>
   </p:cSld>
@@ -3999,7 +9540,7 @@
           <p:cNvPr id="3" name="Рисунок 2">
             <a:extLst>
               <a:ext uri="{FF2B5EF4-FFF2-40B4-BE49-F238E27FC236}">
-                <a16:creationId xmlns:a16="http://schemas.microsoft.com/office/drawing/2014/main" id="{74590A41-F8AF-6D3E-3853-086C172E4502}"/>
+                <a16:creationId xmlns:a16="http://schemas.microsoft.com/office/drawing/2014/main" id="{D7B020CF-BB6F-8133-7FD0-15FC73B7E503}"/>
               </a:ext>
             </a:extLst>
           </p:cNvPr>
@@ -4009,7 +9550,7 @@
           <p:nvPr/>
         </p:nvPicPr>
         <p:blipFill>
-          <a:blip r:embed="rId2">
+          <a:blip r:embed="rId3">
             <a:extLst>
               <a:ext uri="{28A0092B-C50C-407E-A947-70E740481C1C}">
                 <a14:useLocalDpi xmlns:a14="http://schemas.microsoft.com/office/drawing/2010/main" val="0"/>
@@ -4030,10 +9571,163 @@
           </a:prstGeom>
         </p:spPr>
       </p:pic>
+      <mc:AlternateContent xmlns:mc="http://schemas.openxmlformats.org/markup-compatibility/2006">
+        <mc:Choice xmlns:p14="http://schemas.microsoft.com/office/powerpoint/2010/main" Requires="p14">
+          <p:contentPart p14:bwMode="auto" r:id="rId4">
+            <p14:nvContentPartPr>
+              <p14:cNvPr id="6" name="Рукописный ввод 5">
+                <a:extLst>
+                  <a:ext uri="{FF2B5EF4-FFF2-40B4-BE49-F238E27FC236}">
+                    <a16:creationId xmlns:a16="http://schemas.microsoft.com/office/drawing/2014/main" id="{A68DD82E-F515-5A40-05EF-B658DD732EA1}"/>
+                  </a:ext>
+                </a:extLst>
+              </p14:cNvPr>
+              <p14:cNvContentPartPr/>
+              <p14:nvPr/>
+            </p14:nvContentPartPr>
+            <p14:xfrm>
+              <a:off x="1704225" y="5910105"/>
+              <a:ext cx="794160" cy="424440"/>
+            </p14:xfrm>
+          </p:contentPart>
+        </mc:Choice>
+        <mc:Fallback>
+          <p:pic>
+            <p:nvPicPr>
+              <p:cNvPr id="6" name="Рукописный ввод 5">
+                <a:extLst>
+                  <a:ext uri="{FF2B5EF4-FFF2-40B4-BE49-F238E27FC236}">
+                    <a16:creationId xmlns:a16="http://schemas.microsoft.com/office/drawing/2014/main" id="{A68DD82E-F515-5A40-05EF-B658DD732EA1}"/>
+                  </a:ext>
+                </a:extLst>
+              </p:cNvPr>
+              <p:cNvPicPr/>
+              <p:nvPr/>
+            </p:nvPicPr>
+            <p:blipFill>
+              <a:blip r:embed="rId5"/>
+              <a:stretch>
+                <a:fillRect/>
+              </a:stretch>
+            </p:blipFill>
+            <p:spPr>
+              <a:xfrm>
+                <a:off x="1668225" y="5874105"/>
+                <a:ext cx="865800" cy="496080"/>
+              </a:xfrm>
+              <a:prstGeom prst="rect">
+                <a:avLst/>
+              </a:prstGeom>
+            </p:spPr>
+          </p:pic>
+        </mc:Fallback>
+      </mc:AlternateContent>
+      <mc:AlternateContent xmlns:mc="http://schemas.openxmlformats.org/markup-compatibility/2006">
+        <mc:Choice xmlns:p14="http://schemas.microsoft.com/office/powerpoint/2010/main" Requires="p14">
+          <p:contentPart p14:bwMode="auto" r:id="rId6">
+            <p14:nvContentPartPr>
+              <p14:cNvPr id="8" name="Рукописный ввод 7">
+                <a:extLst>
+                  <a:ext uri="{FF2B5EF4-FFF2-40B4-BE49-F238E27FC236}">
+                    <a16:creationId xmlns:a16="http://schemas.microsoft.com/office/drawing/2014/main" id="{E659482B-6992-5DD7-9DF5-77F51D3DECD0}"/>
+                  </a:ext>
+                </a:extLst>
+              </p14:cNvPr>
+              <p14:cNvContentPartPr/>
+              <p14:nvPr/>
+            </p14:nvContentPartPr>
+            <p14:xfrm>
+              <a:off x="1479585" y="5985705"/>
+              <a:ext cx="360" cy="242640"/>
+            </p14:xfrm>
+          </p:contentPart>
+        </mc:Choice>
+        <mc:Fallback>
+          <p:pic>
+            <p:nvPicPr>
+              <p:cNvPr id="8" name="Рукописный ввод 7">
+                <a:extLst>
+                  <a:ext uri="{FF2B5EF4-FFF2-40B4-BE49-F238E27FC236}">
+                    <a16:creationId xmlns:a16="http://schemas.microsoft.com/office/drawing/2014/main" id="{E659482B-6992-5DD7-9DF5-77F51D3DECD0}"/>
+                  </a:ext>
+                </a:extLst>
+              </p:cNvPr>
+              <p:cNvPicPr/>
+              <p:nvPr/>
+            </p:nvPicPr>
+            <p:blipFill>
+              <a:blip r:embed="rId7"/>
+              <a:stretch>
+                <a:fillRect/>
+              </a:stretch>
+            </p:blipFill>
+            <p:spPr>
+              <a:xfrm>
+                <a:off x="1443945" y="5949705"/>
+                <a:ext cx="72000" cy="314280"/>
+              </a:xfrm>
+              <a:prstGeom prst="rect">
+                <a:avLst/>
+              </a:prstGeom>
+            </p:spPr>
+          </p:pic>
+        </mc:Fallback>
+      </mc:AlternateContent>
+      <mc:AlternateContent xmlns:mc="http://schemas.openxmlformats.org/markup-compatibility/2006">
+        <mc:Choice xmlns:p14="http://schemas.microsoft.com/office/powerpoint/2010/main" Requires="p14">
+          <p:contentPart p14:bwMode="auto" r:id="rId8">
+            <p14:nvContentPartPr>
+              <p14:cNvPr id="9" name="Рукописный ввод 8">
+                <a:extLst>
+                  <a:ext uri="{FF2B5EF4-FFF2-40B4-BE49-F238E27FC236}">
+                    <a16:creationId xmlns:a16="http://schemas.microsoft.com/office/drawing/2014/main" id="{79CD4BE1-F224-CE8A-C08A-C88A24081452}"/>
+                  </a:ext>
+                </a:extLst>
+              </p14:cNvPr>
+              <p14:cNvContentPartPr/>
+              <p14:nvPr/>
+            </p14:nvContentPartPr>
+            <p14:xfrm>
+              <a:off x="1488945" y="5844585"/>
+              <a:ext cx="588600" cy="471600"/>
+            </p14:xfrm>
+          </p:contentPart>
+        </mc:Choice>
+        <mc:Fallback>
+          <p:pic>
+            <p:nvPicPr>
+              <p:cNvPr id="9" name="Рукописный ввод 8">
+                <a:extLst>
+                  <a:ext uri="{FF2B5EF4-FFF2-40B4-BE49-F238E27FC236}">
+                    <a16:creationId xmlns:a16="http://schemas.microsoft.com/office/drawing/2014/main" id="{79CD4BE1-F224-CE8A-C08A-C88A24081452}"/>
+                  </a:ext>
+                </a:extLst>
+              </p:cNvPr>
+              <p:cNvPicPr/>
+              <p:nvPr/>
+            </p:nvPicPr>
+            <p:blipFill>
+              <a:blip r:embed="rId9"/>
+              <a:stretch>
+                <a:fillRect/>
+              </a:stretch>
+            </p:blipFill>
+            <p:spPr>
+              <a:xfrm>
+                <a:off x="1453305" y="5808945"/>
+                <a:ext cx="660240" cy="543240"/>
+              </a:xfrm>
+              <a:prstGeom prst="rect">
+                <a:avLst/>
+              </a:prstGeom>
+            </p:spPr>
+          </p:pic>
+        </mc:Fallback>
+      </mc:AlternateContent>
     </p:spTree>
     <p:extLst>
       <p:ext uri="{BB962C8B-B14F-4D97-AF65-F5344CB8AC3E}">
-        <p14:creationId xmlns:p14="http://schemas.microsoft.com/office/powerpoint/2010/main" val="2034681863"/>
+        <p14:creationId xmlns:p14="http://schemas.microsoft.com/office/powerpoint/2010/main" val="2721428890"/>
       </p:ext>
     </p:extLst>
   </p:cSld>
@@ -4065,7 +9759,7 @@
           <p:cNvPr id="3" name="Рисунок 2">
             <a:extLst>
               <a:ext uri="{FF2B5EF4-FFF2-40B4-BE49-F238E27FC236}">
-                <a16:creationId xmlns:a16="http://schemas.microsoft.com/office/drawing/2014/main" id="{2CBEDCA7-241C-DDD1-0889-56C0EA0140CA}"/>
+                <a16:creationId xmlns:a16="http://schemas.microsoft.com/office/drawing/2014/main" id="{2C5BF261-CCA8-D391-FC72-38C4240F8492}"/>
               </a:ext>
             </a:extLst>
           </p:cNvPr>
@@ -4075,7 +9769,7 @@
           <p:nvPr/>
         </p:nvPicPr>
         <p:blipFill>
-          <a:blip r:embed="rId2">
+          <a:blip r:embed="rId3">
             <a:extLst>
               <a:ext uri="{28A0092B-C50C-407E-A947-70E740481C1C}">
                 <a14:useLocalDpi xmlns:a14="http://schemas.microsoft.com/office/drawing/2010/main" val="0"/>
@@ -4099,7 +9793,7 @@
     </p:spTree>
     <p:extLst>
       <p:ext uri="{BB962C8B-B14F-4D97-AF65-F5344CB8AC3E}">
-        <p14:creationId xmlns:p14="http://schemas.microsoft.com/office/powerpoint/2010/main" val="1556652297"/>
+        <p14:creationId xmlns:p14="http://schemas.microsoft.com/office/powerpoint/2010/main" val="558343331"/>
       </p:ext>
     </p:extLst>
   </p:cSld>
@@ -4131,7 +9825,7 @@
           <p:cNvPr id="3" name="Рисунок 2">
             <a:extLst>
               <a:ext uri="{FF2B5EF4-FFF2-40B4-BE49-F238E27FC236}">
-                <a16:creationId xmlns:a16="http://schemas.microsoft.com/office/drawing/2014/main" id="{DD50A2CF-C634-7F45-58FD-F9FEA6551F6B}"/>
+                <a16:creationId xmlns:a16="http://schemas.microsoft.com/office/drawing/2014/main" id="{EC4022B9-CBAE-6C02-6ED5-AE45FC8DE48D}"/>
               </a:ext>
             </a:extLst>
           </p:cNvPr>
@@ -4141,7 +9835,7 @@
           <p:nvPr/>
         </p:nvPicPr>
         <p:blipFill>
-          <a:blip r:embed="rId2">
+          <a:blip r:embed="rId3">
             <a:extLst>
               <a:ext uri="{28A0092B-C50C-407E-A947-70E740481C1C}">
                 <a14:useLocalDpi xmlns:a14="http://schemas.microsoft.com/office/drawing/2010/main" val="0"/>
@@ -4165,7 +9859,7 @@
     </p:spTree>
     <p:extLst>
       <p:ext uri="{BB962C8B-B14F-4D97-AF65-F5344CB8AC3E}">
-        <p14:creationId xmlns:p14="http://schemas.microsoft.com/office/powerpoint/2010/main" val="1988224009"/>
+        <p14:creationId xmlns:p14="http://schemas.microsoft.com/office/powerpoint/2010/main" val="3678897221"/>
       </p:ext>
     </p:extLst>
   </p:cSld>
@@ -4197,7 +9891,7 @@
           <p:cNvPr id="3" name="Рисунок 2">
             <a:extLst>
               <a:ext uri="{FF2B5EF4-FFF2-40B4-BE49-F238E27FC236}">
-                <a16:creationId xmlns:a16="http://schemas.microsoft.com/office/drawing/2014/main" id="{BCFD65A0-4298-152C-1193-6577220EFD60}"/>
+                <a16:creationId xmlns:a16="http://schemas.microsoft.com/office/drawing/2014/main" id="{5D9D8278-B5BF-7B24-12F6-D156A853E361}"/>
               </a:ext>
             </a:extLst>
           </p:cNvPr>
@@ -4207,7 +9901,7 @@
           <p:nvPr/>
         </p:nvPicPr>
         <p:blipFill>
-          <a:blip r:embed="rId2">
+          <a:blip r:embed="rId3">
             <a:extLst>
               <a:ext uri="{28A0092B-C50C-407E-A947-70E740481C1C}">
                 <a14:useLocalDpi xmlns:a14="http://schemas.microsoft.com/office/drawing/2010/main" val="0"/>
@@ -4231,7 +9925,7 @@
     </p:spTree>
     <p:extLst>
       <p:ext uri="{BB962C8B-B14F-4D97-AF65-F5344CB8AC3E}">
-        <p14:creationId xmlns:p14="http://schemas.microsoft.com/office/powerpoint/2010/main" val="3610948782"/>
+        <p14:creationId xmlns:p14="http://schemas.microsoft.com/office/powerpoint/2010/main" val="1661083396"/>
       </p:ext>
     </p:extLst>
   </p:cSld>
@@ -4534,4 +10228,299 @@
     </a:ext>
   </a:extLst>
 </a:theme>
+</file>
+
+<file path=ppt/theme/theme2.xml><?xml version="1.0" encoding="utf-8"?>
+<a:theme xmlns:a="http://schemas.openxmlformats.org/drawingml/2006/main" name="Тема Office">
+  <a:themeElements>
+    <a:clrScheme name="Стандартная">
+      <a:dk1>
+        <a:sysClr val="windowText" lastClr="000000"/>
+      </a:dk1>
+      <a:lt1>
+        <a:sysClr val="window" lastClr="FFFFFF"/>
+      </a:lt1>
+      <a:dk2>
+        <a:srgbClr val="44546A"/>
+      </a:dk2>
+      <a:lt2>
+        <a:srgbClr val="E7E6E6"/>
+      </a:lt2>
+      <a:accent1>
+        <a:srgbClr val="4472C4"/>
+      </a:accent1>
+      <a:accent2>
+        <a:srgbClr val="ED7D31"/>
+      </a:accent2>
+      <a:accent3>
+        <a:srgbClr val="A5A5A5"/>
+      </a:accent3>
+      <a:accent4>
+        <a:srgbClr val="FFC000"/>
+      </a:accent4>
+      <a:accent5>
+        <a:srgbClr val="5B9BD5"/>
+      </a:accent5>
+      <a:accent6>
+        <a:srgbClr val="70AD47"/>
+      </a:accent6>
+      <a:hlink>
+        <a:srgbClr val="0563C1"/>
+      </a:hlink>
+      <a:folHlink>
+        <a:srgbClr val="954F72"/>
+      </a:folHlink>
+    </a:clrScheme>
+    <a:fontScheme name="Стандартная">
+      <a:majorFont>
+        <a:latin typeface="Calibri Light" panose="020F0302020204030204"/>
+        <a:ea typeface=""/>
+        <a:cs typeface=""/>
+        <a:font script="Jpan" typeface="游ゴシック Light"/>
+        <a:font script="Hang" typeface="맑은 고딕"/>
+        <a:font script="Hans" typeface="等线 Light"/>
+        <a:font script="Hant" typeface="新細明體"/>
+        <a:font script="Arab" typeface="Times New Roman"/>
+        <a:font script="Hebr" typeface="Times New Roman"/>
+        <a:font script="Thai" typeface="Angsana New"/>
+        <a:font script="Ethi" typeface="Nyala"/>
+        <a:font script="Beng" typeface="Vrinda"/>
+        <a:font script="Gujr" typeface="Shruti"/>
+        <a:font script="Khmr" typeface="MoolBoran"/>
+        <a:font script="Knda" typeface="Tunga"/>
+        <a:font script="Guru" typeface="Raavi"/>
+        <a:font script="Cans" typeface="Euphemia"/>
+        <a:font script="Cher" typeface="Plantagenet Cherokee"/>
+        <a:font script="Yiii" typeface="Microsoft Yi Baiti"/>
+        <a:font script="Tibt" typeface="Microsoft Himalaya"/>
+        <a:font script="Thaa" typeface="MV Boli"/>
+        <a:font script="Deva" typeface="Mangal"/>
+        <a:font script="Telu" typeface="Gautami"/>
+        <a:font script="Taml" typeface="Latha"/>
+        <a:font script="Syrc" typeface="Estrangelo Edessa"/>
+        <a:font script="Orya" typeface="Kalinga"/>
+        <a:font script="Mlym" typeface="Kartika"/>
+        <a:font script="Laoo" typeface="DokChampa"/>
+        <a:font script="Sinh" typeface="Iskoola Pota"/>
+        <a:font script="Mong" typeface="Mongolian Baiti"/>
+        <a:font script="Viet" typeface="Times New Roman"/>
+        <a:font script="Uigh" typeface="Microsoft Uighur"/>
+        <a:font script="Geor" typeface="Sylfaen"/>
+        <a:font script="Armn" typeface="Arial"/>
+        <a:font script="Bugi" typeface="Leelawadee UI"/>
+        <a:font script="Bopo" typeface="Microsoft JhengHei"/>
+        <a:font script="Java" typeface="Javanese Text"/>
+        <a:font script="Lisu" typeface="Segoe UI"/>
+        <a:font script="Mymr" typeface="Myanmar Text"/>
+        <a:font script="Nkoo" typeface="Ebrima"/>
+        <a:font script="Olck" typeface="Nirmala UI"/>
+        <a:font script="Osma" typeface="Ebrima"/>
+        <a:font script="Phag" typeface="Phagspa"/>
+        <a:font script="Syrn" typeface="Estrangelo Edessa"/>
+        <a:font script="Syrj" typeface="Estrangelo Edessa"/>
+        <a:font script="Syre" typeface="Estrangelo Edessa"/>
+        <a:font script="Sora" typeface="Nirmala UI"/>
+        <a:font script="Tale" typeface="Microsoft Tai Le"/>
+        <a:font script="Talu" typeface="Microsoft New Tai Lue"/>
+        <a:font script="Tfng" typeface="Ebrima"/>
+      </a:majorFont>
+      <a:minorFont>
+        <a:latin typeface="Calibri" panose="020F0502020204030204"/>
+        <a:ea typeface=""/>
+        <a:cs typeface=""/>
+        <a:font script="Jpan" typeface="游ゴシック"/>
+        <a:font script="Hang" typeface="맑은 고딕"/>
+        <a:font script="Hans" typeface="等线"/>
+        <a:font script="Hant" typeface="新細明體"/>
+        <a:font script="Arab" typeface="Arial"/>
+        <a:font script="Hebr" typeface="Arial"/>
+        <a:font script="Thai" typeface="Cordia New"/>
+        <a:font script="Ethi" typeface="Nyala"/>
+        <a:font script="Beng" typeface="Vrinda"/>
+        <a:font script="Gujr" typeface="Shruti"/>
+        <a:font script="Khmr" typeface="DaunPenh"/>
+        <a:font script="Knda" typeface="Tunga"/>
+        <a:font script="Guru" typeface="Raavi"/>
+        <a:font script="Cans" typeface="Euphemia"/>
+        <a:font script="Cher" typeface="Plantagenet Cherokee"/>
+        <a:font script="Yiii" typeface="Microsoft Yi Baiti"/>
+        <a:font script="Tibt" typeface="Microsoft Himalaya"/>
+        <a:font script="Thaa" typeface="MV Boli"/>
+        <a:font script="Deva" typeface="Mangal"/>
+        <a:font script="Telu" typeface="Gautami"/>
+        <a:font script="Taml" typeface="Latha"/>
+        <a:font script="Syrc" typeface="Estrangelo Edessa"/>
+        <a:font script="Orya" typeface="Kalinga"/>
+        <a:font script="Mlym" typeface="Kartika"/>
+        <a:font script="Laoo" typeface="DokChampa"/>
+        <a:font script="Sinh" typeface="Iskoola Pota"/>
+        <a:font script="Mong" typeface="Mongolian Baiti"/>
+        <a:font script="Viet" typeface="Arial"/>
+        <a:font script="Uigh" typeface="Microsoft Uighur"/>
+        <a:font script="Geor" typeface="Sylfaen"/>
+        <a:font script="Armn" typeface="Arial"/>
+        <a:font script="Bugi" typeface="Leelawadee UI"/>
+        <a:font script="Bopo" typeface="Microsoft JhengHei"/>
+        <a:font script="Java" typeface="Javanese Text"/>
+        <a:font script="Lisu" typeface="Segoe UI"/>
+        <a:font script="Mymr" typeface="Myanmar Text"/>
+        <a:font script="Nkoo" typeface="Ebrima"/>
+        <a:font script="Olck" typeface="Nirmala UI"/>
+        <a:font script="Osma" typeface="Ebrima"/>
+        <a:font script="Phag" typeface="Phagspa"/>
+        <a:font script="Syrn" typeface="Estrangelo Edessa"/>
+        <a:font script="Syrj" typeface="Estrangelo Edessa"/>
+        <a:font script="Syre" typeface="Estrangelo Edessa"/>
+        <a:font script="Sora" typeface="Nirmala UI"/>
+        <a:font script="Tale" typeface="Microsoft Tai Le"/>
+        <a:font script="Talu" typeface="Microsoft New Tai Lue"/>
+        <a:font script="Tfng" typeface="Ebrima"/>
+      </a:minorFont>
+    </a:fontScheme>
+    <a:fmtScheme name="Стандартная">
+      <a:fillStyleLst>
+        <a:solidFill>
+          <a:schemeClr val="phClr"/>
+        </a:solidFill>
+        <a:gradFill rotWithShape="1">
+          <a:gsLst>
+            <a:gs pos="0">
+              <a:schemeClr val="phClr">
+                <a:lumMod val="110000"/>
+                <a:satMod val="105000"/>
+                <a:tint val="67000"/>
+              </a:schemeClr>
+            </a:gs>
+            <a:gs pos="50000">
+              <a:schemeClr val="phClr">
+                <a:lumMod val="105000"/>
+                <a:satMod val="103000"/>
+                <a:tint val="73000"/>
+              </a:schemeClr>
+            </a:gs>
+            <a:gs pos="100000">
+              <a:schemeClr val="phClr">
+                <a:lumMod val="105000"/>
+                <a:satMod val="109000"/>
+                <a:tint val="81000"/>
+              </a:schemeClr>
+            </a:gs>
+          </a:gsLst>
+          <a:lin ang="5400000" scaled="0"/>
+        </a:gradFill>
+        <a:gradFill rotWithShape="1">
+          <a:gsLst>
+            <a:gs pos="0">
+              <a:schemeClr val="phClr">
+                <a:satMod val="103000"/>
+                <a:lumMod val="102000"/>
+                <a:tint val="94000"/>
+              </a:schemeClr>
+            </a:gs>
+            <a:gs pos="50000">
+              <a:schemeClr val="phClr">
+                <a:satMod val="110000"/>
+                <a:lumMod val="100000"/>
+                <a:shade val="100000"/>
+              </a:schemeClr>
+            </a:gs>
+            <a:gs pos="100000">
+              <a:schemeClr val="phClr">
+                <a:lumMod val="99000"/>
+                <a:satMod val="120000"/>
+                <a:shade val="78000"/>
+              </a:schemeClr>
+            </a:gs>
+          </a:gsLst>
+          <a:lin ang="5400000" scaled="0"/>
+        </a:gradFill>
+      </a:fillStyleLst>
+      <a:lnStyleLst>
+        <a:ln w="6350" cap="flat" cmpd="sng" algn="ctr">
+          <a:solidFill>
+            <a:schemeClr val="phClr"/>
+          </a:solidFill>
+          <a:prstDash val="solid"/>
+          <a:miter lim="800000"/>
+        </a:ln>
+        <a:ln w="12700" cap="flat" cmpd="sng" algn="ctr">
+          <a:solidFill>
+            <a:schemeClr val="phClr"/>
+          </a:solidFill>
+          <a:prstDash val="solid"/>
+          <a:miter lim="800000"/>
+        </a:ln>
+        <a:ln w="19050" cap="flat" cmpd="sng" algn="ctr">
+          <a:solidFill>
+            <a:schemeClr val="phClr"/>
+          </a:solidFill>
+          <a:prstDash val="solid"/>
+          <a:miter lim="800000"/>
+        </a:ln>
+      </a:lnStyleLst>
+      <a:effectStyleLst>
+        <a:effectStyle>
+          <a:effectLst/>
+        </a:effectStyle>
+        <a:effectStyle>
+          <a:effectLst/>
+        </a:effectStyle>
+        <a:effectStyle>
+          <a:effectLst>
+            <a:outerShdw blurRad="57150" dist="19050" dir="5400000" algn="ctr" rotWithShape="0">
+              <a:srgbClr val="000000">
+                <a:alpha val="63000"/>
+              </a:srgbClr>
+            </a:outerShdw>
+          </a:effectLst>
+        </a:effectStyle>
+      </a:effectStyleLst>
+      <a:bgFillStyleLst>
+        <a:solidFill>
+          <a:schemeClr val="phClr"/>
+        </a:solidFill>
+        <a:solidFill>
+          <a:schemeClr val="phClr">
+            <a:tint val="95000"/>
+            <a:satMod val="170000"/>
+          </a:schemeClr>
+        </a:solidFill>
+        <a:gradFill rotWithShape="1">
+          <a:gsLst>
+            <a:gs pos="0">
+              <a:schemeClr val="phClr">
+                <a:tint val="93000"/>
+                <a:satMod val="150000"/>
+                <a:shade val="98000"/>
+                <a:lumMod val="102000"/>
+              </a:schemeClr>
+            </a:gs>
+            <a:gs pos="50000">
+              <a:schemeClr val="phClr">
+                <a:tint val="98000"/>
+                <a:satMod val="130000"/>
+                <a:shade val="90000"/>
+                <a:lumMod val="103000"/>
+              </a:schemeClr>
+            </a:gs>
+            <a:gs pos="100000">
+              <a:schemeClr val="phClr">
+                <a:shade val="63000"/>
+                <a:satMod val="120000"/>
+              </a:schemeClr>
+            </a:gs>
+          </a:gsLst>
+          <a:lin ang="5400000" scaled="0"/>
+        </a:gradFill>
+      </a:bgFillStyleLst>
+    </a:fmtScheme>
+  </a:themeElements>
+  <a:objectDefaults/>
+  <a:extraClrSchemeLst/>
+  <a:extLst>
+    <a:ext uri="{05A4C25C-085E-4340-85A3-A5531E510DB2}">
+      <thm15:themeFamily xmlns:thm15="http://schemas.microsoft.com/office/thememl/2012/main" name="Office Theme" id="{62F939B6-93AF-4DB8-9C6B-D6C7DFDC589F}" vid="{4A3C46E8-61CC-4603-A589-7422A47A8E4A}"/>
+    </a:ext>
+  </a:extLst>
+</a:theme>
 </file>